--- a/presentations/angular2.pptx
+++ b/presentations/angular2.pptx
@@ -5,7 +5,7 @@
     <p:sldMasterId id="2147483660" r:id="rId1"/>
   </p:sldMasterIdLst>
   <p:notesMasterIdLst>
-    <p:notesMasterId r:id="rId33"/>
+    <p:notesMasterId r:id="rId35"/>
   </p:notesMasterIdLst>
   <p:sldIdLst>
     <p:sldId id="256" r:id="rId2"/>
@@ -31,14 +31,16 @@
     <p:sldId id="287" r:id="rId22"/>
     <p:sldId id="285" r:id="rId23"/>
     <p:sldId id="274" r:id="rId24"/>
-    <p:sldId id="275" r:id="rId25"/>
-    <p:sldId id="276" r:id="rId26"/>
-    <p:sldId id="278" r:id="rId27"/>
-    <p:sldId id="279" r:id="rId28"/>
-    <p:sldId id="280" r:id="rId29"/>
-    <p:sldId id="281" r:id="rId30"/>
-    <p:sldId id="282" r:id="rId31"/>
-    <p:sldId id="286" r:id="rId32"/>
+    <p:sldId id="290" r:id="rId25"/>
+    <p:sldId id="275" r:id="rId26"/>
+    <p:sldId id="276" r:id="rId27"/>
+    <p:sldId id="278" r:id="rId28"/>
+    <p:sldId id="279" r:id="rId29"/>
+    <p:sldId id="280" r:id="rId30"/>
+    <p:sldId id="281" r:id="rId31"/>
+    <p:sldId id="291" r:id="rId32"/>
+    <p:sldId id="282" r:id="rId33"/>
+    <p:sldId id="286" r:id="rId34"/>
   </p:sldIdLst>
   <p:sldSz cx="12192000" cy="6858000"/>
   <p:notesSz cx="6858000" cy="9144000"/>
@@ -1117,6 +1119,13 @@
         </dgm:presLayoutVars>
       </dgm:prSet>
       <dgm:spPr/>
+      <dgm:t>
+        <a:bodyPr/>
+        <a:lstStyle/>
+        <a:p>
+          <a:endParaRPr lang="bg-BG"/>
+        </a:p>
+      </dgm:t>
     </dgm:pt>
     <dgm:pt modelId="{40AAF5A4-B6F2-4C35-99D5-FA3FDDDB240E}" type="pres">
       <dgm:prSet presAssocID="{07D0D4BA-D025-4E1B-9C08-FEE17D4D5327}" presName="levelTx" presStyleLbl="revTx" presStyleIdx="0" presStyleCnt="0">
@@ -1126,6 +1135,13 @@
         </dgm:presLayoutVars>
       </dgm:prSet>
       <dgm:spPr/>
+      <dgm:t>
+        <a:bodyPr/>
+        <a:lstStyle/>
+        <a:p>
+          <a:endParaRPr lang="bg-BG"/>
+        </a:p>
+      </dgm:t>
     </dgm:pt>
     <dgm:pt modelId="{826130F0-11EB-49F7-8DF6-0705DC553D78}" type="pres">
       <dgm:prSet presAssocID="{C9B450C7-645D-4981-9000-C91DC27912F3}" presName="Name8" presStyleCnt="0"/>
@@ -1139,6 +1155,13 @@
         </dgm:presLayoutVars>
       </dgm:prSet>
       <dgm:spPr/>
+      <dgm:t>
+        <a:bodyPr/>
+        <a:lstStyle/>
+        <a:p>
+          <a:endParaRPr lang="bg-BG"/>
+        </a:p>
+      </dgm:t>
     </dgm:pt>
     <dgm:pt modelId="{D893F61A-7CD3-43D8-AA66-D7A7998BB54D}" type="pres">
       <dgm:prSet presAssocID="{C9B450C7-645D-4981-9000-C91DC27912F3}" presName="levelTx" presStyleLbl="revTx" presStyleIdx="0" presStyleCnt="0">
@@ -1148,6 +1171,13 @@
         </dgm:presLayoutVars>
       </dgm:prSet>
       <dgm:spPr/>
+      <dgm:t>
+        <a:bodyPr/>
+        <a:lstStyle/>
+        <a:p>
+          <a:endParaRPr lang="bg-BG"/>
+        </a:p>
+      </dgm:t>
     </dgm:pt>
     <dgm:pt modelId="{2A87F081-50F6-4E23-AEDF-14792C32904B}" type="pres">
       <dgm:prSet presAssocID="{F5C6CF61-C630-48F4-B82B-6FC7032F71B7}" presName="Name8" presStyleCnt="0"/>
@@ -1161,6 +1191,13 @@
         </dgm:presLayoutVars>
       </dgm:prSet>
       <dgm:spPr/>
+      <dgm:t>
+        <a:bodyPr/>
+        <a:lstStyle/>
+        <a:p>
+          <a:endParaRPr lang="bg-BG"/>
+        </a:p>
+      </dgm:t>
     </dgm:pt>
     <dgm:pt modelId="{FDB5F634-DD73-412D-9344-585D7EABB1AD}" type="pres">
       <dgm:prSet presAssocID="{F5C6CF61-C630-48F4-B82B-6FC7032F71B7}" presName="levelTx" presStyleLbl="revTx" presStyleIdx="0" presStyleCnt="0">
@@ -1170,6 +1207,13 @@
         </dgm:presLayoutVars>
       </dgm:prSet>
       <dgm:spPr/>
+      <dgm:t>
+        <a:bodyPr/>
+        <a:lstStyle/>
+        <a:p>
+          <a:endParaRPr lang="bg-BG"/>
+        </a:p>
+      </dgm:t>
     </dgm:pt>
     <dgm:pt modelId="{C3F286E1-D4AE-444C-B94A-F44940D469F0}" type="pres">
       <dgm:prSet presAssocID="{D2338D01-86D4-46E4-83A4-4F16550A0F6F}" presName="Name8" presStyleCnt="0"/>
@@ -1183,6 +1227,13 @@
         </dgm:presLayoutVars>
       </dgm:prSet>
       <dgm:spPr/>
+      <dgm:t>
+        <a:bodyPr/>
+        <a:lstStyle/>
+        <a:p>
+          <a:endParaRPr lang="bg-BG"/>
+        </a:p>
+      </dgm:t>
     </dgm:pt>
     <dgm:pt modelId="{27028588-A2E5-4854-8DCD-6D13C24B19A6}" type="pres">
       <dgm:prSet presAssocID="{D2338D01-86D4-46E4-83A4-4F16550A0F6F}" presName="levelTx" presStyleLbl="revTx" presStyleIdx="0" presStyleCnt="0">
@@ -1192,6 +1243,13 @@
         </dgm:presLayoutVars>
       </dgm:prSet>
       <dgm:spPr/>
+      <dgm:t>
+        <a:bodyPr/>
+        <a:lstStyle/>
+        <a:p>
+          <a:endParaRPr lang="bg-BG"/>
+        </a:p>
+      </dgm:t>
     </dgm:pt>
   </dgm:ptLst>
   <dgm:cxnLst>
@@ -1280,12 +1338,12 @@
         </a:fontRef>
       </dsp:style>
       <dsp:txBody>
-        <a:bodyPr spcFirstLastPara="0" vert="horz" wrap="square" lIns="58420" tIns="58420" rIns="58420" bIns="58420" numCol="1" spcCol="1270" anchor="ctr" anchorCtr="0">
+        <a:bodyPr spcFirstLastPara="0" vert="horz" wrap="square" lIns="54610" tIns="54610" rIns="54610" bIns="54610" numCol="1" spcCol="1270" anchor="ctr" anchorCtr="0">
           <a:noAutofit/>
         </a:bodyPr>
         <a:lstStyle/>
         <a:p>
-          <a:pPr marL="0" lvl="0" indent="0" algn="ctr" defTabSz="2044700">
+          <a:pPr lvl="0" algn="ctr" defTabSz="1911350">
             <a:lnSpc>
               <a:spcPct val="90000"/>
             </a:lnSpc>
@@ -1295,10 +1353,9 @@
             <a:spcAft>
               <a:spcPct val="35000"/>
             </a:spcAft>
-            <a:buNone/>
           </a:pPr>
           <a:r>
-            <a:rPr lang="en-US" sz="4600" kern="1200" dirty="0">
+            <a:rPr lang="en-US" sz="4300" kern="1200" dirty="0">
               <a:solidFill>
                 <a:schemeClr val="bg1"/>
               </a:solidFill>
@@ -1353,12 +1410,12 @@
         </a:fontRef>
       </dsp:style>
       <dsp:txBody>
-        <a:bodyPr spcFirstLastPara="0" vert="horz" wrap="square" lIns="58420" tIns="58420" rIns="58420" bIns="58420" numCol="1" spcCol="1270" anchor="ctr" anchorCtr="0">
+        <a:bodyPr spcFirstLastPara="0" vert="horz" wrap="square" lIns="54610" tIns="54610" rIns="54610" bIns="54610" numCol="1" spcCol="1270" anchor="ctr" anchorCtr="0">
           <a:noAutofit/>
         </a:bodyPr>
         <a:lstStyle/>
         <a:p>
-          <a:pPr marL="0" lvl="0" indent="0" algn="ctr" defTabSz="2044700">
+          <a:pPr lvl="0" algn="ctr" defTabSz="1911350">
             <a:lnSpc>
               <a:spcPct val="90000"/>
             </a:lnSpc>
@@ -1368,10 +1425,9 @@
             <a:spcAft>
               <a:spcPct val="35000"/>
             </a:spcAft>
-            <a:buNone/>
           </a:pPr>
           <a:r>
-            <a:rPr lang="en-US" sz="4600" kern="1200" dirty="0">
+            <a:rPr lang="en-US" sz="4300" kern="1200" dirty="0">
               <a:solidFill>
                 <a:schemeClr val="bg1"/>
               </a:solidFill>
@@ -1426,12 +1482,12 @@
         </a:fontRef>
       </dsp:style>
       <dsp:txBody>
-        <a:bodyPr spcFirstLastPara="0" vert="horz" wrap="square" lIns="58420" tIns="58420" rIns="58420" bIns="58420" numCol="1" spcCol="1270" anchor="ctr" anchorCtr="0">
+        <a:bodyPr spcFirstLastPara="0" vert="horz" wrap="square" lIns="54610" tIns="54610" rIns="54610" bIns="54610" numCol="1" spcCol="1270" anchor="ctr" anchorCtr="0">
           <a:noAutofit/>
         </a:bodyPr>
         <a:lstStyle/>
         <a:p>
-          <a:pPr marL="0" lvl="0" indent="0" algn="ctr" defTabSz="2044700">
+          <a:pPr lvl="0" algn="ctr" defTabSz="1911350">
             <a:lnSpc>
               <a:spcPct val="90000"/>
             </a:lnSpc>
@@ -1441,10 +1497,9 @@
             <a:spcAft>
               <a:spcPct val="35000"/>
             </a:spcAft>
-            <a:buNone/>
           </a:pPr>
           <a:r>
-            <a:rPr lang="en-US" sz="4600" kern="1200" dirty="0">
+            <a:rPr lang="en-US" sz="4300" kern="1200" dirty="0">
               <a:solidFill>
                 <a:schemeClr val="bg1"/>
               </a:solidFill>
@@ -1499,12 +1554,12 @@
         </a:fontRef>
       </dsp:style>
       <dsp:txBody>
-        <a:bodyPr spcFirstLastPara="0" vert="horz" wrap="square" lIns="58420" tIns="58420" rIns="58420" bIns="58420" numCol="1" spcCol="1270" anchor="ctr" anchorCtr="0">
+        <a:bodyPr spcFirstLastPara="0" vert="horz" wrap="square" lIns="54610" tIns="54610" rIns="54610" bIns="54610" numCol="1" spcCol="1270" anchor="ctr" anchorCtr="0">
           <a:noAutofit/>
         </a:bodyPr>
         <a:lstStyle/>
         <a:p>
-          <a:pPr marL="0" lvl="0" indent="0" algn="ctr" defTabSz="2044700">
+          <a:pPr lvl="0" algn="ctr" defTabSz="1911350">
             <a:lnSpc>
               <a:spcPct val="90000"/>
             </a:lnSpc>
@@ -1514,10 +1569,9 @@
             <a:spcAft>
               <a:spcPct val="35000"/>
             </a:spcAft>
-            <a:buNone/>
           </a:pPr>
           <a:r>
-            <a:rPr lang="en-US" sz="4600" kern="1200" dirty="0">
+            <a:rPr lang="en-US" sz="4300" kern="1200" dirty="0">
               <a:solidFill>
                 <a:schemeClr val="bg1"/>
               </a:solidFill>
@@ -2883,7 +2937,7 @@
           <a:p>
             <a:fld id="{40C9EC12-D619-4239-BA0B-F64B757C48A8}" type="datetimeFigureOut">
               <a:rPr lang="bg-BG" smtClean="0"/>
-              <a:t>5.3.2017 г.</a:t>
+              <a:t>10.3.2017 г.</a:t>
             </a:fld>
             <a:endParaRPr lang="bg-BG"/>
           </a:p>
@@ -3505,7 +3559,7 @@
             <a:fld id="{87DE6118-2437-4B30-8E3C-4D2BE6020583}" type="datetimeFigureOut">
               <a:rPr lang="en-US" smtClean="0"/>
               <a:pPr/>
-              <a:t>3/5/2017</a:t>
+              <a:t>3/10/2017</a:t>
             </a:fld>
             <a:endParaRPr lang="en-US" dirty="0"/>
           </a:p>
@@ -3836,7 +3890,7 @@
           <a:p>
             <a:fld id="{87DE6118-2437-4B30-8E3C-4D2BE6020583}" type="datetimeFigureOut">
               <a:rPr lang="en-US" smtClean="0"/>
-              <a:t>3/5/2017</a:t>
+              <a:t>3/10/2017</a:t>
             </a:fld>
             <a:endParaRPr lang="en-US" dirty="0"/>
           </a:p>
@@ -4016,7 +4070,7 @@
           <a:p>
             <a:fld id="{87DE6118-2437-4B30-8E3C-4D2BE6020583}" type="datetimeFigureOut">
               <a:rPr lang="en-US" smtClean="0"/>
-              <a:t>3/5/2017</a:t>
+              <a:t>3/10/2017</a:t>
             </a:fld>
             <a:endParaRPr lang="en-US" dirty="0"/>
           </a:p>
@@ -4186,7 +4240,7 @@
           <a:p>
             <a:fld id="{87DE6118-2437-4B30-8E3C-4D2BE6020583}" type="datetimeFigureOut">
               <a:rPr lang="en-US" smtClean="0"/>
-              <a:t>3/5/2017</a:t>
+              <a:t>3/10/2017</a:t>
             </a:fld>
             <a:endParaRPr lang="en-US" dirty="0"/>
           </a:p>
@@ -4470,7 +4524,7 @@
             <a:fld id="{87DE6118-2437-4B30-8E3C-4D2BE6020583}" type="datetimeFigureOut">
               <a:rPr lang="en-US" smtClean="0"/>
               <a:pPr/>
-              <a:t>3/5/2017</a:t>
+              <a:t>3/10/2017</a:t>
             </a:fld>
             <a:endParaRPr lang="en-US" dirty="0"/>
           </a:p>
@@ -4865,7 +4919,7 @@
           <a:p>
             <a:fld id="{87DE6118-2437-4B30-8E3C-4D2BE6020583}" type="datetimeFigureOut">
               <a:rPr lang="en-US" smtClean="0"/>
-              <a:t>3/5/2017</a:t>
+              <a:t>3/10/2017</a:t>
             </a:fld>
             <a:endParaRPr lang="en-US" dirty="0"/>
           </a:p>
@@ -5342,7 +5396,7 @@
           <a:p>
             <a:fld id="{87DE6118-2437-4B30-8E3C-4D2BE6020583}" type="datetimeFigureOut">
               <a:rPr lang="en-US" smtClean="0"/>
-              <a:t>3/5/2017</a:t>
+              <a:t>3/10/2017</a:t>
             </a:fld>
             <a:endParaRPr lang="en-US" dirty="0"/>
           </a:p>
@@ -5460,7 +5514,7 @@
           <a:p>
             <a:fld id="{87DE6118-2437-4B30-8E3C-4D2BE6020583}" type="datetimeFigureOut">
               <a:rPr lang="en-US" smtClean="0"/>
-              <a:t>3/5/2017</a:t>
+              <a:t>3/10/2017</a:t>
             </a:fld>
             <a:endParaRPr lang="en-US" dirty="0"/>
           </a:p>
@@ -5555,7 +5609,7 @@
           <a:p>
             <a:fld id="{87DE6118-2437-4B30-8E3C-4D2BE6020583}" type="datetimeFigureOut">
               <a:rPr lang="en-US" smtClean="0"/>
-              <a:t>3/5/2017</a:t>
+              <a:t>3/10/2017</a:t>
             </a:fld>
             <a:endParaRPr lang="en-US" dirty="0"/>
           </a:p>
@@ -5902,7 +5956,7 @@
             <a:fld id="{87DE6118-2437-4B30-8E3C-4D2BE6020583}" type="datetimeFigureOut">
               <a:rPr lang="en-US" smtClean="0"/>
               <a:pPr/>
-              <a:t>3/5/2017</a:t>
+              <a:t>3/10/2017</a:t>
             </a:fld>
             <a:endParaRPr lang="en-US" dirty="0"/>
           </a:p>
@@ -6292,7 +6346,7 @@
             <a:fld id="{87DE6118-2437-4B30-8E3C-4D2BE6020583}" type="datetimeFigureOut">
               <a:rPr lang="en-US" smtClean="0"/>
               <a:pPr/>
-              <a:t>3/5/2017</a:t>
+              <a:t>3/10/2017</a:t>
             </a:fld>
             <a:endParaRPr lang="en-US" dirty="0"/>
           </a:p>
@@ -6572,7 +6626,7 @@
             <a:fld id="{87DE6118-2437-4B30-8E3C-4D2BE6020583}" type="datetimeFigureOut">
               <a:rPr lang="en-US" smtClean="0"/>
               <a:pPr/>
-              <a:t>3/5/2017</a:t>
+              <a:t>3/10/2017</a:t>
             </a:fld>
             <a:endParaRPr lang="en-US" dirty="0"/>
           </a:p>
@@ -7133,13 +7187,13 @@
         <p:spPr/>
         <p:txBody>
           <a:bodyPr>
-            <a:normAutofit fontScale="92500" lnSpcReduction="10000"/>
+            <a:noAutofit/>
           </a:bodyPr>
           <a:lstStyle/>
           <a:p>
             <a:pPr algn="l"/>
             <a:r>
-              <a:rPr lang="en-US" dirty="0">
+              <a:rPr lang="en-US" sz="2100" dirty="0">
                 <a:solidFill>
                   <a:schemeClr val="bg1">
                     <a:lumMod val="50000"/>
@@ -7152,7 +7206,7 @@
           <a:p>
             <a:pPr algn="l"/>
             <a:r>
-              <a:rPr lang="en-US" dirty="0">
+              <a:rPr lang="en-US" sz="2100" dirty="0">
                 <a:solidFill>
                   <a:schemeClr val="bg1">
                     <a:lumMod val="50000"/>
@@ -7165,7 +7219,7 @@
           <a:p>
             <a:pPr algn="l"/>
             <a:r>
-              <a:rPr lang="en-US" dirty="0">
+              <a:rPr lang="en-US" sz="2100" dirty="0">
                 <a:solidFill>
                   <a:schemeClr val="bg1">
                     <a:lumMod val="50000"/>
@@ -7175,7 +7229,7 @@
               <a:t>@</a:t>
             </a:r>
             <a:r>
-              <a:rPr lang="en-US" dirty="0" err="1">
+              <a:rPr lang="en-US" sz="2100" dirty="0" smtClean="0">
                 <a:solidFill>
                   <a:schemeClr val="bg1">
                     <a:lumMod val="50000"/>
@@ -7184,7 +7238,20 @@
               </a:rPr>
               <a:t>pkyurkchiev</a:t>
             </a:r>
-            <a:endParaRPr lang="bg-BG" dirty="0">
+          </a:p>
+          <a:p>
+            <a:pPr algn="l"/>
+            <a:r>
+              <a:rPr lang="en-US" sz="2100" dirty="0">
+                <a:solidFill>
+                  <a:schemeClr val="bg1">
+                    <a:lumMod val="50000"/>
+                  </a:schemeClr>
+                </a:solidFill>
+              </a:rPr>
+              <a:t>https://github.com/pkyurkchiev</a:t>
+            </a:r>
+            <a:endParaRPr lang="bg-BG" sz="2100" dirty="0">
               <a:solidFill>
                 <a:schemeClr val="bg1">
                   <a:lumMod val="50000"/>
@@ -21534,6 +21601,82 @@
 <file path=ppt/slides/slide24.xml><?xml version="1.0" encoding="utf-8"?>
 <p:sld xmlns:a="http://schemas.openxmlformats.org/drawingml/2006/main" xmlns:r="http://schemas.openxmlformats.org/officeDocument/2006/relationships" xmlns:p="http://schemas.openxmlformats.org/presentationml/2006/main">
   <p:cSld>
+    <p:spTree>
+      <p:nvGrpSpPr>
+        <p:cNvPr id="1" name=""/>
+        <p:cNvGrpSpPr/>
+        <p:nvPr/>
+      </p:nvGrpSpPr>
+      <p:grpSpPr>
+        <a:xfrm>
+          <a:off x="0" y="0"/>
+          <a:ext cx="0" cy="0"/>
+          <a:chOff x="0" y="0"/>
+          <a:chExt cx="0" cy="0"/>
+        </a:xfrm>
+      </p:grpSpPr>
+      <p:sp>
+        <p:nvSpPr>
+          <p:cNvPr id="4" name="Title 3"/>
+          <p:cNvSpPr>
+            <a:spLocks noGrp="1"/>
+          </p:cNvSpPr>
+          <p:nvPr>
+            <p:ph type="title"/>
+          </p:nvPr>
+        </p:nvSpPr>
+        <p:spPr/>
+        <p:txBody>
+          <a:bodyPr/>
+          <a:lstStyle/>
+          <a:p>
+            <a:r>
+              <a:rPr lang="en-US" dirty="0"/>
+              <a:t>Demo </a:t>
+            </a:r>
+            <a:r>
+              <a:rPr lang="en-US" dirty="0" smtClean="0"/>
+              <a:t>data Binding</a:t>
+            </a:r>
+            <a:endParaRPr lang="bg-BG" dirty="0"/>
+          </a:p>
+        </p:txBody>
+      </p:sp>
+      <p:sp>
+        <p:nvSpPr>
+          <p:cNvPr id="5" name="Text Placeholder 4"/>
+          <p:cNvSpPr>
+            <a:spLocks noGrp="1"/>
+          </p:cNvSpPr>
+          <p:nvPr>
+            <p:ph type="body" idx="1"/>
+          </p:nvPr>
+        </p:nvSpPr>
+        <p:spPr/>
+        <p:txBody>
+          <a:bodyPr/>
+          <a:lstStyle/>
+          <a:p>
+            <a:endParaRPr lang="bg-BG"/>
+          </a:p>
+        </p:txBody>
+      </p:sp>
+    </p:spTree>
+    <p:extLst>
+      <p:ext uri="{BB962C8B-B14F-4D97-AF65-F5344CB8AC3E}">
+        <p14:creationId xmlns:p14="http://schemas.microsoft.com/office/powerpoint/2010/main" val="3247365149"/>
+      </p:ext>
+    </p:extLst>
+  </p:cSld>
+  <p:clrMapOvr>
+    <a:masterClrMapping/>
+  </p:clrMapOvr>
+</p:sld>
+</file>
+
+<file path=ppt/slides/slide25.xml><?xml version="1.0" encoding="utf-8"?>
+<p:sld xmlns:a="http://schemas.openxmlformats.org/drawingml/2006/main" xmlns:r="http://schemas.openxmlformats.org/officeDocument/2006/relationships" xmlns:p="http://schemas.openxmlformats.org/presentationml/2006/main">
+  <p:cSld>
     <p:bg>
       <p:bgPr>
         <a:solidFill>
@@ -21654,7 +21797,7 @@
 </p:sld>
 </file>
 
-<file path=ppt/slides/slide25.xml><?xml version="1.0" encoding="utf-8"?>
+<file path=ppt/slides/slide26.xml><?xml version="1.0" encoding="utf-8"?>
 <p:sld xmlns:a="http://schemas.openxmlformats.org/drawingml/2006/main" xmlns:r="http://schemas.openxmlformats.org/officeDocument/2006/relationships" xmlns:p="http://schemas.openxmlformats.org/presentationml/2006/main">
   <p:cSld>
     <p:spTree>
@@ -22588,7 +22731,7 @@
 </p:sld>
 </file>
 
-<file path=ppt/slides/slide26.xml><?xml version="1.0" encoding="utf-8"?>
+<file path=ppt/slides/slide27.xml><?xml version="1.0" encoding="utf-8"?>
 <p:sld xmlns:a="http://schemas.openxmlformats.org/drawingml/2006/main" xmlns:r="http://schemas.openxmlformats.org/officeDocument/2006/relationships" xmlns:p="http://schemas.openxmlformats.org/presentationml/2006/main">
   <p:cSld>
     <p:spTree>
@@ -22956,7 +23099,7 @@
 </p:sld>
 </file>
 
-<file path=ppt/slides/slide27.xml><?xml version="1.0" encoding="utf-8"?>
+<file path=ppt/slides/slide28.xml><?xml version="1.0" encoding="utf-8"?>
 <p:sld xmlns:a="http://schemas.openxmlformats.org/drawingml/2006/main" xmlns:r="http://schemas.openxmlformats.org/officeDocument/2006/relationships" xmlns:p="http://schemas.openxmlformats.org/presentationml/2006/main">
   <p:cSld>
     <p:bg>
@@ -23031,7 +23174,7 @@
 </p:sld>
 </file>
 
-<file path=ppt/slides/slide28.xml><?xml version="1.0" encoding="utf-8"?>
+<file path=ppt/slides/slide29.xml><?xml version="1.0" encoding="utf-8"?>
 <p:sld xmlns:a="http://schemas.openxmlformats.org/drawingml/2006/main" xmlns:r="http://schemas.openxmlformats.org/officeDocument/2006/relationships" xmlns:p="http://schemas.openxmlformats.org/presentationml/2006/main">
   <p:cSld>
     <p:spTree>
@@ -23512,79 +23655,6 @@
 </p:sld>
 </file>
 
-<file path=ppt/slides/slide29.xml><?xml version="1.0" encoding="utf-8"?>
-<p:sld xmlns:a="http://schemas.openxmlformats.org/drawingml/2006/main" xmlns:r="http://schemas.openxmlformats.org/officeDocument/2006/relationships" xmlns:p="http://schemas.openxmlformats.org/presentationml/2006/main">
-  <p:cSld>
-    <p:spTree>
-      <p:nvGrpSpPr>
-        <p:cNvPr id="1" name=""/>
-        <p:cNvGrpSpPr/>
-        <p:nvPr/>
-      </p:nvGrpSpPr>
-      <p:grpSpPr>
-        <a:xfrm>
-          <a:off x="0" y="0"/>
-          <a:ext cx="0" cy="0"/>
-          <a:chOff x="0" y="0"/>
-          <a:chExt cx="0" cy="0"/>
-        </a:xfrm>
-      </p:grpSpPr>
-      <p:sp>
-        <p:nvSpPr>
-          <p:cNvPr id="2" name="Title 1"/>
-          <p:cNvSpPr>
-            <a:spLocks noGrp="1"/>
-          </p:cNvSpPr>
-          <p:nvPr>
-            <p:ph type="title"/>
-          </p:nvPr>
-        </p:nvSpPr>
-        <p:spPr/>
-        <p:txBody>
-          <a:bodyPr/>
-          <a:lstStyle/>
-          <a:p>
-            <a:endParaRPr lang="bg-BG"/>
-          </a:p>
-        </p:txBody>
-      </p:sp>
-      <p:pic>
-        <p:nvPicPr>
-          <p:cNvPr id="3" name="Content Placeholder 5"/>
-          <p:cNvPicPr>
-            <a:picLocks noChangeAspect="1"/>
-          </p:cNvPicPr>
-          <p:nvPr/>
-        </p:nvPicPr>
-        <p:blipFill>
-          <a:blip r:embed="rId2"/>
-          <a:stretch>
-            <a:fillRect/>
-          </a:stretch>
-        </p:blipFill>
-        <p:spPr>
-          <a:xfrm>
-            <a:off x="11078383" y="91119"/>
-            <a:ext cx="886383" cy="1497651"/>
-          </a:xfrm>
-          <a:prstGeom prst="rect">
-            <a:avLst/>
-          </a:prstGeom>
-        </p:spPr>
-      </p:pic>
-    </p:spTree>
-    <p:extLst>
-      <p:ext uri="{BB962C8B-B14F-4D97-AF65-F5344CB8AC3E}">
-        <p14:creationId xmlns:p14="http://schemas.microsoft.com/office/powerpoint/2010/main" val="681104045"/>
-      </p:ext>
-    </p:extLst>
-  </p:cSld>
-  <p:clrMapOvr>
-    <a:masterClrMapping/>
-  </p:clrMapOvr>
-</p:sld>
-</file>
-
 <file path=ppt/slides/slide3.xml><?xml version="1.0" encoding="utf-8"?>
 <p:sld xmlns:a="http://schemas.openxmlformats.org/drawingml/2006/main" xmlns:r="http://schemas.openxmlformats.org/officeDocument/2006/relationships" xmlns:p="http://schemas.openxmlformats.org/presentationml/2006/main">
   <p:cSld>
@@ -23695,6 +23765,155 @@
 </file>
 
 <file path=ppt/slides/slide30.xml><?xml version="1.0" encoding="utf-8"?>
+<p:sld xmlns:a="http://schemas.openxmlformats.org/drawingml/2006/main" xmlns:r="http://schemas.openxmlformats.org/officeDocument/2006/relationships" xmlns:p="http://schemas.openxmlformats.org/presentationml/2006/main">
+  <p:cSld>
+    <p:spTree>
+      <p:nvGrpSpPr>
+        <p:cNvPr id="1" name=""/>
+        <p:cNvGrpSpPr/>
+        <p:nvPr/>
+      </p:nvGrpSpPr>
+      <p:grpSpPr>
+        <a:xfrm>
+          <a:off x="0" y="0"/>
+          <a:ext cx="0" cy="0"/>
+          <a:chOff x="0" y="0"/>
+          <a:chExt cx="0" cy="0"/>
+        </a:xfrm>
+      </p:grpSpPr>
+      <p:sp>
+        <p:nvSpPr>
+          <p:cNvPr id="2" name="Title 1"/>
+          <p:cNvSpPr>
+            <a:spLocks noGrp="1"/>
+          </p:cNvSpPr>
+          <p:nvPr>
+            <p:ph type="title"/>
+          </p:nvPr>
+        </p:nvSpPr>
+        <p:spPr/>
+        <p:txBody>
+          <a:bodyPr/>
+          <a:lstStyle/>
+          <a:p>
+            <a:endParaRPr lang="bg-BG"/>
+          </a:p>
+        </p:txBody>
+      </p:sp>
+      <p:pic>
+        <p:nvPicPr>
+          <p:cNvPr id="3" name="Content Placeholder 5"/>
+          <p:cNvPicPr>
+            <a:picLocks noChangeAspect="1"/>
+          </p:cNvPicPr>
+          <p:nvPr/>
+        </p:nvPicPr>
+        <p:blipFill>
+          <a:blip r:embed="rId2"/>
+          <a:stretch>
+            <a:fillRect/>
+          </a:stretch>
+        </p:blipFill>
+        <p:spPr>
+          <a:xfrm>
+            <a:off x="11078383" y="91119"/>
+            <a:ext cx="886383" cy="1497651"/>
+          </a:xfrm>
+          <a:prstGeom prst="rect">
+            <a:avLst/>
+          </a:prstGeom>
+        </p:spPr>
+      </p:pic>
+    </p:spTree>
+    <p:extLst>
+      <p:ext uri="{BB962C8B-B14F-4D97-AF65-F5344CB8AC3E}">
+        <p14:creationId xmlns:p14="http://schemas.microsoft.com/office/powerpoint/2010/main" val="681104045"/>
+      </p:ext>
+    </p:extLst>
+  </p:cSld>
+  <p:clrMapOvr>
+    <a:masterClrMapping/>
+  </p:clrMapOvr>
+</p:sld>
+</file>
+
+<file path=ppt/slides/slide31.xml><?xml version="1.0" encoding="utf-8"?>
+<p:sld xmlns:a="http://schemas.openxmlformats.org/drawingml/2006/main" xmlns:r="http://schemas.openxmlformats.org/officeDocument/2006/relationships" xmlns:p="http://schemas.openxmlformats.org/presentationml/2006/main">
+  <p:cSld>
+    <p:spTree>
+      <p:nvGrpSpPr>
+        <p:cNvPr id="1" name=""/>
+        <p:cNvGrpSpPr/>
+        <p:nvPr/>
+      </p:nvGrpSpPr>
+      <p:grpSpPr>
+        <a:xfrm>
+          <a:off x="0" y="0"/>
+          <a:ext cx="0" cy="0"/>
+          <a:chOff x="0" y="0"/>
+          <a:chExt cx="0" cy="0"/>
+        </a:xfrm>
+      </p:grpSpPr>
+      <p:sp>
+        <p:nvSpPr>
+          <p:cNvPr id="4" name="Title 3"/>
+          <p:cNvSpPr>
+            <a:spLocks noGrp="1"/>
+          </p:cNvSpPr>
+          <p:nvPr>
+            <p:ph type="title"/>
+          </p:nvPr>
+        </p:nvSpPr>
+        <p:spPr/>
+        <p:txBody>
+          <a:bodyPr/>
+          <a:lstStyle/>
+          <a:p>
+            <a:r>
+              <a:rPr lang="en-US"/>
+              <a:t>Demo </a:t>
+            </a:r>
+            <a:r>
+              <a:rPr lang="en-US" smtClean="0"/>
+              <a:t>Modules</a:t>
+            </a:r>
+            <a:endParaRPr lang="bg-BG" dirty="0"/>
+          </a:p>
+        </p:txBody>
+      </p:sp>
+      <p:sp>
+        <p:nvSpPr>
+          <p:cNvPr id="5" name="Text Placeholder 4"/>
+          <p:cNvSpPr>
+            <a:spLocks noGrp="1"/>
+          </p:cNvSpPr>
+          <p:nvPr>
+            <p:ph type="body" idx="1"/>
+          </p:nvPr>
+        </p:nvSpPr>
+        <p:spPr/>
+        <p:txBody>
+          <a:bodyPr/>
+          <a:lstStyle/>
+          <a:p>
+            <a:endParaRPr lang="bg-BG"/>
+          </a:p>
+        </p:txBody>
+      </p:sp>
+    </p:spTree>
+    <p:extLst>
+      <p:ext uri="{BB962C8B-B14F-4D97-AF65-F5344CB8AC3E}">
+        <p14:creationId xmlns:p14="http://schemas.microsoft.com/office/powerpoint/2010/main" val="318115565"/>
+      </p:ext>
+    </p:extLst>
+  </p:cSld>
+  <p:clrMapOvr>
+    <a:masterClrMapping/>
+  </p:clrMapOvr>
+</p:sld>
+</file>
+
+<file path=ppt/slides/slide32.xml><?xml version="1.0" encoding="utf-8"?>
 <p:sld xmlns:a="http://schemas.openxmlformats.org/drawingml/2006/main" xmlns:r="http://schemas.openxmlformats.org/officeDocument/2006/relationships" xmlns:p="http://schemas.openxmlformats.org/presentationml/2006/main">
   <p:cSld>
     <p:spTree>
@@ -25183,7 +25402,7 @@
 </p:sld>
 </file>
 
-<file path=ppt/slides/slide31.xml><?xml version="1.0" encoding="utf-8"?>
+<file path=ppt/slides/slide33.xml><?xml version="1.0" encoding="utf-8"?>
 <p:sld xmlns:a="http://schemas.openxmlformats.org/drawingml/2006/main" xmlns:r="http://schemas.openxmlformats.org/officeDocument/2006/relationships" xmlns:p="http://schemas.openxmlformats.org/presentationml/2006/main">
   <p:cSld>
     <p:spTree>
@@ -25217,7 +25436,9 @@
           </a:xfrm>
         </p:spPr>
         <p:txBody>
-          <a:bodyPr/>
+          <a:bodyPr>
+            <a:normAutofit fontScale="90000"/>
+          </a:bodyPr>
           <a:lstStyle/>
           <a:p>
             <a:pPr algn="ctr"/>
@@ -27064,7 +27285,7 @@
         </p:spPr>
         <p:txBody>
           <a:bodyPr>
-            <a:normAutofit/>
+            <a:normAutofit fontScale="90000"/>
           </a:bodyPr>
           <a:lstStyle/>
           <a:p>
@@ -27075,6 +27296,14 @@
                 </a:solidFill>
               </a:rPr>
               <a:t>TypeScript</a:t>
+            </a:r>
+            <a:r>
+              <a:rPr lang="en-US" dirty="0">
+                <a:solidFill>
+                  <a:schemeClr val="bg1"/>
+                </a:solidFill>
+              </a:rPr>
+              <a:t/>
             </a:r>
             <a:br>
               <a:rPr lang="en-US" dirty="0">
@@ -27162,6 +27391,14 @@
                 </a:solidFill>
               </a:rPr>
               <a:t>ES6</a:t>
+            </a:r>
+            <a:r>
+              <a:rPr lang="en-US" dirty="0">
+                <a:solidFill>
+                  <a:schemeClr val="bg1"/>
+                </a:solidFill>
+              </a:rPr>
+              <a:t/>
             </a:r>
             <a:br>
               <a:rPr lang="en-US" dirty="0">

--- a/presentations/angular2.pptx
+++ b/presentations/angular2.pptx
@@ -1,6 +1,6 @@
 
 <file path=ppt/presentation.xml><?xml version="1.0" encoding="utf-8"?>
-<p:presentation xmlns:a="http://schemas.openxmlformats.org/drawingml/2006/main" xmlns:r="http://schemas.openxmlformats.org/officeDocument/2006/relationships" xmlns:p="http://schemas.openxmlformats.org/presentationml/2006/main" autoCompressPictures="0">
+<p:presentation xmlns:a="http://schemas.openxmlformats.org/drawingml/2006/main" xmlns:r="http://schemas.openxmlformats.org/officeDocument/2006/relationships" xmlns:p="http://schemas.openxmlformats.org/presentationml/2006/main" embedTrueTypeFonts="1" saveSubsetFonts="1" autoCompressPictures="0">
   <p:sldMasterIdLst>
     <p:sldMasterId id="2147483660" r:id="rId1"/>
   </p:sldMasterIdLst>
@@ -44,6 +44,20 @@
   </p:sldIdLst>
   <p:sldSz cx="12192000" cy="6858000"/>
   <p:notesSz cx="6858000" cy="9144000"/>
+  <p:embeddedFontLst>
+    <p:embeddedFont>
+      <p:font typeface="Franklin Gothic Book" panose="020B0503020102020204" pitchFamily="34" charset="0"/>
+      <p:regular r:id="rId36"/>
+      <p:italic r:id="rId37"/>
+    </p:embeddedFont>
+    <p:embeddedFont>
+      <p:font typeface="Calibri" panose="020F0502020204030204" pitchFamily="34" charset="0"/>
+      <p:regular r:id="rId38"/>
+      <p:bold r:id="rId39"/>
+      <p:italic r:id="rId40"/>
+      <p:boldItalic r:id="rId41"/>
+    </p:embeddedFont>
+  </p:embeddedFontLst>
   <p:defaultTextStyle>
     <a:defPPr>
       <a:defRPr lang="en-US"/>
@@ -1119,13 +1133,6 @@
         </dgm:presLayoutVars>
       </dgm:prSet>
       <dgm:spPr/>
-      <dgm:t>
-        <a:bodyPr/>
-        <a:lstStyle/>
-        <a:p>
-          <a:endParaRPr lang="bg-BG"/>
-        </a:p>
-      </dgm:t>
     </dgm:pt>
     <dgm:pt modelId="{40AAF5A4-B6F2-4C35-99D5-FA3FDDDB240E}" type="pres">
       <dgm:prSet presAssocID="{07D0D4BA-D025-4E1B-9C08-FEE17D4D5327}" presName="levelTx" presStyleLbl="revTx" presStyleIdx="0" presStyleCnt="0">
@@ -1135,13 +1142,6 @@
         </dgm:presLayoutVars>
       </dgm:prSet>
       <dgm:spPr/>
-      <dgm:t>
-        <a:bodyPr/>
-        <a:lstStyle/>
-        <a:p>
-          <a:endParaRPr lang="bg-BG"/>
-        </a:p>
-      </dgm:t>
     </dgm:pt>
     <dgm:pt modelId="{826130F0-11EB-49F7-8DF6-0705DC553D78}" type="pres">
       <dgm:prSet presAssocID="{C9B450C7-645D-4981-9000-C91DC27912F3}" presName="Name8" presStyleCnt="0"/>
@@ -1155,13 +1155,6 @@
         </dgm:presLayoutVars>
       </dgm:prSet>
       <dgm:spPr/>
-      <dgm:t>
-        <a:bodyPr/>
-        <a:lstStyle/>
-        <a:p>
-          <a:endParaRPr lang="bg-BG"/>
-        </a:p>
-      </dgm:t>
     </dgm:pt>
     <dgm:pt modelId="{D893F61A-7CD3-43D8-AA66-D7A7998BB54D}" type="pres">
       <dgm:prSet presAssocID="{C9B450C7-645D-4981-9000-C91DC27912F3}" presName="levelTx" presStyleLbl="revTx" presStyleIdx="0" presStyleCnt="0">
@@ -1171,13 +1164,6 @@
         </dgm:presLayoutVars>
       </dgm:prSet>
       <dgm:spPr/>
-      <dgm:t>
-        <a:bodyPr/>
-        <a:lstStyle/>
-        <a:p>
-          <a:endParaRPr lang="bg-BG"/>
-        </a:p>
-      </dgm:t>
     </dgm:pt>
     <dgm:pt modelId="{2A87F081-50F6-4E23-AEDF-14792C32904B}" type="pres">
       <dgm:prSet presAssocID="{F5C6CF61-C630-48F4-B82B-6FC7032F71B7}" presName="Name8" presStyleCnt="0"/>
@@ -1191,13 +1177,6 @@
         </dgm:presLayoutVars>
       </dgm:prSet>
       <dgm:spPr/>
-      <dgm:t>
-        <a:bodyPr/>
-        <a:lstStyle/>
-        <a:p>
-          <a:endParaRPr lang="bg-BG"/>
-        </a:p>
-      </dgm:t>
     </dgm:pt>
     <dgm:pt modelId="{FDB5F634-DD73-412D-9344-585D7EABB1AD}" type="pres">
       <dgm:prSet presAssocID="{F5C6CF61-C630-48F4-B82B-6FC7032F71B7}" presName="levelTx" presStyleLbl="revTx" presStyleIdx="0" presStyleCnt="0">
@@ -1207,13 +1186,6 @@
         </dgm:presLayoutVars>
       </dgm:prSet>
       <dgm:spPr/>
-      <dgm:t>
-        <a:bodyPr/>
-        <a:lstStyle/>
-        <a:p>
-          <a:endParaRPr lang="bg-BG"/>
-        </a:p>
-      </dgm:t>
     </dgm:pt>
     <dgm:pt modelId="{C3F286E1-D4AE-444C-B94A-F44940D469F0}" type="pres">
       <dgm:prSet presAssocID="{D2338D01-86D4-46E4-83A4-4F16550A0F6F}" presName="Name8" presStyleCnt="0"/>
@@ -1227,13 +1199,6 @@
         </dgm:presLayoutVars>
       </dgm:prSet>
       <dgm:spPr/>
-      <dgm:t>
-        <a:bodyPr/>
-        <a:lstStyle/>
-        <a:p>
-          <a:endParaRPr lang="bg-BG"/>
-        </a:p>
-      </dgm:t>
     </dgm:pt>
     <dgm:pt modelId="{27028588-A2E5-4854-8DCD-6D13C24B19A6}" type="pres">
       <dgm:prSet presAssocID="{D2338D01-86D4-46E4-83A4-4F16550A0F6F}" presName="levelTx" presStyleLbl="revTx" presStyleIdx="0" presStyleCnt="0">
@@ -1243,13 +1208,6 @@
         </dgm:presLayoutVars>
       </dgm:prSet>
       <dgm:spPr/>
-      <dgm:t>
-        <a:bodyPr/>
-        <a:lstStyle/>
-        <a:p>
-          <a:endParaRPr lang="bg-BG"/>
-        </a:p>
-      </dgm:t>
     </dgm:pt>
   </dgm:ptLst>
   <dgm:cxnLst>
@@ -1338,12 +1296,12 @@
         </a:fontRef>
       </dsp:style>
       <dsp:txBody>
-        <a:bodyPr spcFirstLastPara="0" vert="horz" wrap="square" lIns="54610" tIns="54610" rIns="54610" bIns="54610" numCol="1" spcCol="1270" anchor="ctr" anchorCtr="0">
+        <a:bodyPr spcFirstLastPara="0" vert="horz" wrap="square" lIns="58420" tIns="58420" rIns="58420" bIns="58420" numCol="1" spcCol="1270" anchor="ctr" anchorCtr="0">
           <a:noAutofit/>
         </a:bodyPr>
         <a:lstStyle/>
         <a:p>
-          <a:pPr lvl="0" algn="ctr" defTabSz="1911350">
+          <a:pPr marL="0" lvl="0" indent="0" algn="ctr" defTabSz="2044700">
             <a:lnSpc>
               <a:spcPct val="90000"/>
             </a:lnSpc>
@@ -1353,9 +1311,10 @@
             <a:spcAft>
               <a:spcPct val="35000"/>
             </a:spcAft>
+            <a:buNone/>
           </a:pPr>
           <a:r>
-            <a:rPr lang="en-US" sz="4300" kern="1200" dirty="0">
+            <a:rPr lang="en-US" sz="4600" kern="1200" dirty="0">
               <a:solidFill>
                 <a:schemeClr val="bg1"/>
               </a:solidFill>
@@ -1410,12 +1369,12 @@
         </a:fontRef>
       </dsp:style>
       <dsp:txBody>
-        <a:bodyPr spcFirstLastPara="0" vert="horz" wrap="square" lIns="54610" tIns="54610" rIns="54610" bIns="54610" numCol="1" spcCol="1270" anchor="ctr" anchorCtr="0">
+        <a:bodyPr spcFirstLastPara="0" vert="horz" wrap="square" lIns="58420" tIns="58420" rIns="58420" bIns="58420" numCol="1" spcCol="1270" anchor="ctr" anchorCtr="0">
           <a:noAutofit/>
         </a:bodyPr>
         <a:lstStyle/>
         <a:p>
-          <a:pPr lvl="0" algn="ctr" defTabSz="1911350">
+          <a:pPr marL="0" lvl="0" indent="0" algn="ctr" defTabSz="2044700">
             <a:lnSpc>
               <a:spcPct val="90000"/>
             </a:lnSpc>
@@ -1425,9 +1384,10 @@
             <a:spcAft>
               <a:spcPct val="35000"/>
             </a:spcAft>
+            <a:buNone/>
           </a:pPr>
           <a:r>
-            <a:rPr lang="en-US" sz="4300" kern="1200" dirty="0">
+            <a:rPr lang="en-US" sz="4600" kern="1200" dirty="0">
               <a:solidFill>
                 <a:schemeClr val="bg1"/>
               </a:solidFill>
@@ -1482,12 +1442,12 @@
         </a:fontRef>
       </dsp:style>
       <dsp:txBody>
-        <a:bodyPr spcFirstLastPara="0" vert="horz" wrap="square" lIns="54610" tIns="54610" rIns="54610" bIns="54610" numCol="1" spcCol="1270" anchor="ctr" anchorCtr="0">
+        <a:bodyPr spcFirstLastPara="0" vert="horz" wrap="square" lIns="58420" tIns="58420" rIns="58420" bIns="58420" numCol="1" spcCol="1270" anchor="ctr" anchorCtr="0">
           <a:noAutofit/>
         </a:bodyPr>
         <a:lstStyle/>
         <a:p>
-          <a:pPr lvl="0" algn="ctr" defTabSz="1911350">
+          <a:pPr marL="0" lvl="0" indent="0" algn="ctr" defTabSz="2044700">
             <a:lnSpc>
               <a:spcPct val="90000"/>
             </a:lnSpc>
@@ -1497,9 +1457,10 @@
             <a:spcAft>
               <a:spcPct val="35000"/>
             </a:spcAft>
+            <a:buNone/>
           </a:pPr>
           <a:r>
-            <a:rPr lang="en-US" sz="4300" kern="1200" dirty="0">
+            <a:rPr lang="en-US" sz="4600" kern="1200" dirty="0">
               <a:solidFill>
                 <a:schemeClr val="bg1"/>
               </a:solidFill>
@@ -1554,12 +1515,12 @@
         </a:fontRef>
       </dsp:style>
       <dsp:txBody>
-        <a:bodyPr spcFirstLastPara="0" vert="horz" wrap="square" lIns="54610" tIns="54610" rIns="54610" bIns="54610" numCol="1" spcCol="1270" anchor="ctr" anchorCtr="0">
+        <a:bodyPr spcFirstLastPara="0" vert="horz" wrap="square" lIns="58420" tIns="58420" rIns="58420" bIns="58420" numCol="1" spcCol="1270" anchor="ctr" anchorCtr="0">
           <a:noAutofit/>
         </a:bodyPr>
         <a:lstStyle/>
         <a:p>
-          <a:pPr lvl="0" algn="ctr" defTabSz="1911350">
+          <a:pPr marL="0" lvl="0" indent="0" algn="ctr" defTabSz="2044700">
             <a:lnSpc>
               <a:spcPct val="90000"/>
             </a:lnSpc>
@@ -1569,9 +1530,10 @@
             <a:spcAft>
               <a:spcPct val="35000"/>
             </a:spcAft>
+            <a:buNone/>
           </a:pPr>
           <a:r>
-            <a:rPr lang="en-US" sz="4300" kern="1200" dirty="0">
+            <a:rPr lang="en-US" sz="4600" kern="1200" dirty="0">
               <a:solidFill>
                 <a:schemeClr val="bg1"/>
               </a:solidFill>
@@ -2937,7 +2899,7 @@
           <a:p>
             <a:fld id="{40C9EC12-D619-4239-BA0B-F64B757C48A8}" type="datetimeFigureOut">
               <a:rPr lang="bg-BG" smtClean="0"/>
-              <a:t>10.3.2017 г.</a:t>
+              <a:t>12.3.2017 г.</a:t>
             </a:fld>
             <a:endParaRPr lang="bg-BG"/>
           </a:p>
@@ -3559,7 +3521,7 @@
             <a:fld id="{87DE6118-2437-4B30-8E3C-4D2BE6020583}" type="datetimeFigureOut">
               <a:rPr lang="en-US" smtClean="0"/>
               <a:pPr/>
-              <a:t>3/10/2017</a:t>
+              <a:t>3/12/2017</a:t>
             </a:fld>
             <a:endParaRPr lang="en-US" dirty="0"/>
           </a:p>
@@ -3890,7 +3852,7 @@
           <a:p>
             <a:fld id="{87DE6118-2437-4B30-8E3C-4D2BE6020583}" type="datetimeFigureOut">
               <a:rPr lang="en-US" smtClean="0"/>
-              <a:t>3/10/2017</a:t>
+              <a:t>3/12/2017</a:t>
             </a:fld>
             <a:endParaRPr lang="en-US" dirty="0"/>
           </a:p>
@@ -4070,7 +4032,7 @@
           <a:p>
             <a:fld id="{87DE6118-2437-4B30-8E3C-4D2BE6020583}" type="datetimeFigureOut">
               <a:rPr lang="en-US" smtClean="0"/>
-              <a:t>3/10/2017</a:t>
+              <a:t>3/12/2017</a:t>
             </a:fld>
             <a:endParaRPr lang="en-US" dirty="0"/>
           </a:p>
@@ -4240,7 +4202,7 @@
           <a:p>
             <a:fld id="{87DE6118-2437-4B30-8E3C-4D2BE6020583}" type="datetimeFigureOut">
               <a:rPr lang="en-US" smtClean="0"/>
-              <a:t>3/10/2017</a:t>
+              <a:t>3/12/2017</a:t>
             </a:fld>
             <a:endParaRPr lang="en-US" dirty="0"/>
           </a:p>
@@ -4524,7 +4486,7 @@
             <a:fld id="{87DE6118-2437-4B30-8E3C-4D2BE6020583}" type="datetimeFigureOut">
               <a:rPr lang="en-US" smtClean="0"/>
               <a:pPr/>
-              <a:t>3/10/2017</a:t>
+              <a:t>3/12/2017</a:t>
             </a:fld>
             <a:endParaRPr lang="en-US" dirty="0"/>
           </a:p>
@@ -4919,7 +4881,7 @@
           <a:p>
             <a:fld id="{87DE6118-2437-4B30-8E3C-4D2BE6020583}" type="datetimeFigureOut">
               <a:rPr lang="en-US" smtClean="0"/>
-              <a:t>3/10/2017</a:t>
+              <a:t>3/12/2017</a:t>
             </a:fld>
             <a:endParaRPr lang="en-US" dirty="0"/>
           </a:p>
@@ -5396,7 +5358,7 @@
           <a:p>
             <a:fld id="{87DE6118-2437-4B30-8E3C-4D2BE6020583}" type="datetimeFigureOut">
               <a:rPr lang="en-US" smtClean="0"/>
-              <a:t>3/10/2017</a:t>
+              <a:t>3/12/2017</a:t>
             </a:fld>
             <a:endParaRPr lang="en-US" dirty="0"/>
           </a:p>
@@ -5514,7 +5476,7 @@
           <a:p>
             <a:fld id="{87DE6118-2437-4B30-8E3C-4D2BE6020583}" type="datetimeFigureOut">
               <a:rPr lang="en-US" smtClean="0"/>
-              <a:t>3/10/2017</a:t>
+              <a:t>3/12/2017</a:t>
             </a:fld>
             <a:endParaRPr lang="en-US" dirty="0"/>
           </a:p>
@@ -5609,7 +5571,7 @@
           <a:p>
             <a:fld id="{87DE6118-2437-4B30-8E3C-4D2BE6020583}" type="datetimeFigureOut">
               <a:rPr lang="en-US" smtClean="0"/>
-              <a:t>3/10/2017</a:t>
+              <a:t>3/12/2017</a:t>
             </a:fld>
             <a:endParaRPr lang="en-US" dirty="0"/>
           </a:p>
@@ -5956,7 +5918,7 @@
             <a:fld id="{87DE6118-2437-4B30-8E3C-4D2BE6020583}" type="datetimeFigureOut">
               <a:rPr lang="en-US" smtClean="0"/>
               <a:pPr/>
-              <a:t>3/10/2017</a:t>
+              <a:t>3/12/2017</a:t>
             </a:fld>
             <a:endParaRPr lang="en-US" dirty="0"/>
           </a:p>
@@ -6346,7 +6308,7 @@
             <a:fld id="{87DE6118-2437-4B30-8E3C-4D2BE6020583}" type="datetimeFigureOut">
               <a:rPr lang="en-US" smtClean="0"/>
               <a:pPr/>
-              <a:t>3/10/2017</a:t>
+              <a:t>3/12/2017</a:t>
             </a:fld>
             <a:endParaRPr lang="en-US" dirty="0"/>
           </a:p>
@@ -6626,7 +6588,7 @@
             <a:fld id="{87DE6118-2437-4B30-8E3C-4D2BE6020583}" type="datetimeFigureOut">
               <a:rPr lang="en-US" smtClean="0"/>
               <a:pPr/>
-              <a:t>3/10/2017</a:t>
+              <a:t>3/12/2017</a:t>
             </a:fld>
             <a:endParaRPr lang="en-US" dirty="0"/>
           </a:p>
@@ -7226,17 +7188,7 @@
                   </a:schemeClr>
                 </a:solidFill>
               </a:rPr>
-              <a:t>@</a:t>
-            </a:r>
-            <a:r>
-              <a:rPr lang="en-US" sz="2100" dirty="0" smtClean="0">
-                <a:solidFill>
-                  <a:schemeClr val="bg1">
-                    <a:lumMod val="50000"/>
-                  </a:schemeClr>
-                </a:solidFill>
-              </a:rPr>
-              <a:t>pkyurkchiev</a:t>
+              <a:t>@pkyurkchiev</a:t>
             </a:r>
           </a:p>
           <a:p>
@@ -21632,11 +21584,7 @@
           <a:p>
             <a:r>
               <a:rPr lang="en-US" dirty="0"/>
-              <a:t>Demo </a:t>
-            </a:r>
-            <a:r>
-              <a:rPr lang="en-US" dirty="0" smtClean="0"/>
-              <a:t>data Binding</a:t>
+              <a:t>Demo data Binding</a:t>
             </a:r>
             <a:endParaRPr lang="bg-BG" dirty="0"/>
           </a:p>
@@ -23871,11 +23819,7 @@
           <a:p>
             <a:r>
               <a:rPr lang="en-US"/>
-              <a:t>Demo </a:t>
-            </a:r>
-            <a:r>
-              <a:rPr lang="en-US" smtClean="0"/>
-              <a:t>Modules</a:t>
+              <a:t>Demo Modules</a:t>
             </a:r>
             <a:endParaRPr lang="bg-BG" dirty="0"/>
           </a:p>
@@ -25437,7 +25381,7 @@
         </p:spPr>
         <p:txBody>
           <a:bodyPr>
-            <a:normAutofit fontScale="90000"/>
+            <a:normAutofit/>
           </a:bodyPr>
           <a:lstStyle/>
           <a:p>
@@ -27285,7 +27229,7 @@
         </p:spPr>
         <p:txBody>
           <a:bodyPr>
-            <a:normAutofit fontScale="90000"/>
+            <a:normAutofit/>
           </a:bodyPr>
           <a:lstStyle/>
           <a:p>
@@ -27297,14 +27241,6 @@
               </a:rPr>
               <a:t>TypeScript</a:t>
             </a:r>
-            <a:r>
-              <a:rPr lang="en-US" dirty="0">
-                <a:solidFill>
-                  <a:schemeClr val="bg1"/>
-                </a:solidFill>
-              </a:rPr>
-              <a:t/>
-            </a:r>
             <a:br>
               <a:rPr lang="en-US" dirty="0">
                 <a:solidFill>
@@ -27313,7 +27249,7 @@
               </a:rPr>
             </a:br>
             <a:r>
-              <a:rPr lang="en-US" sz="2200" dirty="0">
+              <a:rPr lang="en-US" sz="2000" dirty="0">
                 <a:solidFill>
                   <a:schemeClr val="bg1"/>
                 </a:solidFill>
@@ -27321,21 +27257,21 @@
               <a:t>-types</a:t>
             </a:r>
             <a:br>
-              <a:rPr lang="en-US" sz="2200" dirty="0">
+              <a:rPr lang="en-US" sz="2000" dirty="0">
                 <a:solidFill>
                   <a:schemeClr val="bg1"/>
                 </a:solidFill>
               </a:rPr>
             </a:br>
             <a:r>
-              <a:rPr lang="en-US" sz="2200" dirty="0">
+              <a:rPr lang="en-US" sz="2000" dirty="0">
                 <a:solidFill>
                   <a:schemeClr val="bg1"/>
                 </a:solidFill>
               </a:rPr>
               <a:t>-annotations</a:t>
             </a:r>
-            <a:endParaRPr lang="bg-BG" sz="2200" dirty="0">
+            <a:endParaRPr lang="bg-BG" sz="2000" dirty="0">
               <a:solidFill>
                 <a:schemeClr val="bg1"/>
               </a:solidFill>
@@ -27392,14 +27328,6 @@
               </a:rPr>
               <a:t>ES6</a:t>
             </a:r>
-            <a:r>
-              <a:rPr lang="en-US" dirty="0">
-                <a:solidFill>
-                  <a:schemeClr val="bg1"/>
-                </a:solidFill>
-              </a:rPr>
-              <a:t/>
-            </a:r>
             <a:br>
               <a:rPr lang="en-US" dirty="0">
                 <a:solidFill>
@@ -27408,7 +27336,7 @@
               </a:rPr>
             </a:br>
             <a:r>
-              <a:rPr lang="en-US" sz="2200" dirty="0">
+              <a:rPr lang="en-US" sz="2000" dirty="0">
                 <a:solidFill>
                   <a:schemeClr val="bg1"/>
                 </a:solidFill>
@@ -27416,21 +27344,21 @@
               <a:t>-classes</a:t>
             </a:r>
             <a:br>
-              <a:rPr lang="en-US" sz="2200" dirty="0">
+              <a:rPr lang="en-US" sz="2000" dirty="0">
                 <a:solidFill>
                   <a:schemeClr val="bg1"/>
                 </a:solidFill>
               </a:rPr>
             </a:br>
             <a:r>
-              <a:rPr lang="en-US" sz="2200" dirty="0">
+              <a:rPr lang="en-US" sz="2000" dirty="0">
                 <a:solidFill>
                   <a:schemeClr val="bg1"/>
                 </a:solidFill>
               </a:rPr>
               <a:t>-modules</a:t>
             </a:r>
-            <a:endParaRPr lang="bg-BG" sz="2200" dirty="0">
+            <a:endParaRPr lang="bg-BG" sz="2000" dirty="0">
               <a:solidFill>
                 <a:schemeClr val="bg1"/>
               </a:solidFill>

--- a/presentations/angular2.pptx
+++ b/presentations/angular2.pptx
@@ -5,7 +5,7 @@
     <p:sldMasterId id="2147483660" r:id="rId1"/>
   </p:sldMasterIdLst>
   <p:notesMasterIdLst>
-    <p:notesMasterId r:id="rId35"/>
+    <p:notesMasterId r:id="rId48"/>
   </p:notesMasterIdLst>
   <p:sldIdLst>
     <p:sldId id="256" r:id="rId2"/>
@@ -21,41 +21,61 @@
     <p:sldId id="266" r:id="rId12"/>
     <p:sldId id="288" r:id="rId13"/>
     <p:sldId id="269" r:id="rId14"/>
-    <p:sldId id="270" r:id="rId15"/>
+    <p:sldId id="292" r:id="rId15"/>
     <p:sldId id="283" r:id="rId16"/>
-    <p:sldId id="284" r:id="rId17"/>
+    <p:sldId id="293" r:id="rId17"/>
     <p:sldId id="271" r:id="rId18"/>
     <p:sldId id="273" r:id="rId19"/>
     <p:sldId id="289" r:id="rId20"/>
     <p:sldId id="272" r:id="rId21"/>
     <p:sldId id="287" r:id="rId22"/>
-    <p:sldId id="285" r:id="rId23"/>
-    <p:sldId id="274" r:id="rId24"/>
-    <p:sldId id="290" r:id="rId25"/>
-    <p:sldId id="275" r:id="rId26"/>
-    <p:sldId id="276" r:id="rId27"/>
-    <p:sldId id="278" r:id="rId28"/>
-    <p:sldId id="279" r:id="rId29"/>
-    <p:sldId id="280" r:id="rId30"/>
-    <p:sldId id="281" r:id="rId31"/>
-    <p:sldId id="291" r:id="rId32"/>
-    <p:sldId id="282" r:id="rId33"/>
-    <p:sldId id="286" r:id="rId34"/>
+    <p:sldId id="274" r:id="rId23"/>
+    <p:sldId id="294" r:id="rId24"/>
+    <p:sldId id="295" r:id="rId25"/>
+    <p:sldId id="296" r:id="rId26"/>
+    <p:sldId id="297" r:id="rId27"/>
+    <p:sldId id="298" r:id="rId28"/>
+    <p:sldId id="299" r:id="rId29"/>
+    <p:sldId id="290" r:id="rId30"/>
+    <p:sldId id="275" r:id="rId31"/>
+    <p:sldId id="301" r:id="rId32"/>
+    <p:sldId id="302" r:id="rId33"/>
+    <p:sldId id="300" r:id="rId34"/>
+    <p:sldId id="276" r:id="rId35"/>
+    <p:sldId id="279" r:id="rId36"/>
+    <p:sldId id="278" r:id="rId37"/>
+    <p:sldId id="303" r:id="rId38"/>
+    <p:sldId id="304" r:id="rId39"/>
+    <p:sldId id="305" r:id="rId40"/>
+    <p:sldId id="280" r:id="rId41"/>
+    <p:sldId id="306" r:id="rId42"/>
+    <p:sldId id="291" r:id="rId43"/>
+    <p:sldId id="282" r:id="rId44"/>
+    <p:sldId id="307" r:id="rId45"/>
+    <p:sldId id="308" r:id="rId46"/>
+    <p:sldId id="286" r:id="rId47"/>
   </p:sldIdLst>
   <p:sldSz cx="12192000" cy="6858000"/>
   <p:notesSz cx="6858000" cy="9144000"/>
   <p:embeddedFontLst>
     <p:embeddedFont>
-      <p:font typeface="Franklin Gothic Book" panose="020B0503020102020204" pitchFamily="34" charset="0"/>
-      <p:regular r:id="rId36"/>
-      <p:italic r:id="rId37"/>
+      <p:font typeface="Consolas" panose="020B0609020204030204" pitchFamily="49" charset="0"/>
+      <p:regular r:id="rId49"/>
+      <p:bold r:id="rId50"/>
+      <p:italic r:id="rId51"/>
+      <p:boldItalic r:id="rId52"/>
     </p:embeddedFont>
     <p:embeddedFont>
       <p:font typeface="Calibri" panose="020F0502020204030204" pitchFamily="34" charset="0"/>
-      <p:regular r:id="rId38"/>
-      <p:bold r:id="rId39"/>
-      <p:italic r:id="rId40"/>
-      <p:boldItalic r:id="rId41"/>
+      <p:regular r:id="rId53"/>
+      <p:bold r:id="rId54"/>
+      <p:italic r:id="rId55"/>
+      <p:boldItalic r:id="rId56"/>
+    </p:embeddedFont>
+    <p:embeddedFont>
+      <p:font typeface="Franklin Gothic Book" panose="020B0604020202020204" charset="0"/>
+      <p:regular r:id="rId57"/>
+      <p:italic r:id="rId58"/>
     </p:embeddedFont>
   </p:embeddedFontLst>
   <p:defaultTextStyle>
@@ -1133,6 +1153,13 @@
         </dgm:presLayoutVars>
       </dgm:prSet>
       <dgm:spPr/>
+      <dgm:t>
+        <a:bodyPr/>
+        <a:lstStyle/>
+        <a:p>
+          <a:endParaRPr lang="bg-BG"/>
+        </a:p>
+      </dgm:t>
     </dgm:pt>
     <dgm:pt modelId="{40AAF5A4-B6F2-4C35-99D5-FA3FDDDB240E}" type="pres">
       <dgm:prSet presAssocID="{07D0D4BA-D025-4E1B-9C08-FEE17D4D5327}" presName="levelTx" presStyleLbl="revTx" presStyleIdx="0" presStyleCnt="0">
@@ -1142,6 +1169,13 @@
         </dgm:presLayoutVars>
       </dgm:prSet>
       <dgm:spPr/>
+      <dgm:t>
+        <a:bodyPr/>
+        <a:lstStyle/>
+        <a:p>
+          <a:endParaRPr lang="bg-BG"/>
+        </a:p>
+      </dgm:t>
     </dgm:pt>
     <dgm:pt modelId="{826130F0-11EB-49F7-8DF6-0705DC553D78}" type="pres">
       <dgm:prSet presAssocID="{C9B450C7-645D-4981-9000-C91DC27912F3}" presName="Name8" presStyleCnt="0"/>
@@ -1155,6 +1189,13 @@
         </dgm:presLayoutVars>
       </dgm:prSet>
       <dgm:spPr/>
+      <dgm:t>
+        <a:bodyPr/>
+        <a:lstStyle/>
+        <a:p>
+          <a:endParaRPr lang="bg-BG"/>
+        </a:p>
+      </dgm:t>
     </dgm:pt>
     <dgm:pt modelId="{D893F61A-7CD3-43D8-AA66-D7A7998BB54D}" type="pres">
       <dgm:prSet presAssocID="{C9B450C7-645D-4981-9000-C91DC27912F3}" presName="levelTx" presStyleLbl="revTx" presStyleIdx="0" presStyleCnt="0">
@@ -1164,6 +1205,13 @@
         </dgm:presLayoutVars>
       </dgm:prSet>
       <dgm:spPr/>
+      <dgm:t>
+        <a:bodyPr/>
+        <a:lstStyle/>
+        <a:p>
+          <a:endParaRPr lang="bg-BG"/>
+        </a:p>
+      </dgm:t>
     </dgm:pt>
     <dgm:pt modelId="{2A87F081-50F6-4E23-AEDF-14792C32904B}" type="pres">
       <dgm:prSet presAssocID="{F5C6CF61-C630-48F4-B82B-6FC7032F71B7}" presName="Name8" presStyleCnt="0"/>
@@ -1177,6 +1225,13 @@
         </dgm:presLayoutVars>
       </dgm:prSet>
       <dgm:spPr/>
+      <dgm:t>
+        <a:bodyPr/>
+        <a:lstStyle/>
+        <a:p>
+          <a:endParaRPr lang="bg-BG"/>
+        </a:p>
+      </dgm:t>
     </dgm:pt>
     <dgm:pt modelId="{FDB5F634-DD73-412D-9344-585D7EABB1AD}" type="pres">
       <dgm:prSet presAssocID="{F5C6CF61-C630-48F4-B82B-6FC7032F71B7}" presName="levelTx" presStyleLbl="revTx" presStyleIdx="0" presStyleCnt="0">
@@ -1186,6 +1241,13 @@
         </dgm:presLayoutVars>
       </dgm:prSet>
       <dgm:spPr/>
+      <dgm:t>
+        <a:bodyPr/>
+        <a:lstStyle/>
+        <a:p>
+          <a:endParaRPr lang="bg-BG"/>
+        </a:p>
+      </dgm:t>
     </dgm:pt>
     <dgm:pt modelId="{C3F286E1-D4AE-444C-B94A-F44940D469F0}" type="pres">
       <dgm:prSet presAssocID="{D2338D01-86D4-46E4-83A4-4F16550A0F6F}" presName="Name8" presStyleCnt="0"/>
@@ -1199,6 +1261,13 @@
         </dgm:presLayoutVars>
       </dgm:prSet>
       <dgm:spPr/>
+      <dgm:t>
+        <a:bodyPr/>
+        <a:lstStyle/>
+        <a:p>
+          <a:endParaRPr lang="bg-BG"/>
+        </a:p>
+      </dgm:t>
     </dgm:pt>
     <dgm:pt modelId="{27028588-A2E5-4854-8DCD-6D13C24B19A6}" type="pres">
       <dgm:prSet presAssocID="{D2338D01-86D4-46E4-83A4-4F16550A0F6F}" presName="levelTx" presStyleLbl="revTx" presStyleIdx="0" presStyleCnt="0">
@@ -1208,6 +1277,13 @@
         </dgm:presLayoutVars>
       </dgm:prSet>
       <dgm:spPr/>
+      <dgm:t>
+        <a:bodyPr/>
+        <a:lstStyle/>
+        <a:p>
+          <a:endParaRPr lang="bg-BG"/>
+        </a:p>
+      </dgm:t>
     </dgm:pt>
   </dgm:ptLst>
   <dgm:cxnLst>
@@ -1301,7 +1377,7 @@
         </a:bodyPr>
         <a:lstStyle/>
         <a:p>
-          <a:pPr marL="0" lvl="0" indent="0" algn="ctr" defTabSz="2044700">
+          <a:pPr lvl="0" algn="ctr" defTabSz="2044700">
             <a:lnSpc>
               <a:spcPct val="90000"/>
             </a:lnSpc>
@@ -1311,7 +1387,6 @@
             <a:spcAft>
               <a:spcPct val="35000"/>
             </a:spcAft>
-            <a:buNone/>
           </a:pPr>
           <a:r>
             <a:rPr lang="en-US" sz="4600" kern="1200" dirty="0">
@@ -1374,7 +1449,7 @@
         </a:bodyPr>
         <a:lstStyle/>
         <a:p>
-          <a:pPr marL="0" lvl="0" indent="0" algn="ctr" defTabSz="2044700">
+          <a:pPr lvl="0" algn="ctr" defTabSz="2044700">
             <a:lnSpc>
               <a:spcPct val="90000"/>
             </a:lnSpc>
@@ -1384,7 +1459,6 @@
             <a:spcAft>
               <a:spcPct val="35000"/>
             </a:spcAft>
-            <a:buNone/>
           </a:pPr>
           <a:r>
             <a:rPr lang="en-US" sz="4600" kern="1200" dirty="0">
@@ -1447,7 +1521,7 @@
         </a:bodyPr>
         <a:lstStyle/>
         <a:p>
-          <a:pPr marL="0" lvl="0" indent="0" algn="ctr" defTabSz="2044700">
+          <a:pPr lvl="0" algn="ctr" defTabSz="2044700">
             <a:lnSpc>
               <a:spcPct val="90000"/>
             </a:lnSpc>
@@ -1457,7 +1531,6 @@
             <a:spcAft>
               <a:spcPct val="35000"/>
             </a:spcAft>
-            <a:buNone/>
           </a:pPr>
           <a:r>
             <a:rPr lang="en-US" sz="4600" kern="1200" dirty="0">
@@ -1520,7 +1593,7 @@
         </a:bodyPr>
         <a:lstStyle/>
         <a:p>
-          <a:pPr marL="0" lvl="0" indent="0" algn="ctr" defTabSz="2044700">
+          <a:pPr lvl="0" algn="ctr" defTabSz="2044700">
             <a:lnSpc>
               <a:spcPct val="90000"/>
             </a:lnSpc>
@@ -1530,7 +1603,6 @@
             <a:spcAft>
               <a:spcPct val="35000"/>
             </a:spcAft>
-            <a:buNone/>
           </a:pPr>
           <a:r>
             <a:rPr lang="en-US" sz="4600" kern="1200" dirty="0">
@@ -2899,7 +2971,7 @@
           <a:p>
             <a:fld id="{40C9EC12-D619-4239-BA0B-F64B757C48A8}" type="datetimeFigureOut">
               <a:rPr lang="bg-BG" smtClean="0"/>
-              <a:t>12.3.2017 г.</a:t>
+              <a:t>17.3.2017 г.</a:t>
             </a:fld>
             <a:endParaRPr lang="bg-BG"/>
           </a:p>
@@ -3521,7 +3593,7 @@
             <a:fld id="{87DE6118-2437-4B30-8E3C-4D2BE6020583}" type="datetimeFigureOut">
               <a:rPr lang="en-US" smtClean="0"/>
               <a:pPr/>
-              <a:t>3/12/2017</a:t>
+              <a:t>3/17/2017</a:t>
             </a:fld>
             <a:endParaRPr lang="en-US" dirty="0"/>
           </a:p>
@@ -3739,6 +3811,396 @@
 </file>
 
 <file path=ppt/slideLayouts/slideLayout10.xml><?xml version="1.0" encoding="utf-8"?>
+<p:sldLayout xmlns:a="http://schemas.openxmlformats.org/drawingml/2006/main" xmlns:r="http://schemas.openxmlformats.org/officeDocument/2006/relationships" xmlns:p="http://schemas.openxmlformats.org/presentationml/2006/main" showMasterSp="0" type="picTx" preserve="1">
+  <p:cSld name="Picture with Caption">
+    <p:spTree>
+      <p:nvGrpSpPr>
+        <p:cNvPr id="1" name=""/>
+        <p:cNvGrpSpPr/>
+        <p:nvPr/>
+      </p:nvGrpSpPr>
+      <p:grpSpPr>
+        <a:xfrm>
+          <a:off x="0" y="0"/>
+          <a:ext cx="0" cy="0"/>
+          <a:chOff x="0" y="0"/>
+          <a:chExt cx="0" cy="0"/>
+        </a:xfrm>
+      </p:grpSpPr>
+      <p:sp>
+        <p:nvSpPr>
+          <p:cNvPr id="8" name="Rectangle 7" title="Background Shape"/>
+          <p:cNvSpPr/>
+          <p:nvPr/>
+        </p:nvSpPr>
+        <p:spPr>
+          <a:xfrm>
+            <a:off x="0" y="376"/>
+            <a:ext cx="5303520" cy="6857624"/>
+          </a:xfrm>
+          <a:prstGeom prst="rect">
+            <a:avLst/>
+          </a:prstGeom>
+          <a:solidFill>
+            <a:schemeClr val="accent1"/>
+          </a:solidFill>
+          <a:ln>
+            <a:noFill/>
+          </a:ln>
+        </p:spPr>
+        <p:style>
+          <a:lnRef idx="2">
+            <a:schemeClr val="accent1">
+              <a:shade val="50000"/>
+            </a:schemeClr>
+          </a:lnRef>
+          <a:fillRef idx="1">
+            <a:schemeClr val="accent1"/>
+          </a:fillRef>
+          <a:effectRef idx="0">
+            <a:schemeClr val="accent1"/>
+          </a:effectRef>
+          <a:fontRef idx="minor">
+            <a:schemeClr val="lt1"/>
+          </a:fontRef>
+        </p:style>
+      </p:sp>
+      <p:sp>
+        <p:nvSpPr>
+          <p:cNvPr id="2" name="Title 1"/>
+          <p:cNvSpPr>
+            <a:spLocks noGrp="1"/>
+          </p:cNvSpPr>
+          <p:nvPr>
+            <p:ph type="title"/>
+          </p:nvPr>
+        </p:nvSpPr>
+        <p:spPr>
+          <a:xfrm>
+            <a:off x="723900" y="685800"/>
+            <a:ext cx="3855720" cy="2157884"/>
+          </a:xfrm>
+        </p:spPr>
+        <p:txBody>
+          <a:bodyPr anchor="t">
+            <a:normAutofit/>
+          </a:bodyPr>
+          <a:lstStyle>
+            <a:lvl1pPr>
+              <a:lnSpc>
+                <a:spcPct val="84000"/>
+              </a:lnSpc>
+              <a:defRPr sz="4800" baseline="0"/>
+            </a:lvl1pPr>
+          </a:lstStyle>
+          <a:p>
+            <a:r>
+              <a:rPr lang="en-US"/>
+              <a:t>Click to edit Master title style</a:t>
+            </a:r>
+            <a:endParaRPr lang="en-US" dirty="0"/>
+          </a:p>
+        </p:txBody>
+      </p:sp>
+      <p:sp>
+        <p:nvSpPr>
+          <p:cNvPr id="3" name="Picture Placeholder 2"/>
+          <p:cNvSpPr>
+            <a:spLocks noGrp="1" noChangeAspect="1"/>
+          </p:cNvSpPr>
+          <p:nvPr>
+            <p:ph type="pic" idx="1"/>
+          </p:nvPr>
+        </p:nvSpPr>
+        <p:spPr>
+          <a:xfrm>
+            <a:off x="5532120" y="0"/>
+            <a:ext cx="6659880" cy="6857999"/>
+          </a:xfrm>
+        </p:spPr>
+        <p:txBody>
+          <a:bodyPr anchor="t">
+            <a:normAutofit/>
+          </a:bodyPr>
+          <a:lstStyle>
+            <a:lvl1pPr marL="0" indent="0">
+              <a:buNone/>
+              <a:defRPr sz="2000"/>
+            </a:lvl1pPr>
+            <a:lvl2pPr marL="457200" indent="0">
+              <a:buNone/>
+              <a:defRPr sz="2000"/>
+            </a:lvl2pPr>
+            <a:lvl3pPr marL="914400" indent="0">
+              <a:buNone/>
+              <a:defRPr sz="2000"/>
+            </a:lvl3pPr>
+            <a:lvl4pPr marL="1371600" indent="0">
+              <a:buNone/>
+              <a:defRPr sz="2000"/>
+            </a:lvl4pPr>
+            <a:lvl5pPr marL="1828800" indent="0">
+              <a:buNone/>
+              <a:defRPr sz="2000"/>
+            </a:lvl5pPr>
+            <a:lvl6pPr marL="2286000" indent="0">
+              <a:buNone/>
+              <a:defRPr sz="2000"/>
+            </a:lvl6pPr>
+            <a:lvl7pPr marL="2743200" indent="0">
+              <a:buNone/>
+              <a:defRPr sz="2000"/>
+            </a:lvl7pPr>
+            <a:lvl8pPr marL="3200400" indent="0">
+              <a:buNone/>
+              <a:defRPr sz="2000"/>
+            </a:lvl8pPr>
+            <a:lvl9pPr marL="3657600" indent="0">
+              <a:buNone/>
+              <a:defRPr sz="2000"/>
+            </a:lvl9pPr>
+          </a:lstStyle>
+          <a:p>
+            <a:r>
+              <a:rPr lang="en-US"/>
+              <a:t>Click icon to add picture</a:t>
+            </a:r>
+            <a:endParaRPr lang="en-US" dirty="0"/>
+          </a:p>
+        </p:txBody>
+      </p:sp>
+      <p:sp>
+        <p:nvSpPr>
+          <p:cNvPr id="4" name="Text Placeholder 3"/>
+          <p:cNvSpPr>
+            <a:spLocks noGrp="1"/>
+          </p:cNvSpPr>
+          <p:nvPr>
+            <p:ph type="body" sz="half" idx="2"/>
+          </p:nvPr>
+        </p:nvSpPr>
+        <p:spPr>
+          <a:xfrm>
+            <a:off x="723900" y="2855968"/>
+            <a:ext cx="3855720" cy="3011432"/>
+          </a:xfrm>
+        </p:spPr>
+        <p:txBody>
+          <a:bodyPr/>
+          <a:lstStyle>
+            <a:lvl1pPr marL="0" indent="0">
+              <a:lnSpc>
+                <a:spcPct val="113000"/>
+              </a:lnSpc>
+              <a:spcBef>
+                <a:spcPts val="0"/>
+              </a:spcBef>
+              <a:spcAft>
+                <a:spcPts val="1500"/>
+              </a:spcAft>
+              <a:buNone/>
+              <a:defRPr sz="1600"/>
+            </a:lvl1pPr>
+            <a:lvl2pPr marL="457200" indent="0">
+              <a:buNone/>
+              <a:defRPr sz="1400"/>
+            </a:lvl2pPr>
+            <a:lvl3pPr marL="914400" indent="0">
+              <a:buNone/>
+              <a:defRPr sz="1200"/>
+            </a:lvl3pPr>
+            <a:lvl4pPr marL="1371600" indent="0">
+              <a:buNone/>
+              <a:defRPr sz="1000"/>
+            </a:lvl4pPr>
+            <a:lvl5pPr marL="1828800" indent="0">
+              <a:buNone/>
+              <a:defRPr sz="1000"/>
+            </a:lvl5pPr>
+            <a:lvl6pPr marL="2286000" indent="0">
+              <a:buNone/>
+              <a:defRPr sz="1000"/>
+            </a:lvl6pPr>
+            <a:lvl7pPr marL="2743200" indent="0">
+              <a:buNone/>
+              <a:defRPr sz="1000"/>
+            </a:lvl7pPr>
+            <a:lvl8pPr marL="3200400" indent="0">
+              <a:buNone/>
+              <a:defRPr sz="1000"/>
+            </a:lvl8pPr>
+            <a:lvl9pPr marL="3657600" indent="0">
+              <a:buNone/>
+              <a:defRPr sz="1000"/>
+            </a:lvl9pPr>
+          </a:lstStyle>
+          <a:p>
+            <a:pPr lvl="0"/>
+            <a:r>
+              <a:rPr lang="en-US"/>
+              <a:t>Edit Master text styles</a:t>
+            </a:r>
+          </a:p>
+        </p:txBody>
+      </p:sp>
+      <p:sp>
+        <p:nvSpPr>
+          <p:cNvPr id="5" name="Date Placeholder 4"/>
+          <p:cNvSpPr>
+            <a:spLocks noGrp="1"/>
+          </p:cNvSpPr>
+          <p:nvPr>
+            <p:ph type="dt" sz="half" idx="10"/>
+          </p:nvPr>
+        </p:nvSpPr>
+        <p:spPr>
+          <a:xfrm>
+            <a:off x="723900" y="6453386"/>
+            <a:ext cx="1204572" cy="404614"/>
+          </a:xfrm>
+        </p:spPr>
+        <p:txBody>
+          <a:bodyPr/>
+          <a:lstStyle>
+            <a:lvl1pPr>
+              <a:defRPr>
+                <a:solidFill>
+                  <a:schemeClr val="tx2"/>
+                </a:solidFill>
+              </a:defRPr>
+            </a:lvl1pPr>
+          </a:lstStyle>
+          <a:p>
+            <a:fld id="{87DE6118-2437-4B30-8E3C-4D2BE6020583}" type="datetimeFigureOut">
+              <a:rPr lang="en-US" smtClean="0"/>
+              <a:pPr/>
+              <a:t>3/17/2017</a:t>
+            </a:fld>
+            <a:endParaRPr lang="en-US" dirty="0"/>
+          </a:p>
+        </p:txBody>
+      </p:sp>
+      <p:sp>
+        <p:nvSpPr>
+          <p:cNvPr id="6" name="Footer Placeholder 5"/>
+          <p:cNvSpPr>
+            <a:spLocks noGrp="1"/>
+          </p:cNvSpPr>
+          <p:nvPr>
+            <p:ph type="ftr" sz="quarter" idx="11"/>
+          </p:nvPr>
+        </p:nvSpPr>
+        <p:spPr>
+          <a:xfrm>
+            <a:off x="2205945" y="6453386"/>
+            <a:ext cx="2373675" cy="404614"/>
+          </a:xfrm>
+        </p:spPr>
+        <p:txBody>
+          <a:bodyPr/>
+          <a:lstStyle>
+            <a:lvl1pPr>
+              <a:defRPr>
+                <a:solidFill>
+                  <a:schemeClr val="tx2"/>
+                </a:solidFill>
+              </a:defRPr>
+            </a:lvl1pPr>
+          </a:lstStyle>
+          <a:p>
+            <a:endParaRPr lang="en-US" dirty="0"/>
+          </a:p>
+        </p:txBody>
+      </p:sp>
+      <p:sp>
+        <p:nvSpPr>
+          <p:cNvPr id="7" name="Slide Number Placeholder 6"/>
+          <p:cNvSpPr>
+            <a:spLocks noGrp="1"/>
+          </p:cNvSpPr>
+          <p:nvPr>
+            <p:ph type="sldNum" sz="quarter" idx="12"/>
+          </p:nvPr>
+        </p:nvSpPr>
+        <p:spPr>
+          <a:xfrm>
+            <a:off x="9883140" y="6453386"/>
+            <a:ext cx="1596292" cy="404614"/>
+          </a:xfrm>
+        </p:spPr>
+        <p:txBody>
+          <a:bodyPr/>
+          <a:lstStyle>
+            <a:lvl1pPr>
+              <a:defRPr>
+                <a:solidFill>
+                  <a:schemeClr val="tx2"/>
+                </a:solidFill>
+              </a:defRPr>
+            </a:lvl1pPr>
+          </a:lstStyle>
+          <a:p>
+            <a:fld id="{69E57DC2-970A-4B3E-BB1C-7A09969E49DF}" type="slidenum">
+              <a:rPr lang="en-US" smtClean="0"/>
+              <a:pPr/>
+              <a:t>‹#›</a:t>
+            </a:fld>
+            <a:endParaRPr lang="en-US" dirty="0"/>
+          </a:p>
+        </p:txBody>
+      </p:sp>
+      <p:sp>
+        <p:nvSpPr>
+          <p:cNvPr id="9" name="Rectangle 8" title="Divider Bar"/>
+          <p:cNvSpPr/>
+          <p:nvPr/>
+        </p:nvSpPr>
+        <p:spPr>
+          <a:xfrm>
+            <a:off x="5303520" y="376"/>
+            <a:ext cx="228600" cy="6858000"/>
+          </a:xfrm>
+          <a:prstGeom prst="rect">
+            <a:avLst/>
+          </a:prstGeom>
+          <a:solidFill>
+            <a:schemeClr val="tx2"/>
+          </a:solidFill>
+          <a:ln>
+            <a:noFill/>
+          </a:ln>
+        </p:spPr>
+        <p:style>
+          <a:lnRef idx="2">
+            <a:schemeClr val="accent1">
+              <a:shade val="50000"/>
+            </a:schemeClr>
+          </a:lnRef>
+          <a:fillRef idx="1">
+            <a:schemeClr val="accent1"/>
+          </a:fillRef>
+          <a:effectRef idx="0">
+            <a:schemeClr val="accent1"/>
+          </a:effectRef>
+          <a:fontRef idx="minor">
+            <a:schemeClr val="lt1"/>
+          </a:fontRef>
+        </p:style>
+      </p:sp>
+    </p:spTree>
+    <p:extLst>
+      <p:ext uri="{BB962C8B-B14F-4D97-AF65-F5344CB8AC3E}">
+        <p14:creationId xmlns:p14="http://schemas.microsoft.com/office/powerpoint/2010/main" val="1851268247"/>
+      </p:ext>
+    </p:extLst>
+  </p:cSld>
+  <p:clrMapOvr>
+    <a:masterClrMapping/>
+  </p:clrMapOvr>
+</p:sldLayout>
+</file>
+
+<file path=ppt/slideLayouts/slideLayout11.xml><?xml version="1.0" encoding="utf-8"?>
 <p:sldLayout xmlns:a="http://schemas.openxmlformats.org/drawingml/2006/main" xmlns:r="http://schemas.openxmlformats.org/officeDocument/2006/relationships" xmlns:p="http://schemas.openxmlformats.org/presentationml/2006/main" type="vertTx" preserve="1">
   <p:cSld name="Title and Vertical Text">
     <p:spTree>
@@ -3852,7 +4314,7 @@
           <a:p>
             <a:fld id="{87DE6118-2437-4B30-8E3C-4D2BE6020583}" type="datetimeFigureOut">
               <a:rPr lang="en-US" smtClean="0"/>
-              <a:t>3/12/2017</a:t>
+              <a:t>3/17/2017</a:t>
             </a:fld>
             <a:endParaRPr lang="en-US" dirty="0"/>
           </a:p>
@@ -3913,7 +4375,7 @@
 </p:sldLayout>
 </file>
 
-<file path=ppt/slideLayouts/slideLayout11.xml><?xml version="1.0" encoding="utf-8"?>
+<file path=ppt/slideLayouts/slideLayout12.xml><?xml version="1.0" encoding="utf-8"?>
 <p:sldLayout xmlns:a="http://schemas.openxmlformats.org/drawingml/2006/main" xmlns:r="http://schemas.openxmlformats.org/officeDocument/2006/relationships" xmlns:p="http://schemas.openxmlformats.org/presentationml/2006/main" type="vertTitleAndTx" preserve="1">
   <p:cSld name="Vertical Title and Text">
     <p:spTree>
@@ -4032,7 +4494,7 @@
           <a:p>
             <a:fld id="{87DE6118-2437-4B30-8E3C-4D2BE6020583}" type="datetimeFigureOut">
               <a:rPr lang="en-US" smtClean="0"/>
-              <a:t>3/12/2017</a:t>
+              <a:t>3/17/2017</a:t>
             </a:fld>
             <a:endParaRPr lang="en-US" dirty="0"/>
           </a:p>
@@ -4202,7 +4664,7 @@
           <a:p>
             <a:fld id="{87DE6118-2437-4B30-8E3C-4D2BE6020583}" type="datetimeFigureOut">
               <a:rPr lang="en-US" smtClean="0"/>
-              <a:t>3/12/2017</a:t>
+              <a:t>3/17/2017</a:t>
             </a:fld>
             <a:endParaRPr lang="en-US" dirty="0"/>
           </a:p>
@@ -4264,6 +4726,231 @@
 </file>
 
 <file path=ppt/slideLayouts/slideLayout3.xml><?xml version="1.0" encoding="utf-8"?>
+<p:sldLayout xmlns:a="http://schemas.openxmlformats.org/drawingml/2006/main" xmlns:r="http://schemas.openxmlformats.org/officeDocument/2006/relationships" xmlns:p="http://schemas.openxmlformats.org/presentationml/2006/main" showMasterSp="0" preserve="1" userDrawn="1">
+  <p:cSld name="1_Title and Content">
+    <p:spTree>
+      <p:nvGrpSpPr>
+        <p:cNvPr id="1" name=""/>
+        <p:cNvGrpSpPr/>
+        <p:nvPr/>
+      </p:nvGrpSpPr>
+      <p:grpSpPr>
+        <a:xfrm>
+          <a:off x="0" y="0"/>
+          <a:ext cx="0" cy="0"/>
+          <a:chOff x="0" y="0"/>
+          <a:chExt cx="0" cy="0"/>
+        </a:xfrm>
+      </p:grpSpPr>
+      <p:sp>
+        <p:nvSpPr>
+          <p:cNvPr id="7" name="Rectangle 6"/>
+          <p:cNvSpPr/>
+          <p:nvPr userDrawn="1"/>
+        </p:nvSpPr>
+        <p:spPr>
+          <a:xfrm>
+            <a:off x="0" y="-207818"/>
+            <a:ext cx="12192000" cy="4876800"/>
+          </a:xfrm>
+          <a:prstGeom prst="rect">
+            <a:avLst/>
+          </a:prstGeom>
+          <a:solidFill>
+            <a:schemeClr val="tx1">
+              <a:lumMod val="65000"/>
+              <a:lumOff val="35000"/>
+            </a:schemeClr>
+          </a:solidFill>
+          <a:ln>
+            <a:noFill/>
+          </a:ln>
+        </p:spPr>
+        <p:style>
+          <a:lnRef idx="2">
+            <a:schemeClr val="accent1">
+              <a:shade val="50000"/>
+            </a:schemeClr>
+          </a:lnRef>
+          <a:fillRef idx="1">
+            <a:schemeClr val="accent1"/>
+          </a:fillRef>
+          <a:effectRef idx="0">
+            <a:schemeClr val="accent1"/>
+          </a:effectRef>
+          <a:fontRef idx="minor">
+            <a:schemeClr val="lt1"/>
+          </a:fontRef>
+        </p:style>
+        <p:txBody>
+          <a:bodyPr rtlCol="0" anchor="ctr"/>
+          <a:lstStyle/>
+          <a:p>
+            <a:pPr algn="ctr"/>
+            <a:endParaRPr lang="bg-BG"/>
+          </a:p>
+        </p:txBody>
+      </p:sp>
+      <p:sp>
+        <p:nvSpPr>
+          <p:cNvPr id="8" name="Title 1"/>
+          <p:cNvSpPr>
+            <a:spLocks noGrp="1"/>
+          </p:cNvSpPr>
+          <p:nvPr>
+            <p:ph type="title"/>
+          </p:nvPr>
+        </p:nvSpPr>
+        <p:spPr>
+          <a:xfrm>
+            <a:off x="734292" y="242456"/>
+            <a:ext cx="10723419" cy="3782289"/>
+          </a:xfrm>
+        </p:spPr>
+        <p:txBody>
+          <a:bodyPr/>
+          <a:lstStyle/>
+          <a:p>
+            <a:r>
+              <a:rPr lang="en-US" dirty="0"/>
+              <a:t>Click to edit Master title style</a:t>
+            </a:r>
+            <a:endParaRPr lang="bg-BG" dirty="0"/>
+          </a:p>
+        </p:txBody>
+      </p:sp>
+      <p:sp>
+        <p:nvSpPr>
+          <p:cNvPr id="9" name="Date Placeholder 2"/>
+          <p:cNvSpPr>
+            <a:spLocks noGrp="1"/>
+          </p:cNvSpPr>
+          <p:nvPr>
+            <p:ph type="dt" sz="half" idx="10"/>
+          </p:nvPr>
+        </p:nvSpPr>
+        <p:spPr>
+          <a:xfrm>
+            <a:off x="1390650" y="6453386"/>
+            <a:ext cx="1204572" cy="404614"/>
+          </a:xfrm>
+        </p:spPr>
+        <p:txBody>
+          <a:bodyPr/>
+          <a:lstStyle/>
+          <a:p>
+            <a:fld id="{87DE6118-2437-4B30-8E3C-4D2BE6020583}" type="datetimeFigureOut">
+              <a:rPr lang="en-US" smtClean="0"/>
+              <a:pPr/>
+              <a:t>3/17/2017</a:t>
+            </a:fld>
+            <a:endParaRPr lang="en-US" dirty="0"/>
+          </a:p>
+        </p:txBody>
+      </p:sp>
+      <p:sp>
+        <p:nvSpPr>
+          <p:cNvPr id="10" name="Footer Placeholder 3"/>
+          <p:cNvSpPr>
+            <a:spLocks noGrp="1"/>
+          </p:cNvSpPr>
+          <p:nvPr>
+            <p:ph type="ftr" sz="quarter" idx="11"/>
+          </p:nvPr>
+        </p:nvSpPr>
+        <p:spPr>
+          <a:xfrm>
+            <a:off x="2893564" y="6453386"/>
+            <a:ext cx="6280830" cy="404614"/>
+          </a:xfrm>
+        </p:spPr>
+        <p:txBody>
+          <a:bodyPr/>
+          <a:lstStyle/>
+          <a:p>
+            <a:endParaRPr lang="en-US" dirty="0"/>
+          </a:p>
+        </p:txBody>
+      </p:sp>
+      <p:sp>
+        <p:nvSpPr>
+          <p:cNvPr id="11" name="Slide Number Placeholder 4"/>
+          <p:cNvSpPr>
+            <a:spLocks noGrp="1"/>
+          </p:cNvSpPr>
+          <p:nvPr>
+            <p:ph type="sldNum" sz="quarter" idx="12"/>
+          </p:nvPr>
+        </p:nvSpPr>
+        <p:spPr>
+          <a:xfrm>
+            <a:off x="9472736" y="6453386"/>
+            <a:ext cx="1596292" cy="404614"/>
+          </a:xfrm>
+        </p:spPr>
+        <p:txBody>
+          <a:bodyPr/>
+          <a:lstStyle/>
+          <a:p>
+            <a:fld id="{69E57DC2-970A-4B3E-BB1C-7A09969E49DF}" type="slidenum">
+              <a:rPr lang="en-US" smtClean="0"/>
+              <a:pPr/>
+              <a:t>‹#›</a:t>
+            </a:fld>
+            <a:endParaRPr lang="en-US" dirty="0"/>
+          </a:p>
+        </p:txBody>
+      </p:sp>
+      <p:sp>
+        <p:nvSpPr>
+          <p:cNvPr id="12" name="Text Placeholder 10"/>
+          <p:cNvSpPr>
+            <a:spLocks noGrp="1"/>
+          </p:cNvSpPr>
+          <p:nvPr>
+            <p:ph type="body" sz="quarter" idx="13" hasCustomPrompt="1"/>
+          </p:nvPr>
+        </p:nvSpPr>
+        <p:spPr>
+          <a:xfrm>
+            <a:off x="734292" y="5234187"/>
+            <a:ext cx="3283526" cy="574962"/>
+          </a:xfrm>
+        </p:spPr>
+        <p:txBody>
+          <a:bodyPr>
+            <a:normAutofit/>
+          </a:bodyPr>
+          <a:lstStyle>
+            <a:lvl1pPr marL="0" indent="0">
+              <a:buNone/>
+              <a:defRPr sz="3200" b="1" u="sng"/>
+            </a:lvl1pPr>
+          </a:lstStyle>
+          <a:p>
+            <a:pPr lvl="0"/>
+            <a:r>
+              <a:rPr lang="en-US" dirty="0"/>
+              <a:t>Title</a:t>
+            </a:r>
+            <a:endParaRPr lang="bg-BG" dirty="0"/>
+          </a:p>
+        </p:txBody>
+      </p:sp>
+    </p:spTree>
+    <p:extLst>
+      <p:ext uri="{BB962C8B-B14F-4D97-AF65-F5344CB8AC3E}">
+        <p14:creationId xmlns:p14="http://schemas.microsoft.com/office/powerpoint/2010/main" val="2082371495"/>
+      </p:ext>
+    </p:extLst>
+  </p:cSld>
+  <p:clrMapOvr>
+    <a:masterClrMapping/>
+  </p:clrMapOvr>
+</p:sldLayout>
+</file>
+
+<file path=ppt/slideLayouts/slideLayout4.xml><?xml version="1.0" encoding="utf-8"?>
 <p:sldLayout xmlns:a="http://schemas.openxmlformats.org/drawingml/2006/main" xmlns:r="http://schemas.openxmlformats.org/officeDocument/2006/relationships" xmlns:p="http://schemas.openxmlformats.org/presentationml/2006/main" showMasterSp="0" type="secHead" preserve="1">
   <p:cSld name="Section Header">
     <p:bg>
@@ -4486,7 +5173,7 @@
             <a:fld id="{87DE6118-2437-4B30-8E3C-4D2BE6020583}" type="datetimeFigureOut">
               <a:rPr lang="en-US" smtClean="0"/>
               <a:pPr/>
-              <a:t>3/12/2017</a:t>
+              <a:t>3/17/2017</a:t>
             </a:fld>
             <a:endParaRPr lang="en-US" dirty="0"/>
           </a:p>
@@ -4630,7 +5317,7 @@
 </p:sldLayout>
 </file>
 
-<file path=ppt/slideLayouts/slideLayout4.xml><?xml version="1.0" encoding="utf-8"?>
+<file path=ppt/slideLayouts/slideLayout5.xml><?xml version="1.0" encoding="utf-8"?>
 <p:sldLayout xmlns:a="http://schemas.openxmlformats.org/drawingml/2006/main" xmlns:r="http://schemas.openxmlformats.org/officeDocument/2006/relationships" xmlns:p="http://schemas.openxmlformats.org/presentationml/2006/main" type="twoObj" preserve="1">
   <p:cSld name="Two Content">
     <p:spTree>
@@ -4881,7 +5568,7 @@
           <a:p>
             <a:fld id="{87DE6118-2437-4B30-8E3C-4D2BE6020583}" type="datetimeFigureOut">
               <a:rPr lang="en-US" smtClean="0"/>
-              <a:t>3/12/2017</a:t>
+              <a:t>3/17/2017</a:t>
             </a:fld>
             <a:endParaRPr lang="en-US" dirty="0"/>
           </a:p>
@@ -4942,7 +5629,7 @@
 </p:sldLayout>
 </file>
 
-<file path=ppt/slideLayouts/slideLayout5.xml><?xml version="1.0" encoding="utf-8"?>
+<file path=ppt/slideLayouts/slideLayout6.xml><?xml version="1.0" encoding="utf-8"?>
 <p:sldLayout xmlns:a="http://schemas.openxmlformats.org/drawingml/2006/main" xmlns:r="http://schemas.openxmlformats.org/officeDocument/2006/relationships" xmlns:p="http://schemas.openxmlformats.org/presentationml/2006/main" type="twoTxTwoObj" preserve="1">
   <p:cSld name="Comparison">
     <p:spTree>
@@ -5358,7 +6045,7 @@
           <a:p>
             <a:fld id="{87DE6118-2437-4B30-8E3C-4D2BE6020583}" type="datetimeFigureOut">
               <a:rPr lang="en-US" smtClean="0"/>
-              <a:t>3/12/2017</a:t>
+              <a:t>3/17/2017</a:t>
             </a:fld>
             <a:endParaRPr lang="en-US" dirty="0"/>
           </a:p>
@@ -5419,7 +6106,7 @@
 </p:sldLayout>
 </file>
 
-<file path=ppt/slideLayouts/slideLayout6.xml><?xml version="1.0" encoding="utf-8"?>
+<file path=ppt/slideLayouts/slideLayout7.xml><?xml version="1.0" encoding="utf-8"?>
 <p:sldLayout xmlns:a="http://schemas.openxmlformats.org/drawingml/2006/main" xmlns:r="http://schemas.openxmlformats.org/officeDocument/2006/relationships" xmlns:p="http://schemas.openxmlformats.org/presentationml/2006/main" type="titleOnly" preserve="1">
   <p:cSld name="Title Only">
     <p:spTree>
@@ -5476,7 +6163,7 @@
           <a:p>
             <a:fld id="{87DE6118-2437-4B30-8E3C-4D2BE6020583}" type="datetimeFigureOut">
               <a:rPr lang="en-US" smtClean="0"/>
-              <a:t>3/12/2017</a:t>
+              <a:t>3/17/2017</a:t>
             </a:fld>
             <a:endParaRPr lang="en-US" dirty="0"/>
           </a:p>
@@ -5537,7 +6224,7 @@
 </p:sldLayout>
 </file>
 
-<file path=ppt/slideLayouts/slideLayout7.xml><?xml version="1.0" encoding="utf-8"?>
+<file path=ppt/slideLayouts/slideLayout8.xml><?xml version="1.0" encoding="utf-8"?>
 <p:sldLayout xmlns:a="http://schemas.openxmlformats.org/drawingml/2006/main" xmlns:r="http://schemas.openxmlformats.org/officeDocument/2006/relationships" xmlns:p="http://schemas.openxmlformats.org/presentationml/2006/main" type="blank" preserve="1">
   <p:cSld name="Blank">
     <p:spTree>
@@ -5571,7 +6258,7 @@
           <a:p>
             <a:fld id="{87DE6118-2437-4B30-8E3C-4D2BE6020583}" type="datetimeFigureOut">
               <a:rPr lang="en-US" smtClean="0"/>
-              <a:t>3/12/2017</a:t>
+              <a:t>3/17/2017</a:t>
             </a:fld>
             <a:endParaRPr lang="en-US" dirty="0"/>
           </a:p>
@@ -5632,7 +6319,7 @@
 </p:sldLayout>
 </file>
 
-<file path=ppt/slideLayouts/slideLayout8.xml><?xml version="1.0" encoding="utf-8"?>
+<file path=ppt/slideLayouts/slideLayout9.xml><?xml version="1.0" encoding="utf-8"?>
 <p:sldLayout xmlns:a="http://schemas.openxmlformats.org/drawingml/2006/main" xmlns:r="http://schemas.openxmlformats.org/officeDocument/2006/relationships" xmlns:p="http://schemas.openxmlformats.org/presentationml/2006/main" showMasterSp="0" type="objTx" preserve="1">
   <p:cSld name="Content with Caption">
     <p:spTree>
@@ -5918,7 +6605,7 @@
             <a:fld id="{87DE6118-2437-4B30-8E3C-4D2BE6020583}" type="datetimeFigureOut">
               <a:rPr lang="en-US" smtClean="0"/>
               <a:pPr/>
-              <a:t>3/12/2017</a:t>
+              <a:t>3/17/2017</a:t>
             </a:fld>
             <a:endParaRPr lang="en-US" dirty="0"/>
           </a:p>
@@ -6044,396 +6731,6 @@
 </p:sldLayout>
 </file>
 
-<file path=ppt/slideLayouts/slideLayout9.xml><?xml version="1.0" encoding="utf-8"?>
-<p:sldLayout xmlns:a="http://schemas.openxmlformats.org/drawingml/2006/main" xmlns:r="http://schemas.openxmlformats.org/officeDocument/2006/relationships" xmlns:p="http://schemas.openxmlformats.org/presentationml/2006/main" showMasterSp="0" type="picTx" preserve="1">
-  <p:cSld name="Picture with Caption">
-    <p:spTree>
-      <p:nvGrpSpPr>
-        <p:cNvPr id="1" name=""/>
-        <p:cNvGrpSpPr/>
-        <p:nvPr/>
-      </p:nvGrpSpPr>
-      <p:grpSpPr>
-        <a:xfrm>
-          <a:off x="0" y="0"/>
-          <a:ext cx="0" cy="0"/>
-          <a:chOff x="0" y="0"/>
-          <a:chExt cx="0" cy="0"/>
-        </a:xfrm>
-      </p:grpSpPr>
-      <p:sp>
-        <p:nvSpPr>
-          <p:cNvPr id="8" name="Rectangle 7" title="Background Shape"/>
-          <p:cNvSpPr/>
-          <p:nvPr/>
-        </p:nvSpPr>
-        <p:spPr>
-          <a:xfrm>
-            <a:off x="0" y="376"/>
-            <a:ext cx="5303520" cy="6857624"/>
-          </a:xfrm>
-          <a:prstGeom prst="rect">
-            <a:avLst/>
-          </a:prstGeom>
-          <a:solidFill>
-            <a:schemeClr val="accent1"/>
-          </a:solidFill>
-          <a:ln>
-            <a:noFill/>
-          </a:ln>
-        </p:spPr>
-        <p:style>
-          <a:lnRef idx="2">
-            <a:schemeClr val="accent1">
-              <a:shade val="50000"/>
-            </a:schemeClr>
-          </a:lnRef>
-          <a:fillRef idx="1">
-            <a:schemeClr val="accent1"/>
-          </a:fillRef>
-          <a:effectRef idx="0">
-            <a:schemeClr val="accent1"/>
-          </a:effectRef>
-          <a:fontRef idx="minor">
-            <a:schemeClr val="lt1"/>
-          </a:fontRef>
-        </p:style>
-      </p:sp>
-      <p:sp>
-        <p:nvSpPr>
-          <p:cNvPr id="2" name="Title 1"/>
-          <p:cNvSpPr>
-            <a:spLocks noGrp="1"/>
-          </p:cNvSpPr>
-          <p:nvPr>
-            <p:ph type="title"/>
-          </p:nvPr>
-        </p:nvSpPr>
-        <p:spPr>
-          <a:xfrm>
-            <a:off x="723900" y="685800"/>
-            <a:ext cx="3855720" cy="2157884"/>
-          </a:xfrm>
-        </p:spPr>
-        <p:txBody>
-          <a:bodyPr anchor="t">
-            <a:normAutofit/>
-          </a:bodyPr>
-          <a:lstStyle>
-            <a:lvl1pPr>
-              <a:lnSpc>
-                <a:spcPct val="84000"/>
-              </a:lnSpc>
-              <a:defRPr sz="4800" baseline="0"/>
-            </a:lvl1pPr>
-          </a:lstStyle>
-          <a:p>
-            <a:r>
-              <a:rPr lang="en-US"/>
-              <a:t>Click to edit Master title style</a:t>
-            </a:r>
-            <a:endParaRPr lang="en-US" dirty="0"/>
-          </a:p>
-        </p:txBody>
-      </p:sp>
-      <p:sp>
-        <p:nvSpPr>
-          <p:cNvPr id="3" name="Picture Placeholder 2"/>
-          <p:cNvSpPr>
-            <a:spLocks noGrp="1" noChangeAspect="1"/>
-          </p:cNvSpPr>
-          <p:nvPr>
-            <p:ph type="pic" idx="1"/>
-          </p:nvPr>
-        </p:nvSpPr>
-        <p:spPr>
-          <a:xfrm>
-            <a:off x="5532120" y="0"/>
-            <a:ext cx="6659880" cy="6857999"/>
-          </a:xfrm>
-        </p:spPr>
-        <p:txBody>
-          <a:bodyPr anchor="t">
-            <a:normAutofit/>
-          </a:bodyPr>
-          <a:lstStyle>
-            <a:lvl1pPr marL="0" indent="0">
-              <a:buNone/>
-              <a:defRPr sz="2000"/>
-            </a:lvl1pPr>
-            <a:lvl2pPr marL="457200" indent="0">
-              <a:buNone/>
-              <a:defRPr sz="2000"/>
-            </a:lvl2pPr>
-            <a:lvl3pPr marL="914400" indent="0">
-              <a:buNone/>
-              <a:defRPr sz="2000"/>
-            </a:lvl3pPr>
-            <a:lvl4pPr marL="1371600" indent="0">
-              <a:buNone/>
-              <a:defRPr sz="2000"/>
-            </a:lvl4pPr>
-            <a:lvl5pPr marL="1828800" indent="0">
-              <a:buNone/>
-              <a:defRPr sz="2000"/>
-            </a:lvl5pPr>
-            <a:lvl6pPr marL="2286000" indent="0">
-              <a:buNone/>
-              <a:defRPr sz="2000"/>
-            </a:lvl6pPr>
-            <a:lvl7pPr marL="2743200" indent="0">
-              <a:buNone/>
-              <a:defRPr sz="2000"/>
-            </a:lvl7pPr>
-            <a:lvl8pPr marL="3200400" indent="0">
-              <a:buNone/>
-              <a:defRPr sz="2000"/>
-            </a:lvl8pPr>
-            <a:lvl9pPr marL="3657600" indent="0">
-              <a:buNone/>
-              <a:defRPr sz="2000"/>
-            </a:lvl9pPr>
-          </a:lstStyle>
-          <a:p>
-            <a:r>
-              <a:rPr lang="en-US"/>
-              <a:t>Click icon to add picture</a:t>
-            </a:r>
-            <a:endParaRPr lang="en-US" dirty="0"/>
-          </a:p>
-        </p:txBody>
-      </p:sp>
-      <p:sp>
-        <p:nvSpPr>
-          <p:cNvPr id="4" name="Text Placeholder 3"/>
-          <p:cNvSpPr>
-            <a:spLocks noGrp="1"/>
-          </p:cNvSpPr>
-          <p:nvPr>
-            <p:ph type="body" sz="half" idx="2"/>
-          </p:nvPr>
-        </p:nvSpPr>
-        <p:spPr>
-          <a:xfrm>
-            <a:off x="723900" y="2855968"/>
-            <a:ext cx="3855720" cy="3011432"/>
-          </a:xfrm>
-        </p:spPr>
-        <p:txBody>
-          <a:bodyPr/>
-          <a:lstStyle>
-            <a:lvl1pPr marL="0" indent="0">
-              <a:lnSpc>
-                <a:spcPct val="113000"/>
-              </a:lnSpc>
-              <a:spcBef>
-                <a:spcPts val="0"/>
-              </a:spcBef>
-              <a:spcAft>
-                <a:spcPts val="1500"/>
-              </a:spcAft>
-              <a:buNone/>
-              <a:defRPr sz="1600"/>
-            </a:lvl1pPr>
-            <a:lvl2pPr marL="457200" indent="0">
-              <a:buNone/>
-              <a:defRPr sz="1400"/>
-            </a:lvl2pPr>
-            <a:lvl3pPr marL="914400" indent="0">
-              <a:buNone/>
-              <a:defRPr sz="1200"/>
-            </a:lvl3pPr>
-            <a:lvl4pPr marL="1371600" indent="0">
-              <a:buNone/>
-              <a:defRPr sz="1000"/>
-            </a:lvl4pPr>
-            <a:lvl5pPr marL="1828800" indent="0">
-              <a:buNone/>
-              <a:defRPr sz="1000"/>
-            </a:lvl5pPr>
-            <a:lvl6pPr marL="2286000" indent="0">
-              <a:buNone/>
-              <a:defRPr sz="1000"/>
-            </a:lvl6pPr>
-            <a:lvl7pPr marL="2743200" indent="0">
-              <a:buNone/>
-              <a:defRPr sz="1000"/>
-            </a:lvl7pPr>
-            <a:lvl8pPr marL="3200400" indent="0">
-              <a:buNone/>
-              <a:defRPr sz="1000"/>
-            </a:lvl8pPr>
-            <a:lvl9pPr marL="3657600" indent="0">
-              <a:buNone/>
-              <a:defRPr sz="1000"/>
-            </a:lvl9pPr>
-          </a:lstStyle>
-          <a:p>
-            <a:pPr lvl="0"/>
-            <a:r>
-              <a:rPr lang="en-US"/>
-              <a:t>Edit Master text styles</a:t>
-            </a:r>
-          </a:p>
-        </p:txBody>
-      </p:sp>
-      <p:sp>
-        <p:nvSpPr>
-          <p:cNvPr id="5" name="Date Placeholder 4"/>
-          <p:cNvSpPr>
-            <a:spLocks noGrp="1"/>
-          </p:cNvSpPr>
-          <p:nvPr>
-            <p:ph type="dt" sz="half" idx="10"/>
-          </p:nvPr>
-        </p:nvSpPr>
-        <p:spPr>
-          <a:xfrm>
-            <a:off x="723900" y="6453386"/>
-            <a:ext cx="1204572" cy="404614"/>
-          </a:xfrm>
-        </p:spPr>
-        <p:txBody>
-          <a:bodyPr/>
-          <a:lstStyle>
-            <a:lvl1pPr>
-              <a:defRPr>
-                <a:solidFill>
-                  <a:schemeClr val="tx2"/>
-                </a:solidFill>
-              </a:defRPr>
-            </a:lvl1pPr>
-          </a:lstStyle>
-          <a:p>
-            <a:fld id="{87DE6118-2437-4B30-8E3C-4D2BE6020583}" type="datetimeFigureOut">
-              <a:rPr lang="en-US" smtClean="0"/>
-              <a:pPr/>
-              <a:t>3/12/2017</a:t>
-            </a:fld>
-            <a:endParaRPr lang="en-US" dirty="0"/>
-          </a:p>
-        </p:txBody>
-      </p:sp>
-      <p:sp>
-        <p:nvSpPr>
-          <p:cNvPr id="6" name="Footer Placeholder 5"/>
-          <p:cNvSpPr>
-            <a:spLocks noGrp="1"/>
-          </p:cNvSpPr>
-          <p:nvPr>
-            <p:ph type="ftr" sz="quarter" idx="11"/>
-          </p:nvPr>
-        </p:nvSpPr>
-        <p:spPr>
-          <a:xfrm>
-            <a:off x="2205945" y="6453386"/>
-            <a:ext cx="2373675" cy="404614"/>
-          </a:xfrm>
-        </p:spPr>
-        <p:txBody>
-          <a:bodyPr/>
-          <a:lstStyle>
-            <a:lvl1pPr>
-              <a:defRPr>
-                <a:solidFill>
-                  <a:schemeClr val="tx2"/>
-                </a:solidFill>
-              </a:defRPr>
-            </a:lvl1pPr>
-          </a:lstStyle>
-          <a:p>
-            <a:endParaRPr lang="en-US" dirty="0"/>
-          </a:p>
-        </p:txBody>
-      </p:sp>
-      <p:sp>
-        <p:nvSpPr>
-          <p:cNvPr id="7" name="Slide Number Placeholder 6"/>
-          <p:cNvSpPr>
-            <a:spLocks noGrp="1"/>
-          </p:cNvSpPr>
-          <p:nvPr>
-            <p:ph type="sldNum" sz="quarter" idx="12"/>
-          </p:nvPr>
-        </p:nvSpPr>
-        <p:spPr>
-          <a:xfrm>
-            <a:off x="9883140" y="6453386"/>
-            <a:ext cx="1596292" cy="404614"/>
-          </a:xfrm>
-        </p:spPr>
-        <p:txBody>
-          <a:bodyPr/>
-          <a:lstStyle>
-            <a:lvl1pPr>
-              <a:defRPr>
-                <a:solidFill>
-                  <a:schemeClr val="tx2"/>
-                </a:solidFill>
-              </a:defRPr>
-            </a:lvl1pPr>
-          </a:lstStyle>
-          <a:p>
-            <a:fld id="{69E57DC2-970A-4B3E-BB1C-7A09969E49DF}" type="slidenum">
-              <a:rPr lang="en-US" smtClean="0"/>
-              <a:pPr/>
-              <a:t>‹#›</a:t>
-            </a:fld>
-            <a:endParaRPr lang="en-US" dirty="0"/>
-          </a:p>
-        </p:txBody>
-      </p:sp>
-      <p:sp>
-        <p:nvSpPr>
-          <p:cNvPr id="9" name="Rectangle 8" title="Divider Bar"/>
-          <p:cNvSpPr/>
-          <p:nvPr/>
-        </p:nvSpPr>
-        <p:spPr>
-          <a:xfrm>
-            <a:off x="5303520" y="376"/>
-            <a:ext cx="228600" cy="6858000"/>
-          </a:xfrm>
-          <a:prstGeom prst="rect">
-            <a:avLst/>
-          </a:prstGeom>
-          <a:solidFill>
-            <a:schemeClr val="tx2"/>
-          </a:solidFill>
-          <a:ln>
-            <a:noFill/>
-          </a:ln>
-        </p:spPr>
-        <p:style>
-          <a:lnRef idx="2">
-            <a:schemeClr val="accent1">
-              <a:shade val="50000"/>
-            </a:schemeClr>
-          </a:lnRef>
-          <a:fillRef idx="1">
-            <a:schemeClr val="accent1"/>
-          </a:fillRef>
-          <a:effectRef idx="0">
-            <a:schemeClr val="accent1"/>
-          </a:effectRef>
-          <a:fontRef idx="minor">
-            <a:schemeClr val="lt1"/>
-          </a:fontRef>
-        </p:style>
-      </p:sp>
-    </p:spTree>
-    <p:extLst>
-      <p:ext uri="{BB962C8B-B14F-4D97-AF65-F5344CB8AC3E}">
-        <p14:creationId xmlns:p14="http://schemas.microsoft.com/office/powerpoint/2010/main" val="1851268247"/>
-      </p:ext>
-    </p:extLst>
-  </p:cSld>
-  <p:clrMapOvr>
-    <a:masterClrMapping/>
-  </p:clrMapOvr>
-</p:sldLayout>
-</file>
-
 <file path=ppt/slideMasters/slideMaster1.xml><?xml version="1.0" encoding="utf-8"?>
 <p:sldMaster xmlns:a="http://schemas.openxmlformats.org/drawingml/2006/main" xmlns:r="http://schemas.openxmlformats.org/officeDocument/2006/relationships" xmlns:p="http://schemas.openxmlformats.org/presentationml/2006/main">
   <p:cSld>
@@ -6588,7 +6885,7 @@
             <a:fld id="{87DE6118-2437-4B30-8E3C-4D2BE6020583}" type="datetimeFigureOut">
               <a:rPr lang="en-US" smtClean="0"/>
               <a:pPr/>
-              <a:t>3/12/2017</a:t>
+              <a:t>3/17/2017</a:t>
             </a:fld>
             <a:endParaRPr lang="en-US" dirty="0"/>
           </a:p>
@@ -6718,15 +7015,16 @@
   <p:sldLayoutIdLst>
     <p:sldLayoutId id="2147483661" r:id="rId1"/>
     <p:sldLayoutId id="2147483662" r:id="rId2"/>
-    <p:sldLayoutId id="2147483663" r:id="rId3"/>
-    <p:sldLayoutId id="2147483664" r:id="rId4"/>
-    <p:sldLayoutId id="2147483665" r:id="rId5"/>
-    <p:sldLayoutId id="2147483666" r:id="rId6"/>
-    <p:sldLayoutId id="2147483667" r:id="rId7"/>
-    <p:sldLayoutId id="2147483668" r:id="rId8"/>
-    <p:sldLayoutId id="2147483669" r:id="rId9"/>
-    <p:sldLayoutId id="2147483670" r:id="rId10"/>
-    <p:sldLayoutId id="2147483671" r:id="rId11"/>
+    <p:sldLayoutId id="2147483672" r:id="rId3"/>
+    <p:sldLayoutId id="2147483663" r:id="rId4"/>
+    <p:sldLayoutId id="2147483664" r:id="rId5"/>
+    <p:sldLayoutId id="2147483665" r:id="rId6"/>
+    <p:sldLayoutId id="2147483666" r:id="rId7"/>
+    <p:sldLayoutId id="2147483667" r:id="rId8"/>
+    <p:sldLayoutId id="2147483668" r:id="rId9"/>
+    <p:sldLayoutId id="2147483669" r:id="rId10"/>
+    <p:sldLayoutId id="2147483670" r:id="rId11"/>
+    <p:sldLayoutId id="2147483671" r:id="rId12"/>
   </p:sldLayoutIdLst>
   <p:txStyles>
     <p:titleStyle>
@@ -7245,7 +7543,7 @@
       </p:grpSpPr>
       <p:sp>
         <p:nvSpPr>
-          <p:cNvPr id="2" name="Title 1"/>
+          <p:cNvPr id="5" name="Title 4"/>
           <p:cNvSpPr>
             <a:spLocks noGrp="1"/>
           </p:cNvSpPr>
@@ -7255,56 +7553,660 @@
         </p:nvSpPr>
         <p:spPr/>
         <p:txBody>
-          <a:bodyPr/>
+          <a:bodyPr>
+            <a:normAutofit fontScale="90000"/>
+          </a:bodyPr>
           <a:lstStyle/>
           <a:p>
-            <a:endParaRPr lang="bg-BG" dirty="0"/>
+            <a:r>
+              <a:rPr lang="en-US" sz="2400" dirty="0">
+                <a:solidFill>
+                  <a:srgbClr val="C586C0"/>
+                </a:solidFill>
+                <a:latin typeface="Consolas" panose="020B0609020204030204" pitchFamily="49" charset="0"/>
+              </a:rPr>
+              <a:t>import</a:t>
+            </a:r>
+            <a:r>
+              <a:rPr lang="en-US" sz="2400" dirty="0">
+                <a:solidFill>
+                  <a:srgbClr val="D4D4D4"/>
+                </a:solidFill>
+                <a:latin typeface="Consolas" panose="020B0609020204030204" pitchFamily="49" charset="0"/>
+              </a:rPr>
+              <a:t> {</a:t>
+            </a:r>
+            <a:r>
+              <a:rPr lang="en-US" sz="2400" dirty="0">
+                <a:solidFill>
+                  <a:srgbClr val="9CDCFE"/>
+                </a:solidFill>
+                <a:latin typeface="Consolas" panose="020B0609020204030204" pitchFamily="49" charset="0"/>
+              </a:rPr>
+              <a:t>Component</a:t>
+            </a:r>
+            <a:r>
+              <a:rPr lang="en-US" sz="2400" dirty="0">
+                <a:solidFill>
+                  <a:srgbClr val="D4D4D4"/>
+                </a:solidFill>
+                <a:latin typeface="Consolas" panose="020B0609020204030204" pitchFamily="49" charset="0"/>
+              </a:rPr>
+              <a:t>} </a:t>
+            </a:r>
+            <a:r>
+              <a:rPr lang="en-US" sz="2400" dirty="0">
+                <a:solidFill>
+                  <a:srgbClr val="C586C0"/>
+                </a:solidFill>
+                <a:latin typeface="Consolas" panose="020B0609020204030204" pitchFamily="49" charset="0"/>
+              </a:rPr>
+              <a:t>from</a:t>
+            </a:r>
+            <a:r>
+              <a:rPr lang="en-US" sz="2400" dirty="0">
+                <a:solidFill>
+                  <a:srgbClr val="D4D4D4"/>
+                </a:solidFill>
+                <a:latin typeface="Consolas" panose="020B0609020204030204" pitchFamily="49" charset="0"/>
+              </a:rPr>
+              <a:t> </a:t>
+            </a:r>
+            <a:r>
+              <a:rPr lang="en-US" sz="2400" dirty="0">
+                <a:solidFill>
+                  <a:srgbClr val="CE9178"/>
+                </a:solidFill>
+                <a:latin typeface="Consolas" panose="020B0609020204030204" pitchFamily="49" charset="0"/>
+              </a:rPr>
+              <a:t>'@angular/core'</a:t>
+            </a:r>
+            <a:r>
+              <a:rPr lang="en-US" sz="2400" dirty="0">
+                <a:solidFill>
+                  <a:srgbClr val="D4D4D4"/>
+                </a:solidFill>
+                <a:latin typeface="Consolas" panose="020B0609020204030204" pitchFamily="49" charset="0"/>
+              </a:rPr>
+              <a:t>;</a:t>
+            </a:r>
+            <a:br>
+              <a:rPr lang="en-US" sz="2400" dirty="0">
+                <a:solidFill>
+                  <a:srgbClr val="D4D4D4"/>
+                </a:solidFill>
+                <a:latin typeface="Consolas" panose="020B0609020204030204" pitchFamily="49" charset="0"/>
+              </a:rPr>
+            </a:br>
+            <a:r>
+              <a:rPr lang="en-US" sz="2400" dirty="0">
+                <a:solidFill>
+                  <a:srgbClr val="D4D4D4"/>
+                </a:solidFill>
+                <a:latin typeface="Consolas" panose="020B0609020204030204" pitchFamily="49" charset="0"/>
+              </a:rPr>
+              <a:t/>
+            </a:r>
+            <a:br>
+              <a:rPr lang="en-US" sz="2400" dirty="0">
+                <a:solidFill>
+                  <a:srgbClr val="D4D4D4"/>
+                </a:solidFill>
+                <a:latin typeface="Consolas" panose="020B0609020204030204" pitchFamily="49" charset="0"/>
+              </a:rPr>
+            </a:br>
+            <a:r>
+              <a:rPr lang="en-US" sz="2400" dirty="0">
+                <a:solidFill>
+                  <a:srgbClr val="C586C0"/>
+                </a:solidFill>
+                <a:latin typeface="Consolas" panose="020B0609020204030204" pitchFamily="49" charset="0"/>
+              </a:rPr>
+              <a:t>import</a:t>
+            </a:r>
+            <a:r>
+              <a:rPr lang="en-US" sz="2400" dirty="0">
+                <a:solidFill>
+                  <a:srgbClr val="D4D4D4"/>
+                </a:solidFill>
+                <a:latin typeface="Consolas" panose="020B0609020204030204" pitchFamily="49" charset="0"/>
+              </a:rPr>
+              <a:t> {</a:t>
+            </a:r>
+            <a:r>
+              <a:rPr lang="en-US" sz="2400" dirty="0">
+                <a:solidFill>
+                  <a:srgbClr val="9CDCFE"/>
+                </a:solidFill>
+                <a:latin typeface="Consolas" panose="020B0609020204030204" pitchFamily="49" charset="0"/>
+              </a:rPr>
+              <a:t>Vehicle</a:t>
+            </a:r>
+            <a:r>
+              <a:rPr lang="en-US" sz="2400" dirty="0">
+                <a:solidFill>
+                  <a:srgbClr val="D4D4D4"/>
+                </a:solidFill>
+                <a:latin typeface="Consolas" panose="020B0609020204030204" pitchFamily="49" charset="0"/>
+              </a:rPr>
+              <a:t>} </a:t>
+            </a:r>
+            <a:r>
+              <a:rPr lang="en-US" sz="2400" dirty="0">
+                <a:solidFill>
+                  <a:srgbClr val="C586C0"/>
+                </a:solidFill>
+                <a:latin typeface="Consolas" panose="020B0609020204030204" pitchFamily="49" charset="0"/>
+              </a:rPr>
+              <a:t>from</a:t>
+            </a:r>
+            <a:r>
+              <a:rPr lang="en-US" sz="2400" dirty="0">
+                <a:solidFill>
+                  <a:srgbClr val="D4D4D4"/>
+                </a:solidFill>
+                <a:latin typeface="Consolas" panose="020B0609020204030204" pitchFamily="49" charset="0"/>
+              </a:rPr>
+              <a:t> </a:t>
+            </a:r>
+            <a:r>
+              <a:rPr lang="en-US" sz="2400" dirty="0">
+                <a:solidFill>
+                  <a:srgbClr val="CE9178"/>
+                </a:solidFill>
+                <a:latin typeface="Consolas" panose="020B0609020204030204" pitchFamily="49" charset="0"/>
+              </a:rPr>
+              <a:t>'./</a:t>
+            </a:r>
+            <a:r>
+              <a:rPr lang="en-US" sz="2400" dirty="0" err="1">
+                <a:solidFill>
+                  <a:srgbClr val="CE9178"/>
+                </a:solidFill>
+                <a:latin typeface="Consolas" panose="020B0609020204030204" pitchFamily="49" charset="0"/>
+              </a:rPr>
+              <a:t>vehicle.service</a:t>
+            </a:r>
+            <a:r>
+              <a:rPr lang="en-US" sz="2400" dirty="0">
+                <a:solidFill>
+                  <a:srgbClr val="CE9178"/>
+                </a:solidFill>
+                <a:latin typeface="Consolas" panose="020B0609020204030204" pitchFamily="49" charset="0"/>
+              </a:rPr>
+              <a:t>'</a:t>
+            </a:r>
+            <a:r>
+              <a:rPr lang="en-US" sz="2400" dirty="0">
+                <a:solidFill>
+                  <a:srgbClr val="D4D4D4"/>
+                </a:solidFill>
+                <a:latin typeface="Consolas" panose="020B0609020204030204" pitchFamily="49" charset="0"/>
+              </a:rPr>
+              <a:t>;</a:t>
+            </a:r>
+            <a:br>
+              <a:rPr lang="en-US" sz="2400" dirty="0">
+                <a:solidFill>
+                  <a:srgbClr val="D4D4D4"/>
+                </a:solidFill>
+                <a:latin typeface="Consolas" panose="020B0609020204030204" pitchFamily="49" charset="0"/>
+              </a:rPr>
+            </a:br>
+            <a:r>
+              <a:rPr lang="en-US" sz="2400" dirty="0">
+                <a:solidFill>
+                  <a:srgbClr val="D4D4D4"/>
+                </a:solidFill>
+                <a:latin typeface="Consolas" panose="020B0609020204030204" pitchFamily="49" charset="0"/>
+              </a:rPr>
+              <a:t/>
+            </a:r>
+            <a:br>
+              <a:rPr lang="en-US" sz="2400" dirty="0">
+                <a:solidFill>
+                  <a:srgbClr val="D4D4D4"/>
+                </a:solidFill>
+                <a:latin typeface="Consolas" panose="020B0609020204030204" pitchFamily="49" charset="0"/>
+              </a:rPr>
+            </a:br>
+            <a:r>
+              <a:rPr lang="en-US" sz="2400" dirty="0">
+                <a:solidFill>
+                  <a:srgbClr val="D4D4D4"/>
+                </a:solidFill>
+                <a:latin typeface="Consolas" panose="020B0609020204030204" pitchFamily="49" charset="0"/>
+              </a:rPr>
+              <a:t>@</a:t>
+            </a:r>
+            <a:r>
+              <a:rPr lang="en-US" sz="2400" dirty="0">
+                <a:solidFill>
+                  <a:srgbClr val="DCDCAA"/>
+                </a:solidFill>
+                <a:latin typeface="Consolas" panose="020B0609020204030204" pitchFamily="49" charset="0"/>
+              </a:rPr>
+              <a:t>Component</a:t>
+            </a:r>
+            <a:r>
+              <a:rPr lang="en-US" sz="2400" dirty="0">
+                <a:solidFill>
+                  <a:srgbClr val="D4D4D4"/>
+                </a:solidFill>
+                <a:latin typeface="Consolas" panose="020B0609020204030204" pitchFamily="49" charset="0"/>
+              </a:rPr>
+              <a:t>({</a:t>
+            </a:r>
+            <a:br>
+              <a:rPr lang="en-US" sz="2400" dirty="0">
+                <a:solidFill>
+                  <a:srgbClr val="D4D4D4"/>
+                </a:solidFill>
+                <a:latin typeface="Consolas" panose="020B0609020204030204" pitchFamily="49" charset="0"/>
+              </a:rPr>
+            </a:br>
+            <a:r>
+              <a:rPr lang="en-US" sz="2400" dirty="0">
+                <a:solidFill>
+                  <a:srgbClr val="D4D4D4"/>
+                </a:solidFill>
+                <a:latin typeface="Consolas" panose="020B0609020204030204" pitchFamily="49" charset="0"/>
+              </a:rPr>
+              <a:t>    </a:t>
+            </a:r>
+            <a:r>
+              <a:rPr lang="en-US" sz="2400" dirty="0" err="1">
+                <a:solidFill>
+                  <a:srgbClr val="9CDCFE"/>
+                </a:solidFill>
+                <a:latin typeface="Consolas" panose="020B0609020204030204" pitchFamily="49" charset="0"/>
+              </a:rPr>
+              <a:t>moduleId</a:t>
+            </a:r>
+            <a:r>
+              <a:rPr lang="en-US" sz="2400" dirty="0">
+                <a:solidFill>
+                  <a:srgbClr val="9CDCFE"/>
+                </a:solidFill>
+                <a:latin typeface="Consolas" panose="020B0609020204030204" pitchFamily="49" charset="0"/>
+              </a:rPr>
+              <a:t>:</a:t>
+            </a:r>
+            <a:r>
+              <a:rPr lang="en-US" sz="2400" dirty="0">
+                <a:solidFill>
+                  <a:srgbClr val="D4D4D4"/>
+                </a:solidFill>
+                <a:latin typeface="Consolas" panose="020B0609020204030204" pitchFamily="49" charset="0"/>
+              </a:rPr>
+              <a:t> </a:t>
+            </a:r>
+            <a:r>
+              <a:rPr lang="en-US" sz="2400" dirty="0">
+                <a:solidFill>
+                  <a:srgbClr val="4EC9B0"/>
+                </a:solidFill>
+                <a:latin typeface="Consolas" panose="020B0609020204030204" pitchFamily="49" charset="0"/>
+              </a:rPr>
+              <a:t>module</a:t>
+            </a:r>
+            <a:r>
+              <a:rPr lang="en-US" sz="2400" dirty="0">
+                <a:solidFill>
+                  <a:srgbClr val="D4D4D4"/>
+                </a:solidFill>
+                <a:latin typeface="Consolas" panose="020B0609020204030204" pitchFamily="49" charset="0"/>
+              </a:rPr>
+              <a:t>.</a:t>
+            </a:r>
+            <a:r>
+              <a:rPr lang="en-US" sz="2400" dirty="0">
+                <a:solidFill>
+                  <a:srgbClr val="4EC9B0"/>
+                </a:solidFill>
+                <a:latin typeface="Consolas" panose="020B0609020204030204" pitchFamily="49" charset="0"/>
+              </a:rPr>
+              <a:t>id</a:t>
+            </a:r>
+            <a:r>
+              <a:rPr lang="en-US" sz="2400" dirty="0">
+                <a:solidFill>
+                  <a:srgbClr val="D4D4D4"/>
+                </a:solidFill>
+                <a:latin typeface="Consolas" panose="020B0609020204030204" pitchFamily="49" charset="0"/>
+              </a:rPr>
+              <a:t>,</a:t>
+            </a:r>
+            <a:br>
+              <a:rPr lang="en-US" sz="2400" dirty="0">
+                <a:solidFill>
+                  <a:srgbClr val="D4D4D4"/>
+                </a:solidFill>
+                <a:latin typeface="Consolas" panose="020B0609020204030204" pitchFamily="49" charset="0"/>
+              </a:rPr>
+            </a:br>
+            <a:r>
+              <a:rPr lang="en-US" sz="2400" dirty="0">
+                <a:solidFill>
+                  <a:srgbClr val="D4D4D4"/>
+                </a:solidFill>
+                <a:latin typeface="Consolas" panose="020B0609020204030204" pitchFamily="49" charset="0"/>
+              </a:rPr>
+              <a:t>    </a:t>
+            </a:r>
+            <a:r>
+              <a:rPr lang="en-US" sz="2400" dirty="0">
+                <a:solidFill>
+                  <a:srgbClr val="9CDCFE"/>
+                </a:solidFill>
+                <a:latin typeface="Consolas" panose="020B0609020204030204" pitchFamily="49" charset="0"/>
+              </a:rPr>
+              <a:t>selector:</a:t>
+            </a:r>
+            <a:r>
+              <a:rPr lang="en-US" sz="2400" dirty="0">
+                <a:solidFill>
+                  <a:srgbClr val="D4D4D4"/>
+                </a:solidFill>
+                <a:latin typeface="Consolas" panose="020B0609020204030204" pitchFamily="49" charset="0"/>
+              </a:rPr>
+              <a:t> </a:t>
+            </a:r>
+            <a:r>
+              <a:rPr lang="en-US" sz="2400" dirty="0">
+                <a:solidFill>
+                  <a:srgbClr val="CE9178"/>
+                </a:solidFill>
+                <a:latin typeface="Consolas" panose="020B0609020204030204" pitchFamily="49" charset="0"/>
+              </a:rPr>
+              <a:t>'story-vehicles'</a:t>
+            </a:r>
+            <a:r>
+              <a:rPr lang="en-US" sz="2400" dirty="0">
+                <a:solidFill>
+                  <a:srgbClr val="D4D4D4"/>
+                </a:solidFill>
+                <a:latin typeface="Consolas" panose="020B0609020204030204" pitchFamily="49" charset="0"/>
+              </a:rPr>
+              <a:t>,</a:t>
+            </a:r>
+            <a:br>
+              <a:rPr lang="en-US" sz="2400" dirty="0">
+                <a:solidFill>
+                  <a:srgbClr val="D4D4D4"/>
+                </a:solidFill>
+                <a:latin typeface="Consolas" panose="020B0609020204030204" pitchFamily="49" charset="0"/>
+              </a:rPr>
+            </a:br>
+            <a:r>
+              <a:rPr lang="en-US" sz="2400" dirty="0">
+                <a:solidFill>
+                  <a:srgbClr val="D4D4D4"/>
+                </a:solidFill>
+                <a:latin typeface="Consolas" panose="020B0609020204030204" pitchFamily="49" charset="0"/>
+              </a:rPr>
+              <a:t>    </a:t>
+            </a:r>
+            <a:r>
+              <a:rPr lang="en-US" sz="2400" dirty="0" err="1">
+                <a:solidFill>
+                  <a:srgbClr val="9CDCFE"/>
+                </a:solidFill>
+                <a:latin typeface="Consolas" panose="020B0609020204030204" pitchFamily="49" charset="0"/>
+              </a:rPr>
+              <a:t>templateUrl</a:t>
+            </a:r>
+            <a:r>
+              <a:rPr lang="en-US" sz="2400" dirty="0">
+                <a:solidFill>
+                  <a:srgbClr val="9CDCFE"/>
+                </a:solidFill>
+                <a:latin typeface="Consolas" panose="020B0609020204030204" pitchFamily="49" charset="0"/>
+              </a:rPr>
+              <a:t>:</a:t>
+            </a:r>
+            <a:r>
+              <a:rPr lang="en-US" sz="2400" dirty="0">
+                <a:solidFill>
+                  <a:srgbClr val="D4D4D4"/>
+                </a:solidFill>
+                <a:latin typeface="Consolas" panose="020B0609020204030204" pitchFamily="49" charset="0"/>
+              </a:rPr>
+              <a:t> </a:t>
+            </a:r>
+            <a:r>
+              <a:rPr lang="en-US" sz="2400" dirty="0">
+                <a:solidFill>
+                  <a:srgbClr val="CE9178"/>
+                </a:solidFill>
+                <a:latin typeface="Consolas" panose="020B0609020204030204" pitchFamily="49" charset="0"/>
+              </a:rPr>
+              <a:t>'vehicles.component.html'</a:t>
+            </a:r>
+            <a:r>
+              <a:rPr lang="en-US" sz="2400" dirty="0">
+                <a:solidFill>
+                  <a:srgbClr val="D4D4D4"/>
+                </a:solidFill>
+                <a:latin typeface="Consolas" panose="020B0609020204030204" pitchFamily="49" charset="0"/>
+              </a:rPr>
+              <a:t/>
+            </a:r>
+            <a:br>
+              <a:rPr lang="en-US" sz="2400" dirty="0">
+                <a:solidFill>
+                  <a:srgbClr val="D4D4D4"/>
+                </a:solidFill>
+                <a:latin typeface="Consolas" panose="020B0609020204030204" pitchFamily="49" charset="0"/>
+              </a:rPr>
+            </a:br>
+            <a:r>
+              <a:rPr lang="en-US" sz="2400" dirty="0" smtClean="0">
+                <a:solidFill>
+                  <a:srgbClr val="D4D4D4"/>
+                </a:solidFill>
+                <a:latin typeface="Consolas" panose="020B0609020204030204" pitchFamily="49" charset="0"/>
+              </a:rPr>
+              <a:t>})</a:t>
+            </a:r>
+            <a:r>
+              <a:rPr lang="en-US" sz="2400" dirty="0">
+                <a:solidFill>
+                  <a:srgbClr val="D4D4D4"/>
+                </a:solidFill>
+                <a:latin typeface="Consolas" panose="020B0609020204030204" pitchFamily="49" charset="0"/>
+              </a:rPr>
+              <a:t/>
+            </a:r>
+            <a:br>
+              <a:rPr lang="en-US" sz="2400" dirty="0">
+                <a:solidFill>
+                  <a:srgbClr val="D4D4D4"/>
+                </a:solidFill>
+                <a:latin typeface="Consolas" panose="020B0609020204030204" pitchFamily="49" charset="0"/>
+              </a:rPr>
+            </a:br>
+            <a:r>
+              <a:rPr lang="en-US" sz="2400" dirty="0">
+                <a:solidFill>
+                  <a:srgbClr val="D4D4D4"/>
+                </a:solidFill>
+                <a:latin typeface="Consolas" panose="020B0609020204030204" pitchFamily="49" charset="0"/>
+              </a:rPr>
+              <a:t/>
+            </a:r>
+            <a:br>
+              <a:rPr lang="en-US" sz="2400" dirty="0">
+                <a:solidFill>
+                  <a:srgbClr val="D4D4D4"/>
+                </a:solidFill>
+                <a:latin typeface="Consolas" panose="020B0609020204030204" pitchFamily="49" charset="0"/>
+              </a:rPr>
+            </a:br>
+            <a:r>
+              <a:rPr lang="en-US" sz="2400" dirty="0">
+                <a:solidFill>
+                  <a:srgbClr val="C586C0"/>
+                </a:solidFill>
+                <a:latin typeface="Consolas" panose="020B0609020204030204" pitchFamily="49" charset="0"/>
+              </a:rPr>
+              <a:t>export</a:t>
+            </a:r>
+            <a:r>
+              <a:rPr lang="en-US" sz="2400" dirty="0">
+                <a:solidFill>
+                  <a:srgbClr val="D4D4D4"/>
+                </a:solidFill>
+                <a:latin typeface="Consolas" panose="020B0609020204030204" pitchFamily="49" charset="0"/>
+              </a:rPr>
+              <a:t> </a:t>
+            </a:r>
+            <a:r>
+              <a:rPr lang="en-US" sz="2400" dirty="0">
+                <a:solidFill>
+                  <a:srgbClr val="569CD6"/>
+                </a:solidFill>
+                <a:latin typeface="Consolas" panose="020B0609020204030204" pitchFamily="49" charset="0"/>
+              </a:rPr>
+              <a:t>class</a:t>
+            </a:r>
+            <a:r>
+              <a:rPr lang="en-US" sz="2400" dirty="0">
+                <a:solidFill>
+                  <a:srgbClr val="D4D4D4"/>
+                </a:solidFill>
+                <a:latin typeface="Consolas" panose="020B0609020204030204" pitchFamily="49" charset="0"/>
+              </a:rPr>
+              <a:t> </a:t>
+            </a:r>
+            <a:r>
+              <a:rPr lang="en-US" sz="2400" dirty="0" err="1">
+                <a:solidFill>
+                  <a:srgbClr val="4EC9B0"/>
+                </a:solidFill>
+                <a:latin typeface="Consolas" panose="020B0609020204030204" pitchFamily="49" charset="0"/>
+              </a:rPr>
+              <a:t>VehicleListComponent</a:t>
+            </a:r>
+            <a:r>
+              <a:rPr lang="en-US" sz="2400" dirty="0">
+                <a:solidFill>
+                  <a:srgbClr val="D4D4D4"/>
+                </a:solidFill>
+                <a:latin typeface="Consolas" panose="020B0609020204030204" pitchFamily="49" charset="0"/>
+              </a:rPr>
+              <a:t> {</a:t>
+            </a:r>
+            <a:br>
+              <a:rPr lang="en-US" sz="2400" dirty="0">
+                <a:solidFill>
+                  <a:srgbClr val="D4D4D4"/>
+                </a:solidFill>
+                <a:latin typeface="Consolas" panose="020B0609020204030204" pitchFamily="49" charset="0"/>
+              </a:rPr>
+            </a:br>
+            <a:r>
+              <a:rPr lang="en-US" sz="2400" dirty="0">
+                <a:solidFill>
+                  <a:srgbClr val="D4D4D4"/>
+                </a:solidFill>
+                <a:latin typeface="Consolas" panose="020B0609020204030204" pitchFamily="49" charset="0"/>
+              </a:rPr>
+              <a:t>    </a:t>
+            </a:r>
+            <a:r>
+              <a:rPr lang="en-US" sz="2400" dirty="0">
+                <a:solidFill>
+                  <a:srgbClr val="9CDCFE"/>
+                </a:solidFill>
+                <a:latin typeface="Consolas" panose="020B0609020204030204" pitchFamily="49" charset="0"/>
+              </a:rPr>
+              <a:t>vehicles</a:t>
+            </a:r>
+            <a:r>
+              <a:rPr lang="en-US" sz="2400" dirty="0">
+                <a:solidFill>
+                  <a:srgbClr val="D4D4D4"/>
+                </a:solidFill>
+                <a:latin typeface="Consolas" panose="020B0609020204030204" pitchFamily="49" charset="0"/>
+              </a:rPr>
+              <a:t>: </a:t>
+            </a:r>
+            <a:r>
+              <a:rPr lang="en-US" sz="2400" dirty="0">
+                <a:solidFill>
+                  <a:srgbClr val="4EC9B0"/>
+                </a:solidFill>
+                <a:latin typeface="Consolas" panose="020B0609020204030204" pitchFamily="49" charset="0"/>
+              </a:rPr>
+              <a:t>Vehicle</a:t>
+            </a:r>
+            <a:r>
+              <a:rPr lang="en-US" sz="2400" dirty="0">
+                <a:solidFill>
+                  <a:srgbClr val="D4D4D4"/>
+                </a:solidFill>
+                <a:latin typeface="Consolas" panose="020B0609020204030204" pitchFamily="49" charset="0"/>
+              </a:rPr>
+              <a:t>[];</a:t>
+            </a:r>
+            <a:br>
+              <a:rPr lang="en-US" sz="2400" dirty="0">
+                <a:solidFill>
+                  <a:srgbClr val="D4D4D4"/>
+                </a:solidFill>
+                <a:latin typeface="Consolas" panose="020B0609020204030204" pitchFamily="49" charset="0"/>
+              </a:rPr>
+            </a:br>
+            <a:r>
+              <a:rPr lang="en-US" sz="2400" dirty="0" smtClean="0">
+                <a:solidFill>
+                  <a:srgbClr val="D4D4D4"/>
+                </a:solidFill>
+                <a:latin typeface="Consolas" panose="020B0609020204030204" pitchFamily="49" charset="0"/>
+              </a:rPr>
+              <a:t>}</a:t>
+            </a:r>
+            <a:endParaRPr lang="en-US" sz="2400" b="0" dirty="0">
+              <a:solidFill>
+                <a:srgbClr val="D4D4D4"/>
+              </a:solidFill>
+              <a:effectLst/>
+              <a:latin typeface="Consolas" panose="020B0609020204030204" pitchFamily="49" charset="0"/>
+            </a:endParaRPr>
           </a:p>
         </p:txBody>
       </p:sp>
       <p:sp>
         <p:nvSpPr>
-          <p:cNvPr id="3" name="Content Placeholder 2"/>
+          <p:cNvPr id="6" name="Text Placeholder 5"/>
           <p:cNvSpPr>
             <a:spLocks noGrp="1"/>
           </p:cNvSpPr>
           <p:nvPr>
-            <p:ph idx="1"/>
+            <p:ph type="body" sz="quarter" idx="13"/>
           </p:nvPr>
         </p:nvSpPr>
-        <p:spPr/>
+        <p:spPr>
+          <a:xfrm>
+            <a:off x="734291" y="5234187"/>
+            <a:ext cx="4677967" cy="574962"/>
+          </a:xfrm>
+        </p:spPr>
         <p:txBody>
-          <a:bodyPr/>
+          <a:bodyPr>
+            <a:noAutofit/>
+          </a:bodyPr>
           <a:lstStyle/>
           <a:p>
-            <a:endParaRPr lang="bg-BG"/>
+            <a:r>
+              <a:rPr lang="en-US" dirty="0" smtClean="0"/>
+              <a:t>Anatomy of Component</a:t>
+            </a:r>
+            <a:endParaRPr lang="bg-BG" dirty="0"/>
           </a:p>
         </p:txBody>
       </p:sp>
-      <p:pic>
-        <p:nvPicPr>
-          <p:cNvPr id="4" name="Content Placeholder 5"/>
-          <p:cNvPicPr>
-            <a:picLocks noChangeAspect="1"/>
-          </p:cNvPicPr>
-          <p:nvPr/>
-        </p:nvPicPr>
-        <p:blipFill>
-          <a:blip r:embed="rId2"/>
-          <a:stretch>
-            <a:fillRect/>
-          </a:stretch>
-        </p:blipFill>
-        <p:spPr>
-          <a:xfrm>
-            <a:off x="11078383" y="91119"/>
-            <a:ext cx="886383" cy="1497651"/>
-          </a:xfrm>
-          <a:prstGeom prst="rect">
-            <a:avLst/>
-          </a:prstGeom>
-        </p:spPr>
-      </p:pic>
     </p:spTree>
     <p:extLst>
       <p:ext uri="{BB962C8B-B14F-4D97-AF65-F5344CB8AC3E}">
@@ -7315,6 +8217,13 @@
   <p:clrMapOvr>
     <a:masterClrMapping/>
   </p:clrMapOvr>
+  <p:timing>
+    <p:tnLst>
+      <p:par>
+        <p:cTn id="1" dur="indefinite" restart="never" nodeType="tmRoot"/>
+      </p:par>
+    </p:tnLst>
+  </p:timing>
 </p:sld>
 </file>
 
@@ -7678,6 +8587,13 @@
   <p:clrMapOvr>
     <a:masterClrMapping/>
   </p:clrMapOvr>
+  <p:timing>
+    <p:tnLst>
+      <p:par>
+        <p:cTn id="1" dur="indefinite" restart="never" nodeType="tmRoot"/>
+      </p:par>
+    </p:tnLst>
+  </p:timing>
 </p:sld>
 </file>
 
@@ -7750,6 +8666,13 @@
   <p:clrMapOvr>
     <a:masterClrMapping/>
   </p:clrMapOvr>
+  <p:timing>
+    <p:tnLst>
+      <p:par>
+        <p:cTn id="1" dur="indefinite" restart="never" nodeType="tmRoot"/>
+      </p:par>
+    </p:tnLst>
+  </p:timing>
 </p:sld>
 </file>
 
@@ -7879,7 +8802,7 @@
       </p:grpSpPr>
       <p:sp>
         <p:nvSpPr>
-          <p:cNvPr id="2" name="Title 1"/>
+          <p:cNvPr id="5" name="Title 4"/>
           <p:cNvSpPr>
             <a:spLocks noGrp="1"/>
           </p:cNvSpPr>
@@ -7889,46 +8812,502 @@
         </p:nvSpPr>
         <p:spPr/>
         <p:txBody>
-          <a:bodyPr/>
+          <a:bodyPr>
+            <a:normAutofit/>
+          </a:bodyPr>
           <a:lstStyle/>
           <a:p>
-            <a:endParaRPr lang="bg-BG"/>
+            <a:r>
+              <a:rPr lang="en-US" sz="2400" dirty="0">
+                <a:solidFill>
+                  <a:srgbClr val="808080"/>
+                </a:solidFill>
+                <a:latin typeface="Consolas" panose="020B0609020204030204" pitchFamily="49" charset="0"/>
+              </a:rPr>
+              <a:t>&lt;</a:t>
+            </a:r>
+            <a:r>
+              <a:rPr lang="en-US" sz="2400" dirty="0" err="1">
+                <a:solidFill>
+                  <a:srgbClr val="569CD6"/>
+                </a:solidFill>
+                <a:latin typeface="Consolas" panose="020B0609020204030204" pitchFamily="49" charset="0"/>
+              </a:rPr>
+              <a:t>ul</a:t>
+            </a:r>
+            <a:r>
+              <a:rPr lang="en-US" sz="2400" dirty="0">
+                <a:solidFill>
+                  <a:srgbClr val="808080"/>
+                </a:solidFill>
+                <a:latin typeface="Consolas" panose="020B0609020204030204" pitchFamily="49" charset="0"/>
+              </a:rPr>
+              <a:t>&gt;</a:t>
+            </a:r>
+            <a:r>
+              <a:rPr lang="en-US" sz="2400" dirty="0">
+                <a:solidFill>
+                  <a:srgbClr val="D4D4D4"/>
+                </a:solidFill>
+                <a:latin typeface="Consolas" panose="020B0609020204030204" pitchFamily="49" charset="0"/>
+              </a:rPr>
+              <a:t/>
+            </a:r>
+            <a:br>
+              <a:rPr lang="en-US" sz="2400" dirty="0">
+                <a:solidFill>
+                  <a:srgbClr val="D4D4D4"/>
+                </a:solidFill>
+                <a:latin typeface="Consolas" panose="020B0609020204030204" pitchFamily="49" charset="0"/>
+              </a:rPr>
+            </a:br>
+            <a:r>
+              <a:rPr lang="en-US" sz="2400" dirty="0">
+                <a:solidFill>
+                  <a:srgbClr val="D4D4D4"/>
+                </a:solidFill>
+                <a:latin typeface="Consolas" panose="020B0609020204030204" pitchFamily="49" charset="0"/>
+              </a:rPr>
+              <a:t>    </a:t>
+            </a:r>
+            <a:r>
+              <a:rPr lang="en-US" sz="2400" dirty="0">
+                <a:solidFill>
+                  <a:srgbClr val="808080"/>
+                </a:solidFill>
+                <a:latin typeface="Consolas" panose="020B0609020204030204" pitchFamily="49" charset="0"/>
+              </a:rPr>
+              <a:t>&lt;</a:t>
+            </a:r>
+            <a:r>
+              <a:rPr lang="en-US" sz="2400" dirty="0">
+                <a:solidFill>
+                  <a:srgbClr val="569CD6"/>
+                </a:solidFill>
+                <a:latin typeface="Consolas" panose="020B0609020204030204" pitchFamily="49" charset="0"/>
+              </a:rPr>
+              <a:t>li</a:t>
+            </a:r>
+            <a:r>
+              <a:rPr lang="en-US" sz="2400" dirty="0">
+                <a:solidFill>
+                  <a:srgbClr val="D4D4D4"/>
+                </a:solidFill>
+                <a:latin typeface="Consolas" panose="020B0609020204030204" pitchFamily="49" charset="0"/>
+              </a:rPr>
+              <a:t> *</a:t>
+            </a:r>
+            <a:r>
+              <a:rPr lang="en-US" sz="2400" dirty="0" err="1">
+                <a:solidFill>
+                  <a:srgbClr val="9CDCFE"/>
+                </a:solidFill>
+                <a:latin typeface="Consolas" panose="020B0609020204030204" pitchFamily="49" charset="0"/>
+              </a:rPr>
+              <a:t>ngFor</a:t>
+            </a:r>
+            <a:r>
+              <a:rPr lang="en-US" sz="2400" dirty="0">
+                <a:solidFill>
+                  <a:srgbClr val="D4D4D4"/>
+                </a:solidFill>
+                <a:latin typeface="Consolas" panose="020B0609020204030204" pitchFamily="49" charset="0"/>
+              </a:rPr>
+              <a:t>=</a:t>
+            </a:r>
+            <a:r>
+              <a:rPr lang="en-US" sz="2400" dirty="0">
+                <a:solidFill>
+                  <a:srgbClr val="CE9178"/>
+                </a:solidFill>
+                <a:latin typeface="Consolas" panose="020B0609020204030204" pitchFamily="49" charset="0"/>
+              </a:rPr>
+              <a:t>"let character of characters"</a:t>
+            </a:r>
+            <a:r>
+              <a:rPr lang="en-US" sz="2400" dirty="0">
+                <a:solidFill>
+                  <a:srgbClr val="808080"/>
+                </a:solidFill>
+                <a:latin typeface="Consolas" panose="020B0609020204030204" pitchFamily="49" charset="0"/>
+              </a:rPr>
+              <a:t>&gt;</a:t>
+            </a:r>
+            <a:r>
+              <a:rPr lang="en-US" sz="2400" dirty="0">
+                <a:solidFill>
+                  <a:srgbClr val="D4D4D4"/>
+                </a:solidFill>
+                <a:latin typeface="Consolas" panose="020B0609020204030204" pitchFamily="49" charset="0"/>
+              </a:rPr>
+              <a:t/>
+            </a:r>
+            <a:br>
+              <a:rPr lang="en-US" sz="2400" dirty="0">
+                <a:solidFill>
+                  <a:srgbClr val="D4D4D4"/>
+                </a:solidFill>
+                <a:latin typeface="Consolas" panose="020B0609020204030204" pitchFamily="49" charset="0"/>
+              </a:rPr>
+            </a:br>
+            <a:r>
+              <a:rPr lang="en-US" sz="2400" dirty="0">
+                <a:solidFill>
+                  <a:srgbClr val="D4D4D4"/>
+                </a:solidFill>
+                <a:latin typeface="Consolas" panose="020B0609020204030204" pitchFamily="49" charset="0"/>
+              </a:rPr>
+              <a:t>        {{ character.name }}</a:t>
+            </a:r>
+            <a:br>
+              <a:rPr lang="en-US" sz="2400" dirty="0">
+                <a:solidFill>
+                  <a:srgbClr val="D4D4D4"/>
+                </a:solidFill>
+                <a:latin typeface="Consolas" panose="020B0609020204030204" pitchFamily="49" charset="0"/>
+              </a:rPr>
+            </a:br>
+            <a:r>
+              <a:rPr lang="en-US" sz="2400" dirty="0">
+                <a:solidFill>
+                  <a:srgbClr val="D4D4D4"/>
+                </a:solidFill>
+                <a:latin typeface="Consolas" panose="020B0609020204030204" pitchFamily="49" charset="0"/>
+              </a:rPr>
+              <a:t>    </a:t>
+            </a:r>
+            <a:r>
+              <a:rPr lang="en-US" sz="2400" dirty="0">
+                <a:solidFill>
+                  <a:srgbClr val="808080"/>
+                </a:solidFill>
+                <a:latin typeface="Consolas" panose="020B0609020204030204" pitchFamily="49" charset="0"/>
+              </a:rPr>
+              <a:t>&lt;/</a:t>
+            </a:r>
+            <a:r>
+              <a:rPr lang="en-US" sz="2400" dirty="0">
+                <a:solidFill>
+                  <a:srgbClr val="569CD6"/>
+                </a:solidFill>
+                <a:latin typeface="Consolas" panose="020B0609020204030204" pitchFamily="49" charset="0"/>
+              </a:rPr>
+              <a:t>li</a:t>
+            </a:r>
+            <a:r>
+              <a:rPr lang="en-US" sz="2400" dirty="0">
+                <a:solidFill>
+                  <a:srgbClr val="808080"/>
+                </a:solidFill>
+                <a:latin typeface="Consolas" panose="020B0609020204030204" pitchFamily="49" charset="0"/>
+              </a:rPr>
+              <a:t>&gt;</a:t>
+            </a:r>
+            <a:r>
+              <a:rPr lang="en-US" sz="2400" dirty="0">
+                <a:solidFill>
+                  <a:srgbClr val="D4D4D4"/>
+                </a:solidFill>
+                <a:latin typeface="Consolas" panose="020B0609020204030204" pitchFamily="49" charset="0"/>
+              </a:rPr>
+              <a:t/>
+            </a:r>
+            <a:br>
+              <a:rPr lang="en-US" sz="2400" dirty="0">
+                <a:solidFill>
+                  <a:srgbClr val="D4D4D4"/>
+                </a:solidFill>
+                <a:latin typeface="Consolas" panose="020B0609020204030204" pitchFamily="49" charset="0"/>
+              </a:rPr>
+            </a:br>
+            <a:r>
+              <a:rPr lang="en-US" sz="2400" dirty="0">
+                <a:solidFill>
+                  <a:srgbClr val="808080"/>
+                </a:solidFill>
+                <a:latin typeface="Consolas" panose="020B0609020204030204" pitchFamily="49" charset="0"/>
+              </a:rPr>
+              <a:t>&lt;/</a:t>
+            </a:r>
+            <a:r>
+              <a:rPr lang="en-US" sz="2400" dirty="0" err="1">
+                <a:solidFill>
+                  <a:srgbClr val="569CD6"/>
+                </a:solidFill>
+                <a:latin typeface="Consolas" panose="020B0609020204030204" pitchFamily="49" charset="0"/>
+              </a:rPr>
+              <a:t>ul</a:t>
+            </a:r>
+            <a:r>
+              <a:rPr lang="en-US" sz="2400" dirty="0">
+                <a:solidFill>
+                  <a:srgbClr val="808080"/>
+                </a:solidFill>
+                <a:latin typeface="Consolas" panose="020B0609020204030204" pitchFamily="49" charset="0"/>
+              </a:rPr>
+              <a:t>&gt;</a:t>
+            </a:r>
+            <a:r>
+              <a:rPr lang="en-US" sz="2400" dirty="0">
+                <a:solidFill>
+                  <a:srgbClr val="D4D4D4"/>
+                </a:solidFill>
+                <a:latin typeface="Consolas" panose="020B0609020204030204" pitchFamily="49" charset="0"/>
+              </a:rPr>
+              <a:t/>
+            </a:r>
+            <a:br>
+              <a:rPr lang="en-US" sz="2400" dirty="0">
+                <a:solidFill>
+                  <a:srgbClr val="D4D4D4"/>
+                </a:solidFill>
+                <a:latin typeface="Consolas" panose="020B0609020204030204" pitchFamily="49" charset="0"/>
+              </a:rPr>
+            </a:br>
+            <a:r>
+              <a:rPr lang="en-US" sz="2400" dirty="0">
+                <a:solidFill>
+                  <a:srgbClr val="D4D4D4"/>
+                </a:solidFill>
+                <a:latin typeface="Consolas" panose="020B0609020204030204" pitchFamily="49" charset="0"/>
+              </a:rPr>
+              <a:t/>
+            </a:r>
+            <a:br>
+              <a:rPr lang="en-US" sz="2400" dirty="0">
+                <a:solidFill>
+                  <a:srgbClr val="D4D4D4"/>
+                </a:solidFill>
+                <a:latin typeface="Consolas" panose="020B0609020204030204" pitchFamily="49" charset="0"/>
+              </a:rPr>
+            </a:br>
+            <a:r>
+              <a:rPr lang="en-US" sz="2400" dirty="0">
+                <a:solidFill>
+                  <a:srgbClr val="808080"/>
+                </a:solidFill>
+                <a:latin typeface="Consolas" panose="020B0609020204030204" pitchFamily="49" charset="0"/>
+              </a:rPr>
+              <a:t>&lt;</a:t>
+            </a:r>
+            <a:r>
+              <a:rPr lang="en-US" sz="2400" dirty="0">
+                <a:solidFill>
+                  <a:srgbClr val="569CD6"/>
+                </a:solidFill>
+                <a:latin typeface="Consolas" panose="020B0609020204030204" pitchFamily="49" charset="0"/>
+              </a:rPr>
+              <a:t>my-character</a:t>
+            </a:r>
+            <a:r>
+              <a:rPr lang="en-US" sz="2400" dirty="0">
+                <a:solidFill>
+                  <a:srgbClr val="D4D4D4"/>
+                </a:solidFill>
+                <a:latin typeface="Consolas" panose="020B0609020204030204" pitchFamily="49" charset="0"/>
+              </a:rPr>
+              <a:t> *</a:t>
+            </a:r>
+            <a:r>
+              <a:rPr lang="en-US" sz="2400" dirty="0" err="1">
+                <a:solidFill>
+                  <a:srgbClr val="9CDCFE"/>
+                </a:solidFill>
+                <a:latin typeface="Consolas" panose="020B0609020204030204" pitchFamily="49" charset="0"/>
+              </a:rPr>
+              <a:t>ngIf</a:t>
+            </a:r>
+            <a:r>
+              <a:rPr lang="en-US" sz="2400" dirty="0">
+                <a:solidFill>
+                  <a:srgbClr val="D4D4D4"/>
+                </a:solidFill>
+                <a:latin typeface="Consolas" panose="020B0609020204030204" pitchFamily="49" charset="0"/>
+              </a:rPr>
+              <a:t>=</a:t>
+            </a:r>
+            <a:r>
+              <a:rPr lang="en-US" sz="2400" dirty="0">
+                <a:solidFill>
+                  <a:srgbClr val="CE9178"/>
+                </a:solidFill>
+                <a:latin typeface="Consolas" panose="020B0609020204030204" pitchFamily="49" charset="0"/>
+              </a:rPr>
+              <a:t>"</a:t>
+            </a:r>
+            <a:r>
+              <a:rPr lang="en-US" sz="2400" dirty="0" err="1" smtClean="0">
+                <a:solidFill>
+                  <a:srgbClr val="CE9178"/>
+                </a:solidFill>
+                <a:latin typeface="Consolas" panose="020B0609020204030204" pitchFamily="49" charset="0"/>
+              </a:rPr>
+              <a:t>selectedCharacter</a:t>
+            </a:r>
+            <a:r>
+              <a:rPr lang="en-US" sz="2400" dirty="0">
+                <a:solidFill>
+                  <a:srgbClr val="CE9178"/>
+                </a:solidFill>
+                <a:latin typeface="Consolas" panose="020B0609020204030204" pitchFamily="49" charset="0"/>
+              </a:rPr>
+              <a:t>"</a:t>
+            </a:r>
+            <a:r>
+              <a:rPr lang="en-US" sz="2400" dirty="0" smtClean="0">
+                <a:solidFill>
+                  <a:srgbClr val="CE9178"/>
+                </a:solidFill>
+                <a:latin typeface="Consolas" panose="020B0609020204030204" pitchFamily="49" charset="0"/>
+              </a:rPr>
+              <a:t/>
+            </a:r>
+            <a:br>
+              <a:rPr lang="en-US" sz="2400" dirty="0" smtClean="0">
+                <a:solidFill>
+                  <a:srgbClr val="CE9178"/>
+                </a:solidFill>
+                <a:latin typeface="Consolas" panose="020B0609020204030204" pitchFamily="49" charset="0"/>
+              </a:rPr>
+            </a:br>
+            <a:r>
+              <a:rPr lang="en-US" sz="2400" dirty="0">
+                <a:solidFill>
+                  <a:srgbClr val="D4D4D4"/>
+                </a:solidFill>
+                <a:latin typeface="Consolas" panose="020B0609020204030204" pitchFamily="49" charset="0"/>
+              </a:rPr>
+              <a:t> [</a:t>
+            </a:r>
+            <a:r>
+              <a:rPr lang="en-US" sz="2400" dirty="0">
+                <a:solidFill>
+                  <a:srgbClr val="9CDCFE"/>
+                </a:solidFill>
+                <a:latin typeface="Consolas" panose="020B0609020204030204" pitchFamily="49" charset="0"/>
+              </a:rPr>
+              <a:t>character</a:t>
+            </a:r>
+            <a:r>
+              <a:rPr lang="en-US" sz="2400" dirty="0">
+                <a:solidFill>
+                  <a:srgbClr val="D4D4D4"/>
+                </a:solidFill>
+                <a:latin typeface="Consolas" panose="020B0609020204030204" pitchFamily="49" charset="0"/>
+              </a:rPr>
+              <a:t>]=</a:t>
+            </a:r>
+            <a:r>
+              <a:rPr lang="en-US" sz="2400" dirty="0">
+                <a:solidFill>
+                  <a:srgbClr val="CE9178"/>
+                </a:solidFill>
+                <a:latin typeface="Consolas" panose="020B0609020204030204" pitchFamily="49" charset="0"/>
+              </a:rPr>
+              <a:t>"</a:t>
+            </a:r>
+            <a:r>
+              <a:rPr lang="en-US" sz="2400" dirty="0" err="1">
+                <a:solidFill>
+                  <a:srgbClr val="CE9178"/>
+                </a:solidFill>
+                <a:latin typeface="Consolas" panose="020B0609020204030204" pitchFamily="49" charset="0"/>
+              </a:rPr>
+              <a:t>selectedCharacter</a:t>
+            </a:r>
+            <a:r>
+              <a:rPr lang="en-US" sz="2400" dirty="0">
+                <a:solidFill>
+                  <a:srgbClr val="CE9178"/>
+                </a:solidFill>
+                <a:latin typeface="Consolas" panose="020B0609020204030204" pitchFamily="49" charset="0"/>
+              </a:rPr>
+              <a:t>"</a:t>
+            </a:r>
+            <a:r>
+              <a:rPr lang="en-US" sz="2400" dirty="0">
+                <a:solidFill>
+                  <a:srgbClr val="808080"/>
+                </a:solidFill>
+                <a:latin typeface="Consolas" panose="020B0609020204030204" pitchFamily="49" charset="0"/>
+              </a:rPr>
+              <a:t>&gt;&lt;/</a:t>
+            </a:r>
+            <a:r>
+              <a:rPr lang="en-US" sz="2400" dirty="0">
+                <a:solidFill>
+                  <a:srgbClr val="569CD6"/>
+                </a:solidFill>
+                <a:latin typeface="Consolas" panose="020B0609020204030204" pitchFamily="49" charset="0"/>
+              </a:rPr>
+              <a:t>my-character</a:t>
+            </a:r>
+            <a:r>
+              <a:rPr lang="en-US" sz="2400" dirty="0" smtClean="0">
+                <a:solidFill>
+                  <a:srgbClr val="808080"/>
+                </a:solidFill>
+                <a:latin typeface="Consolas" panose="020B0609020204030204" pitchFamily="49" charset="0"/>
+              </a:rPr>
+              <a:t>&gt;</a:t>
+            </a:r>
+            <a:endParaRPr lang="en-US" sz="2400" b="0" dirty="0">
+              <a:solidFill>
+                <a:srgbClr val="D4D4D4"/>
+              </a:solidFill>
+              <a:effectLst/>
+              <a:latin typeface="Consolas" panose="020B0609020204030204" pitchFamily="49" charset="0"/>
+            </a:endParaRPr>
           </a:p>
         </p:txBody>
       </p:sp>
-      <p:pic>
-        <p:nvPicPr>
-          <p:cNvPr id="6" name="Content Placeholder 5"/>
-          <p:cNvPicPr>
-            <a:picLocks noGrp="1" noChangeAspect="1"/>
-          </p:cNvPicPr>
+      <p:sp>
+        <p:nvSpPr>
+          <p:cNvPr id="6" name="Text Placeholder 5"/>
+          <p:cNvSpPr>
+            <a:spLocks noGrp="1"/>
+          </p:cNvSpPr>
           <p:nvPr>
-            <p:ph idx="1"/>
+            <p:ph type="body" sz="quarter" idx="13"/>
           </p:nvPr>
-        </p:nvPicPr>
-        <p:blipFill>
-          <a:blip r:embed="rId2"/>
-          <a:stretch>
-            <a:fillRect/>
-          </a:stretch>
-        </p:blipFill>
+        </p:nvSpPr>
         <p:spPr>
           <a:xfrm>
-            <a:off x="11078383" y="91119"/>
-            <a:ext cx="886383" cy="1497651"/>
+            <a:off x="734291" y="5234187"/>
+            <a:ext cx="4677967" cy="574962"/>
           </a:xfrm>
         </p:spPr>
-      </p:pic>
+        <p:txBody>
+          <a:bodyPr>
+            <a:noAutofit/>
+          </a:bodyPr>
+          <a:lstStyle/>
+          <a:p>
+            <a:r>
+              <a:rPr lang="en-US" dirty="0" smtClean="0"/>
+              <a:t>Templates</a:t>
+            </a:r>
+            <a:endParaRPr lang="bg-BG" dirty="0"/>
+          </a:p>
+        </p:txBody>
+      </p:sp>
     </p:spTree>
     <p:extLst>
       <p:ext uri="{BB962C8B-B14F-4D97-AF65-F5344CB8AC3E}">
-        <p14:creationId xmlns:p14="http://schemas.microsoft.com/office/powerpoint/2010/main" val="876802312"/>
+        <p14:creationId xmlns:p14="http://schemas.microsoft.com/office/powerpoint/2010/main" val="580590180"/>
       </p:ext>
     </p:extLst>
   </p:cSld>
   <p:clrMapOvr>
     <a:masterClrMapping/>
   </p:clrMapOvr>
+  <p:timing>
+    <p:tnLst>
+      <p:par>
+        <p:cTn id="1" dur="indefinite" restart="never" nodeType="tmRoot"/>
+      </p:par>
+    </p:tnLst>
+  </p:timing>
 </p:sld>
 </file>
 
@@ -9783,6 +11162,13 @@
   <p:clrMapOvr>
     <a:masterClrMapping/>
   </p:clrMapOvr>
+  <p:timing>
+    <p:tnLst>
+      <p:par>
+        <p:cTn id="1" dur="indefinite" restart="never" nodeType="tmRoot"/>
+      </p:par>
+    </p:tnLst>
+  </p:timing>
 </p:sld>
 </file>
 
@@ -9805,7 +11191,7 @@
       </p:grpSpPr>
       <p:sp>
         <p:nvSpPr>
-          <p:cNvPr id="2" name="Title 1"/>
+          <p:cNvPr id="5" name="Title 4"/>
           <p:cNvSpPr>
             <a:spLocks noGrp="1"/>
           </p:cNvSpPr>
@@ -9815,46 +11201,404 @@
         </p:nvSpPr>
         <p:spPr/>
         <p:txBody>
-          <a:bodyPr/>
+          <a:bodyPr>
+            <a:normAutofit/>
+          </a:bodyPr>
           <a:lstStyle/>
           <a:p>
+            <a:r>
+              <a:rPr lang="en-US" sz="2400" dirty="0">
+                <a:solidFill>
+                  <a:srgbClr val="D4D4D4"/>
+                </a:solidFill>
+                <a:latin typeface="Consolas" panose="020B0609020204030204" pitchFamily="49" charset="0"/>
+              </a:rPr>
+              <a:t>@</a:t>
+            </a:r>
+            <a:r>
+              <a:rPr lang="en-US" sz="2400" dirty="0">
+                <a:solidFill>
+                  <a:srgbClr val="DCDCAA"/>
+                </a:solidFill>
+                <a:latin typeface="Consolas" panose="020B0609020204030204" pitchFamily="49" charset="0"/>
+              </a:rPr>
+              <a:t>Component</a:t>
+            </a:r>
+            <a:r>
+              <a:rPr lang="en-US" sz="2400" dirty="0">
+                <a:solidFill>
+                  <a:srgbClr val="D4D4D4"/>
+                </a:solidFill>
+                <a:latin typeface="Consolas" panose="020B0609020204030204" pitchFamily="49" charset="0"/>
+              </a:rPr>
+              <a:t>({</a:t>
+            </a:r>
+            <a:br>
+              <a:rPr lang="en-US" sz="2400" dirty="0">
+                <a:solidFill>
+                  <a:srgbClr val="D4D4D4"/>
+                </a:solidFill>
+                <a:latin typeface="Consolas" panose="020B0609020204030204" pitchFamily="49" charset="0"/>
+              </a:rPr>
+            </a:br>
+            <a:r>
+              <a:rPr lang="en-US" sz="2400" dirty="0">
+                <a:solidFill>
+                  <a:srgbClr val="D4D4D4"/>
+                </a:solidFill>
+                <a:latin typeface="Consolas" panose="020B0609020204030204" pitchFamily="49" charset="0"/>
+              </a:rPr>
+              <a:t>    </a:t>
+            </a:r>
+            <a:r>
+              <a:rPr lang="en-US" sz="2400" dirty="0" err="1">
+                <a:solidFill>
+                  <a:srgbClr val="9CDCFE"/>
+                </a:solidFill>
+                <a:latin typeface="Consolas" panose="020B0609020204030204" pitchFamily="49" charset="0"/>
+              </a:rPr>
+              <a:t>moduleId</a:t>
+            </a:r>
+            <a:r>
+              <a:rPr lang="en-US" sz="2400" dirty="0">
+                <a:solidFill>
+                  <a:srgbClr val="9CDCFE"/>
+                </a:solidFill>
+                <a:latin typeface="Consolas" panose="020B0609020204030204" pitchFamily="49" charset="0"/>
+              </a:rPr>
+              <a:t>:</a:t>
+            </a:r>
+            <a:r>
+              <a:rPr lang="en-US" sz="2400" dirty="0">
+                <a:solidFill>
+                  <a:srgbClr val="D4D4D4"/>
+                </a:solidFill>
+                <a:latin typeface="Consolas" panose="020B0609020204030204" pitchFamily="49" charset="0"/>
+              </a:rPr>
+              <a:t> </a:t>
+            </a:r>
+            <a:r>
+              <a:rPr lang="en-US" sz="2400" dirty="0">
+                <a:solidFill>
+                  <a:srgbClr val="4EC9B0"/>
+                </a:solidFill>
+                <a:latin typeface="Consolas" panose="020B0609020204030204" pitchFamily="49" charset="0"/>
+              </a:rPr>
+              <a:t>module</a:t>
+            </a:r>
+            <a:r>
+              <a:rPr lang="en-US" sz="2400" dirty="0">
+                <a:solidFill>
+                  <a:srgbClr val="D4D4D4"/>
+                </a:solidFill>
+                <a:latin typeface="Consolas" panose="020B0609020204030204" pitchFamily="49" charset="0"/>
+              </a:rPr>
+              <a:t>.</a:t>
+            </a:r>
+            <a:r>
+              <a:rPr lang="en-US" sz="2400" dirty="0">
+                <a:solidFill>
+                  <a:srgbClr val="4EC9B0"/>
+                </a:solidFill>
+                <a:latin typeface="Consolas" panose="020B0609020204030204" pitchFamily="49" charset="0"/>
+              </a:rPr>
+              <a:t>id</a:t>
+            </a:r>
+            <a:r>
+              <a:rPr lang="en-US" sz="2400" dirty="0">
+                <a:solidFill>
+                  <a:srgbClr val="D4D4D4"/>
+                </a:solidFill>
+                <a:latin typeface="Consolas" panose="020B0609020204030204" pitchFamily="49" charset="0"/>
+              </a:rPr>
+              <a:t>,</a:t>
+            </a:r>
+            <a:br>
+              <a:rPr lang="en-US" sz="2400" dirty="0">
+                <a:solidFill>
+                  <a:srgbClr val="D4D4D4"/>
+                </a:solidFill>
+                <a:latin typeface="Consolas" panose="020B0609020204030204" pitchFamily="49" charset="0"/>
+              </a:rPr>
+            </a:br>
+            <a:r>
+              <a:rPr lang="en-US" sz="2400" dirty="0">
+                <a:solidFill>
+                  <a:srgbClr val="D4D4D4"/>
+                </a:solidFill>
+                <a:latin typeface="Consolas" panose="020B0609020204030204" pitchFamily="49" charset="0"/>
+              </a:rPr>
+              <a:t>    </a:t>
+            </a:r>
+            <a:r>
+              <a:rPr lang="en-US" sz="2400" dirty="0">
+                <a:solidFill>
+                  <a:srgbClr val="9CDCFE"/>
+                </a:solidFill>
+                <a:latin typeface="Consolas" panose="020B0609020204030204" pitchFamily="49" charset="0"/>
+              </a:rPr>
+              <a:t>selector:</a:t>
+            </a:r>
+            <a:r>
+              <a:rPr lang="en-US" sz="2400" dirty="0">
+                <a:solidFill>
+                  <a:srgbClr val="D4D4D4"/>
+                </a:solidFill>
+                <a:latin typeface="Consolas" panose="020B0609020204030204" pitchFamily="49" charset="0"/>
+              </a:rPr>
+              <a:t> </a:t>
+            </a:r>
+            <a:r>
+              <a:rPr lang="en-US" sz="2400" dirty="0">
+                <a:solidFill>
+                  <a:srgbClr val="CE9178"/>
+                </a:solidFill>
+                <a:latin typeface="Consolas" panose="020B0609020204030204" pitchFamily="49" charset="0"/>
+              </a:rPr>
+              <a:t>'story-vehicles'</a:t>
+            </a:r>
+            <a:r>
+              <a:rPr lang="en-US" sz="2400" dirty="0">
+                <a:solidFill>
+                  <a:srgbClr val="D4D4D4"/>
+                </a:solidFill>
+                <a:latin typeface="Consolas" panose="020B0609020204030204" pitchFamily="49" charset="0"/>
+              </a:rPr>
+              <a:t>,</a:t>
+            </a:r>
+            <a:br>
+              <a:rPr lang="en-US" sz="2400" dirty="0">
+                <a:solidFill>
+                  <a:srgbClr val="D4D4D4"/>
+                </a:solidFill>
+                <a:latin typeface="Consolas" panose="020B0609020204030204" pitchFamily="49" charset="0"/>
+              </a:rPr>
+            </a:br>
+            <a:r>
+              <a:rPr lang="en-US" sz="2400" dirty="0">
+                <a:solidFill>
+                  <a:srgbClr val="D4D4D4"/>
+                </a:solidFill>
+                <a:latin typeface="Consolas" panose="020B0609020204030204" pitchFamily="49" charset="0"/>
+              </a:rPr>
+              <a:t>    </a:t>
+            </a:r>
+            <a:r>
+              <a:rPr lang="en-US" sz="2400" dirty="0" err="1">
+                <a:solidFill>
+                  <a:srgbClr val="9CDCFE"/>
+                </a:solidFill>
+                <a:latin typeface="Consolas" panose="020B0609020204030204" pitchFamily="49" charset="0"/>
+              </a:rPr>
+              <a:t>templateUrl</a:t>
+            </a:r>
+            <a:r>
+              <a:rPr lang="en-US" sz="2400" dirty="0">
+                <a:solidFill>
+                  <a:srgbClr val="9CDCFE"/>
+                </a:solidFill>
+                <a:latin typeface="Consolas" panose="020B0609020204030204" pitchFamily="49" charset="0"/>
+              </a:rPr>
+              <a:t>:</a:t>
+            </a:r>
+            <a:r>
+              <a:rPr lang="en-US" sz="2400" dirty="0">
+                <a:solidFill>
+                  <a:srgbClr val="D4D4D4"/>
+                </a:solidFill>
+                <a:latin typeface="Consolas" panose="020B0609020204030204" pitchFamily="49" charset="0"/>
+              </a:rPr>
+              <a:t> </a:t>
+            </a:r>
+            <a:r>
+              <a:rPr lang="en-US" sz="2400" dirty="0">
+                <a:solidFill>
+                  <a:srgbClr val="CE9178"/>
+                </a:solidFill>
+                <a:latin typeface="Consolas" panose="020B0609020204030204" pitchFamily="49" charset="0"/>
+              </a:rPr>
+              <a:t>'vehicles.component.html'</a:t>
+            </a:r>
+            <a:r>
+              <a:rPr lang="en-US" sz="2400" dirty="0">
+                <a:solidFill>
+                  <a:srgbClr val="D4D4D4"/>
+                </a:solidFill>
+                <a:latin typeface="Consolas" panose="020B0609020204030204" pitchFamily="49" charset="0"/>
+              </a:rPr>
+              <a:t/>
+            </a:r>
+            <a:br>
+              <a:rPr lang="en-US" sz="2400" dirty="0">
+                <a:solidFill>
+                  <a:srgbClr val="D4D4D4"/>
+                </a:solidFill>
+                <a:latin typeface="Consolas" panose="020B0609020204030204" pitchFamily="49" charset="0"/>
+              </a:rPr>
+            </a:br>
+            <a:r>
+              <a:rPr lang="en-US" sz="2400" dirty="0" smtClean="0">
+                <a:solidFill>
+                  <a:srgbClr val="D4D4D4"/>
+                </a:solidFill>
+                <a:latin typeface="Consolas" panose="020B0609020204030204" pitchFamily="49" charset="0"/>
+              </a:rPr>
+              <a:t>})</a:t>
+            </a:r>
+            <a:r>
+              <a:rPr lang="en-US" sz="2400" dirty="0">
+                <a:solidFill>
+                  <a:srgbClr val="D4D4D4"/>
+                </a:solidFill>
+                <a:latin typeface="Consolas" panose="020B0609020204030204" pitchFamily="49" charset="0"/>
+              </a:rPr>
+              <a:t/>
+            </a:r>
+            <a:br>
+              <a:rPr lang="en-US" sz="2400" dirty="0">
+                <a:solidFill>
+                  <a:srgbClr val="D4D4D4"/>
+                </a:solidFill>
+                <a:latin typeface="Consolas" panose="020B0609020204030204" pitchFamily="49" charset="0"/>
+              </a:rPr>
+            </a:br>
+            <a:r>
+              <a:rPr lang="en-US" sz="2400" dirty="0">
+                <a:solidFill>
+                  <a:srgbClr val="D4D4D4"/>
+                </a:solidFill>
+                <a:latin typeface="Consolas" panose="020B0609020204030204" pitchFamily="49" charset="0"/>
+              </a:rPr>
+              <a:t/>
+            </a:r>
+            <a:br>
+              <a:rPr lang="en-US" sz="2400" dirty="0">
+                <a:solidFill>
+                  <a:srgbClr val="D4D4D4"/>
+                </a:solidFill>
+                <a:latin typeface="Consolas" panose="020B0609020204030204" pitchFamily="49" charset="0"/>
+              </a:rPr>
+            </a:br>
+            <a:r>
+              <a:rPr lang="en-US" sz="2400" dirty="0">
+                <a:solidFill>
+                  <a:srgbClr val="C586C0"/>
+                </a:solidFill>
+                <a:latin typeface="Consolas" panose="020B0609020204030204" pitchFamily="49" charset="0"/>
+              </a:rPr>
+              <a:t>export</a:t>
+            </a:r>
+            <a:r>
+              <a:rPr lang="en-US" sz="2400" dirty="0">
+                <a:solidFill>
+                  <a:srgbClr val="D4D4D4"/>
+                </a:solidFill>
+                <a:latin typeface="Consolas" panose="020B0609020204030204" pitchFamily="49" charset="0"/>
+              </a:rPr>
+              <a:t> </a:t>
+            </a:r>
+            <a:r>
+              <a:rPr lang="en-US" sz="2400" dirty="0">
+                <a:solidFill>
+                  <a:srgbClr val="569CD6"/>
+                </a:solidFill>
+                <a:latin typeface="Consolas" panose="020B0609020204030204" pitchFamily="49" charset="0"/>
+              </a:rPr>
+              <a:t>class</a:t>
+            </a:r>
+            <a:r>
+              <a:rPr lang="en-US" sz="2400" dirty="0">
+                <a:solidFill>
+                  <a:srgbClr val="D4D4D4"/>
+                </a:solidFill>
+                <a:latin typeface="Consolas" panose="020B0609020204030204" pitchFamily="49" charset="0"/>
+              </a:rPr>
+              <a:t> </a:t>
+            </a:r>
+            <a:r>
+              <a:rPr lang="en-US" sz="2400" dirty="0" err="1">
+                <a:solidFill>
+                  <a:srgbClr val="4EC9B0"/>
+                </a:solidFill>
+                <a:latin typeface="Consolas" panose="020B0609020204030204" pitchFamily="49" charset="0"/>
+              </a:rPr>
+              <a:t>VehicleListComponent</a:t>
+            </a:r>
+            <a:r>
+              <a:rPr lang="en-US" sz="2400" dirty="0">
+                <a:solidFill>
+                  <a:srgbClr val="D4D4D4"/>
+                </a:solidFill>
+                <a:latin typeface="Consolas" panose="020B0609020204030204" pitchFamily="49" charset="0"/>
+              </a:rPr>
+              <a:t> { </a:t>
+            </a:r>
+            <a:r>
+              <a:rPr lang="en-US" sz="2400" dirty="0" smtClean="0">
+                <a:solidFill>
+                  <a:srgbClr val="D4D4D4"/>
+                </a:solidFill>
+                <a:latin typeface="Consolas" panose="020B0609020204030204" pitchFamily="49" charset="0"/>
+              </a:rPr>
+              <a:t>}</a:t>
+            </a:r>
+            <a:endParaRPr lang="en-US" sz="2400" b="0" dirty="0">
+              <a:solidFill>
+                <a:srgbClr val="D4D4D4"/>
+              </a:solidFill>
+              <a:effectLst/>
+              <a:latin typeface="Consolas" panose="020B0609020204030204" pitchFamily="49" charset="0"/>
+            </a:endParaRPr>
+          </a:p>
+        </p:txBody>
+      </p:sp>
+      <p:sp>
+        <p:nvSpPr>
+          <p:cNvPr id="6" name="Text Placeholder 5"/>
+          <p:cNvSpPr>
+            <a:spLocks noGrp="1"/>
+          </p:cNvSpPr>
+          <p:nvPr>
+            <p:ph type="body" sz="quarter" idx="13"/>
+          </p:nvPr>
+        </p:nvSpPr>
+        <p:spPr>
+          <a:xfrm>
+            <a:off x="734291" y="5234187"/>
+            <a:ext cx="6234920" cy="574962"/>
+          </a:xfrm>
+        </p:spPr>
+        <p:txBody>
+          <a:bodyPr>
+            <a:noAutofit/>
+          </a:bodyPr>
+          <a:lstStyle/>
+          <a:p>
+            <a:r>
+              <a:rPr lang="en-US" dirty="0" smtClean="0"/>
+              <a:t>Linked Templates with Component</a:t>
+            </a:r>
             <a:endParaRPr lang="bg-BG" dirty="0"/>
           </a:p>
         </p:txBody>
       </p:sp>
-      <p:pic>
-        <p:nvPicPr>
-          <p:cNvPr id="6" name="Content Placeholder 5"/>
-          <p:cNvPicPr>
-            <a:picLocks noGrp="1" noChangeAspect="1"/>
-          </p:cNvPicPr>
-          <p:nvPr>
-            <p:ph idx="1"/>
-          </p:nvPr>
-        </p:nvPicPr>
-        <p:blipFill>
-          <a:blip r:embed="rId2"/>
-          <a:stretch>
-            <a:fillRect/>
-          </a:stretch>
-        </p:blipFill>
-        <p:spPr>
-          <a:xfrm>
-            <a:off x="11078383" y="91119"/>
-            <a:ext cx="886383" cy="1497651"/>
-          </a:xfrm>
-        </p:spPr>
-      </p:pic>
     </p:spTree>
     <p:extLst>
       <p:ext uri="{BB962C8B-B14F-4D97-AF65-F5344CB8AC3E}">
-        <p14:creationId xmlns:p14="http://schemas.microsoft.com/office/powerpoint/2010/main" val="4092931763"/>
+        <p14:creationId xmlns:p14="http://schemas.microsoft.com/office/powerpoint/2010/main" val="1561022559"/>
       </p:ext>
     </p:extLst>
   </p:cSld>
   <p:clrMapOvr>
     <a:masterClrMapping/>
   </p:clrMapOvr>
+  <p:timing>
+    <p:tnLst>
+      <p:par>
+        <p:cTn id="1" dur="indefinite" restart="never" nodeType="tmRoot"/>
+      </p:par>
+    </p:tnLst>
+  </p:timing>
 </p:sld>
 </file>
 
@@ -17165,6 +18909,13 @@
   <p:clrMapOvr>
     <a:masterClrMapping/>
   </p:clrMapOvr>
+  <p:timing>
+    <p:tnLst>
+      <p:par>
+        <p:cTn id="1" dur="indefinite" restart="never" nodeType="tmRoot"/>
+      </p:par>
+    </p:tnLst>
+  </p:timing>
 </p:sld>
 </file>
 
@@ -21142,78 +22893,6 @@
           <a:bodyPr/>
           <a:lstStyle/>
           <a:p>
-            <a:endParaRPr lang="bg-BG" dirty="0"/>
-          </a:p>
-        </p:txBody>
-      </p:sp>
-      <p:pic>
-        <p:nvPicPr>
-          <p:cNvPr id="6" name="Content Placeholder 5"/>
-          <p:cNvPicPr>
-            <a:picLocks noGrp="1" noChangeAspect="1"/>
-          </p:cNvPicPr>
-          <p:nvPr>
-            <p:ph idx="1"/>
-          </p:nvPr>
-        </p:nvPicPr>
-        <p:blipFill>
-          <a:blip r:embed="rId2"/>
-          <a:stretch>
-            <a:fillRect/>
-          </a:stretch>
-        </p:blipFill>
-        <p:spPr>
-          <a:xfrm>
-            <a:off x="11078383" y="91119"/>
-            <a:ext cx="886383" cy="1497651"/>
-          </a:xfrm>
-        </p:spPr>
-      </p:pic>
-    </p:spTree>
-    <p:extLst>
-      <p:ext uri="{BB962C8B-B14F-4D97-AF65-F5344CB8AC3E}">
-        <p14:creationId xmlns:p14="http://schemas.microsoft.com/office/powerpoint/2010/main" val="2861013592"/>
-      </p:ext>
-    </p:extLst>
-  </p:cSld>
-  <p:clrMapOvr>
-    <a:masterClrMapping/>
-  </p:clrMapOvr>
-</p:sld>
-</file>
-
-<file path=ppt/slides/slide23.xml><?xml version="1.0" encoding="utf-8"?>
-<p:sld xmlns:a="http://schemas.openxmlformats.org/drawingml/2006/main" xmlns:r="http://schemas.openxmlformats.org/officeDocument/2006/relationships" xmlns:p="http://schemas.openxmlformats.org/presentationml/2006/main">
-  <p:cSld>
-    <p:spTree>
-      <p:nvGrpSpPr>
-        <p:cNvPr id="1" name=""/>
-        <p:cNvGrpSpPr/>
-        <p:nvPr/>
-      </p:nvGrpSpPr>
-      <p:grpSpPr>
-        <a:xfrm>
-          <a:off x="0" y="0"/>
-          <a:ext cx="0" cy="0"/>
-          <a:chOff x="0" y="0"/>
-          <a:chExt cx="0" cy="0"/>
-        </a:xfrm>
-      </p:grpSpPr>
-      <p:sp>
-        <p:nvSpPr>
-          <p:cNvPr id="2" name="Title 1"/>
-          <p:cNvSpPr>
-            <a:spLocks noGrp="1"/>
-          </p:cNvSpPr>
-          <p:nvPr>
-            <p:ph type="title"/>
-          </p:nvPr>
-        </p:nvSpPr>
-        <p:spPr/>
-        <p:txBody>
-          <a:bodyPr/>
-          <a:lstStyle/>
-          <a:p>
             <a:pPr algn="ctr"/>
             <a:r>
               <a:rPr lang="en-US" dirty="0">
@@ -21550,7 +23229,1675 @@
 </p:sld>
 </file>
 
+<file path=ppt/slides/slide23.xml><?xml version="1.0" encoding="utf-8"?>
+<p:sld xmlns:a="http://schemas.openxmlformats.org/drawingml/2006/main" xmlns:r="http://schemas.openxmlformats.org/officeDocument/2006/relationships" xmlns:p="http://schemas.openxmlformats.org/presentationml/2006/main">
+  <p:cSld>
+    <p:spTree>
+      <p:nvGrpSpPr>
+        <p:cNvPr id="1" name=""/>
+        <p:cNvGrpSpPr/>
+        <p:nvPr/>
+      </p:nvGrpSpPr>
+      <p:grpSpPr>
+        <a:xfrm>
+          <a:off x="0" y="0"/>
+          <a:ext cx="0" cy="0"/>
+          <a:chOff x="0" y="0"/>
+          <a:chExt cx="0" cy="0"/>
+        </a:xfrm>
+      </p:grpSpPr>
+      <p:sp>
+        <p:nvSpPr>
+          <p:cNvPr id="5" name="Title 4"/>
+          <p:cNvSpPr>
+            <a:spLocks noGrp="1"/>
+          </p:cNvSpPr>
+          <p:nvPr>
+            <p:ph type="title"/>
+          </p:nvPr>
+        </p:nvSpPr>
+        <p:spPr/>
+        <p:txBody>
+          <a:bodyPr>
+            <a:normAutofit/>
+          </a:bodyPr>
+          <a:lstStyle/>
+          <a:p>
+            <a:r>
+              <a:rPr lang="en-US" sz="2400" dirty="0">
+                <a:solidFill>
+                  <a:srgbClr val="808080"/>
+                </a:solidFill>
+                <a:latin typeface="Consolas" panose="020B0609020204030204" pitchFamily="49" charset="0"/>
+              </a:rPr>
+              <a:t>&lt;</a:t>
+            </a:r>
+            <a:r>
+              <a:rPr lang="en-US" sz="2400" dirty="0">
+                <a:solidFill>
+                  <a:srgbClr val="569CD6"/>
+                </a:solidFill>
+                <a:latin typeface="Consolas" panose="020B0609020204030204" pitchFamily="49" charset="0"/>
+              </a:rPr>
+              <a:t>h3</a:t>
+            </a:r>
+            <a:r>
+              <a:rPr lang="en-US" sz="2400" dirty="0">
+                <a:solidFill>
+                  <a:srgbClr val="808080"/>
+                </a:solidFill>
+                <a:latin typeface="Consolas" panose="020B0609020204030204" pitchFamily="49" charset="0"/>
+              </a:rPr>
+              <a:t>&gt;</a:t>
+            </a:r>
+            <a:r>
+              <a:rPr lang="en-US" sz="2400" dirty="0">
+                <a:solidFill>
+                  <a:srgbClr val="D4D4D4"/>
+                </a:solidFill>
+                <a:latin typeface="Consolas" panose="020B0609020204030204" pitchFamily="49" charset="0"/>
+              </a:rPr>
+              <a:t>Vehicle: {{vehicle.name}}</a:t>
+            </a:r>
+            <a:r>
+              <a:rPr lang="en-US" sz="2400" dirty="0">
+                <a:solidFill>
+                  <a:srgbClr val="808080"/>
+                </a:solidFill>
+                <a:latin typeface="Consolas" panose="020B0609020204030204" pitchFamily="49" charset="0"/>
+              </a:rPr>
+              <a:t>&lt;/</a:t>
+            </a:r>
+            <a:r>
+              <a:rPr lang="en-US" sz="2400" dirty="0">
+                <a:solidFill>
+                  <a:srgbClr val="569CD6"/>
+                </a:solidFill>
+                <a:latin typeface="Consolas" panose="020B0609020204030204" pitchFamily="49" charset="0"/>
+              </a:rPr>
+              <a:t>h3</a:t>
+            </a:r>
+            <a:r>
+              <a:rPr lang="en-US" sz="2400" dirty="0">
+                <a:solidFill>
+                  <a:srgbClr val="808080"/>
+                </a:solidFill>
+                <a:latin typeface="Consolas" panose="020B0609020204030204" pitchFamily="49" charset="0"/>
+              </a:rPr>
+              <a:t>&gt;</a:t>
+            </a:r>
+            <a:r>
+              <a:rPr lang="en-US" sz="2400" dirty="0">
+                <a:solidFill>
+                  <a:srgbClr val="D4D4D4"/>
+                </a:solidFill>
+                <a:latin typeface="Consolas" panose="020B0609020204030204" pitchFamily="49" charset="0"/>
+              </a:rPr>
+              <a:t/>
+            </a:r>
+            <a:br>
+              <a:rPr lang="en-US" sz="2400" dirty="0">
+                <a:solidFill>
+                  <a:srgbClr val="D4D4D4"/>
+                </a:solidFill>
+                <a:latin typeface="Consolas" panose="020B0609020204030204" pitchFamily="49" charset="0"/>
+              </a:rPr>
+            </a:br>
+            <a:r>
+              <a:rPr lang="en-US" sz="2400" dirty="0">
+                <a:solidFill>
+                  <a:srgbClr val="808080"/>
+                </a:solidFill>
+                <a:latin typeface="Consolas" panose="020B0609020204030204" pitchFamily="49" charset="0"/>
+              </a:rPr>
+              <a:t>&lt;</a:t>
+            </a:r>
+            <a:r>
+              <a:rPr lang="en-US" sz="2400" dirty="0">
+                <a:solidFill>
+                  <a:srgbClr val="569CD6"/>
+                </a:solidFill>
+                <a:latin typeface="Consolas" panose="020B0609020204030204" pitchFamily="49" charset="0"/>
+              </a:rPr>
+              <a:t>div</a:t>
+            </a:r>
+            <a:r>
+              <a:rPr lang="en-US" sz="2400" dirty="0">
+                <a:solidFill>
+                  <a:srgbClr val="808080"/>
+                </a:solidFill>
+                <a:latin typeface="Consolas" panose="020B0609020204030204" pitchFamily="49" charset="0"/>
+              </a:rPr>
+              <a:t>&gt;</a:t>
+            </a:r>
+            <a:r>
+              <a:rPr lang="en-US" sz="2400" dirty="0">
+                <a:solidFill>
+                  <a:srgbClr val="D4D4D4"/>
+                </a:solidFill>
+                <a:latin typeface="Consolas" panose="020B0609020204030204" pitchFamily="49" charset="0"/>
+              </a:rPr>
+              <a:t/>
+            </a:r>
+            <a:br>
+              <a:rPr lang="en-US" sz="2400" dirty="0">
+                <a:solidFill>
+                  <a:srgbClr val="D4D4D4"/>
+                </a:solidFill>
+                <a:latin typeface="Consolas" panose="020B0609020204030204" pitchFamily="49" charset="0"/>
+              </a:rPr>
+            </a:br>
+            <a:r>
+              <a:rPr lang="en-US" sz="2400" dirty="0">
+                <a:solidFill>
+                  <a:srgbClr val="D4D4D4"/>
+                </a:solidFill>
+                <a:latin typeface="Consolas" panose="020B0609020204030204" pitchFamily="49" charset="0"/>
+              </a:rPr>
+              <a:t>    </a:t>
+            </a:r>
+            <a:r>
+              <a:rPr lang="en-US" sz="2400" dirty="0">
+                <a:solidFill>
+                  <a:srgbClr val="808080"/>
+                </a:solidFill>
+                <a:latin typeface="Consolas" panose="020B0609020204030204" pitchFamily="49" charset="0"/>
+              </a:rPr>
+              <a:t>&lt;</a:t>
+            </a:r>
+            <a:r>
+              <a:rPr lang="en-US" sz="2400" dirty="0" err="1">
+                <a:solidFill>
+                  <a:srgbClr val="569CD6"/>
+                </a:solidFill>
+                <a:latin typeface="Consolas" panose="020B0609020204030204" pitchFamily="49" charset="0"/>
+              </a:rPr>
+              <a:t>img</a:t>
+            </a:r>
+            <a:r>
+              <a:rPr lang="en-US" sz="2400" dirty="0">
+                <a:solidFill>
+                  <a:srgbClr val="D4D4D4"/>
+                </a:solidFill>
+                <a:latin typeface="Consolas" panose="020B0609020204030204" pitchFamily="49" charset="0"/>
+              </a:rPr>
+              <a:t> </a:t>
+            </a:r>
+            <a:r>
+              <a:rPr lang="en-US" sz="2400" dirty="0" err="1">
+                <a:solidFill>
+                  <a:srgbClr val="9CDCFE"/>
+                </a:solidFill>
+                <a:latin typeface="Consolas" panose="020B0609020204030204" pitchFamily="49" charset="0"/>
+              </a:rPr>
+              <a:t>src</a:t>
+            </a:r>
+            <a:r>
+              <a:rPr lang="en-US" sz="2400" dirty="0">
+                <a:solidFill>
+                  <a:srgbClr val="D4D4D4"/>
+                </a:solidFill>
+                <a:latin typeface="Consolas" panose="020B0609020204030204" pitchFamily="49" charset="0"/>
+              </a:rPr>
+              <a:t>=</a:t>
+            </a:r>
+            <a:r>
+              <a:rPr lang="en-US" sz="2400" dirty="0">
+                <a:solidFill>
+                  <a:srgbClr val="CE9178"/>
+                </a:solidFill>
+                <a:latin typeface="Consolas" panose="020B0609020204030204" pitchFamily="49" charset="0"/>
+              </a:rPr>
+              <a:t>"{{</a:t>
+            </a:r>
+            <a:r>
+              <a:rPr lang="en-US" sz="2400" dirty="0" err="1">
+                <a:solidFill>
+                  <a:srgbClr val="CE9178"/>
+                </a:solidFill>
+                <a:latin typeface="Consolas" panose="020B0609020204030204" pitchFamily="49" charset="0"/>
+              </a:rPr>
+              <a:t>vehicle.imageUrl</a:t>
+            </a:r>
+            <a:r>
+              <a:rPr lang="en-US" sz="2400" dirty="0">
+                <a:solidFill>
+                  <a:srgbClr val="CE9178"/>
+                </a:solidFill>
+                <a:latin typeface="Consolas" panose="020B0609020204030204" pitchFamily="49" charset="0"/>
+              </a:rPr>
+              <a:t>}}"</a:t>
+            </a:r>
+            <a:r>
+              <a:rPr lang="en-US" sz="2400" dirty="0">
+                <a:solidFill>
+                  <a:srgbClr val="808080"/>
+                </a:solidFill>
+                <a:latin typeface="Consolas" panose="020B0609020204030204" pitchFamily="49" charset="0"/>
+              </a:rPr>
+              <a:t> /&gt;</a:t>
+            </a:r>
+            <a:r>
+              <a:rPr lang="en-US" sz="2400" dirty="0">
+                <a:solidFill>
+                  <a:srgbClr val="D4D4D4"/>
+                </a:solidFill>
+                <a:latin typeface="Consolas" panose="020B0609020204030204" pitchFamily="49" charset="0"/>
+              </a:rPr>
+              <a:t/>
+            </a:r>
+            <a:br>
+              <a:rPr lang="en-US" sz="2400" dirty="0">
+                <a:solidFill>
+                  <a:srgbClr val="D4D4D4"/>
+                </a:solidFill>
+                <a:latin typeface="Consolas" panose="020B0609020204030204" pitchFamily="49" charset="0"/>
+              </a:rPr>
+            </a:br>
+            <a:r>
+              <a:rPr lang="en-US" sz="2400" dirty="0">
+                <a:solidFill>
+                  <a:srgbClr val="D4D4D4"/>
+                </a:solidFill>
+                <a:latin typeface="Consolas" panose="020B0609020204030204" pitchFamily="49" charset="0"/>
+              </a:rPr>
+              <a:t>    </a:t>
+            </a:r>
+            <a:r>
+              <a:rPr lang="en-US" sz="2400" dirty="0">
+                <a:solidFill>
+                  <a:srgbClr val="808080"/>
+                </a:solidFill>
+                <a:latin typeface="Consolas" panose="020B0609020204030204" pitchFamily="49" charset="0"/>
+              </a:rPr>
+              <a:t>&lt;</a:t>
+            </a:r>
+            <a:r>
+              <a:rPr lang="en-US" sz="2400" dirty="0">
+                <a:solidFill>
+                  <a:srgbClr val="569CD6"/>
+                </a:solidFill>
+                <a:latin typeface="Consolas" panose="020B0609020204030204" pitchFamily="49" charset="0"/>
+              </a:rPr>
+              <a:t>a</a:t>
+            </a:r>
+            <a:r>
+              <a:rPr lang="en-US" sz="2400" dirty="0">
+                <a:solidFill>
+                  <a:srgbClr val="D4D4D4"/>
+                </a:solidFill>
+                <a:latin typeface="Consolas" panose="020B0609020204030204" pitchFamily="49" charset="0"/>
+              </a:rPr>
+              <a:t> </a:t>
+            </a:r>
+            <a:r>
+              <a:rPr lang="en-US" sz="2400" dirty="0" err="1">
+                <a:solidFill>
+                  <a:srgbClr val="9CDCFE"/>
+                </a:solidFill>
+                <a:latin typeface="Consolas" panose="020B0609020204030204" pitchFamily="49" charset="0"/>
+              </a:rPr>
+              <a:t>href</a:t>
+            </a:r>
+            <a:r>
+              <a:rPr lang="en-US" sz="2400" dirty="0">
+                <a:solidFill>
+                  <a:srgbClr val="D4D4D4"/>
+                </a:solidFill>
+                <a:latin typeface="Consolas" panose="020B0609020204030204" pitchFamily="49" charset="0"/>
+              </a:rPr>
+              <a:t>=</a:t>
+            </a:r>
+            <a:r>
+              <a:rPr lang="en-US" sz="2400" dirty="0">
+                <a:solidFill>
+                  <a:srgbClr val="CE9178"/>
+                </a:solidFill>
+                <a:latin typeface="Consolas" panose="020B0609020204030204" pitchFamily="49" charset="0"/>
+              </a:rPr>
+              <a:t>"{{</a:t>
+            </a:r>
+            <a:r>
+              <a:rPr lang="en-US" sz="2400" dirty="0" err="1">
+                <a:solidFill>
+                  <a:srgbClr val="CE9178"/>
+                </a:solidFill>
+                <a:latin typeface="Consolas" panose="020B0609020204030204" pitchFamily="49" charset="0"/>
+              </a:rPr>
+              <a:t>vehicle.wikiLink</a:t>
+            </a:r>
+            <a:r>
+              <a:rPr lang="en-US" sz="2400" dirty="0">
+                <a:solidFill>
+                  <a:srgbClr val="CE9178"/>
+                </a:solidFill>
+                <a:latin typeface="Consolas" panose="020B0609020204030204" pitchFamily="49" charset="0"/>
+              </a:rPr>
+              <a:t>}}"</a:t>
+            </a:r>
+            <a:r>
+              <a:rPr lang="en-US" sz="2400" dirty="0">
+                <a:solidFill>
+                  <a:srgbClr val="9CDCFE"/>
+                </a:solidFill>
+                <a:latin typeface="Consolas" panose="020B0609020204030204" pitchFamily="49" charset="0"/>
+              </a:rPr>
+              <a:t>Wiki</a:t>
+            </a:r>
+            <a:r>
+              <a:rPr lang="en-US" sz="2400" dirty="0">
+                <a:solidFill>
+                  <a:srgbClr val="808080"/>
+                </a:solidFill>
+                <a:latin typeface="Consolas" panose="020B0609020204030204" pitchFamily="49" charset="0"/>
+              </a:rPr>
+              <a:t>&gt;&lt;/</a:t>
+            </a:r>
+            <a:r>
+              <a:rPr lang="en-US" sz="2400" dirty="0">
+                <a:solidFill>
+                  <a:srgbClr val="569CD6"/>
+                </a:solidFill>
+                <a:latin typeface="Consolas" panose="020B0609020204030204" pitchFamily="49" charset="0"/>
+              </a:rPr>
+              <a:t>a</a:t>
+            </a:r>
+            <a:r>
+              <a:rPr lang="en-US" sz="2400" dirty="0">
+                <a:solidFill>
+                  <a:srgbClr val="808080"/>
+                </a:solidFill>
+                <a:latin typeface="Consolas" panose="020B0609020204030204" pitchFamily="49" charset="0"/>
+              </a:rPr>
+              <a:t>&gt;</a:t>
+            </a:r>
+            <a:r>
+              <a:rPr lang="en-US" sz="2400" dirty="0">
+                <a:solidFill>
+                  <a:srgbClr val="D4D4D4"/>
+                </a:solidFill>
+                <a:latin typeface="Consolas" panose="020B0609020204030204" pitchFamily="49" charset="0"/>
+              </a:rPr>
+              <a:t/>
+            </a:r>
+            <a:br>
+              <a:rPr lang="en-US" sz="2400" dirty="0">
+                <a:solidFill>
+                  <a:srgbClr val="D4D4D4"/>
+                </a:solidFill>
+                <a:latin typeface="Consolas" panose="020B0609020204030204" pitchFamily="49" charset="0"/>
+              </a:rPr>
+            </a:br>
+            <a:r>
+              <a:rPr lang="en-US" sz="2400" dirty="0">
+                <a:solidFill>
+                  <a:srgbClr val="808080"/>
+                </a:solidFill>
+                <a:latin typeface="Consolas" panose="020B0609020204030204" pitchFamily="49" charset="0"/>
+              </a:rPr>
+              <a:t>&lt;/</a:t>
+            </a:r>
+            <a:r>
+              <a:rPr lang="en-US" sz="2400" dirty="0">
+                <a:solidFill>
+                  <a:srgbClr val="569CD6"/>
+                </a:solidFill>
+                <a:latin typeface="Consolas" panose="020B0609020204030204" pitchFamily="49" charset="0"/>
+              </a:rPr>
+              <a:t>div</a:t>
+            </a:r>
+            <a:r>
+              <a:rPr lang="en-US" sz="2400" dirty="0" smtClean="0">
+                <a:solidFill>
+                  <a:srgbClr val="808080"/>
+                </a:solidFill>
+                <a:latin typeface="Consolas" panose="020B0609020204030204" pitchFamily="49" charset="0"/>
+              </a:rPr>
+              <a:t>&gt;</a:t>
+            </a:r>
+            <a:endParaRPr lang="en-US" sz="2400" b="0" dirty="0">
+              <a:solidFill>
+                <a:srgbClr val="D4D4D4"/>
+              </a:solidFill>
+              <a:effectLst/>
+              <a:latin typeface="Consolas" panose="020B0609020204030204" pitchFamily="49" charset="0"/>
+            </a:endParaRPr>
+          </a:p>
+        </p:txBody>
+      </p:sp>
+      <p:sp>
+        <p:nvSpPr>
+          <p:cNvPr id="6" name="Text Placeholder 5"/>
+          <p:cNvSpPr>
+            <a:spLocks noGrp="1"/>
+          </p:cNvSpPr>
+          <p:nvPr>
+            <p:ph type="body" sz="quarter" idx="13"/>
+          </p:nvPr>
+        </p:nvSpPr>
+        <p:spPr>
+          <a:xfrm>
+            <a:off x="734291" y="5234187"/>
+            <a:ext cx="6234920" cy="574962"/>
+          </a:xfrm>
+        </p:spPr>
+        <p:txBody>
+          <a:bodyPr>
+            <a:noAutofit/>
+          </a:bodyPr>
+          <a:lstStyle/>
+          <a:p>
+            <a:r>
+              <a:rPr lang="en-US" dirty="0" smtClean="0"/>
+              <a:t>Interpolation - one </a:t>
+            </a:r>
+            <a:r>
+              <a:rPr lang="en-US" dirty="0"/>
+              <a:t>w</a:t>
+            </a:r>
+            <a:r>
+              <a:rPr lang="en-US" dirty="0" smtClean="0"/>
+              <a:t>ay </a:t>
+            </a:r>
+            <a:r>
+              <a:rPr lang="en-US" dirty="0"/>
+              <a:t>i</a:t>
+            </a:r>
+            <a:r>
+              <a:rPr lang="en-US" dirty="0" smtClean="0"/>
+              <a:t>n</a:t>
+            </a:r>
+            <a:endParaRPr lang="bg-BG" dirty="0"/>
+          </a:p>
+        </p:txBody>
+      </p:sp>
+    </p:spTree>
+    <p:extLst>
+      <p:ext uri="{BB962C8B-B14F-4D97-AF65-F5344CB8AC3E}">
+        <p14:creationId xmlns:p14="http://schemas.microsoft.com/office/powerpoint/2010/main" val="2652876697"/>
+      </p:ext>
+    </p:extLst>
+  </p:cSld>
+  <p:clrMapOvr>
+    <a:masterClrMapping/>
+  </p:clrMapOvr>
+  <p:timing>
+    <p:tnLst>
+      <p:par>
+        <p:cTn id="1" dur="indefinite" restart="never" nodeType="tmRoot"/>
+      </p:par>
+    </p:tnLst>
+  </p:timing>
+</p:sld>
+</file>
+
 <file path=ppt/slides/slide24.xml><?xml version="1.0" encoding="utf-8"?>
+<p:sld xmlns:a="http://schemas.openxmlformats.org/drawingml/2006/main" xmlns:r="http://schemas.openxmlformats.org/officeDocument/2006/relationships" xmlns:p="http://schemas.openxmlformats.org/presentationml/2006/main">
+  <p:cSld>
+    <p:spTree>
+      <p:nvGrpSpPr>
+        <p:cNvPr id="1" name=""/>
+        <p:cNvGrpSpPr/>
+        <p:nvPr/>
+      </p:nvGrpSpPr>
+      <p:grpSpPr>
+        <a:xfrm>
+          <a:off x="0" y="0"/>
+          <a:ext cx="0" cy="0"/>
+          <a:chOff x="0" y="0"/>
+          <a:chExt cx="0" cy="0"/>
+        </a:xfrm>
+      </p:grpSpPr>
+      <p:sp>
+        <p:nvSpPr>
+          <p:cNvPr id="5" name="Title 4"/>
+          <p:cNvSpPr>
+            <a:spLocks noGrp="1"/>
+          </p:cNvSpPr>
+          <p:nvPr>
+            <p:ph type="title"/>
+          </p:nvPr>
+        </p:nvSpPr>
+        <p:spPr/>
+        <p:txBody>
+          <a:bodyPr>
+            <a:normAutofit/>
+          </a:bodyPr>
+          <a:lstStyle/>
+          <a:p>
+            <a:r>
+              <a:rPr lang="en-US" sz="2400" dirty="0">
+                <a:solidFill>
+                  <a:srgbClr val="808080"/>
+                </a:solidFill>
+                <a:latin typeface="Consolas" panose="020B0609020204030204" pitchFamily="49" charset="0"/>
+              </a:rPr>
+              <a:t>&lt;</a:t>
+            </a:r>
+            <a:r>
+              <a:rPr lang="en-US" sz="2400" dirty="0" err="1">
+                <a:solidFill>
+                  <a:srgbClr val="569CD6"/>
+                </a:solidFill>
+                <a:latin typeface="Consolas" panose="020B0609020204030204" pitchFamily="49" charset="0"/>
+              </a:rPr>
+              <a:t>img</a:t>
+            </a:r>
+            <a:r>
+              <a:rPr lang="en-US" sz="2400" dirty="0">
+                <a:solidFill>
+                  <a:srgbClr val="D4D4D4"/>
+                </a:solidFill>
+                <a:latin typeface="Consolas" panose="020B0609020204030204" pitchFamily="49" charset="0"/>
+              </a:rPr>
+              <a:t> [</a:t>
+            </a:r>
+            <a:r>
+              <a:rPr lang="en-US" sz="2400" dirty="0" err="1">
+                <a:solidFill>
+                  <a:srgbClr val="9CDCFE"/>
+                </a:solidFill>
+                <a:latin typeface="Consolas" panose="020B0609020204030204" pitchFamily="49" charset="0"/>
+              </a:rPr>
+              <a:t>src</a:t>
+            </a:r>
+            <a:r>
+              <a:rPr lang="en-US" sz="2400" dirty="0">
+                <a:solidFill>
+                  <a:srgbClr val="D4D4D4"/>
+                </a:solidFill>
+                <a:latin typeface="Consolas" panose="020B0609020204030204" pitchFamily="49" charset="0"/>
+              </a:rPr>
+              <a:t>]=</a:t>
+            </a:r>
+            <a:r>
+              <a:rPr lang="en-US" sz="2400" dirty="0">
+                <a:solidFill>
+                  <a:srgbClr val="CE9178"/>
+                </a:solidFill>
+                <a:latin typeface="Consolas" panose="020B0609020204030204" pitchFamily="49" charset="0"/>
+              </a:rPr>
+              <a:t>"</a:t>
+            </a:r>
+            <a:r>
+              <a:rPr lang="en-US" sz="2400" dirty="0" err="1">
+                <a:solidFill>
+                  <a:srgbClr val="CE9178"/>
+                </a:solidFill>
+                <a:latin typeface="Consolas" panose="020B0609020204030204" pitchFamily="49" charset="0"/>
+              </a:rPr>
+              <a:t>vehicle.imageUrl</a:t>
+            </a:r>
+            <a:r>
+              <a:rPr lang="en-US" sz="2400" dirty="0">
+                <a:solidFill>
+                  <a:srgbClr val="CE9178"/>
+                </a:solidFill>
+                <a:latin typeface="Consolas" panose="020B0609020204030204" pitchFamily="49" charset="0"/>
+              </a:rPr>
+              <a:t>"</a:t>
+            </a:r>
+            <a:r>
+              <a:rPr lang="en-US" sz="2400" dirty="0">
+                <a:solidFill>
+                  <a:srgbClr val="808080"/>
+                </a:solidFill>
+                <a:latin typeface="Consolas" panose="020B0609020204030204" pitchFamily="49" charset="0"/>
+              </a:rPr>
+              <a:t> /&gt;</a:t>
+            </a:r>
+            <a:r>
+              <a:rPr lang="en-US" sz="2400" dirty="0">
+                <a:solidFill>
+                  <a:srgbClr val="D4D4D4"/>
+                </a:solidFill>
+                <a:latin typeface="Consolas" panose="020B0609020204030204" pitchFamily="49" charset="0"/>
+              </a:rPr>
+              <a:t/>
+            </a:r>
+            <a:br>
+              <a:rPr lang="en-US" sz="2400" dirty="0">
+                <a:solidFill>
+                  <a:srgbClr val="D4D4D4"/>
+                </a:solidFill>
+                <a:latin typeface="Consolas" panose="020B0609020204030204" pitchFamily="49" charset="0"/>
+              </a:rPr>
+            </a:br>
+            <a:r>
+              <a:rPr lang="en-US" sz="2400" dirty="0">
+                <a:solidFill>
+                  <a:srgbClr val="D4D4D4"/>
+                </a:solidFill>
+                <a:latin typeface="Consolas" panose="020B0609020204030204" pitchFamily="49" charset="0"/>
+              </a:rPr>
+              <a:t/>
+            </a:r>
+            <a:br>
+              <a:rPr lang="en-US" sz="2400" dirty="0">
+                <a:solidFill>
+                  <a:srgbClr val="D4D4D4"/>
+                </a:solidFill>
+                <a:latin typeface="Consolas" panose="020B0609020204030204" pitchFamily="49" charset="0"/>
+              </a:rPr>
+            </a:br>
+            <a:r>
+              <a:rPr lang="en-US" sz="2400" dirty="0">
+                <a:solidFill>
+                  <a:srgbClr val="808080"/>
+                </a:solidFill>
+                <a:latin typeface="Consolas" panose="020B0609020204030204" pitchFamily="49" charset="0"/>
+              </a:rPr>
+              <a:t>&lt;</a:t>
+            </a:r>
+            <a:r>
+              <a:rPr lang="en-US" sz="2400" dirty="0">
+                <a:solidFill>
+                  <a:srgbClr val="569CD6"/>
+                </a:solidFill>
+                <a:latin typeface="Consolas" panose="020B0609020204030204" pitchFamily="49" charset="0"/>
+              </a:rPr>
+              <a:t>vehicle-detail</a:t>
+            </a:r>
+            <a:r>
+              <a:rPr lang="en-US" sz="2400" dirty="0">
+                <a:solidFill>
+                  <a:srgbClr val="D4D4D4"/>
+                </a:solidFill>
+                <a:latin typeface="Consolas" panose="020B0609020204030204" pitchFamily="49" charset="0"/>
+              </a:rPr>
+              <a:t> [</a:t>
+            </a:r>
+            <a:r>
+              <a:rPr lang="en-US" sz="2400" dirty="0">
+                <a:solidFill>
+                  <a:srgbClr val="9CDCFE"/>
+                </a:solidFill>
+                <a:latin typeface="Consolas" panose="020B0609020204030204" pitchFamily="49" charset="0"/>
+              </a:rPr>
+              <a:t>vehicle</a:t>
+            </a:r>
+            <a:r>
+              <a:rPr lang="en-US" sz="2400" dirty="0">
+                <a:solidFill>
+                  <a:srgbClr val="D4D4D4"/>
+                </a:solidFill>
+                <a:latin typeface="Consolas" panose="020B0609020204030204" pitchFamily="49" charset="0"/>
+              </a:rPr>
+              <a:t>]=</a:t>
+            </a:r>
+            <a:r>
+              <a:rPr lang="en-US" sz="2400" dirty="0">
+                <a:solidFill>
+                  <a:srgbClr val="CE9178"/>
+                </a:solidFill>
+                <a:latin typeface="Consolas" panose="020B0609020204030204" pitchFamily="49" charset="0"/>
+              </a:rPr>
+              <a:t>"</a:t>
+            </a:r>
+            <a:r>
+              <a:rPr lang="en-US" sz="2400" dirty="0" err="1">
+                <a:solidFill>
+                  <a:srgbClr val="CE9178"/>
+                </a:solidFill>
+                <a:latin typeface="Consolas" panose="020B0609020204030204" pitchFamily="49" charset="0"/>
+              </a:rPr>
+              <a:t>currentVehicle</a:t>
+            </a:r>
+            <a:r>
+              <a:rPr lang="en-US" sz="2400" dirty="0">
+                <a:solidFill>
+                  <a:srgbClr val="CE9178"/>
+                </a:solidFill>
+                <a:latin typeface="Consolas" panose="020B0609020204030204" pitchFamily="49" charset="0"/>
+              </a:rPr>
+              <a:t>"</a:t>
+            </a:r>
+            <a:r>
+              <a:rPr lang="en-US" sz="2400" dirty="0">
+                <a:solidFill>
+                  <a:srgbClr val="808080"/>
+                </a:solidFill>
+                <a:latin typeface="Consolas" panose="020B0609020204030204" pitchFamily="49" charset="0"/>
+              </a:rPr>
+              <a:t>&gt;&lt;/</a:t>
+            </a:r>
+            <a:r>
+              <a:rPr lang="en-US" sz="2400" dirty="0">
+                <a:solidFill>
+                  <a:srgbClr val="569CD6"/>
+                </a:solidFill>
+                <a:latin typeface="Consolas" panose="020B0609020204030204" pitchFamily="49" charset="0"/>
+              </a:rPr>
+              <a:t>vehicle-detail</a:t>
+            </a:r>
+            <a:r>
+              <a:rPr lang="en-US" sz="2400" dirty="0">
+                <a:solidFill>
+                  <a:srgbClr val="808080"/>
+                </a:solidFill>
+                <a:latin typeface="Consolas" panose="020B0609020204030204" pitchFamily="49" charset="0"/>
+              </a:rPr>
+              <a:t>&gt;</a:t>
+            </a:r>
+            <a:r>
+              <a:rPr lang="en-US" sz="2400" dirty="0">
+                <a:solidFill>
+                  <a:srgbClr val="D4D4D4"/>
+                </a:solidFill>
+                <a:latin typeface="Consolas" panose="020B0609020204030204" pitchFamily="49" charset="0"/>
+              </a:rPr>
+              <a:t/>
+            </a:r>
+            <a:br>
+              <a:rPr lang="en-US" sz="2400" dirty="0">
+                <a:solidFill>
+                  <a:srgbClr val="D4D4D4"/>
+                </a:solidFill>
+                <a:latin typeface="Consolas" panose="020B0609020204030204" pitchFamily="49" charset="0"/>
+              </a:rPr>
+            </a:br>
+            <a:r>
+              <a:rPr lang="en-US" sz="2400" dirty="0">
+                <a:solidFill>
+                  <a:srgbClr val="D4D4D4"/>
+                </a:solidFill>
+                <a:latin typeface="Consolas" panose="020B0609020204030204" pitchFamily="49" charset="0"/>
+              </a:rPr>
+              <a:t/>
+            </a:r>
+            <a:br>
+              <a:rPr lang="en-US" sz="2400" dirty="0">
+                <a:solidFill>
+                  <a:srgbClr val="D4D4D4"/>
+                </a:solidFill>
+                <a:latin typeface="Consolas" panose="020B0609020204030204" pitchFamily="49" charset="0"/>
+              </a:rPr>
+            </a:br>
+            <a:r>
+              <a:rPr lang="en-US" sz="2400" dirty="0">
+                <a:solidFill>
+                  <a:srgbClr val="808080"/>
+                </a:solidFill>
+                <a:latin typeface="Consolas" panose="020B0609020204030204" pitchFamily="49" charset="0"/>
+              </a:rPr>
+              <a:t>&lt;</a:t>
+            </a:r>
+            <a:r>
+              <a:rPr lang="en-US" sz="2400" dirty="0">
+                <a:solidFill>
+                  <a:srgbClr val="569CD6"/>
+                </a:solidFill>
+                <a:latin typeface="Consolas" panose="020B0609020204030204" pitchFamily="49" charset="0"/>
+              </a:rPr>
+              <a:t>div</a:t>
+            </a:r>
+            <a:r>
+              <a:rPr lang="en-US" sz="2400" dirty="0">
+                <a:solidFill>
+                  <a:srgbClr val="D4D4D4"/>
+                </a:solidFill>
+                <a:latin typeface="Consolas" panose="020B0609020204030204" pitchFamily="49" charset="0"/>
+              </a:rPr>
+              <a:t> [</a:t>
+            </a:r>
+            <a:r>
+              <a:rPr lang="en-US" sz="2400" dirty="0" err="1">
+                <a:solidFill>
+                  <a:srgbClr val="9CDCFE"/>
+                </a:solidFill>
+                <a:latin typeface="Consolas" panose="020B0609020204030204" pitchFamily="49" charset="0"/>
+              </a:rPr>
+              <a:t>ngClass</a:t>
+            </a:r>
+            <a:r>
+              <a:rPr lang="en-US" sz="2400" dirty="0">
+                <a:solidFill>
+                  <a:srgbClr val="D4D4D4"/>
+                </a:solidFill>
+                <a:latin typeface="Consolas" panose="020B0609020204030204" pitchFamily="49" charset="0"/>
+              </a:rPr>
+              <a:t>]=</a:t>
+            </a:r>
+            <a:r>
+              <a:rPr lang="en-US" sz="2400" dirty="0">
+                <a:solidFill>
+                  <a:srgbClr val="CE9178"/>
+                </a:solidFill>
+                <a:latin typeface="Consolas" panose="020B0609020204030204" pitchFamily="49" charset="0"/>
+              </a:rPr>
+              <a:t>"{selected: </a:t>
+            </a:r>
+            <a:r>
+              <a:rPr lang="en-US" sz="2400" dirty="0" err="1">
+                <a:solidFill>
+                  <a:srgbClr val="CE9178"/>
+                </a:solidFill>
+                <a:latin typeface="Consolas" panose="020B0609020204030204" pitchFamily="49" charset="0"/>
+              </a:rPr>
+              <a:t>isSelected</a:t>
+            </a:r>
+            <a:r>
+              <a:rPr lang="en-US" sz="2400" dirty="0" smtClean="0">
+                <a:solidFill>
+                  <a:srgbClr val="CE9178"/>
+                </a:solidFill>
+                <a:latin typeface="Consolas" panose="020B0609020204030204" pitchFamily="49" charset="0"/>
+              </a:rPr>
+              <a:t>}"</a:t>
+            </a:r>
+            <a:r>
+              <a:rPr lang="en-US" sz="2400" dirty="0" smtClean="0">
+                <a:solidFill>
+                  <a:srgbClr val="808080"/>
+                </a:solidFill>
+                <a:latin typeface="Consolas" panose="020B0609020204030204" pitchFamily="49" charset="0"/>
+              </a:rPr>
+              <a:t>&gt;</a:t>
+            </a:r>
+            <a:r>
+              <a:rPr lang="en-US" sz="2400" dirty="0">
+                <a:solidFill>
+                  <a:srgbClr val="D4D4D4"/>
+                </a:solidFill>
+                <a:latin typeface="Consolas" panose="020B0609020204030204" pitchFamily="49" charset="0"/>
+              </a:rPr>
+              <a:t>X-Wing</a:t>
+            </a:r>
+            <a:r>
+              <a:rPr lang="en-US" sz="2400" dirty="0">
+                <a:solidFill>
+                  <a:srgbClr val="808080"/>
+                </a:solidFill>
+                <a:latin typeface="Consolas" panose="020B0609020204030204" pitchFamily="49" charset="0"/>
+              </a:rPr>
+              <a:t>&lt;/</a:t>
+            </a:r>
+            <a:r>
+              <a:rPr lang="en-US" sz="2400" dirty="0">
+                <a:solidFill>
+                  <a:srgbClr val="569CD6"/>
+                </a:solidFill>
+                <a:latin typeface="Consolas" panose="020B0609020204030204" pitchFamily="49" charset="0"/>
+              </a:rPr>
+              <a:t>div</a:t>
+            </a:r>
+            <a:r>
+              <a:rPr lang="en-US" sz="2400" dirty="0" smtClean="0">
+                <a:solidFill>
+                  <a:srgbClr val="808080"/>
+                </a:solidFill>
+                <a:latin typeface="Consolas" panose="020B0609020204030204" pitchFamily="49" charset="0"/>
+              </a:rPr>
+              <a:t>&gt;</a:t>
+            </a:r>
+            <a:endParaRPr lang="en-US" sz="2400" b="0" dirty="0">
+              <a:solidFill>
+                <a:srgbClr val="D4D4D4"/>
+              </a:solidFill>
+              <a:effectLst/>
+              <a:latin typeface="Consolas" panose="020B0609020204030204" pitchFamily="49" charset="0"/>
+            </a:endParaRPr>
+          </a:p>
+        </p:txBody>
+      </p:sp>
+      <p:sp>
+        <p:nvSpPr>
+          <p:cNvPr id="6" name="Text Placeholder 5"/>
+          <p:cNvSpPr>
+            <a:spLocks noGrp="1"/>
+          </p:cNvSpPr>
+          <p:nvPr>
+            <p:ph type="body" sz="quarter" idx="13"/>
+          </p:nvPr>
+        </p:nvSpPr>
+        <p:spPr>
+          <a:xfrm>
+            <a:off x="734291" y="5234187"/>
+            <a:ext cx="6234920" cy="574962"/>
+          </a:xfrm>
+        </p:spPr>
+        <p:txBody>
+          <a:bodyPr>
+            <a:noAutofit/>
+          </a:bodyPr>
+          <a:lstStyle/>
+          <a:p>
+            <a:r>
+              <a:rPr lang="en-US" dirty="0" smtClean="0"/>
+              <a:t>Property Binding - one </a:t>
+            </a:r>
+            <a:r>
+              <a:rPr lang="en-US" dirty="0"/>
+              <a:t>w</a:t>
+            </a:r>
+            <a:r>
+              <a:rPr lang="en-US" dirty="0" smtClean="0"/>
+              <a:t>ay </a:t>
+            </a:r>
+            <a:r>
+              <a:rPr lang="en-US" dirty="0"/>
+              <a:t>i</a:t>
+            </a:r>
+            <a:r>
+              <a:rPr lang="en-US" dirty="0" smtClean="0"/>
+              <a:t>n</a:t>
+            </a:r>
+            <a:endParaRPr lang="bg-BG" dirty="0"/>
+          </a:p>
+        </p:txBody>
+      </p:sp>
+    </p:spTree>
+    <p:extLst>
+      <p:ext uri="{BB962C8B-B14F-4D97-AF65-F5344CB8AC3E}">
+        <p14:creationId xmlns:p14="http://schemas.microsoft.com/office/powerpoint/2010/main" val="2679405659"/>
+      </p:ext>
+    </p:extLst>
+  </p:cSld>
+  <p:clrMapOvr>
+    <a:masterClrMapping/>
+  </p:clrMapOvr>
+  <p:timing>
+    <p:tnLst>
+      <p:par>
+        <p:cTn id="1" dur="indefinite" restart="never" nodeType="tmRoot"/>
+      </p:par>
+    </p:tnLst>
+  </p:timing>
+</p:sld>
+</file>
+
+<file path=ppt/slides/slide25.xml><?xml version="1.0" encoding="utf-8"?>
+<p:sld xmlns:a="http://schemas.openxmlformats.org/drawingml/2006/main" xmlns:r="http://schemas.openxmlformats.org/officeDocument/2006/relationships" xmlns:p="http://schemas.openxmlformats.org/presentationml/2006/main">
+  <p:cSld>
+    <p:spTree>
+      <p:nvGrpSpPr>
+        <p:cNvPr id="1" name=""/>
+        <p:cNvGrpSpPr/>
+        <p:nvPr/>
+      </p:nvGrpSpPr>
+      <p:grpSpPr>
+        <a:xfrm>
+          <a:off x="0" y="0"/>
+          <a:ext cx="0" cy="0"/>
+          <a:chOff x="0" y="0"/>
+          <a:chExt cx="0" cy="0"/>
+        </a:xfrm>
+      </p:grpSpPr>
+      <p:sp>
+        <p:nvSpPr>
+          <p:cNvPr id="4" name="Title 3"/>
+          <p:cNvSpPr>
+            <a:spLocks noGrp="1"/>
+          </p:cNvSpPr>
+          <p:nvPr>
+            <p:ph type="title"/>
+          </p:nvPr>
+        </p:nvSpPr>
+        <p:spPr>
+          <a:xfrm>
+            <a:off x="1371600" y="685800"/>
+            <a:ext cx="9601200" cy="5446060"/>
+          </a:xfrm>
+        </p:spPr>
+        <p:txBody>
+          <a:bodyPr anchor="ctr"/>
+          <a:lstStyle/>
+          <a:p>
+            <a:r>
+              <a:rPr lang="en-US" u="sng" dirty="0" smtClean="0">
+                <a:solidFill>
+                  <a:srgbClr val="0070C0"/>
+                </a:solidFill>
+              </a:rPr>
+              <a:t>Event Binding</a:t>
+            </a:r>
+            <a:r>
+              <a:rPr lang="en-US" dirty="0" smtClean="0">
+                <a:solidFill>
+                  <a:schemeClr val="tx1"/>
+                </a:solidFill>
+              </a:rPr>
+              <a:t/>
+            </a:r>
+            <a:br>
+              <a:rPr lang="en-US" dirty="0" smtClean="0">
+                <a:solidFill>
+                  <a:schemeClr val="tx1"/>
+                </a:solidFill>
+              </a:rPr>
+            </a:br>
+            <a:r>
+              <a:rPr lang="en-US" dirty="0" smtClean="0">
+                <a:solidFill>
+                  <a:schemeClr val="tx1"/>
+                </a:solidFill>
+              </a:rPr>
+              <a:t/>
+            </a:r>
+            <a:br>
+              <a:rPr lang="en-US" dirty="0" smtClean="0">
+                <a:solidFill>
+                  <a:schemeClr val="tx1"/>
+                </a:solidFill>
+              </a:rPr>
+            </a:br>
+            <a:r>
+              <a:rPr lang="en-US" sz="3600" dirty="0" smtClean="0">
+                <a:solidFill>
+                  <a:schemeClr val="tx1"/>
+                </a:solidFill>
+              </a:rPr>
+              <a:t>Using the () to send events from the Template to the Component</a:t>
+            </a:r>
+            <a:endParaRPr lang="bg-BG" sz="3600" dirty="0">
+              <a:solidFill>
+                <a:schemeClr val="tx1"/>
+              </a:solidFill>
+            </a:endParaRPr>
+          </a:p>
+        </p:txBody>
+      </p:sp>
+    </p:spTree>
+    <p:extLst>
+      <p:ext uri="{BB962C8B-B14F-4D97-AF65-F5344CB8AC3E}">
+        <p14:creationId xmlns:p14="http://schemas.microsoft.com/office/powerpoint/2010/main" val="3301385277"/>
+      </p:ext>
+    </p:extLst>
+  </p:cSld>
+  <p:clrMapOvr>
+    <a:masterClrMapping/>
+  </p:clrMapOvr>
+</p:sld>
+</file>
+
+<file path=ppt/slides/slide26.xml><?xml version="1.0" encoding="utf-8"?>
+<p:sld xmlns:a="http://schemas.openxmlformats.org/drawingml/2006/main" xmlns:r="http://schemas.openxmlformats.org/officeDocument/2006/relationships" xmlns:p="http://schemas.openxmlformats.org/presentationml/2006/main">
+  <p:cSld>
+    <p:spTree>
+      <p:nvGrpSpPr>
+        <p:cNvPr id="1" name=""/>
+        <p:cNvGrpSpPr/>
+        <p:nvPr/>
+      </p:nvGrpSpPr>
+      <p:grpSpPr>
+        <a:xfrm>
+          <a:off x="0" y="0"/>
+          <a:ext cx="0" cy="0"/>
+          <a:chOff x="0" y="0"/>
+          <a:chExt cx="0" cy="0"/>
+        </a:xfrm>
+      </p:grpSpPr>
+      <p:sp>
+        <p:nvSpPr>
+          <p:cNvPr id="5" name="Title 4"/>
+          <p:cNvSpPr>
+            <a:spLocks noGrp="1"/>
+          </p:cNvSpPr>
+          <p:nvPr>
+            <p:ph type="title"/>
+          </p:nvPr>
+        </p:nvSpPr>
+        <p:spPr/>
+        <p:txBody>
+          <a:bodyPr>
+            <a:normAutofit/>
+          </a:bodyPr>
+          <a:lstStyle/>
+          <a:p>
+            <a:r>
+              <a:rPr lang="en-US" sz="2400" dirty="0">
+                <a:solidFill>
+                  <a:srgbClr val="808080"/>
+                </a:solidFill>
+                <a:latin typeface="Consolas" panose="020B0609020204030204" pitchFamily="49" charset="0"/>
+              </a:rPr>
+              <a:t>&lt;</a:t>
+            </a:r>
+            <a:r>
+              <a:rPr lang="en-US" sz="2400" dirty="0">
+                <a:solidFill>
+                  <a:srgbClr val="569CD6"/>
+                </a:solidFill>
+                <a:latin typeface="Consolas" panose="020B0609020204030204" pitchFamily="49" charset="0"/>
+              </a:rPr>
+              <a:t>button</a:t>
+            </a:r>
+            <a:r>
+              <a:rPr lang="en-US" sz="2400" dirty="0">
+                <a:solidFill>
+                  <a:srgbClr val="D4D4D4"/>
+                </a:solidFill>
+                <a:latin typeface="Consolas" panose="020B0609020204030204" pitchFamily="49" charset="0"/>
+              </a:rPr>
+              <a:t> (</a:t>
+            </a:r>
+            <a:r>
+              <a:rPr lang="en-US" sz="2400" dirty="0">
+                <a:solidFill>
+                  <a:srgbClr val="9CDCFE"/>
+                </a:solidFill>
+                <a:latin typeface="Consolas" panose="020B0609020204030204" pitchFamily="49" charset="0"/>
+              </a:rPr>
+              <a:t>click</a:t>
+            </a:r>
+            <a:r>
+              <a:rPr lang="en-US" sz="2400" dirty="0">
+                <a:solidFill>
+                  <a:srgbClr val="D4D4D4"/>
+                </a:solidFill>
+                <a:latin typeface="Consolas" panose="020B0609020204030204" pitchFamily="49" charset="0"/>
+              </a:rPr>
+              <a:t>)=</a:t>
+            </a:r>
+            <a:r>
+              <a:rPr lang="en-US" sz="2400" dirty="0">
+                <a:solidFill>
+                  <a:srgbClr val="CE9178"/>
+                </a:solidFill>
+                <a:latin typeface="Consolas" panose="020B0609020204030204" pitchFamily="49" charset="0"/>
+              </a:rPr>
+              <a:t>"save()"</a:t>
+            </a:r>
+            <a:r>
+              <a:rPr lang="en-US" sz="2400" dirty="0">
+                <a:solidFill>
+                  <a:srgbClr val="808080"/>
+                </a:solidFill>
+                <a:latin typeface="Consolas" panose="020B0609020204030204" pitchFamily="49" charset="0"/>
+              </a:rPr>
+              <a:t>&gt;</a:t>
+            </a:r>
+            <a:r>
+              <a:rPr lang="en-US" sz="2400" dirty="0">
+                <a:solidFill>
+                  <a:srgbClr val="D4D4D4"/>
+                </a:solidFill>
+                <a:latin typeface="Consolas" panose="020B0609020204030204" pitchFamily="49" charset="0"/>
+              </a:rPr>
+              <a:t>Save</a:t>
+            </a:r>
+            <a:r>
+              <a:rPr lang="en-US" sz="2400" dirty="0">
+                <a:solidFill>
+                  <a:srgbClr val="808080"/>
+                </a:solidFill>
+                <a:latin typeface="Consolas" panose="020B0609020204030204" pitchFamily="49" charset="0"/>
+              </a:rPr>
+              <a:t>&lt;/</a:t>
+            </a:r>
+            <a:r>
+              <a:rPr lang="en-US" sz="2400" dirty="0">
+                <a:solidFill>
+                  <a:srgbClr val="569CD6"/>
+                </a:solidFill>
+                <a:latin typeface="Consolas" panose="020B0609020204030204" pitchFamily="49" charset="0"/>
+              </a:rPr>
+              <a:t>button</a:t>
+            </a:r>
+            <a:r>
+              <a:rPr lang="en-US" sz="2400" dirty="0">
+                <a:solidFill>
+                  <a:srgbClr val="808080"/>
+                </a:solidFill>
+                <a:latin typeface="Consolas" panose="020B0609020204030204" pitchFamily="49" charset="0"/>
+              </a:rPr>
+              <a:t>&gt;</a:t>
+            </a:r>
+            <a:r>
+              <a:rPr lang="en-US" sz="2400" dirty="0">
+                <a:solidFill>
+                  <a:srgbClr val="D4D4D4"/>
+                </a:solidFill>
+                <a:latin typeface="Consolas" panose="020B0609020204030204" pitchFamily="49" charset="0"/>
+              </a:rPr>
+              <a:t/>
+            </a:r>
+            <a:br>
+              <a:rPr lang="en-US" sz="2400" dirty="0">
+                <a:solidFill>
+                  <a:srgbClr val="D4D4D4"/>
+                </a:solidFill>
+                <a:latin typeface="Consolas" panose="020B0609020204030204" pitchFamily="49" charset="0"/>
+              </a:rPr>
+            </a:br>
+            <a:r>
+              <a:rPr lang="en-US" sz="2400" dirty="0">
+                <a:solidFill>
+                  <a:srgbClr val="D4D4D4"/>
+                </a:solidFill>
+                <a:latin typeface="Consolas" panose="020B0609020204030204" pitchFamily="49" charset="0"/>
+              </a:rPr>
+              <a:t/>
+            </a:r>
+            <a:br>
+              <a:rPr lang="en-US" sz="2400" dirty="0">
+                <a:solidFill>
+                  <a:srgbClr val="D4D4D4"/>
+                </a:solidFill>
+                <a:latin typeface="Consolas" panose="020B0609020204030204" pitchFamily="49" charset="0"/>
+              </a:rPr>
+            </a:br>
+            <a:r>
+              <a:rPr lang="en-US" sz="2400" dirty="0">
+                <a:solidFill>
+                  <a:srgbClr val="808080"/>
+                </a:solidFill>
+                <a:latin typeface="Consolas" panose="020B0609020204030204" pitchFamily="49" charset="0"/>
+              </a:rPr>
+              <a:t>&lt;</a:t>
+            </a:r>
+            <a:r>
+              <a:rPr lang="en-US" sz="2400" dirty="0">
+                <a:solidFill>
+                  <a:srgbClr val="569CD6"/>
+                </a:solidFill>
+                <a:latin typeface="Consolas" panose="020B0609020204030204" pitchFamily="49" charset="0"/>
+              </a:rPr>
+              <a:t>vehicle-detail</a:t>
+            </a:r>
+            <a:r>
+              <a:rPr lang="en-US" sz="2400" dirty="0">
+                <a:solidFill>
+                  <a:srgbClr val="D4D4D4"/>
+                </a:solidFill>
+                <a:latin typeface="Consolas" panose="020B0609020204030204" pitchFamily="49" charset="0"/>
+              </a:rPr>
+              <a:t> (</a:t>
+            </a:r>
+            <a:r>
+              <a:rPr lang="en-US" sz="2400" dirty="0">
+                <a:solidFill>
+                  <a:srgbClr val="9CDCFE"/>
+                </a:solidFill>
+                <a:latin typeface="Consolas" panose="020B0609020204030204" pitchFamily="49" charset="0"/>
+              </a:rPr>
+              <a:t>changed</a:t>
+            </a:r>
+            <a:r>
+              <a:rPr lang="en-US" sz="2400" dirty="0">
+                <a:solidFill>
+                  <a:srgbClr val="D4D4D4"/>
+                </a:solidFill>
+                <a:latin typeface="Consolas" panose="020B0609020204030204" pitchFamily="49" charset="0"/>
+              </a:rPr>
+              <a:t>)=</a:t>
+            </a:r>
+            <a:r>
+              <a:rPr lang="en-US" sz="2400" dirty="0">
+                <a:solidFill>
+                  <a:srgbClr val="CE9178"/>
+                </a:solidFill>
+                <a:latin typeface="Consolas" panose="020B0609020204030204" pitchFamily="49" charset="0"/>
+              </a:rPr>
+              <a:t>"</a:t>
+            </a:r>
+            <a:r>
+              <a:rPr lang="en-US" sz="2400" dirty="0" err="1">
+                <a:solidFill>
+                  <a:srgbClr val="CE9178"/>
+                </a:solidFill>
+                <a:latin typeface="Consolas" panose="020B0609020204030204" pitchFamily="49" charset="0"/>
+              </a:rPr>
+              <a:t>vehicleChanged</a:t>
+            </a:r>
+            <a:r>
+              <a:rPr lang="en-US" sz="2400" dirty="0">
+                <a:solidFill>
+                  <a:srgbClr val="CE9178"/>
+                </a:solidFill>
+                <a:latin typeface="Consolas" panose="020B0609020204030204" pitchFamily="49" charset="0"/>
+              </a:rPr>
+              <a:t>()"</a:t>
+            </a:r>
+            <a:r>
+              <a:rPr lang="en-US" sz="2400" dirty="0">
+                <a:solidFill>
+                  <a:srgbClr val="808080"/>
+                </a:solidFill>
+                <a:latin typeface="Consolas" panose="020B0609020204030204" pitchFamily="49" charset="0"/>
+              </a:rPr>
+              <a:t>&gt;&lt;/</a:t>
+            </a:r>
+            <a:r>
+              <a:rPr lang="en-US" sz="2400" dirty="0">
+                <a:solidFill>
+                  <a:srgbClr val="569CD6"/>
+                </a:solidFill>
+                <a:latin typeface="Consolas" panose="020B0609020204030204" pitchFamily="49" charset="0"/>
+              </a:rPr>
+              <a:t>vehicle-detail</a:t>
+            </a:r>
+            <a:r>
+              <a:rPr lang="en-US" sz="2400" dirty="0">
+                <a:solidFill>
+                  <a:srgbClr val="808080"/>
+                </a:solidFill>
+                <a:latin typeface="Consolas" panose="020B0609020204030204" pitchFamily="49" charset="0"/>
+              </a:rPr>
+              <a:t>&gt;</a:t>
+            </a:r>
+            <a:endParaRPr lang="en-US" sz="2400" b="0" dirty="0">
+              <a:solidFill>
+                <a:srgbClr val="D4D4D4"/>
+              </a:solidFill>
+              <a:effectLst/>
+              <a:latin typeface="Consolas" panose="020B0609020204030204" pitchFamily="49" charset="0"/>
+            </a:endParaRPr>
+          </a:p>
+        </p:txBody>
+      </p:sp>
+      <p:sp>
+        <p:nvSpPr>
+          <p:cNvPr id="6" name="Text Placeholder 5"/>
+          <p:cNvSpPr>
+            <a:spLocks noGrp="1"/>
+          </p:cNvSpPr>
+          <p:nvPr>
+            <p:ph type="body" sz="quarter" idx="13"/>
+          </p:nvPr>
+        </p:nvSpPr>
+        <p:spPr>
+          <a:xfrm>
+            <a:off x="734290" y="5234187"/>
+            <a:ext cx="7557453" cy="574962"/>
+          </a:xfrm>
+        </p:spPr>
+        <p:txBody>
+          <a:bodyPr>
+            <a:noAutofit/>
+          </a:bodyPr>
+          <a:lstStyle/>
+          <a:p>
+            <a:r>
+              <a:rPr lang="en-US" dirty="0" smtClean="0"/>
+              <a:t>Event Binding – one way to the component</a:t>
+            </a:r>
+            <a:endParaRPr lang="bg-BG" dirty="0"/>
+          </a:p>
+        </p:txBody>
+      </p:sp>
+    </p:spTree>
+    <p:extLst>
+      <p:ext uri="{BB962C8B-B14F-4D97-AF65-F5344CB8AC3E}">
+        <p14:creationId xmlns:p14="http://schemas.microsoft.com/office/powerpoint/2010/main" val="2683574488"/>
+      </p:ext>
+    </p:extLst>
+  </p:cSld>
+  <p:clrMapOvr>
+    <a:masterClrMapping/>
+  </p:clrMapOvr>
+  <p:timing>
+    <p:tnLst>
+      <p:par>
+        <p:cTn id="1" dur="indefinite" restart="never" nodeType="tmRoot"/>
+      </p:par>
+    </p:tnLst>
+  </p:timing>
+</p:sld>
+</file>
+
+<file path=ppt/slides/slide27.xml><?xml version="1.0" encoding="utf-8"?>
+<p:sld xmlns:a="http://schemas.openxmlformats.org/drawingml/2006/main" xmlns:r="http://schemas.openxmlformats.org/officeDocument/2006/relationships" xmlns:p="http://schemas.openxmlformats.org/presentationml/2006/main">
+  <p:cSld>
+    <p:spTree>
+      <p:nvGrpSpPr>
+        <p:cNvPr id="1" name=""/>
+        <p:cNvGrpSpPr/>
+        <p:nvPr/>
+      </p:nvGrpSpPr>
+      <p:grpSpPr>
+        <a:xfrm>
+          <a:off x="0" y="0"/>
+          <a:ext cx="0" cy="0"/>
+          <a:chOff x="0" y="0"/>
+          <a:chExt cx="0" cy="0"/>
+        </a:xfrm>
+      </p:grpSpPr>
+      <p:sp>
+        <p:nvSpPr>
+          <p:cNvPr id="4" name="Title 3"/>
+          <p:cNvSpPr>
+            <a:spLocks noGrp="1"/>
+          </p:cNvSpPr>
+          <p:nvPr>
+            <p:ph type="title"/>
+          </p:nvPr>
+        </p:nvSpPr>
+        <p:spPr>
+          <a:xfrm>
+            <a:off x="1371600" y="685800"/>
+            <a:ext cx="9601200" cy="5446060"/>
+          </a:xfrm>
+        </p:spPr>
+        <p:txBody>
+          <a:bodyPr anchor="ctr"/>
+          <a:lstStyle/>
+          <a:p>
+            <a:r>
+              <a:rPr lang="en-US" u="sng" dirty="0" smtClean="0">
+                <a:solidFill>
+                  <a:srgbClr val="0070C0"/>
+                </a:solidFill>
+              </a:rPr>
+              <a:t>Two Way Binding</a:t>
+            </a:r>
+            <a:r>
+              <a:rPr lang="en-US" dirty="0" smtClean="0">
+                <a:solidFill>
+                  <a:schemeClr val="tx1"/>
+                </a:solidFill>
+              </a:rPr>
+              <a:t/>
+            </a:r>
+            <a:br>
+              <a:rPr lang="en-US" dirty="0" smtClean="0">
+                <a:solidFill>
+                  <a:schemeClr val="tx1"/>
+                </a:solidFill>
+              </a:rPr>
+            </a:br>
+            <a:r>
+              <a:rPr lang="en-US" dirty="0" smtClean="0">
+                <a:solidFill>
+                  <a:schemeClr val="tx1"/>
+                </a:solidFill>
+              </a:rPr>
+              <a:t/>
+            </a:r>
+            <a:br>
+              <a:rPr lang="en-US" dirty="0" smtClean="0">
+                <a:solidFill>
+                  <a:schemeClr val="tx1"/>
+                </a:solidFill>
+              </a:rPr>
+            </a:br>
+            <a:r>
+              <a:rPr lang="en-US" sz="3600" dirty="0" smtClean="0">
+                <a:solidFill>
+                  <a:schemeClr val="tx1"/>
+                </a:solidFill>
+              </a:rPr>
+              <a:t>[()] sends a value from Component to Template, and sends changes in the Template to the Component</a:t>
+            </a:r>
+            <a:endParaRPr lang="bg-BG" sz="3600" dirty="0">
+              <a:solidFill>
+                <a:schemeClr val="tx1"/>
+              </a:solidFill>
+            </a:endParaRPr>
+          </a:p>
+        </p:txBody>
+      </p:sp>
+    </p:spTree>
+    <p:extLst>
+      <p:ext uri="{BB962C8B-B14F-4D97-AF65-F5344CB8AC3E}">
+        <p14:creationId xmlns:p14="http://schemas.microsoft.com/office/powerpoint/2010/main" val="3897440521"/>
+      </p:ext>
+    </p:extLst>
+  </p:cSld>
+  <p:clrMapOvr>
+    <a:masterClrMapping/>
+  </p:clrMapOvr>
+</p:sld>
+</file>
+
+<file path=ppt/slides/slide28.xml><?xml version="1.0" encoding="utf-8"?>
+<p:sld xmlns:a="http://schemas.openxmlformats.org/drawingml/2006/main" xmlns:r="http://schemas.openxmlformats.org/officeDocument/2006/relationships" xmlns:p="http://schemas.openxmlformats.org/presentationml/2006/main">
+  <p:cSld>
+    <p:spTree>
+      <p:nvGrpSpPr>
+        <p:cNvPr id="1" name=""/>
+        <p:cNvGrpSpPr/>
+        <p:nvPr/>
+      </p:nvGrpSpPr>
+      <p:grpSpPr>
+        <a:xfrm>
+          <a:off x="0" y="0"/>
+          <a:ext cx="0" cy="0"/>
+          <a:chOff x="0" y="0"/>
+          <a:chExt cx="0" cy="0"/>
+        </a:xfrm>
+      </p:grpSpPr>
+      <p:sp>
+        <p:nvSpPr>
+          <p:cNvPr id="5" name="Title 4"/>
+          <p:cNvSpPr>
+            <a:spLocks noGrp="1"/>
+          </p:cNvSpPr>
+          <p:nvPr>
+            <p:ph type="title"/>
+          </p:nvPr>
+        </p:nvSpPr>
+        <p:spPr/>
+        <p:txBody>
+          <a:bodyPr>
+            <a:normAutofit/>
+          </a:bodyPr>
+          <a:lstStyle/>
+          <a:p>
+            <a:r>
+              <a:rPr lang="en-US" sz="2400" dirty="0">
+                <a:solidFill>
+                  <a:srgbClr val="808080"/>
+                </a:solidFill>
+                <a:latin typeface="Consolas" panose="020B0609020204030204" pitchFamily="49" charset="0"/>
+              </a:rPr>
+              <a:t>&lt;</a:t>
+            </a:r>
+            <a:r>
+              <a:rPr lang="en-US" sz="2400" dirty="0">
+                <a:solidFill>
+                  <a:srgbClr val="569CD6"/>
+                </a:solidFill>
+                <a:latin typeface="Consolas" panose="020B0609020204030204" pitchFamily="49" charset="0"/>
+              </a:rPr>
+              <a:t>input</a:t>
+            </a:r>
+            <a:r>
+              <a:rPr lang="en-US" sz="2400" dirty="0">
+                <a:solidFill>
+                  <a:srgbClr val="D4D4D4"/>
+                </a:solidFill>
+                <a:latin typeface="Consolas" panose="020B0609020204030204" pitchFamily="49" charset="0"/>
+              </a:rPr>
+              <a:t> [(</a:t>
+            </a:r>
+            <a:r>
+              <a:rPr lang="en-US" sz="2400" dirty="0" err="1">
+                <a:solidFill>
+                  <a:srgbClr val="9CDCFE"/>
+                </a:solidFill>
+                <a:latin typeface="Consolas" panose="020B0609020204030204" pitchFamily="49" charset="0"/>
+              </a:rPr>
+              <a:t>ngModel</a:t>
+            </a:r>
+            <a:r>
+              <a:rPr lang="en-US" sz="2400" dirty="0">
+                <a:solidFill>
+                  <a:srgbClr val="D4D4D4"/>
+                </a:solidFill>
+                <a:latin typeface="Consolas" panose="020B0609020204030204" pitchFamily="49" charset="0"/>
+              </a:rPr>
+              <a:t>)]=</a:t>
+            </a:r>
+            <a:r>
+              <a:rPr lang="en-US" sz="2400" dirty="0">
+                <a:solidFill>
+                  <a:srgbClr val="CE9178"/>
+                </a:solidFill>
+                <a:latin typeface="Consolas" panose="020B0609020204030204" pitchFamily="49" charset="0"/>
+              </a:rPr>
+              <a:t>"vehicle.name"</a:t>
+            </a:r>
+            <a:r>
+              <a:rPr lang="en-US" sz="2400" dirty="0">
+                <a:solidFill>
+                  <a:srgbClr val="808080"/>
+                </a:solidFill>
+                <a:latin typeface="Consolas" panose="020B0609020204030204" pitchFamily="49" charset="0"/>
+              </a:rPr>
+              <a:t> /&gt;</a:t>
+            </a:r>
+            <a:endParaRPr lang="en-US" sz="2400" b="0" dirty="0">
+              <a:solidFill>
+                <a:srgbClr val="D4D4D4"/>
+              </a:solidFill>
+              <a:effectLst/>
+              <a:latin typeface="Consolas" panose="020B0609020204030204" pitchFamily="49" charset="0"/>
+            </a:endParaRPr>
+          </a:p>
+        </p:txBody>
+      </p:sp>
+      <p:sp>
+        <p:nvSpPr>
+          <p:cNvPr id="6" name="Text Placeholder 5"/>
+          <p:cNvSpPr>
+            <a:spLocks noGrp="1"/>
+          </p:cNvSpPr>
+          <p:nvPr>
+            <p:ph type="body" sz="quarter" idx="13"/>
+          </p:nvPr>
+        </p:nvSpPr>
+        <p:spPr>
+          <a:xfrm>
+            <a:off x="734290" y="5234187"/>
+            <a:ext cx="7557453" cy="574962"/>
+          </a:xfrm>
+        </p:spPr>
+        <p:txBody>
+          <a:bodyPr>
+            <a:noAutofit/>
+          </a:bodyPr>
+          <a:lstStyle/>
+          <a:p>
+            <a:r>
+              <a:rPr lang="en-US" dirty="0" smtClean="0"/>
+              <a:t>To Way Binding – value in, value out</a:t>
+            </a:r>
+            <a:endParaRPr lang="bg-BG" dirty="0"/>
+          </a:p>
+        </p:txBody>
+      </p:sp>
+    </p:spTree>
+    <p:extLst>
+      <p:ext uri="{BB962C8B-B14F-4D97-AF65-F5344CB8AC3E}">
+        <p14:creationId xmlns:p14="http://schemas.microsoft.com/office/powerpoint/2010/main" val="1748586726"/>
+      </p:ext>
+    </p:extLst>
+  </p:cSld>
+  <p:clrMapOvr>
+    <a:masterClrMapping/>
+  </p:clrMapOvr>
+  <p:timing>
+    <p:tnLst>
+      <p:par>
+        <p:cTn id="1" dur="indefinite" restart="never" nodeType="tmRoot"/>
+      </p:par>
+    </p:tnLst>
+  </p:timing>
+</p:sld>
+</file>
+
+<file path=ppt/slides/slide29.xml><?xml version="1.0" encoding="utf-8"?>
 <p:sld xmlns:a="http://schemas.openxmlformats.org/drawingml/2006/main" xmlns:r="http://schemas.openxmlformats.org/officeDocument/2006/relationships" xmlns:p="http://schemas.openxmlformats.org/presentationml/2006/main">
   <p:cSld>
     <p:spTree>
@@ -21619,10 +24966,126 @@
   <p:clrMapOvr>
     <a:masterClrMapping/>
   </p:clrMapOvr>
+  <p:timing>
+    <p:tnLst>
+      <p:par>
+        <p:cTn id="1" dur="indefinite" restart="never" nodeType="tmRoot"/>
+      </p:par>
+    </p:tnLst>
+  </p:timing>
 </p:sld>
 </file>
 
-<file path=ppt/slides/slide25.xml><?xml version="1.0" encoding="utf-8"?>
+<file path=ppt/slides/slide3.xml><?xml version="1.0" encoding="utf-8"?>
+<p:sld xmlns:a="http://schemas.openxmlformats.org/drawingml/2006/main" xmlns:r="http://schemas.openxmlformats.org/officeDocument/2006/relationships" xmlns:p="http://schemas.openxmlformats.org/presentationml/2006/main">
+  <p:cSld>
+    <p:spTree>
+      <p:nvGrpSpPr>
+        <p:cNvPr id="1" name=""/>
+        <p:cNvGrpSpPr/>
+        <p:nvPr/>
+      </p:nvGrpSpPr>
+      <p:grpSpPr>
+        <a:xfrm>
+          <a:off x="0" y="0"/>
+          <a:ext cx="0" cy="0"/>
+          <a:chOff x="0" y="0"/>
+          <a:chExt cx="0" cy="0"/>
+        </a:xfrm>
+      </p:grpSpPr>
+      <p:sp>
+        <p:nvSpPr>
+          <p:cNvPr id="2" name="Title 1"/>
+          <p:cNvSpPr>
+            <a:spLocks noGrp="1"/>
+          </p:cNvSpPr>
+          <p:nvPr>
+            <p:ph type="title"/>
+          </p:nvPr>
+        </p:nvSpPr>
+        <p:spPr/>
+        <p:txBody>
+          <a:bodyPr/>
+          <a:lstStyle/>
+          <a:p>
+            <a:endParaRPr lang="bg-BG"/>
+          </a:p>
+        </p:txBody>
+      </p:sp>
+      <p:sp>
+        <p:nvSpPr>
+          <p:cNvPr id="10" name="Content Placeholder 9"/>
+          <p:cNvSpPr>
+            <a:spLocks noGrp="1"/>
+          </p:cNvSpPr>
+          <p:nvPr>
+            <p:ph idx="1"/>
+          </p:nvPr>
+        </p:nvSpPr>
+        <p:spPr/>
+        <p:txBody>
+          <a:bodyPr/>
+          <a:lstStyle/>
+          <a:p>
+            <a:endParaRPr lang="bg-BG"/>
+          </a:p>
+        </p:txBody>
+      </p:sp>
+      <p:pic>
+        <p:nvPicPr>
+          <p:cNvPr id="3074" name="Picture 2" descr="Резултат с изображение за speed"/>
+          <p:cNvPicPr>
+            <a:picLocks noChangeAspect="1" noChangeArrowheads="1"/>
+          </p:cNvPicPr>
+          <p:nvPr/>
+        </p:nvPicPr>
+        <p:blipFill>
+          <a:blip r:embed="rId3">
+            <a:extLst>
+              <a:ext uri="{28A0092B-C50C-407E-A947-70E740481C1C}">
+                <a14:useLocalDpi xmlns:a14="http://schemas.microsoft.com/office/drawing/2010/main" val="0"/>
+              </a:ext>
+            </a:extLst>
+          </a:blip>
+          <a:srcRect/>
+          <a:stretch>
+            <a:fillRect/>
+          </a:stretch>
+        </p:blipFill>
+        <p:spPr bwMode="auto">
+          <a:xfrm>
+            <a:off x="0" y="0"/>
+            <a:ext cx="12191999" cy="6858000"/>
+          </a:xfrm>
+          <a:prstGeom prst="rect">
+            <a:avLst/>
+          </a:prstGeom>
+          <a:noFill/>
+          <a:extLst>
+            <a:ext uri="{909E8E84-426E-40DD-AFC4-6F175D3DCCD1}">
+              <a14:hiddenFill xmlns:a14="http://schemas.microsoft.com/office/drawing/2010/main">
+                <a:solidFill>
+                  <a:srgbClr val="FFFFFF"/>
+                </a:solidFill>
+              </a14:hiddenFill>
+            </a:ext>
+          </a:extLst>
+        </p:spPr>
+      </p:pic>
+    </p:spTree>
+    <p:extLst>
+      <p:ext uri="{BB962C8B-B14F-4D97-AF65-F5344CB8AC3E}">
+        <p14:creationId xmlns:p14="http://schemas.microsoft.com/office/powerpoint/2010/main" val="595032082"/>
+      </p:ext>
+    </p:extLst>
+  </p:cSld>
+  <p:clrMapOvr>
+    <a:masterClrMapping/>
+  </p:clrMapOvr>
+</p:sld>
+</file>
+
+<file path=ppt/slides/slide30.xml><?xml version="1.0" encoding="utf-8"?>
 <p:sld xmlns:a="http://schemas.openxmlformats.org/drawingml/2006/main" xmlns:r="http://schemas.openxmlformats.org/officeDocument/2006/relationships" xmlns:p="http://schemas.openxmlformats.org/presentationml/2006/main">
   <p:cSld>
     <p:bg>
@@ -21663,12 +25126,12 @@
           <a:lstStyle/>
           <a:p>
             <a:r>
-              <a:rPr lang="en-US" b="1" u="sng" dirty="0">
+              <a:rPr lang="en-US" b="1" u="sng" dirty="0" smtClean="0">
                 <a:solidFill>
                   <a:schemeClr val="bg1"/>
                 </a:solidFill>
               </a:rPr>
-              <a:t>Angular Modules</a:t>
+              <a:t>Built-In Directives</a:t>
             </a:r>
             <a:endParaRPr lang="bg-BG" b="1" u="sng" dirty="0">
               <a:solidFill>
@@ -21701,28 +25164,12 @@
           <a:lstStyle/>
           <a:p>
             <a:r>
-              <a:rPr lang="en-US" sz="3200" dirty="0">
+              <a:rPr lang="en-US" sz="3200" dirty="0" smtClean="0">
                 <a:solidFill>
                   <a:schemeClr val="bg1"/>
                 </a:solidFill>
               </a:rPr>
-              <a:t>We use </a:t>
-            </a:r>
-            <a:r>
-              <a:rPr lang="en-US" sz="3200" dirty="0" err="1">
-                <a:solidFill>
-                  <a:schemeClr val="bg1"/>
-                </a:solidFill>
-              </a:rPr>
-              <a:t>NgModule</a:t>
-            </a:r>
-            <a:r>
-              <a:rPr lang="en-US" sz="3200" dirty="0">
-                <a:solidFill>
-                  <a:schemeClr val="bg1"/>
-                </a:solidFill>
-              </a:rPr>
-              <a:t> to organize our application into cohesive blocks of related functionality.</a:t>
+              <a:t>When Angular renders templates, it transforms the DOM according to instructions from Directives</a:t>
             </a:r>
             <a:endParaRPr lang="bg-BG" sz="3200" dirty="0">
               <a:solidFill>
@@ -21745,7 +25192,828 @@
 </p:sld>
 </file>
 
-<file path=ppt/slides/slide26.xml><?xml version="1.0" encoding="utf-8"?>
+<file path=ppt/slides/slide31.xml><?xml version="1.0" encoding="utf-8"?>
+<p:sld xmlns:a="http://schemas.openxmlformats.org/drawingml/2006/main" xmlns:r="http://schemas.openxmlformats.org/officeDocument/2006/relationships" xmlns:p="http://schemas.openxmlformats.org/presentationml/2006/main">
+  <p:cSld>
+    <p:spTree>
+      <p:nvGrpSpPr>
+        <p:cNvPr id="1" name=""/>
+        <p:cNvGrpSpPr/>
+        <p:nvPr/>
+      </p:nvGrpSpPr>
+      <p:grpSpPr>
+        <a:xfrm>
+          <a:off x="0" y="0"/>
+          <a:ext cx="0" cy="0"/>
+          <a:chOff x="0" y="0"/>
+          <a:chExt cx="0" cy="0"/>
+        </a:xfrm>
+      </p:grpSpPr>
+      <p:sp>
+        <p:nvSpPr>
+          <p:cNvPr id="5" name="Title 4"/>
+          <p:cNvSpPr>
+            <a:spLocks noGrp="1"/>
+          </p:cNvSpPr>
+          <p:nvPr>
+            <p:ph type="title"/>
+          </p:nvPr>
+        </p:nvSpPr>
+        <p:spPr/>
+        <p:txBody>
+          <a:bodyPr>
+            <a:normAutofit/>
+          </a:bodyPr>
+          <a:lstStyle/>
+          <a:p>
+            <a:r>
+              <a:rPr lang="en-US" sz="2400" dirty="0">
+                <a:solidFill>
+                  <a:srgbClr val="808080"/>
+                </a:solidFill>
+                <a:latin typeface="Consolas" panose="020B0609020204030204" pitchFamily="49" charset="0"/>
+              </a:rPr>
+              <a:t>&lt;</a:t>
+            </a:r>
+            <a:r>
+              <a:rPr lang="en-US" sz="2400" dirty="0">
+                <a:solidFill>
+                  <a:srgbClr val="569CD6"/>
+                </a:solidFill>
+                <a:latin typeface="Consolas" panose="020B0609020204030204" pitchFamily="49" charset="0"/>
+              </a:rPr>
+              <a:t>div</a:t>
+            </a:r>
+            <a:r>
+              <a:rPr lang="en-US" sz="2400" dirty="0">
+                <a:solidFill>
+                  <a:srgbClr val="D4D4D4"/>
+                </a:solidFill>
+                <a:latin typeface="Consolas" panose="020B0609020204030204" pitchFamily="49" charset="0"/>
+              </a:rPr>
+              <a:t> *</a:t>
+            </a:r>
+            <a:r>
+              <a:rPr lang="en-US" sz="2400" dirty="0" err="1">
+                <a:solidFill>
+                  <a:srgbClr val="9CDCFE"/>
+                </a:solidFill>
+                <a:latin typeface="Consolas" panose="020B0609020204030204" pitchFamily="49" charset="0"/>
+              </a:rPr>
+              <a:t>ngIf</a:t>
+            </a:r>
+            <a:r>
+              <a:rPr lang="en-US" sz="2400" dirty="0">
+                <a:solidFill>
+                  <a:srgbClr val="D4D4D4"/>
+                </a:solidFill>
+                <a:latin typeface="Consolas" panose="020B0609020204030204" pitchFamily="49" charset="0"/>
+              </a:rPr>
+              <a:t>=</a:t>
+            </a:r>
+            <a:r>
+              <a:rPr lang="en-US" sz="2400" dirty="0">
+                <a:solidFill>
+                  <a:srgbClr val="CE9178"/>
+                </a:solidFill>
+                <a:latin typeface="Consolas" panose="020B0609020204030204" pitchFamily="49" charset="0"/>
+              </a:rPr>
+              <a:t>"</a:t>
+            </a:r>
+            <a:r>
+              <a:rPr lang="en-US" sz="2400" dirty="0" err="1">
+                <a:solidFill>
+                  <a:srgbClr val="CE9178"/>
+                </a:solidFill>
+                <a:latin typeface="Consolas" panose="020B0609020204030204" pitchFamily="49" charset="0"/>
+              </a:rPr>
+              <a:t>currentVehicle</a:t>
+            </a:r>
+            <a:r>
+              <a:rPr lang="en-US" sz="2400" dirty="0">
+                <a:solidFill>
+                  <a:srgbClr val="CE9178"/>
+                </a:solidFill>
+                <a:latin typeface="Consolas" panose="020B0609020204030204" pitchFamily="49" charset="0"/>
+              </a:rPr>
+              <a:t>"</a:t>
+            </a:r>
+            <a:r>
+              <a:rPr lang="en-US" sz="2400" dirty="0">
+                <a:solidFill>
+                  <a:srgbClr val="808080"/>
+                </a:solidFill>
+                <a:latin typeface="Consolas" panose="020B0609020204030204" pitchFamily="49" charset="0"/>
+              </a:rPr>
+              <a:t>&gt;</a:t>
+            </a:r>
+            <a:r>
+              <a:rPr lang="en-US" sz="2400" dirty="0">
+                <a:solidFill>
+                  <a:srgbClr val="D4D4D4"/>
+                </a:solidFill>
+                <a:latin typeface="Consolas" panose="020B0609020204030204" pitchFamily="49" charset="0"/>
+              </a:rPr>
+              <a:t/>
+            </a:r>
+            <a:br>
+              <a:rPr lang="en-US" sz="2400" dirty="0">
+                <a:solidFill>
+                  <a:srgbClr val="D4D4D4"/>
+                </a:solidFill>
+                <a:latin typeface="Consolas" panose="020B0609020204030204" pitchFamily="49" charset="0"/>
+              </a:rPr>
+            </a:br>
+            <a:r>
+              <a:rPr lang="en-US" sz="2400" dirty="0">
+                <a:solidFill>
+                  <a:srgbClr val="D4D4D4"/>
+                </a:solidFill>
+                <a:latin typeface="Consolas" panose="020B0609020204030204" pitchFamily="49" charset="0"/>
+              </a:rPr>
+              <a:t>    You selected {{currentVehicle.name}}</a:t>
+            </a:r>
+            <a:br>
+              <a:rPr lang="en-US" sz="2400" dirty="0">
+                <a:solidFill>
+                  <a:srgbClr val="D4D4D4"/>
+                </a:solidFill>
+                <a:latin typeface="Consolas" panose="020B0609020204030204" pitchFamily="49" charset="0"/>
+              </a:rPr>
+            </a:br>
+            <a:r>
+              <a:rPr lang="en-US" sz="2400" dirty="0">
+                <a:solidFill>
+                  <a:srgbClr val="808080"/>
+                </a:solidFill>
+                <a:latin typeface="Consolas" panose="020B0609020204030204" pitchFamily="49" charset="0"/>
+              </a:rPr>
+              <a:t>&lt;/</a:t>
+            </a:r>
+            <a:r>
+              <a:rPr lang="en-US" sz="2400" dirty="0">
+                <a:solidFill>
+                  <a:srgbClr val="569CD6"/>
+                </a:solidFill>
+                <a:latin typeface="Consolas" panose="020B0609020204030204" pitchFamily="49" charset="0"/>
+              </a:rPr>
+              <a:t>div</a:t>
+            </a:r>
+            <a:r>
+              <a:rPr lang="en-US" sz="2400" dirty="0">
+                <a:solidFill>
+                  <a:srgbClr val="808080"/>
+                </a:solidFill>
+                <a:latin typeface="Consolas" panose="020B0609020204030204" pitchFamily="49" charset="0"/>
+              </a:rPr>
+              <a:t>&gt;</a:t>
+            </a:r>
+            <a:endParaRPr lang="en-US" sz="2400" b="0" dirty="0">
+              <a:solidFill>
+                <a:srgbClr val="D4D4D4"/>
+              </a:solidFill>
+              <a:effectLst/>
+              <a:latin typeface="Consolas" panose="020B0609020204030204" pitchFamily="49" charset="0"/>
+            </a:endParaRPr>
+          </a:p>
+        </p:txBody>
+      </p:sp>
+      <p:sp>
+        <p:nvSpPr>
+          <p:cNvPr id="6" name="Text Placeholder 5"/>
+          <p:cNvSpPr>
+            <a:spLocks noGrp="1"/>
+          </p:cNvSpPr>
+          <p:nvPr>
+            <p:ph type="body" sz="quarter" idx="13"/>
+          </p:nvPr>
+        </p:nvSpPr>
+        <p:spPr>
+          <a:xfrm>
+            <a:off x="734290" y="5234187"/>
+            <a:ext cx="7557453" cy="574962"/>
+          </a:xfrm>
+        </p:spPr>
+        <p:txBody>
+          <a:bodyPr>
+            <a:noAutofit/>
+          </a:bodyPr>
+          <a:lstStyle/>
+          <a:p>
+            <a:r>
+              <a:rPr lang="en-US" dirty="0" smtClean="0"/>
+              <a:t>*</a:t>
+            </a:r>
+            <a:r>
+              <a:rPr lang="en-US" dirty="0" err="1" smtClean="0"/>
+              <a:t>ngIf</a:t>
+            </a:r>
+            <a:r>
+              <a:rPr lang="en-US" dirty="0" smtClean="0"/>
+              <a:t> – conditional template</a:t>
+            </a:r>
+            <a:endParaRPr lang="bg-BG" dirty="0"/>
+          </a:p>
+        </p:txBody>
+      </p:sp>
+      <p:sp>
+        <p:nvSpPr>
+          <p:cNvPr id="2" name="TextBox 1"/>
+          <p:cNvSpPr txBox="1"/>
+          <p:nvPr/>
+        </p:nvSpPr>
+        <p:spPr>
+          <a:xfrm>
+            <a:off x="734291" y="5809149"/>
+            <a:ext cx="7557452" cy="923330"/>
+          </a:xfrm>
+          <a:prstGeom prst="rect">
+            <a:avLst/>
+          </a:prstGeom>
+          <a:noFill/>
+        </p:spPr>
+        <p:txBody>
+          <a:bodyPr wrap="square" rtlCol="0">
+            <a:spAutoFit/>
+          </a:bodyPr>
+          <a:lstStyle/>
+          <a:p>
+            <a:r>
+              <a:rPr lang="en-US" dirty="0" smtClean="0"/>
+              <a:t>Conditionally removes elements from the DOM</a:t>
+            </a:r>
+            <a:br>
+              <a:rPr lang="en-US" dirty="0" smtClean="0"/>
+            </a:br>
+            <a:r>
+              <a:rPr lang="en-US" dirty="0" smtClean="0"/>
+              <a:t>Structural directive</a:t>
+            </a:r>
+          </a:p>
+          <a:p>
+            <a:r>
+              <a:rPr lang="en-US" dirty="0" smtClean="0"/>
+              <a:t>Use </a:t>
+            </a:r>
+            <a:r>
+              <a:rPr lang="en-US" dirty="0" smtClean="0">
+                <a:solidFill>
+                  <a:srgbClr val="0070C0"/>
+                </a:solidFill>
+              </a:rPr>
+              <a:t>[</a:t>
+            </a:r>
+            <a:r>
+              <a:rPr lang="en-US" dirty="0" err="1" smtClean="0">
+                <a:solidFill>
+                  <a:srgbClr val="0070C0"/>
+                </a:solidFill>
+              </a:rPr>
+              <a:t>style.visibility</a:t>
+            </a:r>
+            <a:r>
+              <a:rPr lang="en-US" dirty="0" smtClean="0">
+                <a:solidFill>
+                  <a:srgbClr val="0070C0"/>
+                </a:solidFill>
+              </a:rPr>
+              <a:t>]=“</a:t>
+            </a:r>
+            <a:r>
+              <a:rPr lang="en-US" dirty="0" err="1" smtClean="0">
+                <a:solidFill>
+                  <a:srgbClr val="0070C0"/>
+                </a:solidFill>
+              </a:rPr>
+              <a:t>isVisible</a:t>
+            </a:r>
+            <a:r>
+              <a:rPr lang="en-US" dirty="0" smtClean="0">
+                <a:solidFill>
+                  <a:srgbClr val="0070C0"/>
+                </a:solidFill>
+              </a:rPr>
+              <a:t>()”</a:t>
+            </a:r>
+            <a:r>
+              <a:rPr lang="en-US" dirty="0" smtClean="0"/>
+              <a:t> to hide</a:t>
+            </a:r>
+            <a:endParaRPr lang="bg-BG" dirty="0"/>
+          </a:p>
+        </p:txBody>
+      </p:sp>
+    </p:spTree>
+    <p:extLst>
+      <p:ext uri="{BB962C8B-B14F-4D97-AF65-F5344CB8AC3E}">
+        <p14:creationId xmlns:p14="http://schemas.microsoft.com/office/powerpoint/2010/main" val="1468632915"/>
+      </p:ext>
+    </p:extLst>
+  </p:cSld>
+  <p:clrMapOvr>
+    <a:masterClrMapping/>
+  </p:clrMapOvr>
+  <p:timing>
+    <p:tnLst>
+      <p:par>
+        <p:cTn id="1" dur="indefinite" restart="never" nodeType="tmRoot"/>
+      </p:par>
+    </p:tnLst>
+  </p:timing>
+</p:sld>
+</file>
+
+<file path=ppt/slides/slide32.xml><?xml version="1.0" encoding="utf-8"?>
+<p:sld xmlns:a="http://schemas.openxmlformats.org/drawingml/2006/main" xmlns:r="http://schemas.openxmlformats.org/officeDocument/2006/relationships" xmlns:p="http://schemas.openxmlformats.org/presentationml/2006/main">
+  <p:cSld>
+    <p:spTree>
+      <p:nvGrpSpPr>
+        <p:cNvPr id="1" name=""/>
+        <p:cNvGrpSpPr/>
+        <p:nvPr/>
+      </p:nvGrpSpPr>
+      <p:grpSpPr>
+        <a:xfrm>
+          <a:off x="0" y="0"/>
+          <a:ext cx="0" cy="0"/>
+          <a:chOff x="0" y="0"/>
+          <a:chExt cx="0" cy="0"/>
+        </a:xfrm>
+      </p:grpSpPr>
+      <p:sp>
+        <p:nvSpPr>
+          <p:cNvPr id="5" name="Title 4"/>
+          <p:cNvSpPr>
+            <a:spLocks noGrp="1"/>
+          </p:cNvSpPr>
+          <p:nvPr>
+            <p:ph type="title"/>
+          </p:nvPr>
+        </p:nvSpPr>
+        <p:spPr/>
+        <p:txBody>
+          <a:bodyPr>
+            <a:normAutofit/>
+          </a:bodyPr>
+          <a:lstStyle/>
+          <a:p>
+            <a:r>
+              <a:rPr lang="en-US" sz="2400" dirty="0">
+                <a:solidFill>
+                  <a:srgbClr val="808080"/>
+                </a:solidFill>
+                <a:latin typeface="Consolas" panose="020B0609020204030204" pitchFamily="49" charset="0"/>
+              </a:rPr>
+              <a:t>&lt;</a:t>
+            </a:r>
+            <a:r>
+              <a:rPr lang="en-US" sz="2400" dirty="0" err="1">
+                <a:solidFill>
+                  <a:srgbClr val="569CD6"/>
+                </a:solidFill>
+                <a:latin typeface="Consolas" panose="020B0609020204030204" pitchFamily="49" charset="0"/>
+              </a:rPr>
+              <a:t>ul</a:t>
+            </a:r>
+            <a:r>
+              <a:rPr lang="en-US" sz="2400" dirty="0">
+                <a:solidFill>
+                  <a:srgbClr val="808080"/>
+                </a:solidFill>
+                <a:latin typeface="Consolas" panose="020B0609020204030204" pitchFamily="49" charset="0"/>
+              </a:rPr>
+              <a:t>&gt;</a:t>
+            </a:r>
+            <a:r>
+              <a:rPr lang="en-US" sz="2400" dirty="0">
+                <a:solidFill>
+                  <a:srgbClr val="D4D4D4"/>
+                </a:solidFill>
+                <a:latin typeface="Consolas" panose="020B0609020204030204" pitchFamily="49" charset="0"/>
+              </a:rPr>
+              <a:t/>
+            </a:r>
+            <a:br>
+              <a:rPr lang="en-US" sz="2400" dirty="0">
+                <a:solidFill>
+                  <a:srgbClr val="D4D4D4"/>
+                </a:solidFill>
+                <a:latin typeface="Consolas" panose="020B0609020204030204" pitchFamily="49" charset="0"/>
+              </a:rPr>
+            </a:br>
+            <a:r>
+              <a:rPr lang="en-US" sz="2400" dirty="0">
+                <a:solidFill>
+                  <a:srgbClr val="D4D4D4"/>
+                </a:solidFill>
+                <a:latin typeface="Consolas" panose="020B0609020204030204" pitchFamily="49" charset="0"/>
+              </a:rPr>
+              <a:t>    </a:t>
+            </a:r>
+            <a:r>
+              <a:rPr lang="en-US" sz="2400" dirty="0">
+                <a:solidFill>
+                  <a:srgbClr val="808080"/>
+                </a:solidFill>
+                <a:latin typeface="Consolas" panose="020B0609020204030204" pitchFamily="49" charset="0"/>
+              </a:rPr>
+              <a:t>&lt;</a:t>
+            </a:r>
+            <a:r>
+              <a:rPr lang="en-US" sz="2400" dirty="0">
+                <a:solidFill>
+                  <a:srgbClr val="569CD6"/>
+                </a:solidFill>
+                <a:latin typeface="Consolas" panose="020B0609020204030204" pitchFamily="49" charset="0"/>
+              </a:rPr>
+              <a:t>li</a:t>
+            </a:r>
+            <a:r>
+              <a:rPr lang="en-US" sz="2400" dirty="0">
+                <a:solidFill>
+                  <a:srgbClr val="D4D4D4"/>
+                </a:solidFill>
+                <a:latin typeface="Consolas" panose="020B0609020204030204" pitchFamily="49" charset="0"/>
+              </a:rPr>
+              <a:t> *</a:t>
+            </a:r>
+            <a:r>
+              <a:rPr lang="en-US" sz="2400" dirty="0" err="1">
+                <a:solidFill>
+                  <a:srgbClr val="9CDCFE"/>
+                </a:solidFill>
+                <a:latin typeface="Consolas" panose="020B0609020204030204" pitchFamily="49" charset="0"/>
+              </a:rPr>
+              <a:t>ngFor</a:t>
+            </a:r>
+            <a:r>
+              <a:rPr lang="en-US" sz="2400" dirty="0">
+                <a:solidFill>
+                  <a:srgbClr val="D4D4D4"/>
+                </a:solidFill>
+                <a:latin typeface="Consolas" panose="020B0609020204030204" pitchFamily="49" charset="0"/>
+              </a:rPr>
+              <a:t>=</a:t>
+            </a:r>
+            <a:r>
+              <a:rPr lang="en-US" sz="2400" dirty="0">
+                <a:solidFill>
+                  <a:srgbClr val="CE9178"/>
+                </a:solidFill>
+                <a:latin typeface="Consolas" panose="020B0609020204030204" pitchFamily="49" charset="0"/>
+              </a:rPr>
+              <a:t>"let character of characters"</a:t>
+            </a:r>
+            <a:r>
+              <a:rPr lang="en-US" sz="2400" dirty="0">
+                <a:solidFill>
+                  <a:srgbClr val="808080"/>
+                </a:solidFill>
+                <a:latin typeface="Consolas" panose="020B0609020204030204" pitchFamily="49" charset="0"/>
+              </a:rPr>
+              <a:t>&gt;</a:t>
+            </a:r>
+            <a:r>
+              <a:rPr lang="en-US" sz="2400" dirty="0">
+                <a:solidFill>
+                  <a:srgbClr val="D4D4D4"/>
+                </a:solidFill>
+                <a:latin typeface="Consolas" panose="020B0609020204030204" pitchFamily="49" charset="0"/>
+              </a:rPr>
+              <a:t/>
+            </a:r>
+            <a:br>
+              <a:rPr lang="en-US" sz="2400" dirty="0">
+                <a:solidFill>
+                  <a:srgbClr val="D4D4D4"/>
+                </a:solidFill>
+                <a:latin typeface="Consolas" panose="020B0609020204030204" pitchFamily="49" charset="0"/>
+              </a:rPr>
+            </a:br>
+            <a:r>
+              <a:rPr lang="en-US" sz="2400" dirty="0">
+                <a:solidFill>
+                  <a:srgbClr val="D4D4D4"/>
+                </a:solidFill>
+                <a:latin typeface="Consolas" panose="020B0609020204030204" pitchFamily="49" charset="0"/>
+              </a:rPr>
+              <a:t>        {{ character.name }}</a:t>
+            </a:r>
+            <a:br>
+              <a:rPr lang="en-US" sz="2400" dirty="0">
+                <a:solidFill>
+                  <a:srgbClr val="D4D4D4"/>
+                </a:solidFill>
+                <a:latin typeface="Consolas" panose="020B0609020204030204" pitchFamily="49" charset="0"/>
+              </a:rPr>
+            </a:br>
+            <a:r>
+              <a:rPr lang="en-US" sz="2400" dirty="0">
+                <a:solidFill>
+                  <a:srgbClr val="D4D4D4"/>
+                </a:solidFill>
+                <a:latin typeface="Consolas" panose="020B0609020204030204" pitchFamily="49" charset="0"/>
+              </a:rPr>
+              <a:t>    </a:t>
+            </a:r>
+            <a:r>
+              <a:rPr lang="en-US" sz="2400" dirty="0">
+                <a:solidFill>
+                  <a:srgbClr val="808080"/>
+                </a:solidFill>
+                <a:latin typeface="Consolas" panose="020B0609020204030204" pitchFamily="49" charset="0"/>
+              </a:rPr>
+              <a:t>&lt;/</a:t>
+            </a:r>
+            <a:r>
+              <a:rPr lang="en-US" sz="2400" dirty="0">
+                <a:solidFill>
+                  <a:srgbClr val="569CD6"/>
+                </a:solidFill>
+                <a:latin typeface="Consolas" panose="020B0609020204030204" pitchFamily="49" charset="0"/>
+              </a:rPr>
+              <a:t>li</a:t>
+            </a:r>
+            <a:r>
+              <a:rPr lang="en-US" sz="2400" dirty="0">
+                <a:solidFill>
+                  <a:srgbClr val="808080"/>
+                </a:solidFill>
+                <a:latin typeface="Consolas" panose="020B0609020204030204" pitchFamily="49" charset="0"/>
+              </a:rPr>
+              <a:t>&gt;</a:t>
+            </a:r>
+            <a:r>
+              <a:rPr lang="en-US" sz="2400" dirty="0">
+                <a:solidFill>
+                  <a:srgbClr val="D4D4D4"/>
+                </a:solidFill>
+                <a:latin typeface="Consolas" panose="020B0609020204030204" pitchFamily="49" charset="0"/>
+              </a:rPr>
+              <a:t/>
+            </a:r>
+            <a:br>
+              <a:rPr lang="en-US" sz="2400" dirty="0">
+                <a:solidFill>
+                  <a:srgbClr val="D4D4D4"/>
+                </a:solidFill>
+                <a:latin typeface="Consolas" panose="020B0609020204030204" pitchFamily="49" charset="0"/>
+              </a:rPr>
+            </a:br>
+            <a:r>
+              <a:rPr lang="en-US" sz="2400" dirty="0">
+                <a:solidFill>
+                  <a:srgbClr val="808080"/>
+                </a:solidFill>
+                <a:latin typeface="Consolas" panose="020B0609020204030204" pitchFamily="49" charset="0"/>
+              </a:rPr>
+              <a:t>&lt;/</a:t>
+            </a:r>
+            <a:r>
+              <a:rPr lang="en-US" sz="2400" dirty="0" err="1">
+                <a:solidFill>
+                  <a:srgbClr val="569CD6"/>
+                </a:solidFill>
+                <a:latin typeface="Consolas" panose="020B0609020204030204" pitchFamily="49" charset="0"/>
+              </a:rPr>
+              <a:t>ul</a:t>
+            </a:r>
+            <a:r>
+              <a:rPr lang="en-US" sz="2400" dirty="0">
+                <a:solidFill>
+                  <a:srgbClr val="808080"/>
+                </a:solidFill>
+                <a:latin typeface="Consolas" panose="020B0609020204030204" pitchFamily="49" charset="0"/>
+              </a:rPr>
+              <a:t>&gt;</a:t>
+            </a:r>
+            <a:endParaRPr lang="en-US" sz="2400" b="0" dirty="0">
+              <a:solidFill>
+                <a:srgbClr val="D4D4D4"/>
+              </a:solidFill>
+              <a:effectLst/>
+              <a:latin typeface="Consolas" panose="020B0609020204030204" pitchFamily="49" charset="0"/>
+            </a:endParaRPr>
+          </a:p>
+        </p:txBody>
+      </p:sp>
+      <p:sp>
+        <p:nvSpPr>
+          <p:cNvPr id="6" name="Text Placeholder 5"/>
+          <p:cNvSpPr>
+            <a:spLocks noGrp="1"/>
+          </p:cNvSpPr>
+          <p:nvPr>
+            <p:ph type="body" sz="quarter" idx="13"/>
+          </p:nvPr>
+        </p:nvSpPr>
+        <p:spPr>
+          <a:xfrm>
+            <a:off x="734290" y="5234187"/>
+            <a:ext cx="7557453" cy="574962"/>
+          </a:xfrm>
+        </p:spPr>
+        <p:txBody>
+          <a:bodyPr>
+            <a:noAutofit/>
+          </a:bodyPr>
+          <a:lstStyle/>
+          <a:p>
+            <a:r>
+              <a:rPr lang="en-US" dirty="0" smtClean="0"/>
+              <a:t>*</a:t>
+            </a:r>
+            <a:r>
+              <a:rPr lang="en-US" dirty="0" err="1" smtClean="0"/>
+              <a:t>ngFor</a:t>
+            </a:r>
+            <a:r>
+              <a:rPr lang="en-US" dirty="0" smtClean="0"/>
+              <a:t> – repeating a template</a:t>
+            </a:r>
+            <a:endParaRPr lang="bg-BG" dirty="0"/>
+          </a:p>
+        </p:txBody>
+      </p:sp>
+      <p:sp>
+        <p:nvSpPr>
+          <p:cNvPr id="2" name="TextBox 1"/>
+          <p:cNvSpPr txBox="1"/>
+          <p:nvPr/>
+        </p:nvSpPr>
+        <p:spPr>
+          <a:xfrm>
+            <a:off x="734291" y="5809149"/>
+            <a:ext cx="7557452" cy="646331"/>
+          </a:xfrm>
+          <a:prstGeom prst="rect">
+            <a:avLst/>
+          </a:prstGeom>
+          <a:noFill/>
+        </p:spPr>
+        <p:txBody>
+          <a:bodyPr wrap="square" rtlCol="0">
+            <a:spAutoFit/>
+          </a:bodyPr>
+          <a:lstStyle/>
+          <a:p>
+            <a:r>
+              <a:rPr lang="en-US" dirty="0" smtClean="0"/>
+              <a:t>Structural directive</a:t>
+            </a:r>
+          </a:p>
+          <a:p>
+            <a:r>
+              <a:rPr lang="en-US" dirty="0" smtClean="0"/>
+              <a:t>Show an element n number of times</a:t>
+            </a:r>
+          </a:p>
+        </p:txBody>
+      </p:sp>
+    </p:spTree>
+    <p:extLst>
+      <p:ext uri="{BB962C8B-B14F-4D97-AF65-F5344CB8AC3E}">
+        <p14:creationId xmlns:p14="http://schemas.microsoft.com/office/powerpoint/2010/main" val="3897525588"/>
+      </p:ext>
+    </p:extLst>
+  </p:cSld>
+  <p:clrMapOvr>
+    <a:masterClrMapping/>
+  </p:clrMapOvr>
+  <p:timing>
+    <p:tnLst>
+      <p:par>
+        <p:cTn id="1" dur="indefinite" restart="never" nodeType="tmRoot"/>
+      </p:par>
+    </p:tnLst>
+  </p:timing>
+</p:sld>
+</file>
+
+<file path=ppt/slides/slide33.xml><?xml version="1.0" encoding="utf-8"?>
+<p:sld xmlns:a="http://schemas.openxmlformats.org/drawingml/2006/main" xmlns:r="http://schemas.openxmlformats.org/officeDocument/2006/relationships" xmlns:p="http://schemas.openxmlformats.org/presentationml/2006/main">
+  <p:cSld>
+    <p:bg>
+      <p:bgPr>
+        <a:solidFill>
+          <a:srgbClr val="0070C0"/>
+        </a:solidFill>
+        <a:effectLst/>
+      </p:bgPr>
+    </p:bg>
+    <p:spTree>
+      <p:nvGrpSpPr>
+        <p:cNvPr id="1" name=""/>
+        <p:cNvGrpSpPr/>
+        <p:nvPr/>
+      </p:nvGrpSpPr>
+      <p:grpSpPr>
+        <a:xfrm>
+          <a:off x="0" y="0"/>
+          <a:ext cx="0" cy="0"/>
+          <a:chOff x="0" y="0"/>
+          <a:chExt cx="0" cy="0"/>
+        </a:xfrm>
+      </p:grpSpPr>
+      <p:sp>
+        <p:nvSpPr>
+          <p:cNvPr id="2" name="Title 1"/>
+          <p:cNvSpPr>
+            <a:spLocks noGrp="1"/>
+          </p:cNvSpPr>
+          <p:nvPr>
+            <p:ph type="title"/>
+          </p:nvPr>
+        </p:nvSpPr>
+        <p:spPr/>
+        <p:txBody>
+          <a:bodyPr/>
+          <a:lstStyle/>
+          <a:p>
+            <a:r>
+              <a:rPr lang="en-US" b="1" u="sng" dirty="0">
+                <a:solidFill>
+                  <a:schemeClr val="bg1"/>
+                </a:solidFill>
+              </a:rPr>
+              <a:t>Angular Modules</a:t>
+            </a:r>
+            <a:endParaRPr lang="bg-BG" b="1" u="sng" dirty="0">
+              <a:solidFill>
+                <a:schemeClr val="bg1"/>
+              </a:solidFill>
+            </a:endParaRPr>
+          </a:p>
+        </p:txBody>
+      </p:sp>
+      <p:sp>
+        <p:nvSpPr>
+          <p:cNvPr id="3" name="Content Placeholder 2"/>
+          <p:cNvSpPr>
+            <a:spLocks noGrp="1"/>
+          </p:cNvSpPr>
+          <p:nvPr>
+            <p:ph idx="1"/>
+          </p:nvPr>
+        </p:nvSpPr>
+        <p:spPr>
+          <a:xfrm>
+            <a:off x="1371600" y="2286000"/>
+            <a:ext cx="8674768" cy="3581400"/>
+          </a:xfrm>
+        </p:spPr>
+        <p:txBody>
+          <a:bodyPr>
+            <a:normAutofit/>
+          </a:bodyPr>
+          <a:lstStyle/>
+          <a:p>
+            <a:r>
+              <a:rPr lang="en-US" sz="3200" dirty="0">
+                <a:solidFill>
+                  <a:schemeClr val="bg1"/>
+                </a:solidFill>
+              </a:rPr>
+              <a:t>We use </a:t>
+            </a:r>
+            <a:r>
+              <a:rPr lang="en-US" sz="3200" dirty="0" err="1">
+                <a:solidFill>
+                  <a:schemeClr val="bg1"/>
+                </a:solidFill>
+              </a:rPr>
+              <a:t>NgModule</a:t>
+            </a:r>
+            <a:r>
+              <a:rPr lang="en-US" sz="3200" dirty="0">
+                <a:solidFill>
+                  <a:schemeClr val="bg1"/>
+                </a:solidFill>
+              </a:rPr>
+              <a:t> to organize our application into cohesive blocks of related functionality.</a:t>
+            </a:r>
+            <a:endParaRPr lang="bg-BG" sz="3200" dirty="0">
+              <a:solidFill>
+                <a:schemeClr val="bg1"/>
+              </a:solidFill>
+            </a:endParaRPr>
+          </a:p>
+        </p:txBody>
+      </p:sp>
+    </p:spTree>
+    <p:extLst>
+      <p:ext uri="{BB962C8B-B14F-4D97-AF65-F5344CB8AC3E}">
+        <p14:creationId xmlns:p14="http://schemas.microsoft.com/office/powerpoint/2010/main" val="2090441846"/>
+      </p:ext>
+    </p:extLst>
+  </p:cSld>
+  <p:clrMapOvr>
+    <a:masterClrMapping/>
+  </p:clrMapOvr>
+</p:sld>
+</file>
+
+<file path=ppt/slides/slide34.xml><?xml version="1.0" encoding="utf-8"?>
 <p:sld xmlns:a="http://schemas.openxmlformats.org/drawingml/2006/main" xmlns:r="http://schemas.openxmlformats.org/officeDocument/2006/relationships" xmlns:p="http://schemas.openxmlformats.org/presentationml/2006/main">
   <p:cSld>
     <p:spTree>
@@ -22679,7 +26947,90 @@
 </p:sld>
 </file>
 
-<file path=ppt/slides/slide27.xml><?xml version="1.0" encoding="utf-8"?>
+<file path=ppt/slides/slide35.xml><?xml version="1.0" encoding="utf-8"?>
+<p:sld xmlns:a="http://schemas.openxmlformats.org/drawingml/2006/main" xmlns:r="http://schemas.openxmlformats.org/officeDocument/2006/relationships" xmlns:p="http://schemas.openxmlformats.org/presentationml/2006/main">
+  <p:cSld>
+    <p:bg>
+      <p:bgPr>
+        <a:solidFill>
+          <a:srgbClr val="002060"/>
+        </a:solidFill>
+        <a:effectLst/>
+      </p:bgPr>
+    </p:bg>
+    <p:spTree>
+      <p:nvGrpSpPr>
+        <p:cNvPr id="1" name=""/>
+        <p:cNvGrpSpPr/>
+        <p:nvPr/>
+      </p:nvGrpSpPr>
+      <p:grpSpPr>
+        <a:xfrm>
+          <a:off x="0" y="0"/>
+          <a:ext cx="0" cy="0"/>
+          <a:chOff x="0" y="0"/>
+          <a:chExt cx="0" cy="0"/>
+        </a:xfrm>
+      </p:grpSpPr>
+      <p:sp>
+        <p:nvSpPr>
+          <p:cNvPr id="4" name="Title 3"/>
+          <p:cNvSpPr>
+            <a:spLocks noGrp="1"/>
+          </p:cNvSpPr>
+          <p:nvPr>
+            <p:ph type="title"/>
+          </p:nvPr>
+        </p:nvSpPr>
+        <p:spPr>
+          <a:xfrm>
+            <a:off x="1371600" y="685800"/>
+            <a:ext cx="9601200" cy="5446060"/>
+          </a:xfrm>
+        </p:spPr>
+        <p:txBody>
+          <a:bodyPr anchor="ctr"/>
+          <a:lstStyle/>
+          <a:p>
+            <a:pPr algn="ctr"/>
+            <a:r>
+              <a:rPr lang="en-US" dirty="0" smtClean="0">
+                <a:solidFill>
+                  <a:schemeClr val="bg1"/>
+                </a:solidFill>
+              </a:rPr>
+              <a:t>Angular Module is a class decorated by @</a:t>
+            </a:r>
+            <a:r>
+              <a:rPr lang="en-US" dirty="0" err="1" smtClean="0">
+                <a:solidFill>
+                  <a:schemeClr val="bg1"/>
+                </a:solidFill>
+              </a:rPr>
+              <a:t>NgModule</a:t>
+            </a:r>
+            <a:endParaRPr lang="bg-BG" dirty="0">
+              <a:solidFill>
+                <a:schemeClr val="bg1"/>
+              </a:solidFill>
+            </a:endParaRPr>
+          </a:p>
+        </p:txBody>
+      </p:sp>
+    </p:spTree>
+    <p:extLst>
+      <p:ext uri="{BB962C8B-B14F-4D97-AF65-F5344CB8AC3E}">
+        <p14:creationId xmlns:p14="http://schemas.microsoft.com/office/powerpoint/2010/main" val="4060343587"/>
+      </p:ext>
+    </p:extLst>
+  </p:cSld>
+  <p:clrMapOvr>
+    <a:masterClrMapping/>
+  </p:clrMapOvr>
+</p:sld>
+</file>
+
+<file path=ppt/slides/slide36.xml><?xml version="1.0" encoding="utf-8"?>
 <p:sld xmlns:a="http://schemas.openxmlformats.org/drawingml/2006/main" xmlns:r="http://schemas.openxmlformats.org/officeDocument/2006/relationships" xmlns:p="http://schemas.openxmlformats.org/presentationml/2006/main">
   <p:cSld>
     <p:spTree>
@@ -23047,7 +27398,7 @@
 </p:sld>
 </file>
 
-<file path=ppt/slides/slide28.xml><?xml version="1.0" encoding="utf-8"?>
+<file path=ppt/slides/slide37.xml><?xml version="1.0" encoding="utf-8"?>
 <p:sld xmlns:a="http://schemas.openxmlformats.org/drawingml/2006/main" xmlns:r="http://schemas.openxmlformats.org/officeDocument/2006/relationships" xmlns:p="http://schemas.openxmlformats.org/presentationml/2006/main">
   <p:cSld>
     <p:bg>
@@ -23112,7 +27463,7 @@
     </p:spTree>
     <p:extLst>
       <p:ext uri="{BB962C8B-B14F-4D97-AF65-F5344CB8AC3E}">
-        <p14:creationId xmlns:p14="http://schemas.microsoft.com/office/powerpoint/2010/main" val="4060343587"/>
+        <p14:creationId xmlns:p14="http://schemas.microsoft.com/office/powerpoint/2010/main" val="1346014366"/>
       </p:ext>
     </p:extLst>
   </p:cSld>
@@ -23122,7 +27473,1387 @@
 </p:sld>
 </file>
 
-<file path=ppt/slides/slide29.xml><?xml version="1.0" encoding="utf-8"?>
+<file path=ppt/slides/slide38.xml><?xml version="1.0" encoding="utf-8"?>
+<p:sld xmlns:a="http://schemas.openxmlformats.org/drawingml/2006/main" xmlns:r="http://schemas.openxmlformats.org/officeDocument/2006/relationships" xmlns:p="http://schemas.openxmlformats.org/presentationml/2006/main">
+  <p:cSld>
+    <p:spTree>
+      <p:nvGrpSpPr>
+        <p:cNvPr id="1" name=""/>
+        <p:cNvGrpSpPr/>
+        <p:nvPr/>
+      </p:nvGrpSpPr>
+      <p:grpSpPr>
+        <a:xfrm>
+          <a:off x="0" y="0"/>
+          <a:ext cx="0" cy="0"/>
+          <a:chOff x="0" y="0"/>
+          <a:chExt cx="0" cy="0"/>
+        </a:xfrm>
+      </p:grpSpPr>
+      <p:sp>
+        <p:nvSpPr>
+          <p:cNvPr id="5" name="Title 4"/>
+          <p:cNvSpPr>
+            <a:spLocks noGrp="1"/>
+          </p:cNvSpPr>
+          <p:nvPr>
+            <p:ph type="title"/>
+          </p:nvPr>
+        </p:nvSpPr>
+        <p:spPr/>
+        <p:txBody>
+          <a:bodyPr>
+            <a:noAutofit/>
+          </a:bodyPr>
+          <a:lstStyle/>
+          <a:p>
+            <a:r>
+              <a:rPr lang="en-US" sz="2400" dirty="0">
+                <a:solidFill>
+                  <a:srgbClr val="D4D4D4"/>
+                </a:solidFill>
+                <a:latin typeface="Consolas" panose="020B0609020204030204" pitchFamily="49" charset="0"/>
+              </a:rPr>
+              <a:t>@</a:t>
+            </a:r>
+            <a:r>
+              <a:rPr lang="en-US" sz="2400" dirty="0" err="1">
+                <a:solidFill>
+                  <a:srgbClr val="DCDCAA"/>
+                </a:solidFill>
+                <a:latin typeface="Consolas" panose="020B0609020204030204" pitchFamily="49" charset="0"/>
+              </a:rPr>
+              <a:t>NgModule</a:t>
+            </a:r>
+            <a:r>
+              <a:rPr lang="en-US" sz="2400" dirty="0">
+                <a:solidFill>
+                  <a:srgbClr val="D4D4D4"/>
+                </a:solidFill>
+                <a:latin typeface="Consolas" panose="020B0609020204030204" pitchFamily="49" charset="0"/>
+              </a:rPr>
+              <a:t>({</a:t>
+            </a:r>
+            <a:br>
+              <a:rPr lang="en-US" sz="2400" dirty="0">
+                <a:solidFill>
+                  <a:srgbClr val="D4D4D4"/>
+                </a:solidFill>
+                <a:latin typeface="Consolas" panose="020B0609020204030204" pitchFamily="49" charset="0"/>
+              </a:rPr>
+            </a:br>
+            <a:r>
+              <a:rPr lang="en-US" sz="2400" dirty="0">
+                <a:solidFill>
+                  <a:srgbClr val="D4D4D4"/>
+                </a:solidFill>
+                <a:latin typeface="Consolas" panose="020B0609020204030204" pitchFamily="49" charset="0"/>
+              </a:rPr>
+              <a:t>    </a:t>
+            </a:r>
+            <a:r>
+              <a:rPr lang="en-US" sz="2400" dirty="0">
+                <a:solidFill>
+                  <a:srgbClr val="9CDCFE"/>
+                </a:solidFill>
+                <a:latin typeface="Consolas" panose="020B0609020204030204" pitchFamily="49" charset="0"/>
+              </a:rPr>
+              <a:t>imports:</a:t>
+            </a:r>
+            <a:r>
+              <a:rPr lang="en-US" sz="2400" dirty="0">
+                <a:solidFill>
+                  <a:srgbClr val="D4D4D4"/>
+                </a:solidFill>
+                <a:latin typeface="Consolas" panose="020B0609020204030204" pitchFamily="49" charset="0"/>
+              </a:rPr>
+              <a:t> [</a:t>
+            </a:r>
+            <a:br>
+              <a:rPr lang="en-US" sz="2400" dirty="0">
+                <a:solidFill>
+                  <a:srgbClr val="D4D4D4"/>
+                </a:solidFill>
+                <a:latin typeface="Consolas" panose="020B0609020204030204" pitchFamily="49" charset="0"/>
+              </a:rPr>
+            </a:br>
+            <a:r>
+              <a:rPr lang="en-US" sz="2400" dirty="0">
+                <a:solidFill>
+                  <a:srgbClr val="D4D4D4"/>
+                </a:solidFill>
+                <a:latin typeface="Consolas" panose="020B0609020204030204" pitchFamily="49" charset="0"/>
+              </a:rPr>
+              <a:t>        </a:t>
+            </a:r>
+            <a:r>
+              <a:rPr lang="en-US" sz="2400" dirty="0" err="1">
+                <a:solidFill>
+                  <a:srgbClr val="9CDCFE"/>
+                </a:solidFill>
+                <a:latin typeface="Consolas" panose="020B0609020204030204" pitchFamily="49" charset="0"/>
+              </a:rPr>
+              <a:t>BrowserModule</a:t>
+            </a:r>
+            <a:r>
+              <a:rPr lang="en-US" sz="2400" dirty="0" smtClean="0">
+                <a:solidFill>
+                  <a:srgbClr val="D4D4D4"/>
+                </a:solidFill>
+                <a:latin typeface="Consolas" panose="020B0609020204030204" pitchFamily="49" charset="0"/>
+              </a:rPr>
+              <a:t>, </a:t>
+            </a:r>
+            <a:r>
+              <a:rPr lang="en-US" sz="2400" dirty="0" err="1" smtClean="0">
+                <a:solidFill>
+                  <a:srgbClr val="9CDCFE"/>
+                </a:solidFill>
+                <a:latin typeface="Consolas" panose="020B0609020204030204" pitchFamily="49" charset="0"/>
+              </a:rPr>
+              <a:t>FormsModule</a:t>
+            </a:r>
+            <a:r>
+              <a:rPr lang="en-US" sz="2400" dirty="0">
+                <a:solidFill>
+                  <a:srgbClr val="D4D4D4"/>
+                </a:solidFill>
+                <a:latin typeface="Consolas" panose="020B0609020204030204" pitchFamily="49" charset="0"/>
+              </a:rPr>
+              <a:t/>
+            </a:r>
+            <a:br>
+              <a:rPr lang="en-US" sz="2400" dirty="0">
+                <a:solidFill>
+                  <a:srgbClr val="D4D4D4"/>
+                </a:solidFill>
+                <a:latin typeface="Consolas" panose="020B0609020204030204" pitchFamily="49" charset="0"/>
+              </a:rPr>
+            </a:br>
+            <a:r>
+              <a:rPr lang="en-US" sz="2400" dirty="0">
+                <a:solidFill>
+                  <a:srgbClr val="D4D4D4"/>
+                </a:solidFill>
+                <a:latin typeface="Consolas" panose="020B0609020204030204" pitchFamily="49" charset="0"/>
+              </a:rPr>
+              <a:t>    ],</a:t>
+            </a:r>
+            <a:br>
+              <a:rPr lang="en-US" sz="2400" dirty="0">
+                <a:solidFill>
+                  <a:srgbClr val="D4D4D4"/>
+                </a:solidFill>
+                <a:latin typeface="Consolas" panose="020B0609020204030204" pitchFamily="49" charset="0"/>
+              </a:rPr>
+            </a:br>
+            <a:r>
+              <a:rPr lang="en-US" sz="2400" dirty="0">
+                <a:solidFill>
+                  <a:srgbClr val="D4D4D4"/>
+                </a:solidFill>
+                <a:latin typeface="Consolas" panose="020B0609020204030204" pitchFamily="49" charset="0"/>
+              </a:rPr>
+              <a:t>    </a:t>
+            </a:r>
+            <a:r>
+              <a:rPr lang="en-US" sz="2400" dirty="0">
+                <a:solidFill>
+                  <a:srgbClr val="9CDCFE"/>
+                </a:solidFill>
+                <a:latin typeface="Consolas" panose="020B0609020204030204" pitchFamily="49" charset="0"/>
+              </a:rPr>
+              <a:t>declarations:</a:t>
+            </a:r>
+            <a:r>
+              <a:rPr lang="en-US" sz="2400" dirty="0">
+                <a:solidFill>
+                  <a:srgbClr val="D4D4D4"/>
+                </a:solidFill>
+                <a:latin typeface="Consolas" panose="020B0609020204030204" pitchFamily="49" charset="0"/>
+              </a:rPr>
+              <a:t> [</a:t>
+            </a:r>
+            <a:br>
+              <a:rPr lang="en-US" sz="2400" dirty="0">
+                <a:solidFill>
+                  <a:srgbClr val="D4D4D4"/>
+                </a:solidFill>
+                <a:latin typeface="Consolas" panose="020B0609020204030204" pitchFamily="49" charset="0"/>
+              </a:rPr>
+            </a:br>
+            <a:r>
+              <a:rPr lang="en-US" sz="2400" dirty="0">
+                <a:solidFill>
+                  <a:srgbClr val="D4D4D4"/>
+                </a:solidFill>
+                <a:latin typeface="Consolas" panose="020B0609020204030204" pitchFamily="49" charset="0"/>
+              </a:rPr>
+              <a:t>        </a:t>
+            </a:r>
+            <a:r>
+              <a:rPr lang="en-US" sz="2400" dirty="0" err="1">
+                <a:solidFill>
+                  <a:srgbClr val="9CDCFE"/>
+                </a:solidFill>
+                <a:latin typeface="Consolas" panose="020B0609020204030204" pitchFamily="49" charset="0"/>
+              </a:rPr>
+              <a:t>VehiclesComponent</a:t>
+            </a:r>
+            <a:r>
+              <a:rPr lang="en-US" sz="2400" dirty="0">
+                <a:solidFill>
+                  <a:srgbClr val="D4D4D4"/>
+                </a:solidFill>
+                <a:latin typeface="Consolas" panose="020B0609020204030204" pitchFamily="49" charset="0"/>
+              </a:rPr>
+              <a:t/>
+            </a:r>
+            <a:br>
+              <a:rPr lang="en-US" sz="2400" dirty="0">
+                <a:solidFill>
+                  <a:srgbClr val="D4D4D4"/>
+                </a:solidFill>
+                <a:latin typeface="Consolas" panose="020B0609020204030204" pitchFamily="49" charset="0"/>
+              </a:rPr>
+            </a:br>
+            <a:r>
+              <a:rPr lang="en-US" sz="2400" dirty="0">
+                <a:solidFill>
+                  <a:srgbClr val="D4D4D4"/>
+                </a:solidFill>
+                <a:latin typeface="Consolas" panose="020B0609020204030204" pitchFamily="49" charset="0"/>
+              </a:rPr>
+              <a:t>    ],</a:t>
+            </a:r>
+            <a:br>
+              <a:rPr lang="en-US" sz="2400" dirty="0">
+                <a:solidFill>
+                  <a:srgbClr val="D4D4D4"/>
+                </a:solidFill>
+                <a:latin typeface="Consolas" panose="020B0609020204030204" pitchFamily="49" charset="0"/>
+              </a:rPr>
+            </a:br>
+            <a:r>
+              <a:rPr lang="en-US" sz="2400" dirty="0">
+                <a:solidFill>
+                  <a:srgbClr val="D4D4D4"/>
+                </a:solidFill>
+                <a:latin typeface="Consolas" panose="020B0609020204030204" pitchFamily="49" charset="0"/>
+              </a:rPr>
+              <a:t>    </a:t>
+            </a:r>
+            <a:r>
+              <a:rPr lang="en-US" sz="2400" dirty="0">
+                <a:solidFill>
+                  <a:srgbClr val="9CDCFE"/>
+                </a:solidFill>
+                <a:latin typeface="Consolas" panose="020B0609020204030204" pitchFamily="49" charset="0"/>
+              </a:rPr>
+              <a:t>providers:</a:t>
+            </a:r>
+            <a:r>
+              <a:rPr lang="en-US" sz="2400" dirty="0">
+                <a:solidFill>
+                  <a:srgbClr val="D4D4D4"/>
+                </a:solidFill>
+                <a:latin typeface="Consolas" panose="020B0609020204030204" pitchFamily="49" charset="0"/>
+              </a:rPr>
+              <a:t> [</a:t>
+            </a:r>
+            <a:br>
+              <a:rPr lang="en-US" sz="2400" dirty="0">
+                <a:solidFill>
+                  <a:srgbClr val="D4D4D4"/>
+                </a:solidFill>
+                <a:latin typeface="Consolas" panose="020B0609020204030204" pitchFamily="49" charset="0"/>
+              </a:rPr>
+            </a:br>
+            <a:r>
+              <a:rPr lang="en-US" sz="2400" dirty="0">
+                <a:solidFill>
+                  <a:srgbClr val="D4D4D4"/>
+                </a:solidFill>
+                <a:latin typeface="Consolas" panose="020B0609020204030204" pitchFamily="49" charset="0"/>
+              </a:rPr>
+              <a:t>        </a:t>
+            </a:r>
+            <a:r>
+              <a:rPr lang="en-US" sz="2400" dirty="0" err="1">
+                <a:solidFill>
+                  <a:srgbClr val="9CDCFE"/>
+                </a:solidFill>
+                <a:latin typeface="Consolas" panose="020B0609020204030204" pitchFamily="49" charset="0"/>
+              </a:rPr>
+              <a:t>VehicleService</a:t>
+            </a:r>
+            <a:r>
+              <a:rPr lang="en-US" sz="2400" dirty="0">
+                <a:solidFill>
+                  <a:srgbClr val="D4D4D4"/>
+                </a:solidFill>
+                <a:latin typeface="Consolas" panose="020B0609020204030204" pitchFamily="49" charset="0"/>
+              </a:rPr>
+              <a:t/>
+            </a:r>
+            <a:br>
+              <a:rPr lang="en-US" sz="2400" dirty="0">
+                <a:solidFill>
+                  <a:srgbClr val="D4D4D4"/>
+                </a:solidFill>
+                <a:latin typeface="Consolas" panose="020B0609020204030204" pitchFamily="49" charset="0"/>
+              </a:rPr>
+            </a:br>
+            <a:r>
+              <a:rPr lang="en-US" sz="2400" dirty="0">
+                <a:solidFill>
+                  <a:srgbClr val="D4D4D4"/>
+                </a:solidFill>
+                <a:latin typeface="Consolas" panose="020B0609020204030204" pitchFamily="49" charset="0"/>
+              </a:rPr>
+              <a:t>    ],</a:t>
+            </a:r>
+            <a:br>
+              <a:rPr lang="en-US" sz="2400" dirty="0">
+                <a:solidFill>
+                  <a:srgbClr val="D4D4D4"/>
+                </a:solidFill>
+                <a:latin typeface="Consolas" panose="020B0609020204030204" pitchFamily="49" charset="0"/>
+              </a:rPr>
+            </a:br>
+            <a:r>
+              <a:rPr lang="en-US" sz="2400" dirty="0">
+                <a:solidFill>
+                  <a:srgbClr val="D4D4D4"/>
+                </a:solidFill>
+                <a:latin typeface="Consolas" panose="020B0609020204030204" pitchFamily="49" charset="0"/>
+              </a:rPr>
+              <a:t>    </a:t>
+            </a:r>
+            <a:r>
+              <a:rPr lang="en-US" sz="2400" dirty="0">
+                <a:solidFill>
+                  <a:srgbClr val="9CDCFE"/>
+                </a:solidFill>
+                <a:latin typeface="Consolas" panose="020B0609020204030204" pitchFamily="49" charset="0"/>
+              </a:rPr>
+              <a:t>bootstrap:</a:t>
+            </a:r>
+            <a:r>
+              <a:rPr lang="en-US" sz="2400" dirty="0">
+                <a:solidFill>
+                  <a:srgbClr val="D4D4D4"/>
+                </a:solidFill>
+                <a:latin typeface="Consolas" panose="020B0609020204030204" pitchFamily="49" charset="0"/>
+              </a:rPr>
+              <a:t> [</a:t>
+            </a:r>
+            <a:r>
+              <a:rPr lang="en-US" sz="2400" dirty="0" err="1">
+                <a:solidFill>
+                  <a:srgbClr val="9CDCFE"/>
+                </a:solidFill>
+                <a:latin typeface="Consolas" panose="020B0609020204030204" pitchFamily="49" charset="0"/>
+              </a:rPr>
+              <a:t>VehiclesComponent</a:t>
+            </a:r>
+            <a:r>
+              <a:rPr lang="en-US" sz="2400" dirty="0">
+                <a:solidFill>
+                  <a:srgbClr val="D4D4D4"/>
+                </a:solidFill>
+                <a:latin typeface="Consolas" panose="020B0609020204030204" pitchFamily="49" charset="0"/>
+              </a:rPr>
+              <a:t>],</a:t>
+            </a:r>
+            <a:br>
+              <a:rPr lang="en-US" sz="2400" dirty="0">
+                <a:solidFill>
+                  <a:srgbClr val="D4D4D4"/>
+                </a:solidFill>
+                <a:latin typeface="Consolas" panose="020B0609020204030204" pitchFamily="49" charset="0"/>
+              </a:rPr>
+            </a:br>
+            <a:r>
+              <a:rPr lang="en-US" sz="2400" dirty="0">
+                <a:solidFill>
+                  <a:srgbClr val="D4D4D4"/>
+                </a:solidFill>
+                <a:latin typeface="Consolas" panose="020B0609020204030204" pitchFamily="49" charset="0"/>
+              </a:rPr>
+              <a:t>})</a:t>
+            </a:r>
+            <a:br>
+              <a:rPr lang="en-US" sz="2400" dirty="0">
+                <a:solidFill>
+                  <a:srgbClr val="D4D4D4"/>
+                </a:solidFill>
+                <a:latin typeface="Consolas" panose="020B0609020204030204" pitchFamily="49" charset="0"/>
+              </a:rPr>
+            </a:br>
+            <a:r>
+              <a:rPr lang="en-US" sz="2400" dirty="0">
+                <a:solidFill>
+                  <a:srgbClr val="C586C0"/>
+                </a:solidFill>
+                <a:latin typeface="Consolas" panose="020B0609020204030204" pitchFamily="49" charset="0"/>
+              </a:rPr>
+              <a:t>export</a:t>
+            </a:r>
+            <a:r>
+              <a:rPr lang="en-US" sz="2400" dirty="0">
+                <a:solidFill>
+                  <a:srgbClr val="D4D4D4"/>
+                </a:solidFill>
+                <a:latin typeface="Consolas" panose="020B0609020204030204" pitchFamily="49" charset="0"/>
+              </a:rPr>
+              <a:t> </a:t>
+            </a:r>
+            <a:r>
+              <a:rPr lang="en-US" sz="2400" dirty="0">
+                <a:solidFill>
+                  <a:srgbClr val="569CD6"/>
+                </a:solidFill>
+                <a:latin typeface="Consolas" panose="020B0609020204030204" pitchFamily="49" charset="0"/>
+              </a:rPr>
+              <a:t>class</a:t>
+            </a:r>
+            <a:r>
+              <a:rPr lang="en-US" sz="2400" dirty="0">
+                <a:solidFill>
+                  <a:srgbClr val="D4D4D4"/>
+                </a:solidFill>
+                <a:latin typeface="Consolas" panose="020B0609020204030204" pitchFamily="49" charset="0"/>
+              </a:rPr>
+              <a:t> </a:t>
+            </a:r>
+            <a:r>
+              <a:rPr lang="en-US" sz="2400" dirty="0" err="1">
+                <a:solidFill>
+                  <a:srgbClr val="4EC9B0"/>
+                </a:solidFill>
+                <a:latin typeface="Consolas" panose="020B0609020204030204" pitchFamily="49" charset="0"/>
+              </a:rPr>
+              <a:t>AppModule</a:t>
+            </a:r>
+            <a:r>
+              <a:rPr lang="en-US" sz="2400" dirty="0">
+                <a:solidFill>
+                  <a:srgbClr val="D4D4D4"/>
+                </a:solidFill>
+                <a:latin typeface="Consolas" panose="020B0609020204030204" pitchFamily="49" charset="0"/>
+              </a:rPr>
+              <a:t> { }</a:t>
+            </a:r>
+            <a:endParaRPr lang="en-US" sz="2400" b="0" dirty="0">
+              <a:solidFill>
+                <a:srgbClr val="D4D4D4"/>
+              </a:solidFill>
+              <a:effectLst/>
+              <a:latin typeface="Consolas" panose="020B0609020204030204" pitchFamily="49" charset="0"/>
+            </a:endParaRPr>
+          </a:p>
+        </p:txBody>
+      </p:sp>
+      <p:sp>
+        <p:nvSpPr>
+          <p:cNvPr id="6" name="Text Placeholder 5"/>
+          <p:cNvSpPr>
+            <a:spLocks noGrp="1"/>
+          </p:cNvSpPr>
+          <p:nvPr>
+            <p:ph type="body" sz="quarter" idx="13"/>
+          </p:nvPr>
+        </p:nvSpPr>
+        <p:spPr>
+          <a:xfrm>
+            <a:off x="734290" y="5234187"/>
+            <a:ext cx="7557453" cy="574962"/>
+          </a:xfrm>
+        </p:spPr>
+        <p:txBody>
+          <a:bodyPr>
+            <a:noAutofit/>
+          </a:bodyPr>
+          <a:lstStyle/>
+          <a:p>
+            <a:r>
+              <a:rPr lang="en-US" dirty="0" smtClean="0"/>
+              <a:t>Root Angular Module</a:t>
+            </a:r>
+            <a:endParaRPr lang="bg-BG" dirty="0"/>
+          </a:p>
+        </p:txBody>
+      </p:sp>
+    </p:spTree>
+    <p:extLst>
+      <p:ext uri="{BB962C8B-B14F-4D97-AF65-F5344CB8AC3E}">
+        <p14:creationId xmlns:p14="http://schemas.microsoft.com/office/powerpoint/2010/main" val="4064289313"/>
+      </p:ext>
+    </p:extLst>
+  </p:cSld>
+  <p:clrMapOvr>
+    <a:masterClrMapping/>
+  </p:clrMapOvr>
+  <p:timing>
+    <p:tnLst>
+      <p:par>
+        <p:cTn id="1" dur="indefinite" restart="never" nodeType="tmRoot"/>
+      </p:par>
+    </p:tnLst>
+  </p:timing>
+</p:sld>
+</file>
+
+<file path=ppt/slides/slide39.xml><?xml version="1.0" encoding="utf-8"?>
+<p:sld xmlns:a="http://schemas.openxmlformats.org/drawingml/2006/main" xmlns:r="http://schemas.openxmlformats.org/officeDocument/2006/relationships" xmlns:p="http://schemas.openxmlformats.org/presentationml/2006/main">
+  <p:cSld>
+    <p:bg>
+      <p:bgPr>
+        <a:solidFill>
+          <a:srgbClr val="EFEDE3"/>
+        </a:solidFill>
+        <a:effectLst/>
+      </p:bgPr>
+    </p:bg>
+    <p:spTree>
+      <p:nvGrpSpPr>
+        <p:cNvPr id="1" name=""/>
+        <p:cNvGrpSpPr/>
+        <p:nvPr/>
+      </p:nvGrpSpPr>
+      <p:grpSpPr>
+        <a:xfrm>
+          <a:off x="0" y="0"/>
+          <a:ext cx="0" cy="0"/>
+          <a:chOff x="0" y="0"/>
+          <a:chExt cx="0" cy="0"/>
+        </a:xfrm>
+      </p:grpSpPr>
+      <p:sp>
+        <p:nvSpPr>
+          <p:cNvPr id="4" name="Title 3"/>
+          <p:cNvSpPr>
+            <a:spLocks noGrp="1"/>
+          </p:cNvSpPr>
+          <p:nvPr>
+            <p:ph type="title"/>
+          </p:nvPr>
+        </p:nvSpPr>
+        <p:spPr>
+          <a:xfrm>
+            <a:off x="1371600" y="685800"/>
+            <a:ext cx="9601200" cy="5446060"/>
+          </a:xfrm>
+        </p:spPr>
+        <p:txBody>
+          <a:bodyPr anchor="ctr"/>
+          <a:lstStyle/>
+          <a:p>
+            <a:r>
+              <a:rPr lang="en-US" u="sng" dirty="0" smtClean="0">
+                <a:solidFill>
+                  <a:srgbClr val="0070C0"/>
+                </a:solidFill>
+              </a:rPr>
+              <a:t>Services</a:t>
+            </a:r>
+            <a:r>
+              <a:rPr lang="en-US" dirty="0" smtClean="0">
+                <a:solidFill>
+                  <a:schemeClr val="tx1"/>
+                </a:solidFill>
+              </a:rPr>
+              <a:t/>
+            </a:r>
+            <a:br>
+              <a:rPr lang="en-US" dirty="0" smtClean="0">
+                <a:solidFill>
+                  <a:schemeClr val="tx1"/>
+                </a:solidFill>
+              </a:rPr>
+            </a:br>
+            <a:r>
+              <a:rPr lang="en-US" dirty="0" smtClean="0">
+                <a:solidFill>
+                  <a:schemeClr val="tx1"/>
+                </a:solidFill>
+              </a:rPr>
+              <a:t/>
+            </a:r>
+            <a:br>
+              <a:rPr lang="en-US" dirty="0" smtClean="0">
+                <a:solidFill>
+                  <a:schemeClr val="tx1"/>
+                </a:solidFill>
+              </a:rPr>
+            </a:br>
+            <a:r>
+              <a:rPr lang="en-US" sz="3600" dirty="0" smtClean="0">
+                <a:solidFill>
+                  <a:schemeClr val="tx1"/>
+                </a:solidFill>
+              </a:rPr>
+              <a:t>Service provides everything our application needs. </a:t>
+            </a:r>
+            <a:r>
+              <a:rPr lang="en-US" sz="3600" dirty="0" smtClean="0">
+                <a:solidFill>
+                  <a:schemeClr val="tx1"/>
+                </a:solidFill>
+              </a:rPr>
+              <a:t>It often shares data or functions between other Angular features.</a:t>
+            </a:r>
+            <a:endParaRPr lang="bg-BG" sz="3600" dirty="0">
+              <a:solidFill>
+                <a:schemeClr val="tx1"/>
+              </a:solidFill>
+            </a:endParaRPr>
+          </a:p>
+        </p:txBody>
+      </p:sp>
+      <p:sp>
+        <p:nvSpPr>
+          <p:cNvPr id="5" name="Freeform 5"/>
+          <p:cNvSpPr>
+            <a:spLocks noEditPoints="1"/>
+          </p:cNvSpPr>
+          <p:nvPr/>
+        </p:nvSpPr>
+        <p:spPr bwMode="auto">
+          <a:xfrm>
+            <a:off x="10259014" y="964768"/>
+            <a:ext cx="418964" cy="426262"/>
+          </a:xfrm>
+          <a:custGeom>
+            <a:avLst/>
+            <a:gdLst>
+              <a:gd name="T0" fmla="*/ 3696 w 4149"/>
+              <a:gd name="T1" fmla="*/ 1658 h 4149"/>
+              <a:gd name="T2" fmla="*/ 3493 w 4149"/>
+              <a:gd name="T3" fmla="*/ 1394 h 4149"/>
+              <a:gd name="T4" fmla="*/ 3656 w 4149"/>
+              <a:gd name="T5" fmla="*/ 1082 h 4149"/>
+              <a:gd name="T6" fmla="*/ 3426 w 4149"/>
+              <a:gd name="T7" fmla="*/ 493 h 4149"/>
+              <a:gd name="T8" fmla="*/ 3067 w 4149"/>
+              <a:gd name="T9" fmla="*/ 493 h 4149"/>
+              <a:gd name="T10" fmla="*/ 2825 w 4149"/>
+              <a:gd name="T11" fmla="*/ 671 h 4149"/>
+              <a:gd name="T12" fmla="*/ 2597 w 4149"/>
+              <a:gd name="T13" fmla="*/ 589 h 4149"/>
+              <a:gd name="T14" fmla="*/ 2491 w 4149"/>
+              <a:gd name="T15" fmla="*/ 254 h 4149"/>
+              <a:gd name="T16" fmla="*/ 1912 w 4149"/>
+              <a:gd name="T17" fmla="*/ 0 h 4149"/>
+              <a:gd name="T18" fmla="*/ 1658 w 4149"/>
+              <a:gd name="T19" fmla="*/ 453 h 4149"/>
+              <a:gd name="T20" fmla="*/ 1394 w 4149"/>
+              <a:gd name="T21" fmla="*/ 655 h 4149"/>
+              <a:gd name="T22" fmla="*/ 1223 w 4149"/>
+              <a:gd name="T23" fmla="*/ 634 h 4149"/>
+              <a:gd name="T24" fmla="*/ 902 w 4149"/>
+              <a:gd name="T25" fmla="*/ 419 h 4149"/>
+              <a:gd name="T26" fmla="*/ 493 w 4149"/>
+              <a:gd name="T27" fmla="*/ 722 h 4149"/>
+              <a:gd name="T28" fmla="*/ 493 w 4149"/>
+              <a:gd name="T29" fmla="*/ 1082 h 4149"/>
+              <a:gd name="T30" fmla="*/ 655 w 4149"/>
+              <a:gd name="T31" fmla="*/ 1394 h 4149"/>
+              <a:gd name="T32" fmla="*/ 453 w 4149"/>
+              <a:gd name="T33" fmla="*/ 1658 h 4149"/>
+              <a:gd name="T34" fmla="*/ 0 w 4149"/>
+              <a:gd name="T35" fmla="*/ 1912 h 4149"/>
+              <a:gd name="T36" fmla="*/ 254 w 4149"/>
+              <a:gd name="T37" fmla="*/ 2491 h 4149"/>
+              <a:gd name="T38" fmla="*/ 589 w 4149"/>
+              <a:gd name="T39" fmla="*/ 2597 h 4149"/>
+              <a:gd name="T40" fmla="*/ 634 w 4149"/>
+              <a:gd name="T41" fmla="*/ 2926 h 4149"/>
+              <a:gd name="T42" fmla="*/ 493 w 4149"/>
+              <a:gd name="T43" fmla="*/ 3426 h 4149"/>
+              <a:gd name="T44" fmla="*/ 902 w 4149"/>
+              <a:gd name="T45" fmla="*/ 3730 h 4149"/>
+              <a:gd name="T46" fmla="*/ 1223 w 4149"/>
+              <a:gd name="T47" fmla="*/ 3515 h 4149"/>
+              <a:gd name="T48" fmla="*/ 1394 w 4149"/>
+              <a:gd name="T49" fmla="*/ 3493 h 4149"/>
+              <a:gd name="T50" fmla="*/ 1658 w 4149"/>
+              <a:gd name="T51" fmla="*/ 3696 h 4149"/>
+              <a:gd name="T52" fmla="*/ 1912 w 4149"/>
+              <a:gd name="T53" fmla="*/ 4149 h 4149"/>
+              <a:gd name="T54" fmla="*/ 2491 w 4149"/>
+              <a:gd name="T55" fmla="*/ 3895 h 4149"/>
+              <a:gd name="T56" fmla="*/ 2597 w 4149"/>
+              <a:gd name="T57" fmla="*/ 3559 h 4149"/>
+              <a:gd name="T58" fmla="*/ 2824 w 4149"/>
+              <a:gd name="T59" fmla="*/ 3478 h 4149"/>
+              <a:gd name="T60" fmla="*/ 3067 w 4149"/>
+              <a:gd name="T61" fmla="*/ 3656 h 4149"/>
+              <a:gd name="T62" fmla="*/ 3426 w 4149"/>
+              <a:gd name="T63" fmla="*/ 3656 h 4149"/>
+              <a:gd name="T64" fmla="*/ 3656 w 4149"/>
+              <a:gd name="T65" fmla="*/ 3067 h 4149"/>
+              <a:gd name="T66" fmla="*/ 3493 w 4149"/>
+              <a:gd name="T67" fmla="*/ 2755 h 4149"/>
+              <a:gd name="T68" fmla="*/ 3696 w 4149"/>
+              <a:gd name="T69" fmla="*/ 2491 h 4149"/>
+              <a:gd name="T70" fmla="*/ 4149 w 4149"/>
+              <a:gd name="T71" fmla="*/ 2237 h 4149"/>
+              <a:gd name="T72" fmla="*/ 3895 w 4149"/>
+              <a:gd name="T73" fmla="*/ 1658 h 4149"/>
+              <a:gd name="T74" fmla="*/ 2074 w 4149"/>
+              <a:gd name="T75" fmla="*/ 2819 h 4149"/>
+              <a:gd name="T76" fmla="*/ 2074 w 4149"/>
+              <a:gd name="T77" fmla="*/ 1330 h 4149"/>
+            </a:gdLst>
+            <a:ahLst/>
+            <a:cxnLst>
+              <a:cxn ang="0">
+                <a:pos x="T0" y="T1"/>
+              </a:cxn>
+              <a:cxn ang="0">
+                <a:pos x="T2" y="T3"/>
+              </a:cxn>
+              <a:cxn ang="0">
+                <a:pos x="T4" y="T5"/>
+              </a:cxn>
+              <a:cxn ang="0">
+                <a:pos x="T6" y="T7"/>
+              </a:cxn>
+              <a:cxn ang="0">
+                <a:pos x="T8" y="T9"/>
+              </a:cxn>
+              <a:cxn ang="0">
+                <a:pos x="T10" y="T11"/>
+              </a:cxn>
+              <a:cxn ang="0">
+                <a:pos x="T12" y="T13"/>
+              </a:cxn>
+              <a:cxn ang="0">
+                <a:pos x="T14" y="T15"/>
+              </a:cxn>
+              <a:cxn ang="0">
+                <a:pos x="T16" y="T17"/>
+              </a:cxn>
+              <a:cxn ang="0">
+                <a:pos x="T18" y="T19"/>
+              </a:cxn>
+              <a:cxn ang="0">
+                <a:pos x="T20" y="T21"/>
+              </a:cxn>
+              <a:cxn ang="0">
+                <a:pos x="T22" y="T23"/>
+              </a:cxn>
+              <a:cxn ang="0">
+                <a:pos x="T24" y="T25"/>
+              </a:cxn>
+              <a:cxn ang="0">
+                <a:pos x="T26" y="T27"/>
+              </a:cxn>
+              <a:cxn ang="0">
+                <a:pos x="T28" y="T29"/>
+              </a:cxn>
+              <a:cxn ang="0">
+                <a:pos x="T30" y="T31"/>
+              </a:cxn>
+              <a:cxn ang="0">
+                <a:pos x="T32" y="T33"/>
+              </a:cxn>
+              <a:cxn ang="0">
+                <a:pos x="T34" y="T35"/>
+              </a:cxn>
+              <a:cxn ang="0">
+                <a:pos x="T36" y="T37"/>
+              </a:cxn>
+              <a:cxn ang="0">
+                <a:pos x="T38" y="T39"/>
+              </a:cxn>
+              <a:cxn ang="0">
+                <a:pos x="T40" y="T41"/>
+              </a:cxn>
+              <a:cxn ang="0">
+                <a:pos x="T42" y="T43"/>
+              </a:cxn>
+              <a:cxn ang="0">
+                <a:pos x="T44" y="T45"/>
+              </a:cxn>
+              <a:cxn ang="0">
+                <a:pos x="T46" y="T47"/>
+              </a:cxn>
+              <a:cxn ang="0">
+                <a:pos x="T48" y="T49"/>
+              </a:cxn>
+              <a:cxn ang="0">
+                <a:pos x="T50" y="T51"/>
+              </a:cxn>
+              <a:cxn ang="0">
+                <a:pos x="T52" y="T53"/>
+              </a:cxn>
+              <a:cxn ang="0">
+                <a:pos x="T54" y="T55"/>
+              </a:cxn>
+              <a:cxn ang="0">
+                <a:pos x="T56" y="T57"/>
+              </a:cxn>
+              <a:cxn ang="0">
+                <a:pos x="T58" y="T59"/>
+              </a:cxn>
+              <a:cxn ang="0">
+                <a:pos x="T60" y="T61"/>
+              </a:cxn>
+              <a:cxn ang="0">
+                <a:pos x="T62" y="T63"/>
+              </a:cxn>
+              <a:cxn ang="0">
+                <a:pos x="T64" y="T65"/>
+              </a:cxn>
+              <a:cxn ang="0">
+                <a:pos x="T66" y="T67"/>
+              </a:cxn>
+              <a:cxn ang="0">
+                <a:pos x="T68" y="T69"/>
+              </a:cxn>
+              <a:cxn ang="0">
+                <a:pos x="T70" y="T71"/>
+              </a:cxn>
+              <a:cxn ang="0">
+                <a:pos x="T72" y="T73"/>
+              </a:cxn>
+              <a:cxn ang="0">
+                <a:pos x="T74" y="T75"/>
+              </a:cxn>
+              <a:cxn ang="0">
+                <a:pos x="T76" y="T77"/>
+              </a:cxn>
+            </a:cxnLst>
+            <a:rect l="0" t="0" r="r" b="b"/>
+            <a:pathLst>
+              <a:path w="4149" h="4149">
+                <a:moveTo>
+                  <a:pt x="3895" y="1658"/>
+                </a:moveTo>
+                <a:lnTo>
+                  <a:pt x="3696" y="1658"/>
+                </a:lnTo>
+                <a:cubicBezTo>
+                  <a:pt x="3642" y="1658"/>
+                  <a:pt x="3580" y="1609"/>
+                  <a:pt x="3559" y="1552"/>
+                </a:cubicBezTo>
+                <a:cubicBezTo>
+                  <a:pt x="3540" y="1498"/>
+                  <a:pt x="3518" y="1445"/>
+                  <a:pt x="3493" y="1394"/>
+                </a:cubicBezTo>
+                <a:cubicBezTo>
+                  <a:pt x="3467" y="1339"/>
+                  <a:pt x="3476" y="1261"/>
+                  <a:pt x="3514" y="1223"/>
+                </a:cubicBezTo>
+                <a:lnTo>
+                  <a:pt x="3656" y="1082"/>
+                </a:lnTo>
+                <a:cubicBezTo>
+                  <a:pt x="3755" y="983"/>
+                  <a:pt x="3755" y="821"/>
+                  <a:pt x="3656" y="722"/>
+                </a:cubicBezTo>
+                <a:lnTo>
+                  <a:pt x="3426" y="493"/>
+                </a:lnTo>
+                <a:cubicBezTo>
+                  <a:pt x="3378" y="445"/>
+                  <a:pt x="3315" y="419"/>
+                  <a:pt x="3247" y="419"/>
+                </a:cubicBezTo>
+                <a:cubicBezTo>
+                  <a:pt x="3179" y="419"/>
+                  <a:pt x="3115" y="445"/>
+                  <a:pt x="3067" y="493"/>
+                </a:cubicBezTo>
+                <a:lnTo>
+                  <a:pt x="2926" y="634"/>
+                </a:lnTo>
+                <a:cubicBezTo>
+                  <a:pt x="2903" y="657"/>
+                  <a:pt x="2865" y="671"/>
+                  <a:pt x="2825" y="671"/>
+                </a:cubicBezTo>
+                <a:cubicBezTo>
+                  <a:pt x="2799" y="671"/>
+                  <a:pt x="2775" y="665"/>
+                  <a:pt x="2755" y="656"/>
+                </a:cubicBezTo>
+                <a:cubicBezTo>
+                  <a:pt x="2703" y="631"/>
+                  <a:pt x="2650" y="608"/>
+                  <a:pt x="2597" y="589"/>
+                </a:cubicBezTo>
+                <a:cubicBezTo>
+                  <a:pt x="2539" y="569"/>
+                  <a:pt x="2491" y="506"/>
+                  <a:pt x="2491" y="453"/>
+                </a:cubicBezTo>
+                <a:lnTo>
+                  <a:pt x="2491" y="254"/>
+                </a:lnTo>
+                <a:cubicBezTo>
+                  <a:pt x="2491" y="114"/>
+                  <a:pt x="2377" y="0"/>
+                  <a:pt x="2237" y="0"/>
+                </a:cubicBezTo>
+                <a:lnTo>
+                  <a:pt x="1912" y="0"/>
+                </a:lnTo>
+                <a:cubicBezTo>
+                  <a:pt x="1772" y="0"/>
+                  <a:pt x="1658" y="114"/>
+                  <a:pt x="1658" y="254"/>
+                </a:cubicBezTo>
+                <a:lnTo>
+                  <a:pt x="1658" y="453"/>
+                </a:lnTo>
+                <a:cubicBezTo>
+                  <a:pt x="1658" y="506"/>
+                  <a:pt x="1609" y="569"/>
+                  <a:pt x="1552" y="589"/>
+                </a:cubicBezTo>
+                <a:cubicBezTo>
+                  <a:pt x="1498" y="608"/>
+                  <a:pt x="1445" y="631"/>
+                  <a:pt x="1394" y="655"/>
+                </a:cubicBezTo>
+                <a:cubicBezTo>
+                  <a:pt x="1374" y="665"/>
+                  <a:pt x="1349" y="670"/>
+                  <a:pt x="1324" y="670"/>
+                </a:cubicBezTo>
+                <a:cubicBezTo>
+                  <a:pt x="1283" y="670"/>
+                  <a:pt x="1245" y="657"/>
+                  <a:pt x="1223" y="634"/>
+                </a:cubicBezTo>
+                <a:lnTo>
+                  <a:pt x="1082" y="493"/>
+                </a:lnTo>
+                <a:cubicBezTo>
+                  <a:pt x="1034" y="445"/>
+                  <a:pt x="970" y="419"/>
+                  <a:pt x="902" y="419"/>
+                </a:cubicBezTo>
+                <a:cubicBezTo>
+                  <a:pt x="834" y="419"/>
+                  <a:pt x="770" y="445"/>
+                  <a:pt x="722" y="493"/>
+                </a:cubicBezTo>
+                <a:lnTo>
+                  <a:pt x="493" y="722"/>
+                </a:lnTo>
+                <a:cubicBezTo>
+                  <a:pt x="445" y="770"/>
+                  <a:pt x="418" y="834"/>
+                  <a:pt x="418" y="902"/>
+                </a:cubicBezTo>
+                <a:cubicBezTo>
+                  <a:pt x="418" y="970"/>
+                  <a:pt x="445" y="1034"/>
+                  <a:pt x="493" y="1082"/>
+                </a:cubicBezTo>
+                <a:lnTo>
+                  <a:pt x="634" y="1223"/>
+                </a:lnTo>
+                <a:cubicBezTo>
+                  <a:pt x="672" y="1261"/>
+                  <a:pt x="682" y="1339"/>
+                  <a:pt x="655" y="1394"/>
+                </a:cubicBezTo>
+                <a:cubicBezTo>
+                  <a:pt x="631" y="1445"/>
+                  <a:pt x="608" y="1498"/>
+                  <a:pt x="589" y="1552"/>
+                </a:cubicBezTo>
+                <a:cubicBezTo>
+                  <a:pt x="569" y="1609"/>
+                  <a:pt x="506" y="1658"/>
+                  <a:pt x="453" y="1658"/>
+                </a:cubicBezTo>
+                <a:lnTo>
+                  <a:pt x="254" y="1658"/>
+                </a:lnTo>
+                <a:cubicBezTo>
+                  <a:pt x="114" y="1658"/>
+                  <a:pt x="0" y="1772"/>
+                  <a:pt x="0" y="1912"/>
+                </a:cubicBezTo>
+                <a:lnTo>
+                  <a:pt x="0" y="2237"/>
+                </a:lnTo>
+                <a:cubicBezTo>
+                  <a:pt x="0" y="2377"/>
+                  <a:pt x="114" y="2491"/>
+                  <a:pt x="254" y="2491"/>
+                </a:cubicBezTo>
+                <a:lnTo>
+                  <a:pt x="453" y="2491"/>
+                </a:lnTo>
+                <a:cubicBezTo>
+                  <a:pt x="506" y="2491"/>
+                  <a:pt x="569" y="2539"/>
+                  <a:pt x="589" y="2597"/>
+                </a:cubicBezTo>
+                <a:cubicBezTo>
+                  <a:pt x="608" y="2650"/>
+                  <a:pt x="631" y="2703"/>
+                  <a:pt x="655" y="2755"/>
+                </a:cubicBezTo>
+                <a:cubicBezTo>
+                  <a:pt x="682" y="2809"/>
+                  <a:pt x="672" y="2888"/>
+                  <a:pt x="634" y="2926"/>
+                </a:cubicBezTo>
+                <a:lnTo>
+                  <a:pt x="493" y="3067"/>
+                </a:lnTo>
+                <a:cubicBezTo>
+                  <a:pt x="394" y="3166"/>
+                  <a:pt x="394" y="3327"/>
+                  <a:pt x="493" y="3426"/>
+                </a:cubicBezTo>
+                <a:lnTo>
+                  <a:pt x="722" y="3656"/>
+                </a:lnTo>
+                <a:cubicBezTo>
+                  <a:pt x="770" y="3704"/>
+                  <a:pt x="834" y="3730"/>
+                  <a:pt x="902" y="3730"/>
+                </a:cubicBezTo>
+                <a:cubicBezTo>
+                  <a:pt x="970" y="3730"/>
+                  <a:pt x="1034" y="3704"/>
+                  <a:pt x="1082" y="3656"/>
+                </a:cubicBezTo>
+                <a:lnTo>
+                  <a:pt x="1223" y="3515"/>
+                </a:lnTo>
+                <a:cubicBezTo>
+                  <a:pt x="1246" y="3492"/>
+                  <a:pt x="1284" y="3478"/>
+                  <a:pt x="1324" y="3478"/>
+                </a:cubicBezTo>
+                <a:cubicBezTo>
+                  <a:pt x="1350" y="3478"/>
+                  <a:pt x="1374" y="3484"/>
+                  <a:pt x="1394" y="3493"/>
+                </a:cubicBezTo>
+                <a:cubicBezTo>
+                  <a:pt x="1445" y="3518"/>
+                  <a:pt x="1499" y="3540"/>
+                  <a:pt x="1552" y="3559"/>
+                </a:cubicBezTo>
+                <a:cubicBezTo>
+                  <a:pt x="1609" y="3580"/>
+                  <a:pt x="1658" y="3642"/>
+                  <a:pt x="1658" y="3696"/>
+                </a:cubicBezTo>
+                <a:lnTo>
+                  <a:pt x="1658" y="3895"/>
+                </a:lnTo>
+                <a:cubicBezTo>
+                  <a:pt x="1658" y="4035"/>
+                  <a:pt x="1772" y="4149"/>
+                  <a:pt x="1912" y="4149"/>
+                </a:cubicBezTo>
+                <a:lnTo>
+                  <a:pt x="2237" y="4149"/>
+                </a:lnTo>
+                <a:cubicBezTo>
+                  <a:pt x="2377" y="4149"/>
+                  <a:pt x="2491" y="4035"/>
+                  <a:pt x="2491" y="3895"/>
+                </a:cubicBezTo>
+                <a:lnTo>
+                  <a:pt x="2491" y="3696"/>
+                </a:lnTo>
+                <a:cubicBezTo>
+                  <a:pt x="2491" y="3642"/>
+                  <a:pt x="2539" y="3580"/>
+                  <a:pt x="2597" y="3559"/>
+                </a:cubicBezTo>
+                <a:cubicBezTo>
+                  <a:pt x="2650" y="3540"/>
+                  <a:pt x="2703" y="3518"/>
+                  <a:pt x="2755" y="3493"/>
+                </a:cubicBezTo>
+                <a:cubicBezTo>
+                  <a:pt x="2775" y="3484"/>
+                  <a:pt x="2799" y="3478"/>
+                  <a:pt x="2824" y="3478"/>
+                </a:cubicBezTo>
+                <a:cubicBezTo>
+                  <a:pt x="2865" y="3478"/>
+                  <a:pt x="2903" y="3492"/>
+                  <a:pt x="2926" y="3515"/>
+                </a:cubicBezTo>
+                <a:lnTo>
+                  <a:pt x="3067" y="3656"/>
+                </a:lnTo>
+                <a:cubicBezTo>
+                  <a:pt x="3115" y="3704"/>
+                  <a:pt x="3179" y="3730"/>
+                  <a:pt x="3247" y="3730"/>
+                </a:cubicBezTo>
+                <a:cubicBezTo>
+                  <a:pt x="3315" y="3730"/>
+                  <a:pt x="3378" y="3704"/>
+                  <a:pt x="3426" y="3656"/>
+                </a:cubicBezTo>
+                <a:lnTo>
+                  <a:pt x="3656" y="3426"/>
+                </a:lnTo>
+                <a:cubicBezTo>
+                  <a:pt x="3755" y="3327"/>
+                  <a:pt x="3755" y="3166"/>
+                  <a:pt x="3656" y="3067"/>
+                </a:cubicBezTo>
+                <a:lnTo>
+                  <a:pt x="3515" y="2926"/>
+                </a:lnTo>
+                <a:cubicBezTo>
+                  <a:pt x="3477" y="2888"/>
+                  <a:pt x="3467" y="2809"/>
+                  <a:pt x="3493" y="2755"/>
+                </a:cubicBezTo>
+                <a:cubicBezTo>
+                  <a:pt x="3518" y="2703"/>
+                  <a:pt x="3540" y="2650"/>
+                  <a:pt x="3559" y="2597"/>
+                </a:cubicBezTo>
+                <a:cubicBezTo>
+                  <a:pt x="3580" y="2539"/>
+                  <a:pt x="3642" y="2491"/>
+                  <a:pt x="3696" y="2491"/>
+                </a:cubicBezTo>
+                <a:lnTo>
+                  <a:pt x="3895" y="2491"/>
+                </a:lnTo>
+                <a:cubicBezTo>
+                  <a:pt x="4035" y="2491"/>
+                  <a:pt x="4149" y="2377"/>
+                  <a:pt x="4149" y="2237"/>
+                </a:cubicBezTo>
+                <a:lnTo>
+                  <a:pt x="4149" y="1912"/>
+                </a:lnTo>
+                <a:cubicBezTo>
+                  <a:pt x="4149" y="1772"/>
+                  <a:pt x="4035" y="1658"/>
+                  <a:pt x="3895" y="1658"/>
+                </a:cubicBezTo>
+                <a:close/>
+                <a:moveTo>
+                  <a:pt x="2819" y="2074"/>
+                </a:moveTo>
+                <a:cubicBezTo>
+                  <a:pt x="2819" y="2485"/>
+                  <a:pt x="2485" y="2819"/>
+                  <a:pt x="2074" y="2819"/>
+                </a:cubicBezTo>
+                <a:cubicBezTo>
+                  <a:pt x="1664" y="2819"/>
+                  <a:pt x="1330" y="2485"/>
+                  <a:pt x="1330" y="2074"/>
+                </a:cubicBezTo>
+                <a:cubicBezTo>
+                  <a:pt x="1330" y="1664"/>
+                  <a:pt x="1664" y="1330"/>
+                  <a:pt x="2074" y="1330"/>
+                </a:cubicBezTo>
+                <a:cubicBezTo>
+                  <a:pt x="2485" y="1330"/>
+                  <a:pt x="2819" y="1664"/>
+                  <a:pt x="2819" y="2074"/>
+                </a:cubicBezTo>
+                <a:close/>
+              </a:path>
+            </a:pathLst>
+          </a:custGeom>
+          <a:solidFill>
+            <a:schemeClr val="bg2"/>
+          </a:solidFill>
+          <a:ln w="31750">
+            <a:solidFill>
+              <a:srgbClr val="0070C0"/>
+            </a:solidFill>
+          </a:ln>
+        </p:spPr>
+        <p:txBody>
+          <a:bodyPr vert="horz" wrap="square" lIns="91440" tIns="45720" rIns="91440" bIns="45720" numCol="1" anchor="t" anchorCtr="0" compatLnSpc="1">
+            <a:prstTxWarp prst="textNoShape">
+              <a:avLst/>
+            </a:prstTxWarp>
+          </a:bodyPr>
+          <a:lstStyle/>
+          <a:p>
+            <a:endParaRPr lang="bg-BG" u="sng" dirty="0">
+              <a:solidFill>
+                <a:srgbClr val="0070C0"/>
+              </a:solidFill>
+            </a:endParaRPr>
+          </a:p>
+        </p:txBody>
+      </p:sp>
+      <p:sp>
+        <p:nvSpPr>
+          <p:cNvPr id="2" name="TextBox 1"/>
+          <p:cNvSpPr txBox="1"/>
+          <p:nvPr/>
+        </p:nvSpPr>
+        <p:spPr>
+          <a:xfrm>
+            <a:off x="9964191" y="685800"/>
+            <a:ext cx="1008609" cy="830997"/>
+          </a:xfrm>
+          <a:prstGeom prst="rect">
+            <a:avLst/>
+          </a:prstGeom>
+          <a:noFill/>
+        </p:spPr>
+        <p:txBody>
+          <a:bodyPr wrap="none" rtlCol="0">
+            <a:spAutoFit/>
+          </a:bodyPr>
+          <a:lstStyle/>
+          <a:p>
+            <a:r>
+              <a:rPr lang="en-US" sz="4800" b="1" dirty="0" smtClean="0">
+                <a:solidFill>
+                  <a:srgbClr val="0070C0"/>
+                </a:solidFill>
+              </a:rPr>
+              <a:t>{   }</a:t>
+            </a:r>
+            <a:endParaRPr lang="bg-BG" sz="4800" b="1" dirty="0">
+              <a:solidFill>
+                <a:srgbClr val="0070C0"/>
+              </a:solidFill>
+            </a:endParaRPr>
+          </a:p>
+        </p:txBody>
+      </p:sp>
+    </p:spTree>
+    <p:extLst>
+      <p:ext uri="{BB962C8B-B14F-4D97-AF65-F5344CB8AC3E}">
+        <p14:creationId xmlns:p14="http://schemas.microsoft.com/office/powerpoint/2010/main" val="2085198341"/>
+      </p:ext>
+    </p:extLst>
+  </p:cSld>
+  <p:clrMapOvr>
+    <a:masterClrMapping/>
+  </p:clrMapOvr>
+  <p:timing>
+    <p:tnLst>
+      <p:par>
+        <p:cTn id="1" dur="indefinite" restart="never" nodeType="tmRoot"/>
+      </p:par>
+    </p:tnLst>
+  </p:timing>
+</p:sld>
+</file>
+
+<file path=ppt/slides/slide4.xml><?xml version="1.0" encoding="utf-8"?>
+<p:sld xmlns:a="http://schemas.openxmlformats.org/drawingml/2006/main" xmlns:r="http://schemas.openxmlformats.org/officeDocument/2006/relationships" xmlns:p="http://schemas.openxmlformats.org/presentationml/2006/main">
+  <p:cSld>
+    <p:spTree>
+      <p:nvGrpSpPr>
+        <p:cNvPr id="1" name=""/>
+        <p:cNvGrpSpPr/>
+        <p:nvPr/>
+      </p:nvGrpSpPr>
+      <p:grpSpPr>
+        <a:xfrm>
+          <a:off x="0" y="0"/>
+          <a:ext cx="0" cy="0"/>
+          <a:chOff x="0" y="0"/>
+          <a:chExt cx="0" cy="0"/>
+        </a:xfrm>
+      </p:grpSpPr>
+      <p:sp>
+        <p:nvSpPr>
+          <p:cNvPr id="2" name="Title 1"/>
+          <p:cNvSpPr>
+            <a:spLocks noGrp="1"/>
+          </p:cNvSpPr>
+          <p:nvPr>
+            <p:ph type="title"/>
+          </p:nvPr>
+        </p:nvSpPr>
+        <p:spPr/>
+        <p:txBody>
+          <a:bodyPr/>
+          <a:lstStyle/>
+          <a:p>
+            <a:endParaRPr lang="bg-BG"/>
+          </a:p>
+        </p:txBody>
+      </p:sp>
+      <p:sp>
+        <p:nvSpPr>
+          <p:cNvPr id="3" name="Content Placeholder 2"/>
+          <p:cNvSpPr>
+            <a:spLocks noGrp="1"/>
+          </p:cNvSpPr>
+          <p:nvPr>
+            <p:ph idx="1"/>
+          </p:nvPr>
+        </p:nvSpPr>
+        <p:spPr/>
+        <p:txBody>
+          <a:bodyPr/>
+          <a:lstStyle/>
+          <a:p>
+            <a:endParaRPr lang="bg-BG"/>
+          </a:p>
+        </p:txBody>
+      </p:sp>
+      <p:pic>
+        <p:nvPicPr>
+          <p:cNvPr id="4" name="Picture 3"/>
+          <p:cNvPicPr>
+            <a:picLocks noChangeAspect="1"/>
+          </p:cNvPicPr>
+          <p:nvPr/>
+        </p:nvPicPr>
+        <p:blipFill>
+          <a:blip r:embed="rId2"/>
+          <a:stretch>
+            <a:fillRect/>
+          </a:stretch>
+        </p:blipFill>
+        <p:spPr>
+          <a:xfrm>
+            <a:off x="0" y="0"/>
+            <a:ext cx="12192000" cy="6857999"/>
+          </a:xfrm>
+          <a:prstGeom prst="rect">
+            <a:avLst/>
+          </a:prstGeom>
+        </p:spPr>
+      </p:pic>
+    </p:spTree>
+    <p:extLst>
+      <p:ext uri="{BB962C8B-B14F-4D97-AF65-F5344CB8AC3E}">
+        <p14:creationId xmlns:p14="http://schemas.microsoft.com/office/powerpoint/2010/main" val="1775766865"/>
+      </p:ext>
+    </p:extLst>
+  </p:cSld>
+  <p:clrMapOvr>
+    <a:masterClrMapping/>
+  </p:clrMapOvr>
+</p:sld>
+</file>
+
+<file path=ppt/slides/slide40.xml><?xml version="1.0" encoding="utf-8"?>
 <p:sld xmlns:a="http://schemas.openxmlformats.org/drawingml/2006/main" xmlns:r="http://schemas.openxmlformats.org/officeDocument/2006/relationships" xmlns:p="http://schemas.openxmlformats.org/presentationml/2006/main">
   <p:cSld>
     <p:spTree>
@@ -23600,10 +29331,17 @@
   <p:clrMapOvr>
     <a:masterClrMapping/>
   </p:clrMapOvr>
+  <p:timing>
+    <p:tnLst>
+      <p:par>
+        <p:cTn id="1" dur="indefinite" restart="never" nodeType="tmRoot"/>
+      </p:par>
+    </p:tnLst>
+  </p:timing>
 </p:sld>
 </file>
 
-<file path=ppt/slides/slide3.xml><?xml version="1.0" encoding="utf-8"?>
+<file path=ppt/slides/slide41.xml><?xml version="1.0" encoding="utf-8"?>
 <p:sld xmlns:a="http://schemas.openxmlformats.org/drawingml/2006/main" xmlns:r="http://schemas.openxmlformats.org/officeDocument/2006/relationships" xmlns:p="http://schemas.openxmlformats.org/presentationml/2006/main">
   <p:cSld>
     <p:spTree>
@@ -23622,7 +29360,7 @@
       </p:grpSpPr>
       <p:sp>
         <p:nvSpPr>
-          <p:cNvPr id="2" name="Title 1"/>
+          <p:cNvPr id="5" name="Title 4"/>
           <p:cNvSpPr>
             <a:spLocks noGrp="1"/>
           </p:cNvSpPr>
@@ -23632,160 +29370,460 @@
         </p:nvSpPr>
         <p:spPr/>
         <p:txBody>
-          <a:bodyPr/>
+          <a:bodyPr>
+            <a:noAutofit/>
+          </a:bodyPr>
           <a:lstStyle/>
           <a:p>
-            <a:endParaRPr lang="bg-BG"/>
+            <a:r>
+              <a:rPr lang="en-US" sz="2400" dirty="0">
+                <a:solidFill>
+                  <a:srgbClr val="D4D4D4"/>
+                </a:solidFill>
+                <a:latin typeface="Consolas" panose="020B0609020204030204" pitchFamily="49" charset="0"/>
+              </a:rPr>
+              <a:t>@</a:t>
+            </a:r>
+            <a:r>
+              <a:rPr lang="en-US" sz="2400" dirty="0">
+                <a:solidFill>
+                  <a:srgbClr val="DCDCAA"/>
+                </a:solidFill>
+                <a:latin typeface="Consolas" panose="020B0609020204030204" pitchFamily="49" charset="0"/>
+              </a:rPr>
+              <a:t>Injectable</a:t>
+            </a:r>
+            <a:r>
+              <a:rPr lang="en-US" sz="2400" dirty="0">
+                <a:solidFill>
+                  <a:srgbClr val="D4D4D4"/>
+                </a:solidFill>
+                <a:latin typeface="Consolas" panose="020B0609020204030204" pitchFamily="49" charset="0"/>
+              </a:rPr>
+              <a:t>()</a:t>
+            </a:r>
+            <a:br>
+              <a:rPr lang="en-US" sz="2400" dirty="0">
+                <a:solidFill>
+                  <a:srgbClr val="D4D4D4"/>
+                </a:solidFill>
+                <a:latin typeface="Consolas" panose="020B0609020204030204" pitchFamily="49" charset="0"/>
+              </a:rPr>
+            </a:br>
+            <a:r>
+              <a:rPr lang="en-US" sz="2400" dirty="0">
+                <a:solidFill>
+                  <a:srgbClr val="C586C0"/>
+                </a:solidFill>
+                <a:latin typeface="Consolas" panose="020B0609020204030204" pitchFamily="49" charset="0"/>
+              </a:rPr>
+              <a:t>export</a:t>
+            </a:r>
+            <a:r>
+              <a:rPr lang="en-US" sz="2400" dirty="0">
+                <a:solidFill>
+                  <a:srgbClr val="D4D4D4"/>
+                </a:solidFill>
+                <a:latin typeface="Consolas" panose="020B0609020204030204" pitchFamily="49" charset="0"/>
+              </a:rPr>
+              <a:t> </a:t>
+            </a:r>
+            <a:r>
+              <a:rPr lang="en-US" sz="2400" dirty="0">
+                <a:solidFill>
+                  <a:srgbClr val="569CD6"/>
+                </a:solidFill>
+                <a:latin typeface="Consolas" panose="020B0609020204030204" pitchFamily="49" charset="0"/>
+              </a:rPr>
+              <a:t>class</a:t>
+            </a:r>
+            <a:r>
+              <a:rPr lang="en-US" sz="2400" dirty="0">
+                <a:solidFill>
+                  <a:srgbClr val="D4D4D4"/>
+                </a:solidFill>
+                <a:latin typeface="Consolas" panose="020B0609020204030204" pitchFamily="49" charset="0"/>
+              </a:rPr>
+              <a:t> </a:t>
+            </a:r>
+            <a:r>
+              <a:rPr lang="en-US" sz="2400" dirty="0" err="1">
+                <a:solidFill>
+                  <a:srgbClr val="4EC9B0"/>
+                </a:solidFill>
+                <a:latin typeface="Consolas" panose="020B0609020204030204" pitchFamily="49" charset="0"/>
+              </a:rPr>
+              <a:t>VehicleService</a:t>
+            </a:r>
+            <a:r>
+              <a:rPr lang="en-US" sz="2400" dirty="0">
+                <a:solidFill>
+                  <a:srgbClr val="D4D4D4"/>
+                </a:solidFill>
+                <a:latin typeface="Consolas" panose="020B0609020204030204" pitchFamily="49" charset="0"/>
+              </a:rPr>
+              <a:t>{</a:t>
+            </a:r>
+            <a:br>
+              <a:rPr lang="en-US" sz="2400" dirty="0">
+                <a:solidFill>
+                  <a:srgbClr val="D4D4D4"/>
+                </a:solidFill>
+                <a:latin typeface="Consolas" panose="020B0609020204030204" pitchFamily="49" charset="0"/>
+              </a:rPr>
+            </a:br>
+            <a:r>
+              <a:rPr lang="en-US" sz="2400" dirty="0">
+                <a:solidFill>
+                  <a:srgbClr val="D4D4D4"/>
+                </a:solidFill>
+                <a:latin typeface="Consolas" panose="020B0609020204030204" pitchFamily="49" charset="0"/>
+              </a:rPr>
+              <a:t>    </a:t>
+            </a:r>
+            <a:r>
+              <a:rPr lang="en-US" sz="2400" dirty="0" err="1">
+                <a:solidFill>
+                  <a:srgbClr val="DCDCAA"/>
+                </a:solidFill>
+                <a:latin typeface="Consolas" panose="020B0609020204030204" pitchFamily="49" charset="0"/>
+              </a:rPr>
+              <a:t>getVehicles</a:t>
+            </a:r>
+            <a:r>
+              <a:rPr lang="en-US" sz="2400" dirty="0">
+                <a:solidFill>
+                  <a:srgbClr val="D4D4D4"/>
+                </a:solidFill>
+                <a:latin typeface="Consolas" panose="020B0609020204030204" pitchFamily="49" charset="0"/>
+              </a:rPr>
+              <a:t>(){</a:t>
+            </a:r>
+            <a:br>
+              <a:rPr lang="en-US" sz="2400" dirty="0">
+                <a:solidFill>
+                  <a:srgbClr val="D4D4D4"/>
+                </a:solidFill>
+                <a:latin typeface="Consolas" panose="020B0609020204030204" pitchFamily="49" charset="0"/>
+              </a:rPr>
+            </a:br>
+            <a:r>
+              <a:rPr lang="en-US" sz="2400" dirty="0">
+                <a:solidFill>
+                  <a:srgbClr val="D4D4D4"/>
+                </a:solidFill>
+                <a:latin typeface="Consolas" panose="020B0609020204030204" pitchFamily="49" charset="0"/>
+              </a:rPr>
+              <a:t>        </a:t>
+            </a:r>
+            <a:r>
+              <a:rPr lang="en-US" sz="2400" dirty="0">
+                <a:solidFill>
+                  <a:srgbClr val="C586C0"/>
+                </a:solidFill>
+                <a:latin typeface="Consolas" panose="020B0609020204030204" pitchFamily="49" charset="0"/>
+              </a:rPr>
+              <a:t>return</a:t>
+            </a:r>
+            <a:r>
+              <a:rPr lang="en-US" sz="2400" dirty="0">
+                <a:solidFill>
+                  <a:srgbClr val="D4D4D4"/>
+                </a:solidFill>
+                <a:latin typeface="Consolas" panose="020B0609020204030204" pitchFamily="49" charset="0"/>
+              </a:rPr>
+              <a:t> [</a:t>
+            </a:r>
+            <a:br>
+              <a:rPr lang="en-US" sz="2400" dirty="0">
+                <a:solidFill>
+                  <a:srgbClr val="D4D4D4"/>
+                </a:solidFill>
+                <a:latin typeface="Consolas" panose="020B0609020204030204" pitchFamily="49" charset="0"/>
+              </a:rPr>
+            </a:br>
+            <a:r>
+              <a:rPr lang="en-US" sz="2400" dirty="0">
+                <a:solidFill>
+                  <a:srgbClr val="D4D4D4"/>
+                </a:solidFill>
+                <a:latin typeface="Consolas" panose="020B0609020204030204" pitchFamily="49" charset="0"/>
+              </a:rPr>
+              <a:t>          </a:t>
+            </a:r>
+            <a:r>
+              <a:rPr lang="en-US" sz="2400" dirty="0">
+                <a:solidFill>
+                  <a:srgbClr val="569CD6"/>
+                </a:solidFill>
+                <a:latin typeface="Consolas" panose="020B0609020204030204" pitchFamily="49" charset="0"/>
+              </a:rPr>
+              <a:t>new</a:t>
+            </a:r>
+            <a:r>
+              <a:rPr lang="en-US" sz="2400" dirty="0">
+                <a:solidFill>
+                  <a:srgbClr val="D4D4D4"/>
+                </a:solidFill>
+                <a:latin typeface="Consolas" panose="020B0609020204030204" pitchFamily="49" charset="0"/>
+              </a:rPr>
+              <a:t> </a:t>
+            </a:r>
+            <a:r>
+              <a:rPr lang="en-US" sz="2400" dirty="0">
+                <a:solidFill>
+                  <a:srgbClr val="4EC9B0"/>
+                </a:solidFill>
+                <a:latin typeface="Consolas" panose="020B0609020204030204" pitchFamily="49" charset="0"/>
+              </a:rPr>
+              <a:t>Vehicle</a:t>
+            </a:r>
+            <a:r>
+              <a:rPr lang="en-US" sz="2400" dirty="0">
+                <a:solidFill>
+                  <a:srgbClr val="D4D4D4"/>
+                </a:solidFill>
+                <a:latin typeface="Consolas" panose="020B0609020204030204" pitchFamily="49" charset="0"/>
+              </a:rPr>
+              <a:t>(</a:t>
+            </a:r>
+            <a:r>
+              <a:rPr lang="en-US" sz="2400" dirty="0">
+                <a:solidFill>
+                  <a:srgbClr val="B5CEA8"/>
+                </a:solidFill>
+                <a:latin typeface="Consolas" panose="020B0609020204030204" pitchFamily="49" charset="0"/>
+              </a:rPr>
+              <a:t>1</a:t>
+            </a:r>
+            <a:r>
+              <a:rPr lang="en-US" sz="2400" dirty="0">
+                <a:solidFill>
+                  <a:srgbClr val="D4D4D4"/>
+                </a:solidFill>
+                <a:latin typeface="Consolas" panose="020B0609020204030204" pitchFamily="49" charset="0"/>
+              </a:rPr>
+              <a:t>, </a:t>
+            </a:r>
+            <a:r>
+              <a:rPr lang="en-US" sz="2400" dirty="0">
+                <a:solidFill>
+                  <a:srgbClr val="CE9178"/>
+                </a:solidFill>
+                <a:latin typeface="Consolas" panose="020B0609020204030204" pitchFamily="49" charset="0"/>
+              </a:rPr>
+              <a:t>'Falcon'</a:t>
+            </a:r>
+            <a:r>
+              <a:rPr lang="en-US" sz="2400" dirty="0">
+                <a:solidFill>
+                  <a:srgbClr val="D4D4D4"/>
+                </a:solidFill>
+                <a:latin typeface="Consolas" panose="020B0609020204030204" pitchFamily="49" charset="0"/>
+              </a:rPr>
+              <a:t>),</a:t>
+            </a:r>
+            <a:br>
+              <a:rPr lang="en-US" sz="2400" dirty="0">
+                <a:solidFill>
+                  <a:srgbClr val="D4D4D4"/>
+                </a:solidFill>
+                <a:latin typeface="Consolas" panose="020B0609020204030204" pitchFamily="49" charset="0"/>
+              </a:rPr>
+            </a:br>
+            <a:r>
+              <a:rPr lang="en-US" sz="2400" dirty="0">
+                <a:solidFill>
+                  <a:srgbClr val="D4D4D4"/>
+                </a:solidFill>
+                <a:latin typeface="Consolas" panose="020B0609020204030204" pitchFamily="49" charset="0"/>
+              </a:rPr>
+              <a:t>          </a:t>
+            </a:r>
+            <a:r>
+              <a:rPr lang="en-US" sz="2400" dirty="0">
+                <a:solidFill>
+                  <a:srgbClr val="569CD6"/>
+                </a:solidFill>
+                <a:latin typeface="Consolas" panose="020B0609020204030204" pitchFamily="49" charset="0"/>
+              </a:rPr>
+              <a:t>new</a:t>
+            </a:r>
+            <a:r>
+              <a:rPr lang="en-US" sz="2400" dirty="0">
+                <a:solidFill>
+                  <a:srgbClr val="D4D4D4"/>
+                </a:solidFill>
+                <a:latin typeface="Consolas" panose="020B0609020204030204" pitchFamily="49" charset="0"/>
+              </a:rPr>
+              <a:t> </a:t>
+            </a:r>
+            <a:r>
+              <a:rPr lang="en-US" sz="2400" dirty="0">
+                <a:solidFill>
+                  <a:srgbClr val="4EC9B0"/>
+                </a:solidFill>
+                <a:latin typeface="Consolas" panose="020B0609020204030204" pitchFamily="49" charset="0"/>
+              </a:rPr>
+              <a:t>Vehicle</a:t>
+            </a:r>
+            <a:r>
+              <a:rPr lang="en-US" sz="2400" dirty="0">
+                <a:solidFill>
+                  <a:srgbClr val="D4D4D4"/>
+                </a:solidFill>
+                <a:latin typeface="Consolas" panose="020B0609020204030204" pitchFamily="49" charset="0"/>
+              </a:rPr>
+              <a:t>(</a:t>
+            </a:r>
+            <a:r>
+              <a:rPr lang="en-US" sz="2400" dirty="0">
+                <a:solidFill>
+                  <a:srgbClr val="B5CEA8"/>
+                </a:solidFill>
+                <a:latin typeface="Consolas" panose="020B0609020204030204" pitchFamily="49" charset="0"/>
+              </a:rPr>
+              <a:t>2</a:t>
+            </a:r>
+            <a:r>
+              <a:rPr lang="en-US" sz="2400" dirty="0">
+                <a:solidFill>
+                  <a:srgbClr val="D4D4D4"/>
+                </a:solidFill>
+                <a:latin typeface="Consolas" panose="020B0609020204030204" pitchFamily="49" charset="0"/>
+              </a:rPr>
+              <a:t>, </a:t>
+            </a:r>
+            <a:r>
+              <a:rPr lang="en-US" sz="2400" dirty="0">
+                <a:solidFill>
+                  <a:srgbClr val="CE9178"/>
+                </a:solidFill>
+                <a:latin typeface="Consolas" panose="020B0609020204030204" pitchFamily="49" charset="0"/>
+              </a:rPr>
+              <a:t>'X-Wing Fighter'</a:t>
+            </a:r>
+            <a:r>
+              <a:rPr lang="en-US" sz="2400" dirty="0">
+                <a:solidFill>
+                  <a:srgbClr val="D4D4D4"/>
+                </a:solidFill>
+                <a:latin typeface="Consolas" panose="020B0609020204030204" pitchFamily="49" charset="0"/>
+              </a:rPr>
+              <a:t>)  </a:t>
+            </a:r>
+            <a:br>
+              <a:rPr lang="en-US" sz="2400" dirty="0">
+                <a:solidFill>
+                  <a:srgbClr val="D4D4D4"/>
+                </a:solidFill>
+                <a:latin typeface="Consolas" panose="020B0609020204030204" pitchFamily="49" charset="0"/>
+              </a:rPr>
+            </a:br>
+            <a:r>
+              <a:rPr lang="en-US" sz="2400" dirty="0">
+                <a:solidFill>
+                  <a:srgbClr val="D4D4D4"/>
+                </a:solidFill>
+                <a:latin typeface="Consolas" panose="020B0609020204030204" pitchFamily="49" charset="0"/>
+              </a:rPr>
+              <a:t>        ];</a:t>
+            </a:r>
+            <a:br>
+              <a:rPr lang="en-US" sz="2400" dirty="0">
+                <a:solidFill>
+                  <a:srgbClr val="D4D4D4"/>
+                </a:solidFill>
+                <a:latin typeface="Consolas" panose="020B0609020204030204" pitchFamily="49" charset="0"/>
+              </a:rPr>
+            </a:br>
+            <a:r>
+              <a:rPr lang="en-US" sz="2400" dirty="0">
+                <a:solidFill>
+                  <a:srgbClr val="D4D4D4"/>
+                </a:solidFill>
+                <a:latin typeface="Consolas" panose="020B0609020204030204" pitchFamily="49" charset="0"/>
+              </a:rPr>
+              <a:t>    }</a:t>
+            </a:r>
+            <a:br>
+              <a:rPr lang="en-US" sz="2400" dirty="0">
+                <a:solidFill>
+                  <a:srgbClr val="D4D4D4"/>
+                </a:solidFill>
+                <a:latin typeface="Consolas" panose="020B0609020204030204" pitchFamily="49" charset="0"/>
+              </a:rPr>
+            </a:br>
+            <a:r>
+              <a:rPr lang="en-US" sz="2400" dirty="0">
+                <a:solidFill>
+                  <a:srgbClr val="D4D4D4"/>
+                </a:solidFill>
+                <a:latin typeface="Consolas" panose="020B0609020204030204" pitchFamily="49" charset="0"/>
+              </a:rPr>
+              <a:t>}</a:t>
+            </a:r>
+            <a:endParaRPr lang="en-US" sz="2400" b="0" dirty="0">
+              <a:solidFill>
+                <a:srgbClr val="D4D4D4"/>
+              </a:solidFill>
+              <a:effectLst/>
+              <a:latin typeface="Consolas" panose="020B0609020204030204" pitchFamily="49" charset="0"/>
+            </a:endParaRPr>
           </a:p>
         </p:txBody>
       </p:sp>
       <p:sp>
         <p:nvSpPr>
-          <p:cNvPr id="10" name="Content Placeholder 9"/>
+          <p:cNvPr id="6" name="Text Placeholder 5"/>
           <p:cNvSpPr>
             <a:spLocks noGrp="1"/>
           </p:cNvSpPr>
           <p:nvPr>
-            <p:ph idx="1"/>
+            <p:ph type="body" sz="quarter" idx="13"/>
           </p:nvPr>
         </p:nvSpPr>
-        <p:spPr/>
+        <p:spPr>
+          <a:xfrm>
+            <a:off x="734290" y="5234187"/>
+            <a:ext cx="7557453" cy="574962"/>
+          </a:xfrm>
+        </p:spPr>
         <p:txBody>
-          <a:bodyPr/>
+          <a:bodyPr>
+            <a:noAutofit/>
+          </a:bodyPr>
           <a:lstStyle/>
           <a:p>
-            <a:endParaRPr lang="bg-BG"/>
+            <a:r>
+              <a:rPr lang="en-US" dirty="0" smtClean="0"/>
+              <a:t>Service</a:t>
+            </a:r>
+            <a:endParaRPr lang="bg-BG" dirty="0"/>
           </a:p>
         </p:txBody>
       </p:sp>
-      <p:pic>
-        <p:nvPicPr>
-          <p:cNvPr id="3074" name="Picture 2" descr="Резултат с изображение за speed"/>
-          <p:cNvPicPr>
-            <a:picLocks noChangeAspect="1" noChangeArrowheads="1"/>
-          </p:cNvPicPr>
-          <p:nvPr/>
-        </p:nvPicPr>
-        <p:blipFill>
-          <a:blip r:embed="rId3">
-            <a:extLst>
-              <a:ext uri="{28A0092B-C50C-407E-A947-70E740481C1C}">
-                <a14:useLocalDpi xmlns:a14="http://schemas.microsoft.com/office/drawing/2010/main" val="0"/>
-              </a:ext>
-            </a:extLst>
-          </a:blip>
-          <a:srcRect/>
-          <a:stretch>
-            <a:fillRect/>
-          </a:stretch>
-        </p:blipFill>
-        <p:spPr bwMode="auto">
-          <a:xfrm>
-            <a:off x="0" y="0"/>
-            <a:ext cx="12191999" cy="6858000"/>
-          </a:xfrm>
-          <a:prstGeom prst="rect">
-            <a:avLst/>
-          </a:prstGeom>
-          <a:noFill/>
-          <a:extLst>
-            <a:ext uri="{909E8E84-426E-40DD-AFC4-6F175D3DCCD1}">
-              <a14:hiddenFill xmlns:a14="http://schemas.microsoft.com/office/drawing/2010/main">
-                <a:solidFill>
-                  <a:srgbClr val="FFFFFF"/>
-                </a:solidFill>
-              </a14:hiddenFill>
-            </a:ext>
-          </a:extLst>
-        </p:spPr>
-      </p:pic>
     </p:spTree>
     <p:extLst>
       <p:ext uri="{BB962C8B-B14F-4D97-AF65-F5344CB8AC3E}">
-        <p14:creationId xmlns:p14="http://schemas.microsoft.com/office/powerpoint/2010/main" val="595032082"/>
+        <p14:creationId xmlns:p14="http://schemas.microsoft.com/office/powerpoint/2010/main" val="191552241"/>
       </p:ext>
     </p:extLst>
   </p:cSld>
   <p:clrMapOvr>
     <a:masterClrMapping/>
   </p:clrMapOvr>
+  <p:timing>
+    <p:tnLst>
+      <p:par>
+        <p:cTn id="1" dur="indefinite" restart="never" nodeType="tmRoot"/>
+      </p:par>
+    </p:tnLst>
+  </p:timing>
 </p:sld>
 </file>
 
-<file path=ppt/slides/slide30.xml><?xml version="1.0" encoding="utf-8"?>
-<p:sld xmlns:a="http://schemas.openxmlformats.org/drawingml/2006/main" xmlns:r="http://schemas.openxmlformats.org/officeDocument/2006/relationships" xmlns:p="http://schemas.openxmlformats.org/presentationml/2006/main">
-  <p:cSld>
-    <p:spTree>
-      <p:nvGrpSpPr>
-        <p:cNvPr id="1" name=""/>
-        <p:cNvGrpSpPr/>
-        <p:nvPr/>
-      </p:nvGrpSpPr>
-      <p:grpSpPr>
-        <a:xfrm>
-          <a:off x="0" y="0"/>
-          <a:ext cx="0" cy="0"/>
-          <a:chOff x="0" y="0"/>
-          <a:chExt cx="0" cy="0"/>
-        </a:xfrm>
-      </p:grpSpPr>
-      <p:sp>
-        <p:nvSpPr>
-          <p:cNvPr id="2" name="Title 1"/>
-          <p:cNvSpPr>
-            <a:spLocks noGrp="1"/>
-          </p:cNvSpPr>
-          <p:nvPr>
-            <p:ph type="title"/>
-          </p:nvPr>
-        </p:nvSpPr>
-        <p:spPr/>
-        <p:txBody>
-          <a:bodyPr/>
-          <a:lstStyle/>
-          <a:p>
-            <a:endParaRPr lang="bg-BG"/>
-          </a:p>
-        </p:txBody>
-      </p:sp>
-      <p:pic>
-        <p:nvPicPr>
-          <p:cNvPr id="3" name="Content Placeholder 5"/>
-          <p:cNvPicPr>
-            <a:picLocks noChangeAspect="1"/>
-          </p:cNvPicPr>
-          <p:nvPr/>
-        </p:nvPicPr>
-        <p:blipFill>
-          <a:blip r:embed="rId2"/>
-          <a:stretch>
-            <a:fillRect/>
-          </a:stretch>
-        </p:blipFill>
-        <p:spPr>
-          <a:xfrm>
-            <a:off x="11078383" y="91119"/>
-            <a:ext cx="886383" cy="1497651"/>
-          </a:xfrm>
-          <a:prstGeom prst="rect">
-            <a:avLst/>
-          </a:prstGeom>
-        </p:spPr>
-      </p:pic>
-    </p:spTree>
-    <p:extLst>
-      <p:ext uri="{BB962C8B-B14F-4D97-AF65-F5344CB8AC3E}">
-        <p14:creationId xmlns:p14="http://schemas.microsoft.com/office/powerpoint/2010/main" val="681104045"/>
-      </p:ext>
-    </p:extLst>
-  </p:cSld>
-  <p:clrMapOvr>
-    <a:masterClrMapping/>
-  </p:clrMapOvr>
-</p:sld>
-</file>
-
-<file path=ppt/slides/slide31.xml><?xml version="1.0" encoding="utf-8"?>
+<file path=ppt/slides/slide42.xml><?xml version="1.0" encoding="utf-8"?>
 <p:sld xmlns:a="http://schemas.openxmlformats.org/drawingml/2006/main" xmlns:r="http://schemas.openxmlformats.org/officeDocument/2006/relationships" xmlns:p="http://schemas.openxmlformats.org/presentationml/2006/main">
   <p:cSld>
     <p:spTree>
@@ -23857,7 +29895,7 @@
 </p:sld>
 </file>
 
-<file path=ppt/slides/slide32.xml><?xml version="1.0" encoding="utf-8"?>
+<file path=ppt/slides/slide43.xml><?xml version="1.0" encoding="utf-8"?>
 <p:sld xmlns:a="http://schemas.openxmlformats.org/drawingml/2006/main" xmlns:r="http://schemas.openxmlformats.org/officeDocument/2006/relationships" xmlns:p="http://schemas.openxmlformats.org/presentationml/2006/main">
   <p:cSld>
     <p:spTree>
@@ -23932,8 +29970,11 @@
           </a:bodyPr>
           <a:lstStyle/>
           <a:p>
-            <a:r>
-              <a:rPr lang="en-US" sz="2800" dirty="0">
+            <a:pPr marL="0" indent="0">
+              <a:buNone/>
+            </a:pPr>
+            <a:r>
+              <a:rPr lang="en-US" sz="3600" dirty="0">
                 <a:solidFill>
                   <a:schemeClr val="tx1">
                     <a:lumMod val="65000"/>
@@ -23943,7 +29984,7 @@
               </a:rPr>
               <a:t>Dependency Injection is how we provide an instance of a class to another Angular feature. </a:t>
             </a:r>
-            <a:endParaRPr lang="bg-BG" sz="2800" dirty="0">
+            <a:endParaRPr lang="bg-BG" sz="3600" dirty="0">
               <a:solidFill>
                 <a:schemeClr val="tx1">
                   <a:lumMod val="65000"/>
@@ -25346,7 +31387,939 @@
 </p:sld>
 </file>
 
-<file path=ppt/slides/slide33.xml><?xml version="1.0" encoding="utf-8"?>
+<file path=ppt/slides/slide44.xml><?xml version="1.0" encoding="utf-8"?>
+<p:sld xmlns:a="http://schemas.openxmlformats.org/drawingml/2006/main" xmlns:r="http://schemas.openxmlformats.org/officeDocument/2006/relationships" xmlns:p="http://schemas.openxmlformats.org/presentationml/2006/main">
+  <p:cSld>
+    <p:spTree>
+      <p:nvGrpSpPr>
+        <p:cNvPr id="1" name=""/>
+        <p:cNvGrpSpPr/>
+        <p:nvPr/>
+      </p:nvGrpSpPr>
+      <p:grpSpPr>
+        <a:xfrm>
+          <a:off x="0" y="0"/>
+          <a:ext cx="0" cy="0"/>
+          <a:chOff x="0" y="0"/>
+          <a:chExt cx="0" cy="0"/>
+        </a:xfrm>
+      </p:grpSpPr>
+      <p:sp>
+        <p:nvSpPr>
+          <p:cNvPr id="5" name="Title 4"/>
+          <p:cNvSpPr>
+            <a:spLocks noGrp="1"/>
+          </p:cNvSpPr>
+          <p:nvPr>
+            <p:ph type="title"/>
+          </p:nvPr>
+        </p:nvSpPr>
+        <p:spPr/>
+        <p:txBody>
+          <a:bodyPr>
+            <a:noAutofit/>
+          </a:bodyPr>
+          <a:lstStyle/>
+          <a:p>
+            <a:r>
+              <a:rPr lang="en-US" sz="2400" dirty="0">
+                <a:solidFill>
+                  <a:srgbClr val="C586C0"/>
+                </a:solidFill>
+                <a:latin typeface="Consolas" panose="020B0609020204030204" pitchFamily="49" charset="0"/>
+              </a:rPr>
+              <a:t>export</a:t>
+            </a:r>
+            <a:r>
+              <a:rPr lang="en-US" sz="2400" dirty="0">
+                <a:solidFill>
+                  <a:srgbClr val="D4D4D4"/>
+                </a:solidFill>
+                <a:latin typeface="Consolas" panose="020B0609020204030204" pitchFamily="49" charset="0"/>
+              </a:rPr>
+              <a:t> </a:t>
+            </a:r>
+            <a:r>
+              <a:rPr lang="en-US" sz="2400" dirty="0">
+                <a:solidFill>
+                  <a:srgbClr val="569CD6"/>
+                </a:solidFill>
+                <a:latin typeface="Consolas" panose="020B0609020204030204" pitchFamily="49" charset="0"/>
+              </a:rPr>
+              <a:t>class</a:t>
+            </a:r>
+            <a:r>
+              <a:rPr lang="en-US" sz="2400" dirty="0">
+                <a:solidFill>
+                  <a:srgbClr val="D4D4D4"/>
+                </a:solidFill>
+                <a:latin typeface="Consolas" panose="020B0609020204030204" pitchFamily="49" charset="0"/>
+              </a:rPr>
+              <a:t> </a:t>
+            </a:r>
+            <a:r>
+              <a:rPr lang="en-US" sz="2400" dirty="0" err="1">
+                <a:solidFill>
+                  <a:srgbClr val="4EC9B0"/>
+                </a:solidFill>
+                <a:latin typeface="Consolas" panose="020B0609020204030204" pitchFamily="49" charset="0"/>
+              </a:rPr>
+              <a:t>VehicleListComponent</a:t>
+            </a:r>
+            <a:r>
+              <a:rPr lang="en-US" sz="2400" dirty="0">
+                <a:solidFill>
+                  <a:srgbClr val="D4D4D4"/>
+                </a:solidFill>
+                <a:latin typeface="Consolas" panose="020B0609020204030204" pitchFamily="49" charset="0"/>
+              </a:rPr>
+              <a:t> {</a:t>
+            </a:r>
+            <a:br>
+              <a:rPr lang="en-US" sz="2400" dirty="0">
+                <a:solidFill>
+                  <a:srgbClr val="D4D4D4"/>
+                </a:solidFill>
+                <a:latin typeface="Consolas" panose="020B0609020204030204" pitchFamily="49" charset="0"/>
+              </a:rPr>
+            </a:br>
+            <a:r>
+              <a:rPr lang="en-US" sz="2400" dirty="0">
+                <a:solidFill>
+                  <a:srgbClr val="D4D4D4"/>
+                </a:solidFill>
+                <a:latin typeface="Consolas" panose="020B0609020204030204" pitchFamily="49" charset="0"/>
+              </a:rPr>
+              <a:t>    </a:t>
+            </a:r>
+            <a:r>
+              <a:rPr lang="en-US" sz="2400" dirty="0">
+                <a:solidFill>
+                  <a:srgbClr val="9CDCFE"/>
+                </a:solidFill>
+                <a:latin typeface="Consolas" panose="020B0609020204030204" pitchFamily="49" charset="0"/>
+              </a:rPr>
+              <a:t>vehicles</a:t>
+            </a:r>
+            <a:r>
+              <a:rPr lang="en-US" sz="2400" dirty="0">
+                <a:solidFill>
+                  <a:srgbClr val="D4D4D4"/>
+                </a:solidFill>
+                <a:latin typeface="Consolas" panose="020B0609020204030204" pitchFamily="49" charset="0"/>
+              </a:rPr>
+              <a:t>: </a:t>
+            </a:r>
+            <a:r>
+              <a:rPr lang="en-US" sz="2400" dirty="0">
+                <a:solidFill>
+                  <a:srgbClr val="4EC9B0"/>
+                </a:solidFill>
+                <a:latin typeface="Consolas" panose="020B0609020204030204" pitchFamily="49" charset="0"/>
+              </a:rPr>
+              <a:t>Vehicle</a:t>
+            </a:r>
+            <a:r>
+              <a:rPr lang="en-US" sz="2400" dirty="0">
+                <a:solidFill>
+                  <a:srgbClr val="D4D4D4"/>
+                </a:solidFill>
+                <a:latin typeface="Consolas" panose="020B0609020204030204" pitchFamily="49" charset="0"/>
+              </a:rPr>
+              <a:t>[];</a:t>
+            </a:r>
+            <a:br>
+              <a:rPr lang="en-US" sz="2400" dirty="0">
+                <a:solidFill>
+                  <a:srgbClr val="D4D4D4"/>
+                </a:solidFill>
+                <a:latin typeface="Consolas" panose="020B0609020204030204" pitchFamily="49" charset="0"/>
+              </a:rPr>
+            </a:br>
+            <a:r>
+              <a:rPr lang="en-US" sz="2400" dirty="0">
+                <a:solidFill>
+                  <a:srgbClr val="D4D4D4"/>
+                </a:solidFill>
+                <a:latin typeface="Consolas" panose="020B0609020204030204" pitchFamily="49" charset="0"/>
+              </a:rPr>
+              <a:t/>
+            </a:r>
+            <a:br>
+              <a:rPr lang="en-US" sz="2400" dirty="0">
+                <a:solidFill>
+                  <a:srgbClr val="D4D4D4"/>
+                </a:solidFill>
+                <a:latin typeface="Consolas" panose="020B0609020204030204" pitchFamily="49" charset="0"/>
+              </a:rPr>
+            </a:br>
+            <a:r>
+              <a:rPr lang="en-US" sz="2400" dirty="0">
+                <a:solidFill>
+                  <a:srgbClr val="D4D4D4"/>
+                </a:solidFill>
+                <a:latin typeface="Consolas" panose="020B0609020204030204" pitchFamily="49" charset="0"/>
+              </a:rPr>
+              <a:t>    </a:t>
+            </a:r>
+            <a:r>
+              <a:rPr lang="en-US" sz="2400" dirty="0">
+                <a:solidFill>
+                  <a:srgbClr val="569CD6"/>
+                </a:solidFill>
+                <a:latin typeface="Consolas" panose="020B0609020204030204" pitchFamily="49" charset="0"/>
+              </a:rPr>
+              <a:t>constructor</a:t>
+            </a:r>
+            <a:r>
+              <a:rPr lang="en-US" sz="2400" dirty="0">
+                <a:solidFill>
+                  <a:srgbClr val="D4D4D4"/>
+                </a:solidFill>
+                <a:latin typeface="Consolas" panose="020B0609020204030204" pitchFamily="49" charset="0"/>
+              </a:rPr>
+              <a:t>(</a:t>
+            </a:r>
+            <a:r>
+              <a:rPr lang="en-US" sz="2400" dirty="0">
+                <a:solidFill>
+                  <a:srgbClr val="569CD6"/>
+                </a:solidFill>
+                <a:latin typeface="Consolas" panose="020B0609020204030204" pitchFamily="49" charset="0"/>
+              </a:rPr>
+              <a:t>private</a:t>
+            </a:r>
+            <a:r>
+              <a:rPr lang="en-US" sz="2400" dirty="0">
+                <a:solidFill>
+                  <a:srgbClr val="D4D4D4"/>
+                </a:solidFill>
+                <a:latin typeface="Consolas" panose="020B0609020204030204" pitchFamily="49" charset="0"/>
+              </a:rPr>
+              <a:t> </a:t>
+            </a:r>
+            <a:r>
+              <a:rPr lang="en-US" sz="2400" dirty="0" err="1">
+                <a:solidFill>
+                  <a:srgbClr val="9CDCFE"/>
+                </a:solidFill>
+                <a:latin typeface="Consolas" panose="020B0609020204030204" pitchFamily="49" charset="0"/>
+              </a:rPr>
+              <a:t>vehicleService</a:t>
+            </a:r>
+            <a:r>
+              <a:rPr lang="en-US" sz="2400" dirty="0">
+                <a:solidFill>
+                  <a:srgbClr val="D4D4D4"/>
+                </a:solidFill>
+                <a:latin typeface="Consolas" panose="020B0609020204030204" pitchFamily="49" charset="0"/>
+              </a:rPr>
+              <a:t>: </a:t>
+            </a:r>
+            <a:r>
+              <a:rPr lang="en-US" sz="2400" dirty="0" err="1">
+                <a:solidFill>
+                  <a:srgbClr val="4EC9B0"/>
+                </a:solidFill>
+                <a:latin typeface="Consolas" panose="020B0609020204030204" pitchFamily="49" charset="0"/>
+              </a:rPr>
+              <a:t>VehicleService</a:t>
+            </a:r>
+            <a:r>
+              <a:rPr lang="en-US" sz="2400" dirty="0">
+                <a:solidFill>
+                  <a:srgbClr val="D4D4D4"/>
+                </a:solidFill>
+                <a:latin typeface="Consolas" panose="020B0609020204030204" pitchFamily="49" charset="0"/>
+              </a:rPr>
+              <a:t>) { }</a:t>
+            </a:r>
+            <a:br>
+              <a:rPr lang="en-US" sz="2400" dirty="0">
+                <a:solidFill>
+                  <a:srgbClr val="D4D4D4"/>
+                </a:solidFill>
+                <a:latin typeface="Consolas" panose="020B0609020204030204" pitchFamily="49" charset="0"/>
+              </a:rPr>
+            </a:br>
+            <a:r>
+              <a:rPr lang="en-US" sz="2400" dirty="0">
+                <a:solidFill>
+                  <a:srgbClr val="D4D4D4"/>
+                </a:solidFill>
+                <a:latin typeface="Consolas" panose="020B0609020204030204" pitchFamily="49" charset="0"/>
+              </a:rPr>
+              <a:t>}</a:t>
+            </a:r>
+            <a:endParaRPr lang="en-US" sz="2400" b="0" dirty="0">
+              <a:solidFill>
+                <a:srgbClr val="D4D4D4"/>
+              </a:solidFill>
+              <a:effectLst/>
+              <a:latin typeface="Consolas" panose="020B0609020204030204" pitchFamily="49" charset="0"/>
+            </a:endParaRPr>
+          </a:p>
+        </p:txBody>
+      </p:sp>
+      <p:sp>
+        <p:nvSpPr>
+          <p:cNvPr id="6" name="Text Placeholder 5"/>
+          <p:cNvSpPr>
+            <a:spLocks noGrp="1"/>
+          </p:cNvSpPr>
+          <p:nvPr>
+            <p:ph type="body" sz="quarter" idx="13"/>
+          </p:nvPr>
+        </p:nvSpPr>
+        <p:spPr>
+          <a:xfrm>
+            <a:off x="734290" y="5234187"/>
+            <a:ext cx="7557453" cy="574962"/>
+          </a:xfrm>
+        </p:spPr>
+        <p:txBody>
+          <a:bodyPr>
+            <a:noAutofit/>
+          </a:bodyPr>
+          <a:lstStyle/>
+          <a:p>
+            <a:r>
+              <a:rPr lang="en-US" dirty="0" smtClean="0"/>
+              <a:t>Injecting a Service into a Component</a:t>
+            </a:r>
+            <a:endParaRPr lang="bg-BG" dirty="0"/>
+          </a:p>
+        </p:txBody>
+      </p:sp>
+    </p:spTree>
+    <p:extLst>
+      <p:ext uri="{BB962C8B-B14F-4D97-AF65-F5344CB8AC3E}">
+        <p14:creationId xmlns:p14="http://schemas.microsoft.com/office/powerpoint/2010/main" val="3365411408"/>
+      </p:ext>
+    </p:extLst>
+  </p:cSld>
+  <p:clrMapOvr>
+    <a:masterClrMapping/>
+  </p:clrMapOvr>
+  <p:timing>
+    <p:tnLst>
+      <p:par>
+        <p:cTn id="1" dur="indefinite" restart="never" nodeType="tmRoot"/>
+      </p:par>
+    </p:tnLst>
+  </p:timing>
+</p:sld>
+</file>
+
+<file path=ppt/slides/slide45.xml><?xml version="1.0" encoding="utf-8"?>
+<p:sld xmlns:a="http://schemas.openxmlformats.org/drawingml/2006/main" xmlns:r="http://schemas.openxmlformats.org/officeDocument/2006/relationships" xmlns:p="http://schemas.openxmlformats.org/presentationml/2006/main">
+  <p:cSld>
+    <p:spTree>
+      <p:nvGrpSpPr>
+        <p:cNvPr id="1" name=""/>
+        <p:cNvGrpSpPr/>
+        <p:nvPr/>
+      </p:nvGrpSpPr>
+      <p:grpSpPr>
+        <a:xfrm>
+          <a:off x="0" y="0"/>
+          <a:ext cx="0" cy="0"/>
+          <a:chOff x="0" y="0"/>
+          <a:chExt cx="0" cy="0"/>
+        </a:xfrm>
+      </p:grpSpPr>
+      <p:sp>
+        <p:nvSpPr>
+          <p:cNvPr id="5" name="Title 4"/>
+          <p:cNvSpPr>
+            <a:spLocks noGrp="1"/>
+          </p:cNvSpPr>
+          <p:nvPr>
+            <p:ph type="title"/>
+          </p:nvPr>
+        </p:nvSpPr>
+        <p:spPr/>
+        <p:txBody>
+          <a:bodyPr>
+            <a:noAutofit/>
+          </a:bodyPr>
+          <a:lstStyle/>
+          <a:p>
+            <a:r>
+              <a:rPr lang="en-US" sz="2400" dirty="0">
+                <a:solidFill>
+                  <a:srgbClr val="D4D4D4"/>
+                </a:solidFill>
+                <a:latin typeface="Consolas" panose="020B0609020204030204" pitchFamily="49" charset="0"/>
+              </a:rPr>
+              <a:t>@</a:t>
+            </a:r>
+            <a:r>
+              <a:rPr lang="en-US" sz="2400" dirty="0">
+                <a:solidFill>
+                  <a:srgbClr val="DCDCAA"/>
+                </a:solidFill>
+                <a:latin typeface="Consolas" panose="020B0609020204030204" pitchFamily="49" charset="0"/>
+              </a:rPr>
+              <a:t>Injectable</a:t>
+            </a:r>
+            <a:r>
+              <a:rPr lang="en-US" sz="2400" dirty="0">
+                <a:solidFill>
+                  <a:srgbClr val="D4D4D4"/>
+                </a:solidFill>
+                <a:latin typeface="Consolas" panose="020B0609020204030204" pitchFamily="49" charset="0"/>
+              </a:rPr>
+              <a:t>()</a:t>
+            </a:r>
+            <a:br>
+              <a:rPr lang="en-US" sz="2400" dirty="0">
+                <a:solidFill>
+                  <a:srgbClr val="D4D4D4"/>
+                </a:solidFill>
+                <a:latin typeface="Consolas" panose="020B0609020204030204" pitchFamily="49" charset="0"/>
+              </a:rPr>
+            </a:br>
+            <a:r>
+              <a:rPr lang="en-US" sz="2400" dirty="0">
+                <a:solidFill>
+                  <a:srgbClr val="C586C0"/>
+                </a:solidFill>
+                <a:latin typeface="Consolas" panose="020B0609020204030204" pitchFamily="49" charset="0"/>
+              </a:rPr>
+              <a:t>export</a:t>
+            </a:r>
+            <a:r>
+              <a:rPr lang="en-US" sz="2400" dirty="0">
+                <a:solidFill>
+                  <a:srgbClr val="D4D4D4"/>
+                </a:solidFill>
+                <a:latin typeface="Consolas" panose="020B0609020204030204" pitchFamily="49" charset="0"/>
+              </a:rPr>
+              <a:t> </a:t>
+            </a:r>
+            <a:r>
+              <a:rPr lang="en-US" sz="2400" dirty="0">
+                <a:solidFill>
+                  <a:srgbClr val="569CD6"/>
+                </a:solidFill>
+                <a:latin typeface="Consolas" panose="020B0609020204030204" pitchFamily="49" charset="0"/>
+              </a:rPr>
+              <a:t>class</a:t>
+            </a:r>
+            <a:r>
+              <a:rPr lang="en-US" sz="2400" dirty="0">
+                <a:solidFill>
+                  <a:srgbClr val="D4D4D4"/>
+                </a:solidFill>
+                <a:latin typeface="Consolas" panose="020B0609020204030204" pitchFamily="49" charset="0"/>
+              </a:rPr>
+              <a:t> </a:t>
+            </a:r>
+            <a:r>
+              <a:rPr lang="en-US" sz="2400" dirty="0" err="1">
+                <a:solidFill>
+                  <a:srgbClr val="4EC9B0"/>
+                </a:solidFill>
+                <a:latin typeface="Consolas" panose="020B0609020204030204" pitchFamily="49" charset="0"/>
+              </a:rPr>
+              <a:t>VehicleService</a:t>
+            </a:r>
+            <a:r>
+              <a:rPr lang="en-US" sz="2400" dirty="0">
+                <a:solidFill>
+                  <a:srgbClr val="D4D4D4"/>
+                </a:solidFill>
+                <a:latin typeface="Consolas" panose="020B0609020204030204" pitchFamily="49" charset="0"/>
+              </a:rPr>
+              <a:t>{</a:t>
+            </a:r>
+            <a:br>
+              <a:rPr lang="en-US" sz="2400" dirty="0">
+                <a:solidFill>
+                  <a:srgbClr val="D4D4D4"/>
+                </a:solidFill>
+                <a:latin typeface="Consolas" panose="020B0609020204030204" pitchFamily="49" charset="0"/>
+              </a:rPr>
+            </a:br>
+            <a:r>
+              <a:rPr lang="en-US" sz="2400" dirty="0">
+                <a:solidFill>
+                  <a:srgbClr val="D4D4D4"/>
+                </a:solidFill>
+                <a:latin typeface="Consolas" panose="020B0609020204030204" pitchFamily="49" charset="0"/>
+              </a:rPr>
+              <a:t>    </a:t>
+            </a:r>
+            <a:r>
+              <a:rPr lang="en-US" sz="2400" dirty="0">
+                <a:solidFill>
+                  <a:srgbClr val="569CD6"/>
+                </a:solidFill>
+                <a:latin typeface="Consolas" panose="020B0609020204030204" pitchFamily="49" charset="0"/>
+              </a:rPr>
+              <a:t>constructor</a:t>
+            </a:r>
+            <a:r>
+              <a:rPr lang="en-US" sz="2400" dirty="0">
+                <a:solidFill>
+                  <a:srgbClr val="D4D4D4"/>
+                </a:solidFill>
+                <a:latin typeface="Consolas" panose="020B0609020204030204" pitchFamily="49" charset="0"/>
+              </a:rPr>
+              <a:t>(</a:t>
+            </a:r>
+            <a:r>
+              <a:rPr lang="en-US" sz="2400" dirty="0">
+                <a:solidFill>
+                  <a:srgbClr val="569CD6"/>
+                </a:solidFill>
+                <a:latin typeface="Consolas" panose="020B0609020204030204" pitchFamily="49" charset="0"/>
+              </a:rPr>
+              <a:t>private</a:t>
+            </a:r>
+            <a:r>
+              <a:rPr lang="en-US" sz="2400" dirty="0">
+                <a:solidFill>
+                  <a:srgbClr val="D4D4D4"/>
+                </a:solidFill>
+                <a:latin typeface="Consolas" panose="020B0609020204030204" pitchFamily="49" charset="0"/>
+              </a:rPr>
+              <a:t> </a:t>
+            </a:r>
+            <a:r>
+              <a:rPr lang="en-US" sz="2400" dirty="0">
+                <a:solidFill>
+                  <a:srgbClr val="9CDCFE"/>
+                </a:solidFill>
+                <a:latin typeface="Consolas" panose="020B0609020204030204" pitchFamily="49" charset="0"/>
+              </a:rPr>
+              <a:t>http</a:t>
+            </a:r>
+            <a:r>
+              <a:rPr lang="en-US" sz="2400" dirty="0">
+                <a:solidFill>
+                  <a:srgbClr val="D4D4D4"/>
+                </a:solidFill>
+                <a:latin typeface="Consolas" panose="020B0609020204030204" pitchFamily="49" charset="0"/>
+              </a:rPr>
+              <a:t>: </a:t>
+            </a:r>
+            <a:r>
+              <a:rPr lang="en-US" sz="2400" dirty="0">
+                <a:solidFill>
+                  <a:srgbClr val="4EC9B0"/>
+                </a:solidFill>
+                <a:latin typeface="Consolas" panose="020B0609020204030204" pitchFamily="49" charset="0"/>
+              </a:rPr>
+              <a:t>Http</a:t>
+            </a:r>
+            <a:r>
+              <a:rPr lang="en-US" sz="2400" dirty="0">
+                <a:solidFill>
+                  <a:srgbClr val="D4D4D4"/>
+                </a:solidFill>
+                <a:latin typeface="Consolas" panose="020B0609020204030204" pitchFamily="49" charset="0"/>
+              </a:rPr>
+              <a:t>) { }</a:t>
+            </a:r>
+            <a:br>
+              <a:rPr lang="en-US" sz="2400" dirty="0">
+                <a:solidFill>
+                  <a:srgbClr val="D4D4D4"/>
+                </a:solidFill>
+                <a:latin typeface="Consolas" panose="020B0609020204030204" pitchFamily="49" charset="0"/>
+              </a:rPr>
+            </a:br>
+            <a:r>
+              <a:rPr lang="en-US" sz="2400" dirty="0">
+                <a:solidFill>
+                  <a:srgbClr val="D4D4D4"/>
+                </a:solidFill>
+                <a:latin typeface="Consolas" panose="020B0609020204030204" pitchFamily="49" charset="0"/>
+              </a:rPr>
+              <a:t/>
+            </a:r>
+            <a:br>
+              <a:rPr lang="en-US" sz="2400" dirty="0">
+                <a:solidFill>
+                  <a:srgbClr val="D4D4D4"/>
+                </a:solidFill>
+                <a:latin typeface="Consolas" panose="020B0609020204030204" pitchFamily="49" charset="0"/>
+              </a:rPr>
+            </a:br>
+            <a:r>
+              <a:rPr lang="en-US" sz="2400" dirty="0">
+                <a:solidFill>
+                  <a:srgbClr val="D4D4D4"/>
+                </a:solidFill>
+                <a:latin typeface="Consolas" panose="020B0609020204030204" pitchFamily="49" charset="0"/>
+              </a:rPr>
+              <a:t>    </a:t>
+            </a:r>
+            <a:r>
+              <a:rPr lang="en-US" sz="2400" dirty="0" err="1">
+                <a:solidFill>
+                  <a:srgbClr val="DCDCAA"/>
+                </a:solidFill>
+                <a:latin typeface="Consolas" panose="020B0609020204030204" pitchFamily="49" charset="0"/>
+              </a:rPr>
+              <a:t>getVehicles</a:t>
+            </a:r>
+            <a:r>
+              <a:rPr lang="en-US" sz="2400" dirty="0">
+                <a:solidFill>
+                  <a:srgbClr val="D4D4D4"/>
+                </a:solidFill>
+                <a:latin typeface="Consolas" panose="020B0609020204030204" pitchFamily="49" charset="0"/>
+              </a:rPr>
+              <a:t>(){</a:t>
+            </a:r>
+            <a:br>
+              <a:rPr lang="en-US" sz="2400" dirty="0">
+                <a:solidFill>
+                  <a:srgbClr val="D4D4D4"/>
+                </a:solidFill>
+                <a:latin typeface="Consolas" panose="020B0609020204030204" pitchFamily="49" charset="0"/>
+              </a:rPr>
+            </a:br>
+            <a:r>
+              <a:rPr lang="en-US" sz="2400" dirty="0">
+                <a:solidFill>
+                  <a:srgbClr val="D4D4D4"/>
+                </a:solidFill>
+                <a:latin typeface="Consolas" panose="020B0609020204030204" pitchFamily="49" charset="0"/>
+              </a:rPr>
+              <a:t>        </a:t>
+            </a:r>
+            <a:r>
+              <a:rPr lang="en-US" sz="2400" dirty="0">
+                <a:solidFill>
+                  <a:srgbClr val="C586C0"/>
+                </a:solidFill>
+                <a:latin typeface="Consolas" panose="020B0609020204030204" pitchFamily="49" charset="0"/>
+              </a:rPr>
+              <a:t>return</a:t>
+            </a:r>
+            <a:r>
+              <a:rPr lang="en-US" sz="2400" dirty="0">
+                <a:solidFill>
+                  <a:srgbClr val="D4D4D4"/>
+                </a:solidFill>
+                <a:latin typeface="Consolas" panose="020B0609020204030204" pitchFamily="49" charset="0"/>
+              </a:rPr>
+              <a:t> </a:t>
+            </a:r>
+            <a:r>
+              <a:rPr lang="en-US" sz="2400" dirty="0" err="1">
+                <a:solidFill>
+                  <a:srgbClr val="569CD6"/>
+                </a:solidFill>
+                <a:latin typeface="Consolas" panose="020B0609020204030204" pitchFamily="49" charset="0"/>
+              </a:rPr>
+              <a:t>this</a:t>
+            </a:r>
+            <a:r>
+              <a:rPr lang="en-US" sz="2400" dirty="0" err="1">
+                <a:solidFill>
+                  <a:srgbClr val="D4D4D4"/>
+                </a:solidFill>
+                <a:latin typeface="Consolas" panose="020B0609020204030204" pitchFamily="49" charset="0"/>
+              </a:rPr>
+              <a:t>.</a:t>
+            </a:r>
+            <a:r>
+              <a:rPr lang="en-US" sz="2400" dirty="0" err="1">
+                <a:solidFill>
+                  <a:srgbClr val="9CDCFE"/>
+                </a:solidFill>
+                <a:latin typeface="Consolas" panose="020B0609020204030204" pitchFamily="49" charset="0"/>
+              </a:rPr>
+              <a:t>http</a:t>
+            </a:r>
+            <a:r>
+              <a:rPr lang="en-US" sz="2400" dirty="0" err="1">
+                <a:solidFill>
+                  <a:srgbClr val="D4D4D4"/>
+                </a:solidFill>
+                <a:latin typeface="Consolas" panose="020B0609020204030204" pitchFamily="49" charset="0"/>
+              </a:rPr>
+              <a:t>.</a:t>
+            </a:r>
+            <a:r>
+              <a:rPr lang="en-US" sz="2400" dirty="0" err="1">
+                <a:solidFill>
+                  <a:srgbClr val="DCDCAA"/>
+                </a:solidFill>
+                <a:latin typeface="Consolas" panose="020B0609020204030204" pitchFamily="49" charset="0"/>
+              </a:rPr>
+              <a:t>get</a:t>
+            </a:r>
+            <a:r>
+              <a:rPr lang="en-US" sz="2400" dirty="0">
+                <a:solidFill>
+                  <a:srgbClr val="D4D4D4"/>
+                </a:solidFill>
+                <a:latin typeface="Consolas" panose="020B0609020204030204" pitchFamily="49" charset="0"/>
+              </a:rPr>
+              <a:t>(</a:t>
+            </a:r>
+            <a:r>
+              <a:rPr lang="en-US" sz="2400" dirty="0" err="1">
+                <a:solidFill>
+                  <a:srgbClr val="9CDCFE"/>
+                </a:solidFill>
+                <a:latin typeface="Consolas" panose="020B0609020204030204" pitchFamily="49" charset="0"/>
+              </a:rPr>
+              <a:t>vehiclerUrl</a:t>
+            </a:r>
+            <a:r>
+              <a:rPr lang="en-US" sz="2400" dirty="0">
+                <a:solidFill>
+                  <a:srgbClr val="D4D4D4"/>
+                </a:solidFill>
+                <a:latin typeface="Consolas" panose="020B0609020204030204" pitchFamily="49" charset="0"/>
+              </a:rPr>
+              <a:t>)</a:t>
+            </a:r>
+            <a:br>
+              <a:rPr lang="en-US" sz="2400" dirty="0">
+                <a:solidFill>
+                  <a:srgbClr val="D4D4D4"/>
+                </a:solidFill>
+                <a:latin typeface="Consolas" panose="020B0609020204030204" pitchFamily="49" charset="0"/>
+              </a:rPr>
+            </a:br>
+            <a:r>
+              <a:rPr lang="en-US" sz="2400" dirty="0">
+                <a:solidFill>
+                  <a:srgbClr val="D4D4D4"/>
+                </a:solidFill>
+                <a:latin typeface="Consolas" panose="020B0609020204030204" pitchFamily="49" charset="0"/>
+              </a:rPr>
+              <a:t>        .</a:t>
+            </a:r>
+            <a:r>
+              <a:rPr lang="en-US" sz="2400" dirty="0">
+                <a:solidFill>
+                  <a:srgbClr val="DCDCAA"/>
+                </a:solidFill>
+                <a:latin typeface="Consolas" panose="020B0609020204030204" pitchFamily="49" charset="0"/>
+              </a:rPr>
+              <a:t>map</a:t>
+            </a:r>
+            <a:r>
+              <a:rPr lang="en-US" sz="2400" dirty="0">
+                <a:solidFill>
+                  <a:srgbClr val="D4D4D4"/>
+                </a:solidFill>
+                <a:latin typeface="Consolas" panose="020B0609020204030204" pitchFamily="49" charset="0"/>
+              </a:rPr>
+              <a:t>((</a:t>
+            </a:r>
+            <a:r>
+              <a:rPr lang="en-US" sz="2400" dirty="0">
+                <a:solidFill>
+                  <a:srgbClr val="9CDCFE"/>
+                </a:solidFill>
+                <a:latin typeface="Consolas" panose="020B0609020204030204" pitchFamily="49" charset="0"/>
+              </a:rPr>
+              <a:t>res</a:t>
+            </a:r>
+            <a:r>
+              <a:rPr lang="en-US" sz="2400" dirty="0">
+                <a:solidFill>
+                  <a:srgbClr val="D4D4D4"/>
+                </a:solidFill>
+                <a:latin typeface="Consolas" panose="020B0609020204030204" pitchFamily="49" charset="0"/>
+              </a:rPr>
+              <a:t>: </a:t>
+            </a:r>
+            <a:r>
+              <a:rPr lang="en-US" sz="2400" dirty="0">
+                <a:solidFill>
+                  <a:srgbClr val="4EC9B0"/>
+                </a:solidFill>
+                <a:latin typeface="Consolas" panose="020B0609020204030204" pitchFamily="49" charset="0"/>
+              </a:rPr>
+              <a:t>Response</a:t>
+            </a:r>
+            <a:r>
+              <a:rPr lang="en-US" sz="2400" dirty="0">
+                <a:solidFill>
+                  <a:srgbClr val="D4D4D4"/>
+                </a:solidFill>
+                <a:latin typeface="Consolas" panose="020B0609020204030204" pitchFamily="49" charset="0"/>
+              </a:rPr>
+              <a:t>) </a:t>
+            </a:r>
+            <a:r>
+              <a:rPr lang="en-US" sz="2400" dirty="0">
+                <a:solidFill>
+                  <a:srgbClr val="569CD6"/>
+                </a:solidFill>
+                <a:latin typeface="Consolas" panose="020B0609020204030204" pitchFamily="49" charset="0"/>
+              </a:rPr>
+              <a:t>=&gt;</a:t>
+            </a:r>
+            <a:r>
+              <a:rPr lang="en-US" sz="2400" dirty="0">
+                <a:solidFill>
+                  <a:srgbClr val="D4D4D4"/>
+                </a:solidFill>
+                <a:latin typeface="Consolas" panose="020B0609020204030204" pitchFamily="49" charset="0"/>
+              </a:rPr>
+              <a:t> </a:t>
+            </a:r>
+            <a:r>
+              <a:rPr lang="en-US" sz="2400" dirty="0" err="1">
+                <a:solidFill>
+                  <a:srgbClr val="9CDCFE"/>
+                </a:solidFill>
+                <a:latin typeface="Consolas" panose="020B0609020204030204" pitchFamily="49" charset="0"/>
+              </a:rPr>
+              <a:t>res</a:t>
+            </a:r>
+            <a:r>
+              <a:rPr lang="en-US" sz="2400" dirty="0" err="1">
+                <a:solidFill>
+                  <a:srgbClr val="D4D4D4"/>
+                </a:solidFill>
+                <a:latin typeface="Consolas" panose="020B0609020204030204" pitchFamily="49" charset="0"/>
+              </a:rPr>
+              <a:t>.</a:t>
+            </a:r>
+            <a:r>
+              <a:rPr lang="en-US" sz="2400" dirty="0" err="1">
+                <a:solidFill>
+                  <a:srgbClr val="DCDCAA"/>
+                </a:solidFill>
+                <a:latin typeface="Consolas" panose="020B0609020204030204" pitchFamily="49" charset="0"/>
+              </a:rPr>
+              <a:t>json</a:t>
+            </a:r>
+            <a:r>
+              <a:rPr lang="en-US" sz="2400" dirty="0">
+                <a:solidFill>
+                  <a:srgbClr val="D4D4D4"/>
+                </a:solidFill>
+                <a:latin typeface="Consolas" panose="020B0609020204030204" pitchFamily="49" charset="0"/>
+              </a:rPr>
+              <a:t>().</a:t>
+            </a:r>
+            <a:r>
+              <a:rPr lang="en-US" sz="2400" dirty="0">
+                <a:solidFill>
+                  <a:srgbClr val="9CDCFE"/>
+                </a:solidFill>
+                <a:latin typeface="Consolas" panose="020B0609020204030204" pitchFamily="49" charset="0"/>
+              </a:rPr>
+              <a:t>data</a:t>
+            </a:r>
+            <a:r>
+              <a:rPr lang="en-US" sz="2400" dirty="0">
+                <a:solidFill>
+                  <a:srgbClr val="D4D4D4"/>
+                </a:solidFill>
+                <a:latin typeface="Consolas" panose="020B0609020204030204" pitchFamily="49" charset="0"/>
+              </a:rPr>
+              <a:t>);</a:t>
+            </a:r>
+            <a:br>
+              <a:rPr lang="en-US" sz="2400" dirty="0">
+                <a:solidFill>
+                  <a:srgbClr val="D4D4D4"/>
+                </a:solidFill>
+                <a:latin typeface="Consolas" panose="020B0609020204030204" pitchFamily="49" charset="0"/>
+              </a:rPr>
+            </a:br>
+            <a:r>
+              <a:rPr lang="en-US" sz="2400" dirty="0">
+                <a:solidFill>
+                  <a:srgbClr val="D4D4D4"/>
+                </a:solidFill>
+                <a:latin typeface="Consolas" panose="020B0609020204030204" pitchFamily="49" charset="0"/>
+              </a:rPr>
+              <a:t>    }</a:t>
+            </a:r>
+            <a:br>
+              <a:rPr lang="en-US" sz="2400" dirty="0">
+                <a:solidFill>
+                  <a:srgbClr val="D4D4D4"/>
+                </a:solidFill>
+                <a:latin typeface="Consolas" panose="020B0609020204030204" pitchFamily="49" charset="0"/>
+              </a:rPr>
+            </a:br>
+            <a:r>
+              <a:rPr lang="en-US" sz="2400" dirty="0" smtClean="0">
+                <a:solidFill>
+                  <a:srgbClr val="D4D4D4"/>
+                </a:solidFill>
+                <a:latin typeface="Consolas" panose="020B0609020204030204" pitchFamily="49" charset="0"/>
+              </a:rPr>
+              <a:t>}</a:t>
+            </a:r>
+            <a:endParaRPr lang="en-US" sz="2400" b="0" dirty="0">
+              <a:solidFill>
+                <a:srgbClr val="D4D4D4"/>
+              </a:solidFill>
+              <a:effectLst/>
+              <a:latin typeface="Consolas" panose="020B0609020204030204" pitchFamily="49" charset="0"/>
+            </a:endParaRPr>
+          </a:p>
+        </p:txBody>
+      </p:sp>
+      <p:sp>
+        <p:nvSpPr>
+          <p:cNvPr id="6" name="Text Placeholder 5"/>
+          <p:cNvSpPr>
+            <a:spLocks noGrp="1"/>
+          </p:cNvSpPr>
+          <p:nvPr>
+            <p:ph type="body" sz="quarter" idx="13"/>
+          </p:nvPr>
+        </p:nvSpPr>
+        <p:spPr>
+          <a:xfrm>
+            <a:off x="734290" y="5234187"/>
+            <a:ext cx="7557453" cy="574962"/>
+          </a:xfrm>
+        </p:spPr>
+        <p:txBody>
+          <a:bodyPr>
+            <a:noAutofit/>
+          </a:bodyPr>
+          <a:lstStyle/>
+          <a:p>
+            <a:r>
+              <a:rPr lang="en-US" dirty="0" smtClean="0"/>
+              <a:t>Injecting a Service into a Service</a:t>
+            </a:r>
+            <a:endParaRPr lang="bg-BG" dirty="0"/>
+          </a:p>
+        </p:txBody>
+      </p:sp>
+    </p:spTree>
+    <p:extLst>
+      <p:ext uri="{BB962C8B-B14F-4D97-AF65-F5344CB8AC3E}">
+        <p14:creationId xmlns:p14="http://schemas.microsoft.com/office/powerpoint/2010/main" val="1973577366"/>
+      </p:ext>
+    </p:extLst>
+  </p:cSld>
+  <p:clrMapOvr>
+    <a:masterClrMapping/>
+  </p:clrMapOvr>
+  <p:timing>
+    <p:tnLst>
+      <p:par>
+        <p:cTn id="1" dur="indefinite" restart="never" nodeType="tmRoot"/>
+      </p:par>
+    </p:tnLst>
+  </p:timing>
+</p:sld>
+</file>
+
+<file path=ppt/slides/slide46.xml><?xml version="1.0" encoding="utf-8"?>
 <p:sld xmlns:a="http://schemas.openxmlformats.org/drawingml/2006/main" xmlns:r="http://schemas.openxmlformats.org/officeDocument/2006/relationships" xmlns:p="http://schemas.openxmlformats.org/presentationml/2006/main">
   <p:cSld>
     <p:spTree>
@@ -26744,98 +33717,6 @@
     <p:extLst>
       <p:ext uri="{BB962C8B-B14F-4D97-AF65-F5344CB8AC3E}">
         <p14:creationId xmlns:p14="http://schemas.microsoft.com/office/powerpoint/2010/main" val="4157607353"/>
-      </p:ext>
-    </p:extLst>
-  </p:cSld>
-  <p:clrMapOvr>
-    <a:masterClrMapping/>
-  </p:clrMapOvr>
-</p:sld>
-</file>
-
-<file path=ppt/slides/slide4.xml><?xml version="1.0" encoding="utf-8"?>
-<p:sld xmlns:a="http://schemas.openxmlformats.org/drawingml/2006/main" xmlns:r="http://schemas.openxmlformats.org/officeDocument/2006/relationships" xmlns:p="http://schemas.openxmlformats.org/presentationml/2006/main">
-  <p:cSld>
-    <p:spTree>
-      <p:nvGrpSpPr>
-        <p:cNvPr id="1" name=""/>
-        <p:cNvGrpSpPr/>
-        <p:nvPr/>
-      </p:nvGrpSpPr>
-      <p:grpSpPr>
-        <a:xfrm>
-          <a:off x="0" y="0"/>
-          <a:ext cx="0" cy="0"/>
-          <a:chOff x="0" y="0"/>
-          <a:chExt cx="0" cy="0"/>
-        </a:xfrm>
-      </p:grpSpPr>
-      <p:sp>
-        <p:nvSpPr>
-          <p:cNvPr id="2" name="Title 1"/>
-          <p:cNvSpPr>
-            <a:spLocks noGrp="1"/>
-          </p:cNvSpPr>
-          <p:nvPr>
-            <p:ph type="title"/>
-          </p:nvPr>
-        </p:nvSpPr>
-        <p:spPr/>
-        <p:txBody>
-          <a:bodyPr/>
-          <a:lstStyle/>
-          <a:p>
-            <a:endParaRPr lang="bg-BG"/>
-          </a:p>
-        </p:txBody>
-      </p:sp>
-      <p:sp>
-        <p:nvSpPr>
-          <p:cNvPr id="3" name="Content Placeholder 2"/>
-          <p:cNvSpPr>
-            <a:spLocks noGrp="1"/>
-          </p:cNvSpPr>
-          <p:nvPr>
-            <p:ph idx="1"/>
-          </p:nvPr>
-        </p:nvSpPr>
-        <p:spPr/>
-        <p:txBody>
-          <a:bodyPr/>
-          <a:lstStyle/>
-          <a:p>
-            <a:endParaRPr lang="bg-BG"/>
-          </a:p>
-        </p:txBody>
-      </p:sp>
-      <p:pic>
-        <p:nvPicPr>
-          <p:cNvPr id="4" name="Picture 3"/>
-          <p:cNvPicPr>
-            <a:picLocks noChangeAspect="1"/>
-          </p:cNvPicPr>
-          <p:nvPr/>
-        </p:nvPicPr>
-        <p:blipFill>
-          <a:blip r:embed="rId2"/>
-          <a:stretch>
-            <a:fillRect/>
-          </a:stretch>
-        </p:blipFill>
-        <p:spPr>
-          <a:xfrm>
-            <a:off x="0" y="0"/>
-            <a:ext cx="12192000" cy="6857999"/>
-          </a:xfrm>
-          <a:prstGeom prst="rect">
-            <a:avLst/>
-          </a:prstGeom>
-        </p:spPr>
-      </p:pic>
-    </p:spTree>
-    <p:extLst>
-      <p:ext uri="{BB962C8B-B14F-4D97-AF65-F5344CB8AC3E}">
-        <p14:creationId xmlns:p14="http://schemas.microsoft.com/office/powerpoint/2010/main" val="1775766865"/>
       </p:ext>
     </p:extLst>
   </p:cSld>
@@ -27241,6 +34122,14 @@
               </a:rPr>
               <a:t>TypeScript</a:t>
             </a:r>
+            <a:r>
+              <a:rPr lang="en-US" dirty="0">
+                <a:solidFill>
+                  <a:schemeClr val="bg1"/>
+                </a:solidFill>
+              </a:rPr>
+              <a:t/>
+            </a:r>
             <a:br>
               <a:rPr lang="en-US" dirty="0">
                 <a:solidFill>
@@ -27327,6 +34216,14 @@
                 </a:solidFill>
               </a:rPr>
               <a:t>ES6</a:t>
+            </a:r>
+            <a:r>
+              <a:rPr lang="en-US" dirty="0">
+                <a:solidFill>
+                  <a:schemeClr val="bg1"/>
+                </a:solidFill>
+              </a:rPr>
+              <a:t/>
             </a:r>
             <a:br>
               <a:rPr lang="en-US" dirty="0">

--- a/presentations/angular2.pptx
+++ b/presentations/angular2.pptx
@@ -59,23 +59,23 @@
   <p:notesSz cx="6858000" cy="9144000"/>
   <p:embeddedFontLst>
     <p:embeddedFont>
+      <p:font typeface="Franklin Gothic Book" panose="020B0503020102020204" pitchFamily="34" charset="0"/>
+      <p:regular r:id="rId49"/>
+      <p:italic r:id="rId50"/>
+    </p:embeddedFont>
+    <p:embeddedFont>
       <p:font typeface="Consolas" panose="020B0609020204030204" pitchFamily="49" charset="0"/>
-      <p:regular r:id="rId49"/>
-      <p:bold r:id="rId50"/>
-      <p:italic r:id="rId51"/>
-      <p:boldItalic r:id="rId52"/>
+      <p:regular r:id="rId51"/>
+      <p:bold r:id="rId52"/>
+      <p:italic r:id="rId53"/>
+      <p:boldItalic r:id="rId54"/>
     </p:embeddedFont>
     <p:embeddedFont>
       <p:font typeface="Calibri" panose="020F0502020204030204" pitchFamily="34" charset="0"/>
-      <p:regular r:id="rId53"/>
-      <p:bold r:id="rId54"/>
-      <p:italic r:id="rId55"/>
-      <p:boldItalic r:id="rId56"/>
-    </p:embeddedFont>
-    <p:embeddedFont>
-      <p:font typeface="Franklin Gothic Book" panose="020B0604020202020204" charset="0"/>
-      <p:regular r:id="rId57"/>
-      <p:italic r:id="rId58"/>
+      <p:regular r:id="rId55"/>
+      <p:bold r:id="rId56"/>
+      <p:italic r:id="rId57"/>
+      <p:boldItalic r:id="rId58"/>
     </p:embeddedFont>
   </p:embeddedFontLst>
   <p:defaultTextStyle>
@@ -1153,13 +1153,6 @@
         </dgm:presLayoutVars>
       </dgm:prSet>
       <dgm:spPr/>
-      <dgm:t>
-        <a:bodyPr/>
-        <a:lstStyle/>
-        <a:p>
-          <a:endParaRPr lang="bg-BG"/>
-        </a:p>
-      </dgm:t>
     </dgm:pt>
     <dgm:pt modelId="{40AAF5A4-B6F2-4C35-99D5-FA3FDDDB240E}" type="pres">
       <dgm:prSet presAssocID="{07D0D4BA-D025-4E1B-9C08-FEE17D4D5327}" presName="levelTx" presStyleLbl="revTx" presStyleIdx="0" presStyleCnt="0">
@@ -1169,13 +1162,6 @@
         </dgm:presLayoutVars>
       </dgm:prSet>
       <dgm:spPr/>
-      <dgm:t>
-        <a:bodyPr/>
-        <a:lstStyle/>
-        <a:p>
-          <a:endParaRPr lang="bg-BG"/>
-        </a:p>
-      </dgm:t>
     </dgm:pt>
     <dgm:pt modelId="{826130F0-11EB-49F7-8DF6-0705DC553D78}" type="pres">
       <dgm:prSet presAssocID="{C9B450C7-645D-4981-9000-C91DC27912F3}" presName="Name8" presStyleCnt="0"/>
@@ -1189,13 +1175,6 @@
         </dgm:presLayoutVars>
       </dgm:prSet>
       <dgm:spPr/>
-      <dgm:t>
-        <a:bodyPr/>
-        <a:lstStyle/>
-        <a:p>
-          <a:endParaRPr lang="bg-BG"/>
-        </a:p>
-      </dgm:t>
     </dgm:pt>
     <dgm:pt modelId="{D893F61A-7CD3-43D8-AA66-D7A7998BB54D}" type="pres">
       <dgm:prSet presAssocID="{C9B450C7-645D-4981-9000-C91DC27912F3}" presName="levelTx" presStyleLbl="revTx" presStyleIdx="0" presStyleCnt="0">
@@ -1205,13 +1184,6 @@
         </dgm:presLayoutVars>
       </dgm:prSet>
       <dgm:spPr/>
-      <dgm:t>
-        <a:bodyPr/>
-        <a:lstStyle/>
-        <a:p>
-          <a:endParaRPr lang="bg-BG"/>
-        </a:p>
-      </dgm:t>
     </dgm:pt>
     <dgm:pt modelId="{2A87F081-50F6-4E23-AEDF-14792C32904B}" type="pres">
       <dgm:prSet presAssocID="{F5C6CF61-C630-48F4-B82B-6FC7032F71B7}" presName="Name8" presStyleCnt="0"/>
@@ -1225,13 +1197,6 @@
         </dgm:presLayoutVars>
       </dgm:prSet>
       <dgm:spPr/>
-      <dgm:t>
-        <a:bodyPr/>
-        <a:lstStyle/>
-        <a:p>
-          <a:endParaRPr lang="bg-BG"/>
-        </a:p>
-      </dgm:t>
     </dgm:pt>
     <dgm:pt modelId="{FDB5F634-DD73-412D-9344-585D7EABB1AD}" type="pres">
       <dgm:prSet presAssocID="{F5C6CF61-C630-48F4-B82B-6FC7032F71B7}" presName="levelTx" presStyleLbl="revTx" presStyleIdx="0" presStyleCnt="0">
@@ -1241,13 +1206,6 @@
         </dgm:presLayoutVars>
       </dgm:prSet>
       <dgm:spPr/>
-      <dgm:t>
-        <a:bodyPr/>
-        <a:lstStyle/>
-        <a:p>
-          <a:endParaRPr lang="bg-BG"/>
-        </a:p>
-      </dgm:t>
     </dgm:pt>
     <dgm:pt modelId="{C3F286E1-D4AE-444C-B94A-F44940D469F0}" type="pres">
       <dgm:prSet presAssocID="{D2338D01-86D4-46E4-83A4-4F16550A0F6F}" presName="Name8" presStyleCnt="0"/>
@@ -1261,13 +1219,6 @@
         </dgm:presLayoutVars>
       </dgm:prSet>
       <dgm:spPr/>
-      <dgm:t>
-        <a:bodyPr/>
-        <a:lstStyle/>
-        <a:p>
-          <a:endParaRPr lang="bg-BG"/>
-        </a:p>
-      </dgm:t>
     </dgm:pt>
     <dgm:pt modelId="{27028588-A2E5-4854-8DCD-6D13C24B19A6}" type="pres">
       <dgm:prSet presAssocID="{D2338D01-86D4-46E4-83A4-4F16550A0F6F}" presName="levelTx" presStyleLbl="revTx" presStyleIdx="0" presStyleCnt="0">
@@ -1277,13 +1228,6 @@
         </dgm:presLayoutVars>
       </dgm:prSet>
       <dgm:spPr/>
-      <dgm:t>
-        <a:bodyPr/>
-        <a:lstStyle/>
-        <a:p>
-          <a:endParaRPr lang="bg-BG"/>
-        </a:p>
-      </dgm:t>
     </dgm:pt>
   </dgm:ptLst>
   <dgm:cxnLst>
@@ -1377,7 +1321,7 @@
         </a:bodyPr>
         <a:lstStyle/>
         <a:p>
-          <a:pPr lvl="0" algn="ctr" defTabSz="2044700">
+          <a:pPr marL="0" lvl="0" indent="0" algn="ctr" defTabSz="2044700">
             <a:lnSpc>
               <a:spcPct val="90000"/>
             </a:lnSpc>
@@ -1387,6 +1331,7 @@
             <a:spcAft>
               <a:spcPct val="35000"/>
             </a:spcAft>
+            <a:buNone/>
           </a:pPr>
           <a:r>
             <a:rPr lang="en-US" sz="4600" kern="1200" dirty="0">
@@ -1449,7 +1394,7 @@
         </a:bodyPr>
         <a:lstStyle/>
         <a:p>
-          <a:pPr lvl="0" algn="ctr" defTabSz="2044700">
+          <a:pPr marL="0" lvl="0" indent="0" algn="ctr" defTabSz="2044700">
             <a:lnSpc>
               <a:spcPct val="90000"/>
             </a:lnSpc>
@@ -1459,6 +1404,7 @@
             <a:spcAft>
               <a:spcPct val="35000"/>
             </a:spcAft>
+            <a:buNone/>
           </a:pPr>
           <a:r>
             <a:rPr lang="en-US" sz="4600" kern="1200" dirty="0">
@@ -1521,7 +1467,7 @@
         </a:bodyPr>
         <a:lstStyle/>
         <a:p>
-          <a:pPr lvl="0" algn="ctr" defTabSz="2044700">
+          <a:pPr marL="0" lvl="0" indent="0" algn="ctr" defTabSz="2044700">
             <a:lnSpc>
               <a:spcPct val="90000"/>
             </a:lnSpc>
@@ -1531,6 +1477,7 @@
             <a:spcAft>
               <a:spcPct val="35000"/>
             </a:spcAft>
+            <a:buNone/>
           </a:pPr>
           <a:r>
             <a:rPr lang="en-US" sz="4600" kern="1200" dirty="0">
@@ -1593,7 +1540,7 @@
         </a:bodyPr>
         <a:lstStyle/>
         <a:p>
-          <a:pPr lvl="0" algn="ctr" defTabSz="2044700">
+          <a:pPr marL="0" lvl="0" indent="0" algn="ctr" defTabSz="2044700">
             <a:lnSpc>
               <a:spcPct val="90000"/>
             </a:lnSpc>
@@ -1603,6 +1550,7 @@
             <a:spcAft>
               <a:spcPct val="35000"/>
             </a:spcAft>
+            <a:buNone/>
           </a:pPr>
           <a:r>
             <a:rPr lang="en-US" sz="4600" kern="1200" dirty="0">
@@ -2971,7 +2919,7 @@
           <a:p>
             <a:fld id="{40C9EC12-D619-4239-BA0B-F64B757C48A8}" type="datetimeFigureOut">
               <a:rPr lang="bg-BG" smtClean="0"/>
-              <a:t>17.3.2017 г.</a:t>
+              <a:t>19.3.2017 г.</a:t>
             </a:fld>
             <a:endParaRPr lang="bg-BG"/>
           </a:p>
@@ -3593,7 +3541,7 @@
             <a:fld id="{87DE6118-2437-4B30-8E3C-4D2BE6020583}" type="datetimeFigureOut">
               <a:rPr lang="en-US" smtClean="0"/>
               <a:pPr/>
-              <a:t>3/17/2017</a:t>
+              <a:t>3/19/2017</a:t>
             </a:fld>
             <a:endParaRPr lang="en-US" dirty="0"/>
           </a:p>
@@ -4074,7 +4022,7 @@
             <a:fld id="{87DE6118-2437-4B30-8E3C-4D2BE6020583}" type="datetimeFigureOut">
               <a:rPr lang="en-US" smtClean="0"/>
               <a:pPr/>
-              <a:t>3/17/2017</a:t>
+              <a:t>3/19/2017</a:t>
             </a:fld>
             <a:endParaRPr lang="en-US" dirty="0"/>
           </a:p>
@@ -4314,7 +4262,7 @@
           <a:p>
             <a:fld id="{87DE6118-2437-4B30-8E3C-4D2BE6020583}" type="datetimeFigureOut">
               <a:rPr lang="en-US" smtClean="0"/>
-              <a:t>3/17/2017</a:t>
+              <a:t>3/19/2017</a:t>
             </a:fld>
             <a:endParaRPr lang="en-US" dirty="0"/>
           </a:p>
@@ -4494,7 +4442,7 @@
           <a:p>
             <a:fld id="{87DE6118-2437-4B30-8E3C-4D2BE6020583}" type="datetimeFigureOut">
               <a:rPr lang="en-US" smtClean="0"/>
-              <a:t>3/17/2017</a:t>
+              <a:t>3/19/2017</a:t>
             </a:fld>
             <a:endParaRPr lang="en-US" dirty="0"/>
           </a:p>
@@ -4664,7 +4612,7 @@
           <a:p>
             <a:fld id="{87DE6118-2437-4B30-8E3C-4D2BE6020583}" type="datetimeFigureOut">
               <a:rPr lang="en-US" smtClean="0"/>
-              <a:t>3/17/2017</a:t>
+              <a:t>3/19/2017</a:t>
             </a:fld>
             <a:endParaRPr lang="en-US" dirty="0"/>
           </a:p>
@@ -4750,7 +4698,7 @@
         </p:nvSpPr>
         <p:spPr>
           <a:xfrm>
-            <a:off x="0" y="-207818"/>
+            <a:off x="0" y="0"/>
             <a:ext cx="12192000" cy="4876800"/>
           </a:xfrm>
           <a:prstGeom prst="rect">
@@ -4842,7 +4790,7 @@
             <a:fld id="{87DE6118-2437-4B30-8E3C-4D2BE6020583}" type="datetimeFigureOut">
               <a:rPr lang="en-US" smtClean="0"/>
               <a:pPr/>
-              <a:t>3/17/2017</a:t>
+              <a:t>3/19/2017</a:t>
             </a:fld>
             <a:endParaRPr lang="en-US" dirty="0"/>
           </a:p>
@@ -5173,7 +5121,7 @@
             <a:fld id="{87DE6118-2437-4B30-8E3C-4D2BE6020583}" type="datetimeFigureOut">
               <a:rPr lang="en-US" smtClean="0"/>
               <a:pPr/>
-              <a:t>3/17/2017</a:t>
+              <a:t>3/19/2017</a:t>
             </a:fld>
             <a:endParaRPr lang="en-US" dirty="0"/>
           </a:p>
@@ -5568,7 +5516,7 @@
           <a:p>
             <a:fld id="{87DE6118-2437-4B30-8E3C-4D2BE6020583}" type="datetimeFigureOut">
               <a:rPr lang="en-US" smtClean="0"/>
-              <a:t>3/17/2017</a:t>
+              <a:t>3/19/2017</a:t>
             </a:fld>
             <a:endParaRPr lang="en-US" dirty="0"/>
           </a:p>
@@ -6045,7 +5993,7 @@
           <a:p>
             <a:fld id="{87DE6118-2437-4B30-8E3C-4D2BE6020583}" type="datetimeFigureOut">
               <a:rPr lang="en-US" smtClean="0"/>
-              <a:t>3/17/2017</a:t>
+              <a:t>3/19/2017</a:t>
             </a:fld>
             <a:endParaRPr lang="en-US" dirty="0"/>
           </a:p>
@@ -6163,7 +6111,7 @@
           <a:p>
             <a:fld id="{87DE6118-2437-4B30-8E3C-4D2BE6020583}" type="datetimeFigureOut">
               <a:rPr lang="en-US" smtClean="0"/>
-              <a:t>3/17/2017</a:t>
+              <a:t>3/19/2017</a:t>
             </a:fld>
             <a:endParaRPr lang="en-US" dirty="0"/>
           </a:p>
@@ -6258,7 +6206,7 @@
           <a:p>
             <a:fld id="{87DE6118-2437-4B30-8E3C-4D2BE6020583}" type="datetimeFigureOut">
               <a:rPr lang="en-US" smtClean="0"/>
-              <a:t>3/17/2017</a:t>
+              <a:t>3/19/2017</a:t>
             </a:fld>
             <a:endParaRPr lang="en-US" dirty="0"/>
           </a:p>
@@ -6605,7 +6553,7 @@
             <a:fld id="{87DE6118-2437-4B30-8E3C-4D2BE6020583}" type="datetimeFigureOut">
               <a:rPr lang="en-US" smtClean="0"/>
               <a:pPr/>
-              <a:t>3/17/2017</a:t>
+              <a:t>3/19/2017</a:t>
             </a:fld>
             <a:endParaRPr lang="en-US" dirty="0"/>
           </a:p>
@@ -6885,7 +6833,7 @@
             <a:fld id="{87DE6118-2437-4B30-8E3C-4D2BE6020583}" type="datetimeFigureOut">
               <a:rPr lang="en-US" smtClean="0"/>
               <a:pPr/>
-              <a:t>3/17/2017</a:t>
+              <a:t>3/19/2017</a:t>
             </a:fld>
             <a:endParaRPr lang="en-US" dirty="0"/>
           </a:p>
@@ -7638,14 +7586,103 @@
                 <a:latin typeface="Consolas" panose="020B0609020204030204" pitchFamily="49" charset="0"/>
               </a:rPr>
             </a:br>
-            <a:r>
+            <a:br>
               <a:rPr lang="en-US" sz="2400" dirty="0">
                 <a:solidFill>
                   <a:srgbClr val="D4D4D4"/>
                 </a:solidFill>
                 <a:latin typeface="Consolas" panose="020B0609020204030204" pitchFamily="49" charset="0"/>
               </a:rPr>
-              <a:t/>
+            </a:br>
+            <a:r>
+              <a:rPr lang="en-US" sz="2400" dirty="0">
+                <a:solidFill>
+                  <a:srgbClr val="C586C0"/>
+                </a:solidFill>
+                <a:latin typeface="Consolas" panose="020B0609020204030204" pitchFamily="49" charset="0"/>
+              </a:rPr>
+              <a:t>import</a:t>
+            </a:r>
+            <a:r>
+              <a:rPr lang="en-US" sz="2400" dirty="0">
+                <a:solidFill>
+                  <a:srgbClr val="D4D4D4"/>
+                </a:solidFill>
+                <a:latin typeface="Consolas" panose="020B0609020204030204" pitchFamily="49" charset="0"/>
+              </a:rPr>
+              <a:t> {</a:t>
+            </a:r>
+            <a:r>
+              <a:rPr lang="en-US" sz="2400" dirty="0">
+                <a:solidFill>
+                  <a:srgbClr val="9CDCFE"/>
+                </a:solidFill>
+                <a:latin typeface="Consolas" panose="020B0609020204030204" pitchFamily="49" charset="0"/>
+              </a:rPr>
+              <a:t>Vehicle</a:t>
+            </a:r>
+            <a:r>
+              <a:rPr lang="en-US" sz="2400" dirty="0">
+                <a:solidFill>
+                  <a:srgbClr val="D4D4D4"/>
+                </a:solidFill>
+                <a:latin typeface="Consolas" panose="020B0609020204030204" pitchFamily="49" charset="0"/>
+              </a:rPr>
+              <a:t>} </a:t>
+            </a:r>
+            <a:r>
+              <a:rPr lang="en-US" sz="2400" dirty="0">
+                <a:solidFill>
+                  <a:srgbClr val="C586C0"/>
+                </a:solidFill>
+                <a:latin typeface="Consolas" panose="020B0609020204030204" pitchFamily="49" charset="0"/>
+              </a:rPr>
+              <a:t>from</a:t>
+            </a:r>
+            <a:r>
+              <a:rPr lang="en-US" sz="2400" dirty="0">
+                <a:solidFill>
+                  <a:srgbClr val="D4D4D4"/>
+                </a:solidFill>
+                <a:latin typeface="Consolas" panose="020B0609020204030204" pitchFamily="49" charset="0"/>
+              </a:rPr>
+              <a:t> </a:t>
+            </a:r>
+            <a:r>
+              <a:rPr lang="en-US" sz="2400" dirty="0">
+                <a:solidFill>
+                  <a:srgbClr val="CE9178"/>
+                </a:solidFill>
+                <a:latin typeface="Consolas" panose="020B0609020204030204" pitchFamily="49" charset="0"/>
+              </a:rPr>
+              <a:t>'./</a:t>
+            </a:r>
+            <a:r>
+              <a:rPr lang="en-US" sz="2400" dirty="0" err="1">
+                <a:solidFill>
+                  <a:srgbClr val="CE9178"/>
+                </a:solidFill>
+                <a:latin typeface="Consolas" panose="020B0609020204030204" pitchFamily="49" charset="0"/>
+              </a:rPr>
+              <a:t>vehicle.service</a:t>
+            </a:r>
+            <a:r>
+              <a:rPr lang="en-US" sz="2400" dirty="0">
+                <a:solidFill>
+                  <a:srgbClr val="CE9178"/>
+                </a:solidFill>
+                <a:latin typeface="Consolas" panose="020B0609020204030204" pitchFamily="49" charset="0"/>
+              </a:rPr>
+              <a:t>'</a:t>
+            </a:r>
+            <a:r>
+              <a:rPr lang="en-US" sz="2400" dirty="0">
+                <a:solidFill>
+                  <a:srgbClr val="D4D4D4"/>
+                </a:solidFill>
+                <a:latin typeface="Consolas" panose="020B0609020204030204" pitchFamily="49" charset="0"/>
+              </a:rPr>
+              <a:t>;</a:t>
             </a:r>
             <a:br>
               <a:rPr lang="en-US" sz="2400" dirty="0">
@@ -7655,6 +7692,260 @@
                 <a:latin typeface="Consolas" panose="020B0609020204030204" pitchFamily="49" charset="0"/>
               </a:rPr>
             </a:br>
+            <a:br>
+              <a:rPr lang="en-US" sz="2400" dirty="0">
+                <a:solidFill>
+                  <a:srgbClr val="D4D4D4"/>
+                </a:solidFill>
+                <a:latin typeface="Consolas" panose="020B0609020204030204" pitchFamily="49" charset="0"/>
+              </a:rPr>
+            </a:br>
+            <a:r>
+              <a:rPr lang="en-US" sz="2400" dirty="0">
+                <a:solidFill>
+                  <a:srgbClr val="D4D4D4"/>
+                </a:solidFill>
+                <a:latin typeface="Consolas" panose="020B0609020204030204" pitchFamily="49" charset="0"/>
+              </a:rPr>
+              <a:t>@</a:t>
+            </a:r>
+            <a:r>
+              <a:rPr lang="en-US" sz="2400" dirty="0">
+                <a:solidFill>
+                  <a:srgbClr val="DCDCAA"/>
+                </a:solidFill>
+                <a:latin typeface="Consolas" panose="020B0609020204030204" pitchFamily="49" charset="0"/>
+              </a:rPr>
+              <a:t>Component</a:t>
+            </a:r>
+            <a:r>
+              <a:rPr lang="en-US" sz="2400" dirty="0">
+                <a:solidFill>
+                  <a:srgbClr val="D4D4D4"/>
+                </a:solidFill>
+                <a:latin typeface="Consolas" panose="020B0609020204030204" pitchFamily="49" charset="0"/>
+              </a:rPr>
+              <a:t>({</a:t>
+            </a:r>
+            <a:br>
+              <a:rPr lang="en-US" sz="2400" dirty="0">
+                <a:solidFill>
+                  <a:srgbClr val="D4D4D4"/>
+                </a:solidFill>
+                <a:latin typeface="Consolas" panose="020B0609020204030204" pitchFamily="49" charset="0"/>
+              </a:rPr>
+            </a:br>
+            <a:r>
+              <a:rPr lang="en-US" sz="2400" dirty="0">
+                <a:solidFill>
+                  <a:srgbClr val="D4D4D4"/>
+                </a:solidFill>
+                <a:latin typeface="Consolas" panose="020B0609020204030204" pitchFamily="49" charset="0"/>
+              </a:rPr>
+              <a:t>    </a:t>
+            </a:r>
+            <a:r>
+              <a:rPr lang="en-US" sz="2400" dirty="0" err="1">
+                <a:solidFill>
+                  <a:srgbClr val="9CDCFE"/>
+                </a:solidFill>
+                <a:latin typeface="Consolas" panose="020B0609020204030204" pitchFamily="49" charset="0"/>
+              </a:rPr>
+              <a:t>moduleId</a:t>
+            </a:r>
+            <a:r>
+              <a:rPr lang="en-US" sz="2400" dirty="0">
+                <a:solidFill>
+                  <a:srgbClr val="9CDCFE"/>
+                </a:solidFill>
+                <a:latin typeface="Consolas" panose="020B0609020204030204" pitchFamily="49" charset="0"/>
+              </a:rPr>
+              <a:t>:</a:t>
+            </a:r>
+            <a:r>
+              <a:rPr lang="en-US" sz="2400" dirty="0">
+                <a:solidFill>
+                  <a:srgbClr val="D4D4D4"/>
+                </a:solidFill>
+                <a:latin typeface="Consolas" panose="020B0609020204030204" pitchFamily="49" charset="0"/>
+              </a:rPr>
+              <a:t> </a:t>
+            </a:r>
+            <a:r>
+              <a:rPr lang="en-US" sz="2400" dirty="0">
+                <a:solidFill>
+                  <a:srgbClr val="4EC9B0"/>
+                </a:solidFill>
+                <a:latin typeface="Consolas" panose="020B0609020204030204" pitchFamily="49" charset="0"/>
+              </a:rPr>
+              <a:t>module</a:t>
+            </a:r>
+            <a:r>
+              <a:rPr lang="en-US" sz="2400" dirty="0">
+                <a:solidFill>
+                  <a:srgbClr val="D4D4D4"/>
+                </a:solidFill>
+                <a:latin typeface="Consolas" panose="020B0609020204030204" pitchFamily="49" charset="0"/>
+              </a:rPr>
+              <a:t>.</a:t>
+            </a:r>
+            <a:r>
+              <a:rPr lang="en-US" sz="2400" dirty="0">
+                <a:solidFill>
+                  <a:srgbClr val="4EC9B0"/>
+                </a:solidFill>
+                <a:latin typeface="Consolas" panose="020B0609020204030204" pitchFamily="49" charset="0"/>
+              </a:rPr>
+              <a:t>id</a:t>
+            </a:r>
+            <a:r>
+              <a:rPr lang="en-US" sz="2400" dirty="0">
+                <a:solidFill>
+                  <a:srgbClr val="D4D4D4"/>
+                </a:solidFill>
+                <a:latin typeface="Consolas" panose="020B0609020204030204" pitchFamily="49" charset="0"/>
+              </a:rPr>
+              <a:t>,</a:t>
+            </a:r>
+            <a:br>
+              <a:rPr lang="en-US" sz="2400" dirty="0">
+                <a:solidFill>
+                  <a:srgbClr val="D4D4D4"/>
+                </a:solidFill>
+                <a:latin typeface="Consolas" panose="020B0609020204030204" pitchFamily="49" charset="0"/>
+              </a:rPr>
+            </a:br>
+            <a:r>
+              <a:rPr lang="en-US" sz="2400" dirty="0">
+                <a:solidFill>
+                  <a:srgbClr val="D4D4D4"/>
+                </a:solidFill>
+                <a:latin typeface="Consolas" panose="020B0609020204030204" pitchFamily="49" charset="0"/>
+              </a:rPr>
+              <a:t>    </a:t>
+            </a:r>
+            <a:r>
+              <a:rPr lang="en-US" sz="2400" dirty="0">
+                <a:solidFill>
+                  <a:srgbClr val="9CDCFE"/>
+                </a:solidFill>
+                <a:latin typeface="Consolas" panose="020B0609020204030204" pitchFamily="49" charset="0"/>
+              </a:rPr>
+              <a:t>selector:</a:t>
+            </a:r>
+            <a:r>
+              <a:rPr lang="en-US" sz="2400" dirty="0">
+                <a:solidFill>
+                  <a:srgbClr val="D4D4D4"/>
+                </a:solidFill>
+                <a:latin typeface="Consolas" panose="020B0609020204030204" pitchFamily="49" charset="0"/>
+              </a:rPr>
+              <a:t> </a:t>
+            </a:r>
+            <a:r>
+              <a:rPr lang="en-US" sz="2400" dirty="0">
+                <a:solidFill>
+                  <a:srgbClr val="CE9178"/>
+                </a:solidFill>
+                <a:latin typeface="Consolas" panose="020B0609020204030204" pitchFamily="49" charset="0"/>
+              </a:rPr>
+              <a:t>'story-vehicles'</a:t>
+            </a:r>
+            <a:r>
+              <a:rPr lang="en-US" sz="2400" dirty="0">
+                <a:solidFill>
+                  <a:srgbClr val="D4D4D4"/>
+                </a:solidFill>
+                <a:latin typeface="Consolas" panose="020B0609020204030204" pitchFamily="49" charset="0"/>
+              </a:rPr>
+              <a:t>,</a:t>
+            </a:r>
+            <a:br>
+              <a:rPr lang="en-US" sz="2400" dirty="0">
+                <a:solidFill>
+                  <a:srgbClr val="D4D4D4"/>
+                </a:solidFill>
+                <a:latin typeface="Consolas" panose="020B0609020204030204" pitchFamily="49" charset="0"/>
+              </a:rPr>
+            </a:br>
+            <a:r>
+              <a:rPr lang="en-US" sz="2400" dirty="0">
+                <a:solidFill>
+                  <a:srgbClr val="D4D4D4"/>
+                </a:solidFill>
+                <a:latin typeface="Consolas" panose="020B0609020204030204" pitchFamily="49" charset="0"/>
+              </a:rPr>
+              <a:t>    </a:t>
+            </a:r>
+            <a:r>
+              <a:rPr lang="en-US" sz="2400" dirty="0" err="1">
+                <a:solidFill>
+                  <a:srgbClr val="9CDCFE"/>
+                </a:solidFill>
+                <a:latin typeface="Consolas" panose="020B0609020204030204" pitchFamily="49" charset="0"/>
+              </a:rPr>
+              <a:t>templateUrl</a:t>
+            </a:r>
+            <a:r>
+              <a:rPr lang="en-US" sz="2400" dirty="0">
+                <a:solidFill>
+                  <a:srgbClr val="9CDCFE"/>
+                </a:solidFill>
+                <a:latin typeface="Consolas" panose="020B0609020204030204" pitchFamily="49" charset="0"/>
+              </a:rPr>
+              <a:t>:</a:t>
+            </a:r>
+            <a:r>
+              <a:rPr lang="en-US" sz="2400" dirty="0">
+                <a:solidFill>
+                  <a:srgbClr val="D4D4D4"/>
+                </a:solidFill>
+                <a:latin typeface="Consolas" panose="020B0609020204030204" pitchFamily="49" charset="0"/>
+              </a:rPr>
+              <a:t> </a:t>
+            </a:r>
+            <a:r>
+              <a:rPr lang="en-US" sz="2400" dirty="0">
+                <a:solidFill>
+                  <a:srgbClr val="CE9178"/>
+                </a:solidFill>
+                <a:latin typeface="Consolas" panose="020B0609020204030204" pitchFamily="49" charset="0"/>
+              </a:rPr>
+              <a:t>'vehicles.component.html'</a:t>
+            </a:r>
+            <a:br>
+              <a:rPr lang="en-US" sz="2400" dirty="0">
+                <a:solidFill>
+                  <a:srgbClr val="D4D4D4"/>
+                </a:solidFill>
+                <a:latin typeface="Consolas" panose="020B0609020204030204" pitchFamily="49" charset="0"/>
+              </a:rPr>
+            </a:br>
+            <a:r>
+              <a:rPr lang="en-US" sz="2400" dirty="0">
+                <a:solidFill>
+                  <a:srgbClr val="D4D4D4"/>
+                </a:solidFill>
+                <a:latin typeface="Consolas" panose="020B0609020204030204" pitchFamily="49" charset="0"/>
+              </a:rPr>
+              <a:t>})</a:t>
+            </a:r>
+            <a:br>
+              <a:rPr lang="en-US" sz="2400" dirty="0">
+                <a:solidFill>
+                  <a:srgbClr val="D4D4D4"/>
+                </a:solidFill>
+                <a:latin typeface="Consolas" panose="020B0609020204030204" pitchFamily="49" charset="0"/>
+              </a:rPr>
+            </a:br>
+            <a:br>
+              <a:rPr lang="en-US" sz="2400" dirty="0">
+                <a:solidFill>
+                  <a:srgbClr val="D4D4D4"/>
+                </a:solidFill>
+                <a:latin typeface="Consolas" panose="020B0609020204030204" pitchFamily="49" charset="0"/>
+              </a:rPr>
+            </a:br>
             <a:r>
               <a:rPr lang="en-US" sz="2400" dirty="0">
                 <a:solidFill>
@@ -7662,7 +7953,7 @@
                 </a:solidFill>
                 <a:latin typeface="Consolas" panose="020B0609020204030204" pitchFamily="49" charset="0"/>
               </a:rPr>
-              <a:t>import</a:t>
+              <a:t>export</a:t>
             </a:r>
             <a:r>
               <a:rPr lang="en-US" sz="2400" dirty="0">
@@ -7671,8 +7962,61 @@
                 </a:solidFill>
                 <a:latin typeface="Consolas" panose="020B0609020204030204" pitchFamily="49" charset="0"/>
               </a:rPr>
+              <a:t> </a:t>
+            </a:r>
+            <a:r>
+              <a:rPr lang="en-US" sz="2400" dirty="0">
+                <a:solidFill>
+                  <a:srgbClr val="569CD6"/>
+                </a:solidFill>
+                <a:latin typeface="Consolas" panose="020B0609020204030204" pitchFamily="49" charset="0"/>
+              </a:rPr>
+              <a:t>class</a:t>
+            </a:r>
+            <a:r>
+              <a:rPr lang="en-US" sz="2400" dirty="0">
+                <a:solidFill>
+                  <a:srgbClr val="D4D4D4"/>
+                </a:solidFill>
+                <a:latin typeface="Consolas" panose="020B0609020204030204" pitchFamily="49" charset="0"/>
+              </a:rPr>
+              <a:t> </a:t>
+            </a:r>
+            <a:r>
+              <a:rPr lang="en-US" sz="2400" dirty="0" err="1">
+                <a:solidFill>
+                  <a:srgbClr val="4EC9B0"/>
+                </a:solidFill>
+                <a:latin typeface="Consolas" panose="020B0609020204030204" pitchFamily="49" charset="0"/>
+              </a:rPr>
+              <a:t>VehicleListComponent</a:t>
+            </a:r>
+            <a:r>
+              <a:rPr lang="en-US" sz="2400" dirty="0">
+                <a:solidFill>
+                  <a:srgbClr val="D4D4D4"/>
+                </a:solidFill>
+                <a:latin typeface="Consolas" panose="020B0609020204030204" pitchFamily="49" charset="0"/>
+              </a:rPr>
               <a:t> {</a:t>
             </a:r>
+            <a:br>
+              <a:rPr lang="en-US" sz="2400" dirty="0">
+                <a:solidFill>
+                  <a:srgbClr val="D4D4D4"/>
+                </a:solidFill>
+                <a:latin typeface="Consolas" panose="020B0609020204030204" pitchFamily="49" charset="0"/>
+              </a:rPr>
+            </a:br>
+            <a:r>
+              <a:rPr lang="en-US" sz="2400" dirty="0">
+                <a:solidFill>
+                  <a:srgbClr val="D4D4D4"/>
+                </a:solidFill>
+                <a:latin typeface="Consolas" panose="020B0609020204030204" pitchFamily="49" charset="0"/>
+              </a:rPr>
+              <a:t>    </a:t>
+            </a:r>
             <a:r>
               <a:rPr lang="en-US" sz="2400" dirty="0">
                 <a:solidFill>
@@ -7680,6 +8024,24 @@
                 </a:solidFill>
                 <a:latin typeface="Consolas" panose="020B0609020204030204" pitchFamily="49" charset="0"/>
               </a:rPr>
+              <a:t>vehicles</a:t>
+            </a:r>
+            <a:r>
+              <a:rPr lang="en-US" sz="2400" dirty="0">
+                <a:solidFill>
+                  <a:srgbClr val="D4D4D4"/>
+                </a:solidFill>
+                <a:latin typeface="Consolas" panose="020B0609020204030204" pitchFamily="49" charset="0"/>
+              </a:rPr>
+              <a:t>: </a:t>
+            </a:r>
+            <a:r>
+              <a:rPr lang="en-US" sz="2400" dirty="0">
+                <a:solidFill>
+                  <a:srgbClr val="4EC9B0"/>
+                </a:solidFill>
+                <a:latin typeface="Consolas" panose="020B0609020204030204" pitchFamily="49" charset="0"/>
+              </a:rPr>
               <a:t>Vehicle</a:t>
             </a:r>
             <a:r>
@@ -7689,477 +8051,18 @@
                 </a:solidFill>
                 <a:latin typeface="Consolas" panose="020B0609020204030204" pitchFamily="49" charset="0"/>
               </a:rPr>
-              <a:t>} </a:t>
-            </a:r>
-            <a:r>
-              <a:rPr lang="en-US" sz="2400" dirty="0">
-                <a:solidFill>
-                  <a:srgbClr val="C586C0"/>
-                </a:solidFill>
-                <a:latin typeface="Consolas" panose="020B0609020204030204" pitchFamily="49" charset="0"/>
-              </a:rPr>
-              <a:t>from</a:t>
-            </a:r>
-            <a:r>
+              <a:t>[];</a:t>
+            </a:r>
+            <a:br>
               <a:rPr lang="en-US" sz="2400" dirty="0">
                 <a:solidFill>
                   <a:srgbClr val="D4D4D4"/>
                 </a:solidFill>
                 <a:latin typeface="Consolas" panose="020B0609020204030204" pitchFamily="49" charset="0"/>
               </a:rPr>
-              <a:t> </a:t>
-            </a:r>
-            <a:r>
-              <a:rPr lang="en-US" sz="2400" dirty="0">
-                <a:solidFill>
-                  <a:srgbClr val="CE9178"/>
-                </a:solidFill>
-                <a:latin typeface="Consolas" panose="020B0609020204030204" pitchFamily="49" charset="0"/>
-              </a:rPr>
-              <a:t>'./</a:t>
-            </a:r>
-            <a:r>
-              <a:rPr lang="en-US" sz="2400" dirty="0" err="1">
-                <a:solidFill>
-                  <a:srgbClr val="CE9178"/>
-                </a:solidFill>
-                <a:latin typeface="Consolas" panose="020B0609020204030204" pitchFamily="49" charset="0"/>
-              </a:rPr>
-              <a:t>vehicle.service</a:t>
-            </a:r>
-            <a:r>
-              <a:rPr lang="en-US" sz="2400" dirty="0">
-                <a:solidFill>
-                  <a:srgbClr val="CE9178"/>
-                </a:solidFill>
-                <a:latin typeface="Consolas" panose="020B0609020204030204" pitchFamily="49" charset="0"/>
-              </a:rPr>
-              <a:t>'</a:t>
-            </a:r>
-            <a:r>
-              <a:rPr lang="en-US" sz="2400" dirty="0">
-                <a:solidFill>
-                  <a:srgbClr val="D4D4D4"/>
-                </a:solidFill>
-                <a:latin typeface="Consolas" panose="020B0609020204030204" pitchFamily="49" charset="0"/>
-              </a:rPr>
-              <a:t>;</a:t>
-            </a:r>
-            <a:br>
-              <a:rPr lang="en-US" sz="2400" dirty="0">
-                <a:solidFill>
-                  <a:srgbClr val="D4D4D4"/>
-                </a:solidFill>
-                <a:latin typeface="Consolas" panose="020B0609020204030204" pitchFamily="49" charset="0"/>
-              </a:rPr>
             </a:br>
             <a:r>
               <a:rPr lang="en-US" sz="2400" dirty="0">
-                <a:solidFill>
-                  <a:srgbClr val="D4D4D4"/>
-                </a:solidFill>
-                <a:latin typeface="Consolas" panose="020B0609020204030204" pitchFamily="49" charset="0"/>
-              </a:rPr>
-              <a:t/>
-            </a:r>
-            <a:br>
-              <a:rPr lang="en-US" sz="2400" dirty="0">
-                <a:solidFill>
-                  <a:srgbClr val="D4D4D4"/>
-                </a:solidFill>
-                <a:latin typeface="Consolas" panose="020B0609020204030204" pitchFamily="49" charset="0"/>
-              </a:rPr>
-            </a:br>
-            <a:r>
-              <a:rPr lang="en-US" sz="2400" dirty="0">
-                <a:solidFill>
-                  <a:srgbClr val="D4D4D4"/>
-                </a:solidFill>
-                <a:latin typeface="Consolas" panose="020B0609020204030204" pitchFamily="49" charset="0"/>
-              </a:rPr>
-              <a:t>@</a:t>
-            </a:r>
-            <a:r>
-              <a:rPr lang="en-US" sz="2400" dirty="0">
-                <a:solidFill>
-                  <a:srgbClr val="DCDCAA"/>
-                </a:solidFill>
-                <a:latin typeface="Consolas" panose="020B0609020204030204" pitchFamily="49" charset="0"/>
-              </a:rPr>
-              <a:t>Component</a:t>
-            </a:r>
-            <a:r>
-              <a:rPr lang="en-US" sz="2400" dirty="0">
-                <a:solidFill>
-                  <a:srgbClr val="D4D4D4"/>
-                </a:solidFill>
-                <a:latin typeface="Consolas" panose="020B0609020204030204" pitchFamily="49" charset="0"/>
-              </a:rPr>
-              <a:t>({</a:t>
-            </a:r>
-            <a:br>
-              <a:rPr lang="en-US" sz="2400" dirty="0">
-                <a:solidFill>
-                  <a:srgbClr val="D4D4D4"/>
-                </a:solidFill>
-                <a:latin typeface="Consolas" panose="020B0609020204030204" pitchFamily="49" charset="0"/>
-              </a:rPr>
-            </a:br>
-            <a:r>
-              <a:rPr lang="en-US" sz="2400" dirty="0">
-                <a:solidFill>
-                  <a:srgbClr val="D4D4D4"/>
-                </a:solidFill>
-                <a:latin typeface="Consolas" panose="020B0609020204030204" pitchFamily="49" charset="0"/>
-              </a:rPr>
-              <a:t>    </a:t>
-            </a:r>
-            <a:r>
-              <a:rPr lang="en-US" sz="2400" dirty="0" err="1">
-                <a:solidFill>
-                  <a:srgbClr val="9CDCFE"/>
-                </a:solidFill>
-                <a:latin typeface="Consolas" panose="020B0609020204030204" pitchFamily="49" charset="0"/>
-              </a:rPr>
-              <a:t>moduleId</a:t>
-            </a:r>
-            <a:r>
-              <a:rPr lang="en-US" sz="2400" dirty="0">
-                <a:solidFill>
-                  <a:srgbClr val="9CDCFE"/>
-                </a:solidFill>
-                <a:latin typeface="Consolas" panose="020B0609020204030204" pitchFamily="49" charset="0"/>
-              </a:rPr>
-              <a:t>:</a:t>
-            </a:r>
-            <a:r>
-              <a:rPr lang="en-US" sz="2400" dirty="0">
-                <a:solidFill>
-                  <a:srgbClr val="D4D4D4"/>
-                </a:solidFill>
-                <a:latin typeface="Consolas" panose="020B0609020204030204" pitchFamily="49" charset="0"/>
-              </a:rPr>
-              <a:t> </a:t>
-            </a:r>
-            <a:r>
-              <a:rPr lang="en-US" sz="2400" dirty="0">
-                <a:solidFill>
-                  <a:srgbClr val="4EC9B0"/>
-                </a:solidFill>
-                <a:latin typeface="Consolas" panose="020B0609020204030204" pitchFamily="49" charset="0"/>
-              </a:rPr>
-              <a:t>module</a:t>
-            </a:r>
-            <a:r>
-              <a:rPr lang="en-US" sz="2400" dirty="0">
-                <a:solidFill>
-                  <a:srgbClr val="D4D4D4"/>
-                </a:solidFill>
-                <a:latin typeface="Consolas" panose="020B0609020204030204" pitchFamily="49" charset="0"/>
-              </a:rPr>
-              <a:t>.</a:t>
-            </a:r>
-            <a:r>
-              <a:rPr lang="en-US" sz="2400" dirty="0">
-                <a:solidFill>
-                  <a:srgbClr val="4EC9B0"/>
-                </a:solidFill>
-                <a:latin typeface="Consolas" panose="020B0609020204030204" pitchFamily="49" charset="0"/>
-              </a:rPr>
-              <a:t>id</a:t>
-            </a:r>
-            <a:r>
-              <a:rPr lang="en-US" sz="2400" dirty="0">
-                <a:solidFill>
-                  <a:srgbClr val="D4D4D4"/>
-                </a:solidFill>
-                <a:latin typeface="Consolas" panose="020B0609020204030204" pitchFamily="49" charset="0"/>
-              </a:rPr>
-              <a:t>,</a:t>
-            </a:r>
-            <a:br>
-              <a:rPr lang="en-US" sz="2400" dirty="0">
-                <a:solidFill>
-                  <a:srgbClr val="D4D4D4"/>
-                </a:solidFill>
-                <a:latin typeface="Consolas" panose="020B0609020204030204" pitchFamily="49" charset="0"/>
-              </a:rPr>
-            </a:br>
-            <a:r>
-              <a:rPr lang="en-US" sz="2400" dirty="0">
-                <a:solidFill>
-                  <a:srgbClr val="D4D4D4"/>
-                </a:solidFill>
-                <a:latin typeface="Consolas" panose="020B0609020204030204" pitchFamily="49" charset="0"/>
-              </a:rPr>
-              <a:t>    </a:t>
-            </a:r>
-            <a:r>
-              <a:rPr lang="en-US" sz="2400" dirty="0">
-                <a:solidFill>
-                  <a:srgbClr val="9CDCFE"/>
-                </a:solidFill>
-                <a:latin typeface="Consolas" panose="020B0609020204030204" pitchFamily="49" charset="0"/>
-              </a:rPr>
-              <a:t>selector:</a:t>
-            </a:r>
-            <a:r>
-              <a:rPr lang="en-US" sz="2400" dirty="0">
-                <a:solidFill>
-                  <a:srgbClr val="D4D4D4"/>
-                </a:solidFill>
-                <a:latin typeface="Consolas" panose="020B0609020204030204" pitchFamily="49" charset="0"/>
-              </a:rPr>
-              <a:t> </a:t>
-            </a:r>
-            <a:r>
-              <a:rPr lang="en-US" sz="2400" dirty="0">
-                <a:solidFill>
-                  <a:srgbClr val="CE9178"/>
-                </a:solidFill>
-                <a:latin typeface="Consolas" panose="020B0609020204030204" pitchFamily="49" charset="0"/>
-              </a:rPr>
-              <a:t>'story-vehicles'</a:t>
-            </a:r>
-            <a:r>
-              <a:rPr lang="en-US" sz="2400" dirty="0">
-                <a:solidFill>
-                  <a:srgbClr val="D4D4D4"/>
-                </a:solidFill>
-                <a:latin typeface="Consolas" panose="020B0609020204030204" pitchFamily="49" charset="0"/>
-              </a:rPr>
-              <a:t>,</a:t>
-            </a:r>
-            <a:br>
-              <a:rPr lang="en-US" sz="2400" dirty="0">
-                <a:solidFill>
-                  <a:srgbClr val="D4D4D4"/>
-                </a:solidFill>
-                <a:latin typeface="Consolas" panose="020B0609020204030204" pitchFamily="49" charset="0"/>
-              </a:rPr>
-            </a:br>
-            <a:r>
-              <a:rPr lang="en-US" sz="2400" dirty="0">
-                <a:solidFill>
-                  <a:srgbClr val="D4D4D4"/>
-                </a:solidFill>
-                <a:latin typeface="Consolas" panose="020B0609020204030204" pitchFamily="49" charset="0"/>
-              </a:rPr>
-              <a:t>    </a:t>
-            </a:r>
-            <a:r>
-              <a:rPr lang="en-US" sz="2400" dirty="0" err="1">
-                <a:solidFill>
-                  <a:srgbClr val="9CDCFE"/>
-                </a:solidFill>
-                <a:latin typeface="Consolas" panose="020B0609020204030204" pitchFamily="49" charset="0"/>
-              </a:rPr>
-              <a:t>templateUrl</a:t>
-            </a:r>
-            <a:r>
-              <a:rPr lang="en-US" sz="2400" dirty="0">
-                <a:solidFill>
-                  <a:srgbClr val="9CDCFE"/>
-                </a:solidFill>
-                <a:latin typeface="Consolas" panose="020B0609020204030204" pitchFamily="49" charset="0"/>
-              </a:rPr>
-              <a:t>:</a:t>
-            </a:r>
-            <a:r>
-              <a:rPr lang="en-US" sz="2400" dirty="0">
-                <a:solidFill>
-                  <a:srgbClr val="D4D4D4"/>
-                </a:solidFill>
-                <a:latin typeface="Consolas" panose="020B0609020204030204" pitchFamily="49" charset="0"/>
-              </a:rPr>
-              <a:t> </a:t>
-            </a:r>
-            <a:r>
-              <a:rPr lang="en-US" sz="2400" dirty="0">
-                <a:solidFill>
-                  <a:srgbClr val="CE9178"/>
-                </a:solidFill>
-                <a:latin typeface="Consolas" panose="020B0609020204030204" pitchFamily="49" charset="0"/>
-              </a:rPr>
-              <a:t>'vehicles.component.html'</a:t>
-            </a:r>
-            <a:r>
-              <a:rPr lang="en-US" sz="2400" dirty="0">
-                <a:solidFill>
-                  <a:srgbClr val="D4D4D4"/>
-                </a:solidFill>
-                <a:latin typeface="Consolas" panose="020B0609020204030204" pitchFamily="49" charset="0"/>
-              </a:rPr>
-              <a:t/>
-            </a:r>
-            <a:br>
-              <a:rPr lang="en-US" sz="2400" dirty="0">
-                <a:solidFill>
-                  <a:srgbClr val="D4D4D4"/>
-                </a:solidFill>
-                <a:latin typeface="Consolas" panose="020B0609020204030204" pitchFamily="49" charset="0"/>
-              </a:rPr>
-            </a:br>
-            <a:r>
-              <a:rPr lang="en-US" sz="2400" dirty="0" smtClean="0">
-                <a:solidFill>
-                  <a:srgbClr val="D4D4D4"/>
-                </a:solidFill>
-                <a:latin typeface="Consolas" panose="020B0609020204030204" pitchFamily="49" charset="0"/>
-              </a:rPr>
-              <a:t>})</a:t>
-            </a:r>
-            <a:r>
-              <a:rPr lang="en-US" sz="2400" dirty="0">
-                <a:solidFill>
-                  <a:srgbClr val="D4D4D4"/>
-                </a:solidFill>
-                <a:latin typeface="Consolas" panose="020B0609020204030204" pitchFamily="49" charset="0"/>
-              </a:rPr>
-              <a:t/>
-            </a:r>
-            <a:br>
-              <a:rPr lang="en-US" sz="2400" dirty="0">
-                <a:solidFill>
-                  <a:srgbClr val="D4D4D4"/>
-                </a:solidFill>
-                <a:latin typeface="Consolas" panose="020B0609020204030204" pitchFamily="49" charset="0"/>
-              </a:rPr>
-            </a:br>
-            <a:r>
-              <a:rPr lang="en-US" sz="2400" dirty="0">
-                <a:solidFill>
-                  <a:srgbClr val="D4D4D4"/>
-                </a:solidFill>
-                <a:latin typeface="Consolas" panose="020B0609020204030204" pitchFamily="49" charset="0"/>
-              </a:rPr>
-              <a:t/>
-            </a:r>
-            <a:br>
-              <a:rPr lang="en-US" sz="2400" dirty="0">
-                <a:solidFill>
-                  <a:srgbClr val="D4D4D4"/>
-                </a:solidFill>
-                <a:latin typeface="Consolas" panose="020B0609020204030204" pitchFamily="49" charset="0"/>
-              </a:rPr>
-            </a:br>
-            <a:r>
-              <a:rPr lang="en-US" sz="2400" dirty="0">
-                <a:solidFill>
-                  <a:srgbClr val="C586C0"/>
-                </a:solidFill>
-                <a:latin typeface="Consolas" panose="020B0609020204030204" pitchFamily="49" charset="0"/>
-              </a:rPr>
-              <a:t>export</a:t>
-            </a:r>
-            <a:r>
-              <a:rPr lang="en-US" sz="2400" dirty="0">
-                <a:solidFill>
-                  <a:srgbClr val="D4D4D4"/>
-                </a:solidFill>
-                <a:latin typeface="Consolas" panose="020B0609020204030204" pitchFamily="49" charset="0"/>
-              </a:rPr>
-              <a:t> </a:t>
-            </a:r>
-            <a:r>
-              <a:rPr lang="en-US" sz="2400" dirty="0">
-                <a:solidFill>
-                  <a:srgbClr val="569CD6"/>
-                </a:solidFill>
-                <a:latin typeface="Consolas" panose="020B0609020204030204" pitchFamily="49" charset="0"/>
-              </a:rPr>
-              <a:t>class</a:t>
-            </a:r>
-            <a:r>
-              <a:rPr lang="en-US" sz="2400" dirty="0">
-                <a:solidFill>
-                  <a:srgbClr val="D4D4D4"/>
-                </a:solidFill>
-                <a:latin typeface="Consolas" panose="020B0609020204030204" pitchFamily="49" charset="0"/>
-              </a:rPr>
-              <a:t> </a:t>
-            </a:r>
-            <a:r>
-              <a:rPr lang="en-US" sz="2400" dirty="0" err="1">
-                <a:solidFill>
-                  <a:srgbClr val="4EC9B0"/>
-                </a:solidFill>
-                <a:latin typeface="Consolas" panose="020B0609020204030204" pitchFamily="49" charset="0"/>
-              </a:rPr>
-              <a:t>VehicleListComponent</a:t>
-            </a:r>
-            <a:r>
-              <a:rPr lang="en-US" sz="2400" dirty="0">
-                <a:solidFill>
-                  <a:srgbClr val="D4D4D4"/>
-                </a:solidFill>
-                <a:latin typeface="Consolas" panose="020B0609020204030204" pitchFamily="49" charset="0"/>
-              </a:rPr>
-              <a:t> {</a:t>
-            </a:r>
-            <a:br>
-              <a:rPr lang="en-US" sz="2400" dirty="0">
-                <a:solidFill>
-                  <a:srgbClr val="D4D4D4"/>
-                </a:solidFill>
-                <a:latin typeface="Consolas" panose="020B0609020204030204" pitchFamily="49" charset="0"/>
-              </a:rPr>
-            </a:br>
-            <a:r>
-              <a:rPr lang="en-US" sz="2400" dirty="0">
-                <a:solidFill>
-                  <a:srgbClr val="D4D4D4"/>
-                </a:solidFill>
-                <a:latin typeface="Consolas" panose="020B0609020204030204" pitchFamily="49" charset="0"/>
-              </a:rPr>
-              <a:t>    </a:t>
-            </a:r>
-            <a:r>
-              <a:rPr lang="en-US" sz="2400" dirty="0">
-                <a:solidFill>
-                  <a:srgbClr val="9CDCFE"/>
-                </a:solidFill>
-                <a:latin typeface="Consolas" panose="020B0609020204030204" pitchFamily="49" charset="0"/>
-              </a:rPr>
-              <a:t>vehicles</a:t>
-            </a:r>
-            <a:r>
-              <a:rPr lang="en-US" sz="2400" dirty="0">
-                <a:solidFill>
-                  <a:srgbClr val="D4D4D4"/>
-                </a:solidFill>
-                <a:latin typeface="Consolas" panose="020B0609020204030204" pitchFamily="49" charset="0"/>
-              </a:rPr>
-              <a:t>: </a:t>
-            </a:r>
-            <a:r>
-              <a:rPr lang="en-US" sz="2400" dirty="0">
-                <a:solidFill>
-                  <a:srgbClr val="4EC9B0"/>
-                </a:solidFill>
-                <a:latin typeface="Consolas" panose="020B0609020204030204" pitchFamily="49" charset="0"/>
-              </a:rPr>
-              <a:t>Vehicle</a:t>
-            </a:r>
-            <a:r>
-              <a:rPr lang="en-US" sz="2400" dirty="0">
-                <a:solidFill>
-                  <a:srgbClr val="D4D4D4"/>
-                </a:solidFill>
-                <a:latin typeface="Consolas" panose="020B0609020204030204" pitchFamily="49" charset="0"/>
-              </a:rPr>
-              <a:t>[];</a:t>
-            </a:r>
-            <a:br>
-              <a:rPr lang="en-US" sz="2400" dirty="0">
-                <a:solidFill>
-                  <a:srgbClr val="D4D4D4"/>
-                </a:solidFill>
-                <a:latin typeface="Consolas" panose="020B0609020204030204" pitchFamily="49" charset="0"/>
-              </a:rPr>
-            </a:br>
-            <a:r>
-              <a:rPr lang="en-US" sz="2400" dirty="0" smtClean="0">
                 <a:solidFill>
                   <a:srgbClr val="D4D4D4"/>
                 </a:solidFill>
@@ -8200,7 +8103,7 @@
           <a:lstStyle/>
           <a:p>
             <a:r>
-              <a:rPr lang="en-US" dirty="0" smtClean="0"/>
+              <a:rPr lang="en-US" dirty="0"/>
               <a:t>Anatomy of Component</a:t>
             </a:r>
             <a:endParaRPr lang="bg-BG" dirty="0"/>
@@ -8217,13 +8120,6 @@
   <p:clrMapOvr>
     <a:masterClrMapping/>
   </p:clrMapOvr>
-  <p:timing>
-    <p:tnLst>
-      <p:par>
-        <p:cTn id="1" dur="indefinite" restart="never" nodeType="tmRoot"/>
-      </p:par>
-    </p:tnLst>
-  </p:timing>
 </p:sld>
 </file>
 
@@ -8587,13 +8483,6 @@
   <p:clrMapOvr>
     <a:masterClrMapping/>
   </p:clrMapOvr>
-  <p:timing>
-    <p:tnLst>
-      <p:par>
-        <p:cTn id="1" dur="indefinite" restart="never" nodeType="tmRoot"/>
-      </p:par>
-    </p:tnLst>
-  </p:timing>
 </p:sld>
 </file>
 
@@ -8666,13 +8555,6 @@
   <p:clrMapOvr>
     <a:masterClrMapping/>
   </p:clrMapOvr>
-  <p:timing>
-    <p:tnLst>
-      <p:par>
-        <p:cTn id="1" dur="indefinite" restart="never" nodeType="tmRoot"/>
-      </p:par>
-    </p:tnLst>
-  </p:timing>
 </p:sld>
 </file>
 
@@ -8844,14 +8726,85 @@
               </a:rPr>
               <a:t>&gt;</a:t>
             </a:r>
-            <a:r>
+            <a:br>
               <a:rPr lang="en-US" sz="2400" dirty="0">
                 <a:solidFill>
                   <a:srgbClr val="D4D4D4"/>
                 </a:solidFill>
                 <a:latin typeface="Consolas" panose="020B0609020204030204" pitchFamily="49" charset="0"/>
               </a:rPr>
-              <a:t/>
+            </a:br>
+            <a:r>
+              <a:rPr lang="en-US" sz="2400" dirty="0">
+                <a:solidFill>
+                  <a:srgbClr val="D4D4D4"/>
+                </a:solidFill>
+                <a:latin typeface="Consolas" panose="020B0609020204030204" pitchFamily="49" charset="0"/>
+              </a:rPr>
+              <a:t>    </a:t>
+            </a:r>
+            <a:r>
+              <a:rPr lang="en-US" sz="2400" dirty="0">
+                <a:solidFill>
+                  <a:srgbClr val="808080"/>
+                </a:solidFill>
+                <a:latin typeface="Consolas" panose="020B0609020204030204" pitchFamily="49" charset="0"/>
+              </a:rPr>
+              <a:t>&lt;</a:t>
+            </a:r>
+            <a:r>
+              <a:rPr lang="en-US" sz="2400" dirty="0">
+                <a:solidFill>
+                  <a:srgbClr val="569CD6"/>
+                </a:solidFill>
+                <a:latin typeface="Consolas" panose="020B0609020204030204" pitchFamily="49" charset="0"/>
+              </a:rPr>
+              <a:t>li</a:t>
+            </a:r>
+            <a:r>
+              <a:rPr lang="en-US" sz="2400" dirty="0">
+                <a:solidFill>
+                  <a:srgbClr val="D4D4D4"/>
+                </a:solidFill>
+                <a:latin typeface="Consolas" panose="020B0609020204030204" pitchFamily="49" charset="0"/>
+              </a:rPr>
+              <a:t> *</a:t>
+            </a:r>
+            <a:r>
+              <a:rPr lang="en-US" sz="2400" dirty="0" err="1">
+                <a:solidFill>
+                  <a:srgbClr val="9CDCFE"/>
+                </a:solidFill>
+                <a:latin typeface="Consolas" panose="020B0609020204030204" pitchFamily="49" charset="0"/>
+              </a:rPr>
+              <a:t>ngFor</a:t>
+            </a:r>
+            <a:r>
+              <a:rPr lang="en-US" sz="2400" dirty="0">
+                <a:solidFill>
+                  <a:srgbClr val="D4D4D4"/>
+                </a:solidFill>
+                <a:latin typeface="Consolas" panose="020B0609020204030204" pitchFamily="49" charset="0"/>
+              </a:rPr>
+              <a:t>=</a:t>
+            </a:r>
+            <a:r>
+              <a:rPr lang="en-US" sz="2400" dirty="0">
+                <a:solidFill>
+                  <a:srgbClr val="CE9178"/>
+                </a:solidFill>
+                <a:latin typeface="Consolas" panose="020B0609020204030204" pitchFamily="49" charset="0"/>
+              </a:rPr>
+              <a:t>"let character of characters"</a:t>
+            </a:r>
+            <a:r>
+              <a:rPr lang="en-US" sz="2400" dirty="0">
+                <a:solidFill>
+                  <a:srgbClr val="808080"/>
+                </a:solidFill>
+                <a:latin typeface="Consolas" panose="020B0609020204030204" pitchFamily="49" charset="0"/>
+              </a:rPr>
+              <a:t>&gt;</a:t>
             </a:r>
             <a:br>
               <a:rPr lang="en-US" sz="2400" dirty="0">
@@ -8868,6 +8821,23 @@
                 </a:solidFill>
                 <a:latin typeface="Consolas" panose="020B0609020204030204" pitchFamily="49" charset="0"/>
               </a:rPr>
+              <a:t>        {{ character.name }}</a:t>
+            </a:r>
+            <a:br>
+              <a:rPr lang="en-US" sz="2400" dirty="0">
+                <a:solidFill>
+                  <a:srgbClr val="D4D4D4"/>
+                </a:solidFill>
+                <a:latin typeface="Consolas" panose="020B0609020204030204" pitchFamily="49" charset="0"/>
+              </a:rPr>
+            </a:br>
+            <a:r>
+              <a:rPr lang="en-US" sz="2400" dirty="0">
+                <a:solidFill>
+                  <a:srgbClr val="D4D4D4"/>
+                </a:solidFill>
+                <a:latin typeface="Consolas" panose="020B0609020204030204" pitchFamily="49" charset="0"/>
+              </a:rPr>
               <a:t>    </a:t>
             </a:r>
             <a:r>
@@ -8877,6 +8847,84 @@
                 </a:solidFill>
                 <a:latin typeface="Consolas" panose="020B0609020204030204" pitchFamily="49" charset="0"/>
               </a:rPr>
+              <a:t>&lt;/</a:t>
+            </a:r>
+            <a:r>
+              <a:rPr lang="en-US" sz="2400" dirty="0">
+                <a:solidFill>
+                  <a:srgbClr val="569CD6"/>
+                </a:solidFill>
+                <a:latin typeface="Consolas" panose="020B0609020204030204" pitchFamily="49" charset="0"/>
+              </a:rPr>
+              <a:t>li</a:t>
+            </a:r>
+            <a:r>
+              <a:rPr lang="en-US" sz="2400" dirty="0">
+                <a:solidFill>
+                  <a:srgbClr val="808080"/>
+                </a:solidFill>
+                <a:latin typeface="Consolas" panose="020B0609020204030204" pitchFamily="49" charset="0"/>
+              </a:rPr>
+              <a:t>&gt;</a:t>
+            </a:r>
+            <a:br>
+              <a:rPr lang="en-US" sz="2400" dirty="0">
+                <a:solidFill>
+                  <a:srgbClr val="D4D4D4"/>
+                </a:solidFill>
+                <a:latin typeface="Consolas" panose="020B0609020204030204" pitchFamily="49" charset="0"/>
+              </a:rPr>
+            </a:br>
+            <a:r>
+              <a:rPr lang="en-US" sz="2400" dirty="0">
+                <a:solidFill>
+                  <a:srgbClr val="808080"/>
+                </a:solidFill>
+                <a:latin typeface="Consolas" panose="020B0609020204030204" pitchFamily="49" charset="0"/>
+              </a:rPr>
+              <a:t>&lt;/</a:t>
+            </a:r>
+            <a:r>
+              <a:rPr lang="en-US" sz="2400" dirty="0" err="1">
+                <a:solidFill>
+                  <a:srgbClr val="569CD6"/>
+                </a:solidFill>
+                <a:latin typeface="Consolas" panose="020B0609020204030204" pitchFamily="49" charset="0"/>
+              </a:rPr>
+              <a:t>ul</a:t>
+            </a:r>
+            <a:r>
+              <a:rPr lang="en-US" sz="2400" dirty="0">
+                <a:solidFill>
+                  <a:srgbClr val="808080"/>
+                </a:solidFill>
+                <a:latin typeface="Consolas" panose="020B0609020204030204" pitchFamily="49" charset="0"/>
+              </a:rPr>
+              <a:t>&gt;</a:t>
+            </a:r>
+            <a:br>
+              <a:rPr lang="en-US" sz="2400" dirty="0">
+                <a:solidFill>
+                  <a:srgbClr val="D4D4D4"/>
+                </a:solidFill>
+                <a:latin typeface="Consolas" panose="020B0609020204030204" pitchFamily="49" charset="0"/>
+              </a:rPr>
+            </a:br>
+            <a:br>
+              <a:rPr lang="en-US" sz="2400" dirty="0">
+                <a:solidFill>
+                  <a:srgbClr val="D4D4D4"/>
+                </a:solidFill>
+                <a:latin typeface="Consolas" panose="020B0609020204030204" pitchFamily="49" charset="0"/>
+              </a:rPr>
+            </a:br>
+            <a:r>
+              <a:rPr lang="en-US" sz="2400" dirty="0">
+                <a:solidFill>
+                  <a:srgbClr val="808080"/>
+                </a:solidFill>
+                <a:latin typeface="Consolas" panose="020B0609020204030204" pitchFamily="49" charset="0"/>
+              </a:rPr>
               <a:t>&lt;</a:t>
             </a:r>
             <a:r>
@@ -8886,7 +8934,7 @@
                 </a:solidFill>
                 <a:latin typeface="Consolas" panose="020B0609020204030204" pitchFamily="49" charset="0"/>
               </a:rPr>
-              <a:t>li</a:t>
+              <a:t>my-character</a:t>
             </a:r>
             <a:r>
               <a:rPr lang="en-US" sz="2400" dirty="0">
@@ -8904,7 +8952,7 @@
                 </a:solidFill>
                 <a:latin typeface="Consolas" panose="020B0609020204030204" pitchFamily="49" charset="0"/>
               </a:rPr>
-              <a:t>ngFor</a:t>
+              <a:t>ngIf</a:t>
             </a:r>
             <a:r>
               <a:rPr lang="en-US" sz="2400" dirty="0">
@@ -8922,7 +8970,87 @@
                 </a:solidFill>
                 <a:latin typeface="Consolas" panose="020B0609020204030204" pitchFamily="49" charset="0"/>
               </a:rPr>
-              <a:t>"let character of characters"</a:t>
+              <a:t>"</a:t>
+            </a:r>
+            <a:r>
+              <a:rPr lang="en-US" sz="2400" dirty="0" err="1">
+                <a:solidFill>
+                  <a:srgbClr val="CE9178"/>
+                </a:solidFill>
+                <a:latin typeface="Consolas" panose="020B0609020204030204" pitchFamily="49" charset="0"/>
+              </a:rPr>
+              <a:t>selectedCharacter</a:t>
+            </a:r>
+            <a:r>
+              <a:rPr lang="en-US" sz="2400" dirty="0">
+                <a:solidFill>
+                  <a:srgbClr val="CE9178"/>
+                </a:solidFill>
+                <a:latin typeface="Consolas" panose="020B0609020204030204" pitchFamily="49" charset="0"/>
+              </a:rPr>
+              <a:t>"</a:t>
+            </a:r>
+            <a:br>
+              <a:rPr lang="en-US" sz="2400" dirty="0">
+                <a:solidFill>
+                  <a:srgbClr val="CE9178"/>
+                </a:solidFill>
+                <a:latin typeface="Consolas" panose="020B0609020204030204" pitchFamily="49" charset="0"/>
+              </a:rPr>
+            </a:br>
+            <a:r>
+              <a:rPr lang="en-US" sz="2400" dirty="0">
+                <a:solidFill>
+                  <a:srgbClr val="D4D4D4"/>
+                </a:solidFill>
+                <a:latin typeface="Consolas" panose="020B0609020204030204" pitchFamily="49" charset="0"/>
+              </a:rPr>
+              <a:t> [</a:t>
+            </a:r>
+            <a:r>
+              <a:rPr lang="en-US" sz="2400" dirty="0">
+                <a:solidFill>
+                  <a:srgbClr val="9CDCFE"/>
+                </a:solidFill>
+                <a:latin typeface="Consolas" panose="020B0609020204030204" pitchFamily="49" charset="0"/>
+              </a:rPr>
+              <a:t>character</a:t>
+            </a:r>
+            <a:r>
+              <a:rPr lang="en-US" sz="2400" dirty="0">
+                <a:solidFill>
+                  <a:srgbClr val="D4D4D4"/>
+                </a:solidFill>
+                <a:latin typeface="Consolas" panose="020B0609020204030204" pitchFamily="49" charset="0"/>
+              </a:rPr>
+              <a:t>]=</a:t>
+            </a:r>
+            <a:r>
+              <a:rPr lang="en-US" sz="2400" dirty="0">
+                <a:solidFill>
+                  <a:srgbClr val="CE9178"/>
+                </a:solidFill>
+                <a:latin typeface="Consolas" panose="020B0609020204030204" pitchFamily="49" charset="0"/>
+              </a:rPr>
+              <a:t>"</a:t>
+            </a:r>
+            <a:r>
+              <a:rPr lang="en-US" sz="2400" dirty="0" err="1">
+                <a:solidFill>
+                  <a:srgbClr val="CE9178"/>
+                </a:solidFill>
+                <a:latin typeface="Consolas" panose="020B0609020204030204" pitchFamily="49" charset="0"/>
+              </a:rPr>
+              <a:t>selectedCharacter</a:t>
+            </a:r>
+            <a:r>
+              <a:rPr lang="en-US" sz="2400" dirty="0">
+                <a:solidFill>
+                  <a:srgbClr val="CE9178"/>
+                </a:solidFill>
+                <a:latin typeface="Consolas" panose="020B0609020204030204" pitchFamily="49" charset="0"/>
+              </a:rPr>
+              <a:t>"</a:t>
             </a:r>
             <a:r>
               <a:rPr lang="en-US" sz="2400" dirty="0">
@@ -8931,59 +9059,7 @@
                 </a:solidFill>
                 <a:latin typeface="Consolas" panose="020B0609020204030204" pitchFamily="49" charset="0"/>
               </a:rPr>
-              <a:t>&gt;</a:t>
-            </a:r>
-            <a:r>
-              <a:rPr lang="en-US" sz="2400" dirty="0">
-                <a:solidFill>
-                  <a:srgbClr val="D4D4D4"/>
-                </a:solidFill>
-                <a:latin typeface="Consolas" panose="020B0609020204030204" pitchFamily="49" charset="0"/>
-              </a:rPr>
-              <a:t/>
-            </a:r>
-            <a:br>
-              <a:rPr lang="en-US" sz="2400" dirty="0">
-                <a:solidFill>
-                  <a:srgbClr val="D4D4D4"/>
-                </a:solidFill>
-                <a:latin typeface="Consolas" panose="020B0609020204030204" pitchFamily="49" charset="0"/>
-              </a:rPr>
-            </a:br>
-            <a:r>
-              <a:rPr lang="en-US" sz="2400" dirty="0">
-                <a:solidFill>
-                  <a:srgbClr val="D4D4D4"/>
-                </a:solidFill>
-                <a:latin typeface="Consolas" panose="020B0609020204030204" pitchFamily="49" charset="0"/>
-              </a:rPr>
-              <a:t>        {{ character.name }}</a:t>
-            </a:r>
-            <a:br>
-              <a:rPr lang="en-US" sz="2400" dirty="0">
-                <a:solidFill>
-                  <a:srgbClr val="D4D4D4"/>
-                </a:solidFill>
-                <a:latin typeface="Consolas" panose="020B0609020204030204" pitchFamily="49" charset="0"/>
-              </a:rPr>
-            </a:br>
-            <a:r>
-              <a:rPr lang="en-US" sz="2400" dirty="0">
-                <a:solidFill>
-                  <a:srgbClr val="D4D4D4"/>
-                </a:solidFill>
-                <a:latin typeface="Consolas" panose="020B0609020204030204" pitchFamily="49" charset="0"/>
-              </a:rPr>
-              <a:t>    </a:t>
-            </a:r>
-            <a:r>
-              <a:rPr lang="en-US" sz="2400" dirty="0">
-                <a:solidFill>
-                  <a:srgbClr val="808080"/>
-                </a:solidFill>
-                <a:latin typeface="Consolas" panose="020B0609020204030204" pitchFamily="49" charset="0"/>
-              </a:rPr>
-              <a:t>&lt;/</a:t>
+              <a:t>&gt;&lt;/</a:t>
             </a:r>
             <a:r>
               <a:rPr lang="en-US" sz="2400" dirty="0">
@@ -8992,258 +9068,10 @@
                 </a:solidFill>
                 <a:latin typeface="Consolas" panose="020B0609020204030204" pitchFamily="49" charset="0"/>
               </a:rPr>
-              <a:t>li</a:t>
-            </a:r>
-            <a:r>
-              <a:rPr lang="en-US" sz="2400" dirty="0">
-                <a:solidFill>
-                  <a:srgbClr val="808080"/>
-                </a:solidFill>
-                <a:latin typeface="Consolas" panose="020B0609020204030204" pitchFamily="49" charset="0"/>
-              </a:rPr>
-              <a:t>&gt;</a:t>
-            </a:r>
-            <a:r>
-              <a:rPr lang="en-US" sz="2400" dirty="0">
-                <a:solidFill>
-                  <a:srgbClr val="D4D4D4"/>
-                </a:solidFill>
-                <a:latin typeface="Consolas" panose="020B0609020204030204" pitchFamily="49" charset="0"/>
-              </a:rPr>
-              <a:t/>
-            </a:r>
-            <a:br>
-              <a:rPr lang="en-US" sz="2400" dirty="0">
-                <a:solidFill>
-                  <a:srgbClr val="D4D4D4"/>
-                </a:solidFill>
-                <a:latin typeface="Consolas" panose="020B0609020204030204" pitchFamily="49" charset="0"/>
-              </a:rPr>
-            </a:br>
-            <a:r>
-              <a:rPr lang="en-US" sz="2400" dirty="0">
-                <a:solidFill>
-                  <a:srgbClr val="808080"/>
-                </a:solidFill>
-                <a:latin typeface="Consolas" panose="020B0609020204030204" pitchFamily="49" charset="0"/>
-              </a:rPr>
-              <a:t>&lt;/</a:t>
-            </a:r>
-            <a:r>
-              <a:rPr lang="en-US" sz="2400" dirty="0" err="1">
-                <a:solidFill>
-                  <a:srgbClr val="569CD6"/>
-                </a:solidFill>
-                <a:latin typeface="Consolas" panose="020B0609020204030204" pitchFamily="49" charset="0"/>
-              </a:rPr>
-              <a:t>ul</a:t>
-            </a:r>
-            <a:r>
-              <a:rPr lang="en-US" sz="2400" dirty="0">
-                <a:solidFill>
-                  <a:srgbClr val="808080"/>
-                </a:solidFill>
-                <a:latin typeface="Consolas" panose="020B0609020204030204" pitchFamily="49" charset="0"/>
-              </a:rPr>
-              <a:t>&gt;</a:t>
-            </a:r>
-            <a:r>
-              <a:rPr lang="en-US" sz="2400" dirty="0">
-                <a:solidFill>
-                  <a:srgbClr val="D4D4D4"/>
-                </a:solidFill>
-                <a:latin typeface="Consolas" panose="020B0609020204030204" pitchFamily="49" charset="0"/>
-              </a:rPr>
-              <a:t/>
-            </a:r>
-            <a:br>
-              <a:rPr lang="en-US" sz="2400" dirty="0">
-                <a:solidFill>
-                  <a:srgbClr val="D4D4D4"/>
-                </a:solidFill>
-                <a:latin typeface="Consolas" panose="020B0609020204030204" pitchFamily="49" charset="0"/>
-              </a:rPr>
-            </a:br>
-            <a:r>
-              <a:rPr lang="en-US" sz="2400" dirty="0">
-                <a:solidFill>
-                  <a:srgbClr val="D4D4D4"/>
-                </a:solidFill>
-                <a:latin typeface="Consolas" panose="020B0609020204030204" pitchFamily="49" charset="0"/>
-              </a:rPr>
-              <a:t/>
-            </a:r>
-            <a:br>
-              <a:rPr lang="en-US" sz="2400" dirty="0">
-                <a:solidFill>
-                  <a:srgbClr val="D4D4D4"/>
-                </a:solidFill>
-                <a:latin typeface="Consolas" panose="020B0609020204030204" pitchFamily="49" charset="0"/>
-              </a:rPr>
-            </a:br>
-            <a:r>
-              <a:rPr lang="en-US" sz="2400" dirty="0">
-                <a:solidFill>
-                  <a:srgbClr val="808080"/>
-                </a:solidFill>
-                <a:latin typeface="Consolas" panose="020B0609020204030204" pitchFamily="49" charset="0"/>
-              </a:rPr>
-              <a:t>&lt;</a:t>
-            </a:r>
-            <a:r>
-              <a:rPr lang="en-US" sz="2400" dirty="0">
-                <a:solidFill>
-                  <a:srgbClr val="569CD6"/>
-                </a:solidFill>
-                <a:latin typeface="Consolas" panose="020B0609020204030204" pitchFamily="49" charset="0"/>
-              </a:rPr>
               <a:t>my-character</a:t>
             </a:r>
             <a:r>
               <a:rPr lang="en-US" sz="2400" dirty="0">
-                <a:solidFill>
-                  <a:srgbClr val="D4D4D4"/>
-                </a:solidFill>
-                <a:latin typeface="Consolas" panose="020B0609020204030204" pitchFamily="49" charset="0"/>
-              </a:rPr>
-              <a:t> *</a:t>
-            </a:r>
-            <a:r>
-              <a:rPr lang="en-US" sz="2400" dirty="0" err="1">
-                <a:solidFill>
-                  <a:srgbClr val="9CDCFE"/>
-                </a:solidFill>
-                <a:latin typeface="Consolas" panose="020B0609020204030204" pitchFamily="49" charset="0"/>
-              </a:rPr>
-              <a:t>ngIf</a:t>
-            </a:r>
-            <a:r>
-              <a:rPr lang="en-US" sz="2400" dirty="0">
-                <a:solidFill>
-                  <a:srgbClr val="D4D4D4"/>
-                </a:solidFill>
-                <a:latin typeface="Consolas" panose="020B0609020204030204" pitchFamily="49" charset="0"/>
-              </a:rPr>
-              <a:t>=</a:t>
-            </a:r>
-            <a:r>
-              <a:rPr lang="en-US" sz="2400" dirty="0">
-                <a:solidFill>
-                  <a:srgbClr val="CE9178"/>
-                </a:solidFill>
-                <a:latin typeface="Consolas" panose="020B0609020204030204" pitchFamily="49" charset="0"/>
-              </a:rPr>
-              <a:t>"</a:t>
-            </a:r>
-            <a:r>
-              <a:rPr lang="en-US" sz="2400" dirty="0" err="1" smtClean="0">
-                <a:solidFill>
-                  <a:srgbClr val="CE9178"/>
-                </a:solidFill>
-                <a:latin typeface="Consolas" panose="020B0609020204030204" pitchFamily="49" charset="0"/>
-              </a:rPr>
-              <a:t>selectedCharacter</a:t>
-            </a:r>
-            <a:r>
-              <a:rPr lang="en-US" sz="2400" dirty="0">
-                <a:solidFill>
-                  <a:srgbClr val="CE9178"/>
-                </a:solidFill>
-                <a:latin typeface="Consolas" panose="020B0609020204030204" pitchFamily="49" charset="0"/>
-              </a:rPr>
-              <a:t>"</a:t>
-            </a:r>
-            <a:r>
-              <a:rPr lang="en-US" sz="2400" dirty="0" smtClean="0">
-                <a:solidFill>
-                  <a:srgbClr val="CE9178"/>
-                </a:solidFill>
-                <a:latin typeface="Consolas" panose="020B0609020204030204" pitchFamily="49" charset="0"/>
-              </a:rPr>
-              <a:t/>
-            </a:r>
-            <a:br>
-              <a:rPr lang="en-US" sz="2400" dirty="0" smtClean="0">
-                <a:solidFill>
-                  <a:srgbClr val="CE9178"/>
-                </a:solidFill>
-                <a:latin typeface="Consolas" panose="020B0609020204030204" pitchFamily="49" charset="0"/>
-              </a:rPr>
-            </a:br>
-            <a:r>
-              <a:rPr lang="en-US" sz="2400" dirty="0">
-                <a:solidFill>
-                  <a:srgbClr val="D4D4D4"/>
-                </a:solidFill>
-                <a:latin typeface="Consolas" panose="020B0609020204030204" pitchFamily="49" charset="0"/>
-              </a:rPr>
-              <a:t> [</a:t>
-            </a:r>
-            <a:r>
-              <a:rPr lang="en-US" sz="2400" dirty="0">
-                <a:solidFill>
-                  <a:srgbClr val="9CDCFE"/>
-                </a:solidFill>
-                <a:latin typeface="Consolas" panose="020B0609020204030204" pitchFamily="49" charset="0"/>
-              </a:rPr>
-              <a:t>character</a:t>
-            </a:r>
-            <a:r>
-              <a:rPr lang="en-US" sz="2400" dirty="0">
-                <a:solidFill>
-                  <a:srgbClr val="D4D4D4"/>
-                </a:solidFill>
-                <a:latin typeface="Consolas" panose="020B0609020204030204" pitchFamily="49" charset="0"/>
-              </a:rPr>
-              <a:t>]=</a:t>
-            </a:r>
-            <a:r>
-              <a:rPr lang="en-US" sz="2400" dirty="0">
-                <a:solidFill>
-                  <a:srgbClr val="CE9178"/>
-                </a:solidFill>
-                <a:latin typeface="Consolas" panose="020B0609020204030204" pitchFamily="49" charset="0"/>
-              </a:rPr>
-              <a:t>"</a:t>
-            </a:r>
-            <a:r>
-              <a:rPr lang="en-US" sz="2400" dirty="0" err="1">
-                <a:solidFill>
-                  <a:srgbClr val="CE9178"/>
-                </a:solidFill>
-                <a:latin typeface="Consolas" panose="020B0609020204030204" pitchFamily="49" charset="0"/>
-              </a:rPr>
-              <a:t>selectedCharacter</a:t>
-            </a:r>
-            <a:r>
-              <a:rPr lang="en-US" sz="2400" dirty="0">
-                <a:solidFill>
-                  <a:srgbClr val="CE9178"/>
-                </a:solidFill>
-                <a:latin typeface="Consolas" panose="020B0609020204030204" pitchFamily="49" charset="0"/>
-              </a:rPr>
-              <a:t>"</a:t>
-            </a:r>
-            <a:r>
-              <a:rPr lang="en-US" sz="2400" dirty="0">
-                <a:solidFill>
-                  <a:srgbClr val="808080"/>
-                </a:solidFill>
-                <a:latin typeface="Consolas" panose="020B0609020204030204" pitchFamily="49" charset="0"/>
-              </a:rPr>
-              <a:t>&gt;&lt;/</a:t>
-            </a:r>
-            <a:r>
-              <a:rPr lang="en-US" sz="2400" dirty="0">
-                <a:solidFill>
-                  <a:srgbClr val="569CD6"/>
-                </a:solidFill>
-                <a:latin typeface="Consolas" panose="020B0609020204030204" pitchFamily="49" charset="0"/>
-              </a:rPr>
-              <a:t>my-character</a:t>
-            </a:r>
-            <a:r>
-              <a:rPr lang="en-US" sz="2400" dirty="0" smtClean="0">
                 <a:solidFill>
                   <a:srgbClr val="808080"/>
                 </a:solidFill>
@@ -9284,7 +9112,7 @@
           <a:lstStyle/>
           <a:p>
             <a:r>
-              <a:rPr lang="en-US" dirty="0" smtClean="0"/>
+              <a:rPr lang="en-US" dirty="0"/>
               <a:t>Templates</a:t>
             </a:r>
             <a:endParaRPr lang="bg-BG" dirty="0"/>
@@ -9301,13 +9129,6 @@
   <p:clrMapOvr>
     <a:masterClrMapping/>
   </p:clrMapOvr>
-  <p:timing>
-    <p:tnLst>
-      <p:par>
-        <p:cTn id="1" dur="indefinite" restart="never" nodeType="tmRoot"/>
-      </p:par>
-    </p:tnLst>
-  </p:timing>
 </p:sld>
 </file>
 
@@ -11162,13 +10983,6 @@
   <p:clrMapOvr>
     <a:masterClrMapping/>
   </p:clrMapOvr>
-  <p:timing>
-    <p:tnLst>
-      <p:par>
-        <p:cTn id="1" dur="indefinite" restart="never" nodeType="tmRoot"/>
-      </p:par>
-    </p:tnLst>
-  </p:timing>
 </p:sld>
 </file>
 
@@ -11419,14 +11233,22 @@
               </a:rPr>
               <a:t>'vehicles.component.html'</a:t>
             </a:r>
-            <a:r>
+            <a:br>
               <a:rPr lang="en-US" sz="2400" dirty="0">
                 <a:solidFill>
                   <a:srgbClr val="D4D4D4"/>
                 </a:solidFill>
                 <a:latin typeface="Consolas" panose="020B0609020204030204" pitchFamily="49" charset="0"/>
               </a:rPr>
-              <a:t/>
+            </a:br>
+            <a:r>
+              <a:rPr lang="en-US" sz="2400" dirty="0">
+                <a:solidFill>
+                  <a:srgbClr val="D4D4D4"/>
+                </a:solidFill>
+                <a:latin typeface="Consolas" panose="020B0609020204030204" pitchFamily="49" charset="0"/>
+              </a:rPr>
+              <a:t>})</a:t>
             </a:r>
             <a:br>
               <a:rPr lang="en-US" sz="2400" dirty="0">
@@ -11436,14 +11258,22 @@
                 <a:latin typeface="Consolas" panose="020B0609020204030204" pitchFamily="49" charset="0"/>
               </a:rPr>
             </a:br>
-            <a:r>
-              <a:rPr lang="en-US" sz="2400" dirty="0" smtClean="0">
+            <a:br>
+              <a:rPr lang="en-US" sz="2400" dirty="0">
                 <a:solidFill>
                   <a:srgbClr val="D4D4D4"/>
                 </a:solidFill>
                 <a:latin typeface="Consolas" panose="020B0609020204030204" pitchFamily="49" charset="0"/>
               </a:rPr>
-              <a:t>})</a:t>
+            </a:br>
+            <a:r>
+              <a:rPr lang="en-US" sz="2400" dirty="0">
+                <a:solidFill>
+                  <a:srgbClr val="C586C0"/>
+                </a:solidFill>
+                <a:latin typeface="Consolas" panose="020B0609020204030204" pitchFamily="49" charset="0"/>
+              </a:rPr>
+              <a:t>export</a:t>
             </a:r>
             <a:r>
               <a:rPr lang="en-US" sz="2400" dirty="0">
@@ -11452,16 +11282,35 @@
                 </a:solidFill>
                 <a:latin typeface="Consolas" panose="020B0609020204030204" pitchFamily="49" charset="0"/>
               </a:rPr>
-              <a:t/>
-            </a:r>
-            <a:br>
+              <a:t> </a:t>
+            </a:r>
+            <a:r>
+              <a:rPr lang="en-US" sz="2400" dirty="0">
+                <a:solidFill>
+                  <a:srgbClr val="569CD6"/>
+                </a:solidFill>
+                <a:latin typeface="Consolas" panose="020B0609020204030204" pitchFamily="49" charset="0"/>
+              </a:rPr>
+              <a:t>class</a:t>
+            </a:r>
+            <a:r>
               <a:rPr lang="en-US" sz="2400" dirty="0">
                 <a:solidFill>
                   <a:srgbClr val="D4D4D4"/>
                 </a:solidFill>
                 <a:latin typeface="Consolas" panose="020B0609020204030204" pitchFamily="49" charset="0"/>
               </a:rPr>
-            </a:br>
+              <a:t> </a:t>
+            </a:r>
+            <a:r>
+              <a:rPr lang="en-US" sz="2400" dirty="0" err="1">
+                <a:solidFill>
+                  <a:srgbClr val="4EC9B0"/>
+                </a:solidFill>
+                <a:latin typeface="Consolas" panose="020B0609020204030204" pitchFamily="49" charset="0"/>
+              </a:rPr>
+              <a:t>VehicleListComponent</a:t>
+            </a:r>
             <a:r>
               <a:rPr lang="en-US" sz="2400" dirty="0">
                 <a:solidFill>
@@ -11469,78 +11318,7 @@
                 </a:solidFill>
                 <a:latin typeface="Consolas" panose="020B0609020204030204" pitchFamily="49" charset="0"/>
               </a:rPr>
-              <a:t/>
-            </a:r>
-            <a:br>
-              <a:rPr lang="en-US" sz="2400" dirty="0">
-                <a:solidFill>
-                  <a:srgbClr val="D4D4D4"/>
-                </a:solidFill>
-                <a:latin typeface="Consolas" panose="020B0609020204030204" pitchFamily="49" charset="0"/>
-              </a:rPr>
-            </a:br>
-            <a:r>
-              <a:rPr lang="en-US" sz="2400" dirty="0">
-                <a:solidFill>
-                  <a:srgbClr val="C586C0"/>
-                </a:solidFill>
-                <a:latin typeface="Consolas" panose="020B0609020204030204" pitchFamily="49" charset="0"/>
-              </a:rPr>
-              <a:t>export</a:t>
-            </a:r>
-            <a:r>
-              <a:rPr lang="en-US" sz="2400" dirty="0">
-                <a:solidFill>
-                  <a:srgbClr val="D4D4D4"/>
-                </a:solidFill>
-                <a:latin typeface="Consolas" panose="020B0609020204030204" pitchFamily="49" charset="0"/>
-              </a:rPr>
-              <a:t> </a:t>
-            </a:r>
-            <a:r>
-              <a:rPr lang="en-US" sz="2400" dirty="0">
-                <a:solidFill>
-                  <a:srgbClr val="569CD6"/>
-                </a:solidFill>
-                <a:latin typeface="Consolas" panose="020B0609020204030204" pitchFamily="49" charset="0"/>
-              </a:rPr>
-              <a:t>class</a:t>
-            </a:r>
-            <a:r>
-              <a:rPr lang="en-US" sz="2400" dirty="0">
-                <a:solidFill>
-                  <a:srgbClr val="D4D4D4"/>
-                </a:solidFill>
-                <a:latin typeface="Consolas" panose="020B0609020204030204" pitchFamily="49" charset="0"/>
-              </a:rPr>
-              <a:t> </a:t>
-            </a:r>
-            <a:r>
-              <a:rPr lang="en-US" sz="2400" dirty="0" err="1">
-                <a:solidFill>
-                  <a:srgbClr val="4EC9B0"/>
-                </a:solidFill>
-                <a:latin typeface="Consolas" panose="020B0609020204030204" pitchFamily="49" charset="0"/>
-              </a:rPr>
-              <a:t>VehicleListComponent</a:t>
-            </a:r>
-            <a:r>
-              <a:rPr lang="en-US" sz="2400" dirty="0">
-                <a:solidFill>
-                  <a:srgbClr val="D4D4D4"/>
-                </a:solidFill>
-                <a:latin typeface="Consolas" panose="020B0609020204030204" pitchFamily="49" charset="0"/>
-              </a:rPr>
-              <a:t> { </a:t>
-            </a:r>
-            <a:r>
-              <a:rPr lang="en-US" sz="2400" dirty="0" smtClean="0">
-                <a:solidFill>
-                  <a:srgbClr val="D4D4D4"/>
-                </a:solidFill>
-                <a:latin typeface="Consolas" panose="020B0609020204030204" pitchFamily="49" charset="0"/>
-              </a:rPr>
-              <a:t>}</a:t>
+              <a:t> { }</a:t>
             </a:r>
             <a:endParaRPr lang="en-US" sz="2400" b="0" dirty="0">
               <a:solidFill>
@@ -11575,7 +11353,7 @@
           <a:lstStyle/>
           <a:p>
             <a:r>
-              <a:rPr lang="en-US" dirty="0" smtClean="0"/>
+              <a:rPr lang="en-US" dirty="0"/>
               <a:t>Linked Templates with Component</a:t>
             </a:r>
             <a:endParaRPr lang="bg-BG" dirty="0"/>
@@ -11592,13 +11370,6 @@
   <p:clrMapOvr>
     <a:masterClrMapping/>
   </p:clrMapOvr>
-  <p:timing>
-    <p:tnLst>
-      <p:par>
-        <p:cTn id="1" dur="indefinite" restart="never" nodeType="tmRoot"/>
-      </p:par>
-    </p:tnLst>
-  </p:timing>
 </p:sld>
 </file>
 
@@ -18909,13 +18680,6 @@
   <p:clrMapOvr>
     <a:masterClrMapping/>
   </p:clrMapOvr>
-  <p:timing>
-    <p:tnLst>
-      <p:par>
-        <p:cTn id="1" dur="indefinite" restart="never" nodeType="tmRoot"/>
-      </p:par>
-    </p:tnLst>
-  </p:timing>
 </p:sld>
 </file>
 
@@ -23326,14 +23090,40 @@
               </a:rPr>
               <a:t>&gt;</a:t>
             </a:r>
-            <a:r>
+            <a:br>
               <a:rPr lang="en-US" sz="2400" dirty="0">
                 <a:solidFill>
                   <a:srgbClr val="D4D4D4"/>
                 </a:solidFill>
                 <a:latin typeface="Consolas" panose="020B0609020204030204" pitchFamily="49" charset="0"/>
               </a:rPr>
-              <a:t/>
+            </a:br>
+            <a:r>
+              <a:rPr lang="en-US" sz="2400" dirty="0">
+                <a:solidFill>
+                  <a:srgbClr val="808080"/>
+                </a:solidFill>
+                <a:latin typeface="Consolas" panose="020B0609020204030204" pitchFamily="49" charset="0"/>
+              </a:rPr>
+              <a:t>&lt;</a:t>
+            </a:r>
+            <a:r>
+              <a:rPr lang="en-US" sz="2400" dirty="0">
+                <a:solidFill>
+                  <a:srgbClr val="569CD6"/>
+                </a:solidFill>
+                <a:latin typeface="Consolas" panose="020B0609020204030204" pitchFamily="49" charset="0"/>
+              </a:rPr>
+              <a:t>div</a:t>
+            </a:r>
+            <a:r>
+              <a:rPr lang="en-US" sz="2400" dirty="0">
+                <a:solidFill>
+                  <a:srgbClr val="808080"/>
+                </a:solidFill>
+                <a:latin typeface="Consolas" panose="020B0609020204030204" pitchFamily="49" charset="0"/>
+              </a:rPr>
+              <a:t>&gt;</a:t>
             </a:r>
             <a:br>
               <a:rPr lang="en-US" sz="2400" dirty="0">
@@ -23346,6 +23136,15 @@
             <a:r>
               <a:rPr lang="en-US" sz="2400" dirty="0">
                 <a:solidFill>
+                  <a:srgbClr val="D4D4D4"/>
+                </a:solidFill>
+                <a:latin typeface="Consolas" panose="020B0609020204030204" pitchFamily="49" charset="0"/>
+              </a:rPr>
+              <a:t>    </a:t>
+            </a:r>
+            <a:r>
+              <a:rPr lang="en-US" sz="2400" dirty="0">
+                <a:solidFill>
                   <a:srgbClr val="808080"/>
                 </a:solidFill>
                 <a:latin typeface="Consolas" panose="020B0609020204030204" pitchFamily="49" charset="0"/>
@@ -23353,301 +23152,230 @@
               <a:t>&lt;</a:t>
             </a:r>
             <a:r>
-              <a:rPr lang="en-US" sz="2400" dirty="0">
+              <a:rPr lang="en-US" sz="2400" dirty="0" err="1">
                 <a:solidFill>
                   <a:srgbClr val="569CD6"/>
                 </a:solidFill>
                 <a:latin typeface="Consolas" panose="020B0609020204030204" pitchFamily="49" charset="0"/>
               </a:rPr>
+              <a:t>img</a:t>
+            </a:r>
+            <a:r>
+              <a:rPr lang="en-US" sz="2400" dirty="0">
+                <a:solidFill>
+                  <a:srgbClr val="D4D4D4"/>
+                </a:solidFill>
+                <a:latin typeface="Consolas" panose="020B0609020204030204" pitchFamily="49" charset="0"/>
+              </a:rPr>
+              <a:t> </a:t>
+            </a:r>
+            <a:r>
+              <a:rPr lang="en-US" sz="2400" dirty="0" err="1">
+                <a:solidFill>
+                  <a:srgbClr val="9CDCFE"/>
+                </a:solidFill>
+                <a:latin typeface="Consolas" panose="020B0609020204030204" pitchFamily="49" charset="0"/>
+              </a:rPr>
+              <a:t>src</a:t>
+            </a:r>
+            <a:r>
+              <a:rPr lang="en-US" sz="2400" dirty="0">
+                <a:solidFill>
+                  <a:srgbClr val="D4D4D4"/>
+                </a:solidFill>
+                <a:latin typeface="Consolas" panose="020B0609020204030204" pitchFamily="49" charset="0"/>
+              </a:rPr>
+              <a:t>=</a:t>
+            </a:r>
+            <a:r>
+              <a:rPr lang="en-US" sz="2400" dirty="0">
+                <a:solidFill>
+                  <a:srgbClr val="CE9178"/>
+                </a:solidFill>
+                <a:latin typeface="Consolas" panose="020B0609020204030204" pitchFamily="49" charset="0"/>
+              </a:rPr>
+              <a:t>"{{</a:t>
+            </a:r>
+            <a:r>
+              <a:rPr lang="en-US" sz="2400" dirty="0" err="1">
+                <a:solidFill>
+                  <a:srgbClr val="CE9178"/>
+                </a:solidFill>
+                <a:latin typeface="Consolas" panose="020B0609020204030204" pitchFamily="49" charset="0"/>
+              </a:rPr>
+              <a:t>vehicle.imageUrl</a:t>
+            </a:r>
+            <a:r>
+              <a:rPr lang="en-US" sz="2400" dirty="0">
+                <a:solidFill>
+                  <a:srgbClr val="CE9178"/>
+                </a:solidFill>
+                <a:latin typeface="Consolas" panose="020B0609020204030204" pitchFamily="49" charset="0"/>
+              </a:rPr>
+              <a:t>}}"</a:t>
+            </a:r>
+            <a:r>
+              <a:rPr lang="en-US" sz="2400" dirty="0">
+                <a:solidFill>
+                  <a:srgbClr val="808080"/>
+                </a:solidFill>
+                <a:latin typeface="Consolas" panose="020B0609020204030204" pitchFamily="49" charset="0"/>
+              </a:rPr>
+              <a:t> /&gt;</a:t>
+            </a:r>
+            <a:br>
+              <a:rPr lang="en-US" sz="2400" dirty="0">
+                <a:solidFill>
+                  <a:srgbClr val="D4D4D4"/>
+                </a:solidFill>
+                <a:latin typeface="Consolas" panose="020B0609020204030204" pitchFamily="49" charset="0"/>
+              </a:rPr>
+            </a:br>
+            <a:r>
+              <a:rPr lang="en-US" sz="2400" dirty="0">
+                <a:solidFill>
+                  <a:srgbClr val="D4D4D4"/>
+                </a:solidFill>
+                <a:latin typeface="Consolas" panose="020B0609020204030204" pitchFamily="49" charset="0"/>
+              </a:rPr>
+              <a:t>    </a:t>
+            </a:r>
+            <a:r>
+              <a:rPr lang="en-US" sz="2400" dirty="0">
+                <a:solidFill>
+                  <a:srgbClr val="808080"/>
+                </a:solidFill>
+                <a:latin typeface="Consolas" panose="020B0609020204030204" pitchFamily="49" charset="0"/>
+              </a:rPr>
+              <a:t>&lt;</a:t>
+            </a:r>
+            <a:r>
+              <a:rPr lang="en-US" sz="2400" dirty="0">
+                <a:solidFill>
+                  <a:srgbClr val="569CD6"/>
+                </a:solidFill>
+                <a:latin typeface="Consolas" panose="020B0609020204030204" pitchFamily="49" charset="0"/>
+              </a:rPr>
+              <a:t>a</a:t>
+            </a:r>
+            <a:r>
+              <a:rPr lang="en-US" sz="2400" dirty="0">
+                <a:solidFill>
+                  <a:srgbClr val="D4D4D4"/>
+                </a:solidFill>
+                <a:latin typeface="Consolas" panose="020B0609020204030204" pitchFamily="49" charset="0"/>
+              </a:rPr>
+              <a:t> </a:t>
+            </a:r>
+            <a:r>
+              <a:rPr lang="en-US" sz="2400" dirty="0" err="1">
+                <a:solidFill>
+                  <a:srgbClr val="9CDCFE"/>
+                </a:solidFill>
+                <a:latin typeface="Consolas" panose="020B0609020204030204" pitchFamily="49" charset="0"/>
+              </a:rPr>
+              <a:t>href</a:t>
+            </a:r>
+            <a:r>
+              <a:rPr lang="en-US" sz="2400" dirty="0">
+                <a:solidFill>
+                  <a:srgbClr val="D4D4D4"/>
+                </a:solidFill>
+                <a:latin typeface="Consolas" panose="020B0609020204030204" pitchFamily="49" charset="0"/>
+              </a:rPr>
+              <a:t>=</a:t>
+            </a:r>
+            <a:r>
+              <a:rPr lang="en-US" sz="2400" dirty="0">
+                <a:solidFill>
+                  <a:srgbClr val="CE9178"/>
+                </a:solidFill>
+                <a:latin typeface="Consolas" panose="020B0609020204030204" pitchFamily="49" charset="0"/>
+              </a:rPr>
+              <a:t>"{{</a:t>
+            </a:r>
+            <a:r>
+              <a:rPr lang="en-US" sz="2400" dirty="0" err="1">
+                <a:solidFill>
+                  <a:srgbClr val="CE9178"/>
+                </a:solidFill>
+                <a:latin typeface="Consolas" panose="020B0609020204030204" pitchFamily="49" charset="0"/>
+              </a:rPr>
+              <a:t>vehicle.wikiLink</a:t>
+            </a:r>
+            <a:r>
+              <a:rPr lang="en-US" sz="2400" dirty="0">
+                <a:solidFill>
+                  <a:srgbClr val="CE9178"/>
+                </a:solidFill>
+                <a:latin typeface="Consolas" panose="020B0609020204030204" pitchFamily="49" charset="0"/>
+              </a:rPr>
+              <a:t>}}"</a:t>
+            </a:r>
+            <a:r>
+              <a:rPr lang="en-US" sz="2400" dirty="0">
+                <a:solidFill>
+                  <a:srgbClr val="9CDCFE"/>
+                </a:solidFill>
+                <a:latin typeface="Consolas" panose="020B0609020204030204" pitchFamily="49" charset="0"/>
+              </a:rPr>
+              <a:t>Wiki</a:t>
+            </a:r>
+            <a:r>
+              <a:rPr lang="en-US" sz="2400" dirty="0">
+                <a:solidFill>
+                  <a:srgbClr val="808080"/>
+                </a:solidFill>
+                <a:latin typeface="Consolas" panose="020B0609020204030204" pitchFamily="49" charset="0"/>
+              </a:rPr>
+              <a:t>&gt;&lt;/</a:t>
+            </a:r>
+            <a:r>
+              <a:rPr lang="en-US" sz="2400" dirty="0">
+                <a:solidFill>
+                  <a:srgbClr val="569CD6"/>
+                </a:solidFill>
+                <a:latin typeface="Consolas" panose="020B0609020204030204" pitchFamily="49" charset="0"/>
+              </a:rPr>
+              <a:t>a</a:t>
+            </a:r>
+            <a:r>
+              <a:rPr lang="en-US" sz="2400" dirty="0">
+                <a:solidFill>
+                  <a:srgbClr val="808080"/>
+                </a:solidFill>
+                <a:latin typeface="Consolas" panose="020B0609020204030204" pitchFamily="49" charset="0"/>
+              </a:rPr>
+              <a:t>&gt;</a:t>
+            </a:r>
+            <a:br>
+              <a:rPr lang="en-US" sz="2400" dirty="0">
+                <a:solidFill>
+                  <a:srgbClr val="D4D4D4"/>
+                </a:solidFill>
+                <a:latin typeface="Consolas" panose="020B0609020204030204" pitchFamily="49" charset="0"/>
+              </a:rPr>
+            </a:br>
+            <a:r>
+              <a:rPr lang="en-US" sz="2400" dirty="0">
+                <a:solidFill>
+                  <a:srgbClr val="808080"/>
+                </a:solidFill>
+                <a:latin typeface="Consolas" panose="020B0609020204030204" pitchFamily="49" charset="0"/>
+              </a:rPr>
+              <a:t>&lt;/</a:t>
+            </a:r>
+            <a:r>
+              <a:rPr lang="en-US" sz="2400" dirty="0">
+                <a:solidFill>
+                  <a:srgbClr val="569CD6"/>
+                </a:solidFill>
+                <a:latin typeface="Consolas" panose="020B0609020204030204" pitchFamily="49" charset="0"/>
+              </a:rPr>
               <a:t>div</a:t>
             </a:r>
             <a:r>
               <a:rPr lang="en-US" sz="2400" dirty="0">
-                <a:solidFill>
-                  <a:srgbClr val="808080"/>
-                </a:solidFill>
-                <a:latin typeface="Consolas" panose="020B0609020204030204" pitchFamily="49" charset="0"/>
-              </a:rPr>
-              <a:t>&gt;</a:t>
-            </a:r>
-            <a:r>
-              <a:rPr lang="en-US" sz="2400" dirty="0">
-                <a:solidFill>
-                  <a:srgbClr val="D4D4D4"/>
-                </a:solidFill>
-                <a:latin typeface="Consolas" panose="020B0609020204030204" pitchFamily="49" charset="0"/>
-              </a:rPr>
-              <a:t/>
-            </a:r>
-            <a:br>
-              <a:rPr lang="en-US" sz="2400" dirty="0">
-                <a:solidFill>
-                  <a:srgbClr val="D4D4D4"/>
-                </a:solidFill>
-                <a:latin typeface="Consolas" panose="020B0609020204030204" pitchFamily="49" charset="0"/>
-              </a:rPr>
-            </a:br>
-            <a:r>
-              <a:rPr lang="en-US" sz="2400" dirty="0">
-                <a:solidFill>
-                  <a:srgbClr val="D4D4D4"/>
-                </a:solidFill>
-                <a:latin typeface="Consolas" panose="020B0609020204030204" pitchFamily="49" charset="0"/>
-              </a:rPr>
-              <a:t>    </a:t>
-            </a:r>
-            <a:r>
-              <a:rPr lang="en-US" sz="2400" dirty="0">
-                <a:solidFill>
-                  <a:srgbClr val="808080"/>
-                </a:solidFill>
-                <a:latin typeface="Consolas" panose="020B0609020204030204" pitchFamily="49" charset="0"/>
-              </a:rPr>
-              <a:t>&lt;</a:t>
-            </a:r>
-            <a:r>
-              <a:rPr lang="en-US" sz="2400" dirty="0" err="1">
-                <a:solidFill>
-                  <a:srgbClr val="569CD6"/>
-                </a:solidFill>
-                <a:latin typeface="Consolas" panose="020B0609020204030204" pitchFamily="49" charset="0"/>
-              </a:rPr>
-              <a:t>img</a:t>
-            </a:r>
-            <a:r>
-              <a:rPr lang="en-US" sz="2400" dirty="0">
-                <a:solidFill>
-                  <a:srgbClr val="D4D4D4"/>
-                </a:solidFill>
-                <a:latin typeface="Consolas" panose="020B0609020204030204" pitchFamily="49" charset="0"/>
-              </a:rPr>
-              <a:t> </a:t>
-            </a:r>
-            <a:r>
-              <a:rPr lang="en-US" sz="2400" dirty="0" err="1">
-                <a:solidFill>
-                  <a:srgbClr val="9CDCFE"/>
-                </a:solidFill>
-                <a:latin typeface="Consolas" panose="020B0609020204030204" pitchFamily="49" charset="0"/>
-              </a:rPr>
-              <a:t>src</a:t>
-            </a:r>
-            <a:r>
-              <a:rPr lang="en-US" sz="2400" dirty="0">
-                <a:solidFill>
-                  <a:srgbClr val="D4D4D4"/>
-                </a:solidFill>
-                <a:latin typeface="Consolas" panose="020B0609020204030204" pitchFamily="49" charset="0"/>
-              </a:rPr>
-              <a:t>=</a:t>
-            </a:r>
-            <a:r>
-              <a:rPr lang="en-US" sz="2400" dirty="0">
-                <a:solidFill>
-                  <a:srgbClr val="CE9178"/>
-                </a:solidFill>
-                <a:latin typeface="Consolas" panose="020B0609020204030204" pitchFamily="49" charset="0"/>
-              </a:rPr>
-              <a:t>"{{</a:t>
-            </a:r>
-            <a:r>
-              <a:rPr lang="en-US" sz="2400" dirty="0" err="1">
-                <a:solidFill>
-                  <a:srgbClr val="CE9178"/>
-                </a:solidFill>
-                <a:latin typeface="Consolas" panose="020B0609020204030204" pitchFamily="49" charset="0"/>
-              </a:rPr>
-              <a:t>vehicle.imageUrl</a:t>
-            </a:r>
-            <a:r>
-              <a:rPr lang="en-US" sz="2400" dirty="0">
-                <a:solidFill>
-                  <a:srgbClr val="CE9178"/>
-                </a:solidFill>
-                <a:latin typeface="Consolas" panose="020B0609020204030204" pitchFamily="49" charset="0"/>
-              </a:rPr>
-              <a:t>}}"</a:t>
-            </a:r>
-            <a:r>
-              <a:rPr lang="en-US" sz="2400" dirty="0">
-                <a:solidFill>
-                  <a:srgbClr val="808080"/>
-                </a:solidFill>
-                <a:latin typeface="Consolas" panose="020B0609020204030204" pitchFamily="49" charset="0"/>
-              </a:rPr>
-              <a:t> /&gt;</a:t>
-            </a:r>
-            <a:r>
-              <a:rPr lang="en-US" sz="2400" dirty="0">
-                <a:solidFill>
-                  <a:srgbClr val="D4D4D4"/>
-                </a:solidFill>
-                <a:latin typeface="Consolas" panose="020B0609020204030204" pitchFamily="49" charset="0"/>
-              </a:rPr>
-              <a:t/>
-            </a:r>
-            <a:br>
-              <a:rPr lang="en-US" sz="2400" dirty="0">
-                <a:solidFill>
-                  <a:srgbClr val="D4D4D4"/>
-                </a:solidFill>
-                <a:latin typeface="Consolas" panose="020B0609020204030204" pitchFamily="49" charset="0"/>
-              </a:rPr>
-            </a:br>
-            <a:r>
-              <a:rPr lang="en-US" sz="2400" dirty="0">
-                <a:solidFill>
-                  <a:srgbClr val="D4D4D4"/>
-                </a:solidFill>
-                <a:latin typeface="Consolas" panose="020B0609020204030204" pitchFamily="49" charset="0"/>
-              </a:rPr>
-              <a:t>    </a:t>
-            </a:r>
-            <a:r>
-              <a:rPr lang="en-US" sz="2400" dirty="0">
-                <a:solidFill>
-                  <a:srgbClr val="808080"/>
-                </a:solidFill>
-                <a:latin typeface="Consolas" panose="020B0609020204030204" pitchFamily="49" charset="0"/>
-              </a:rPr>
-              <a:t>&lt;</a:t>
-            </a:r>
-            <a:r>
-              <a:rPr lang="en-US" sz="2400" dirty="0">
-                <a:solidFill>
-                  <a:srgbClr val="569CD6"/>
-                </a:solidFill>
-                <a:latin typeface="Consolas" panose="020B0609020204030204" pitchFamily="49" charset="0"/>
-              </a:rPr>
-              <a:t>a</a:t>
-            </a:r>
-            <a:r>
-              <a:rPr lang="en-US" sz="2400" dirty="0">
-                <a:solidFill>
-                  <a:srgbClr val="D4D4D4"/>
-                </a:solidFill>
-                <a:latin typeface="Consolas" panose="020B0609020204030204" pitchFamily="49" charset="0"/>
-              </a:rPr>
-              <a:t> </a:t>
-            </a:r>
-            <a:r>
-              <a:rPr lang="en-US" sz="2400" dirty="0" err="1">
-                <a:solidFill>
-                  <a:srgbClr val="9CDCFE"/>
-                </a:solidFill>
-                <a:latin typeface="Consolas" panose="020B0609020204030204" pitchFamily="49" charset="0"/>
-              </a:rPr>
-              <a:t>href</a:t>
-            </a:r>
-            <a:r>
-              <a:rPr lang="en-US" sz="2400" dirty="0">
-                <a:solidFill>
-                  <a:srgbClr val="D4D4D4"/>
-                </a:solidFill>
-                <a:latin typeface="Consolas" panose="020B0609020204030204" pitchFamily="49" charset="0"/>
-              </a:rPr>
-              <a:t>=</a:t>
-            </a:r>
-            <a:r>
-              <a:rPr lang="en-US" sz="2400" dirty="0">
-                <a:solidFill>
-                  <a:srgbClr val="CE9178"/>
-                </a:solidFill>
-                <a:latin typeface="Consolas" panose="020B0609020204030204" pitchFamily="49" charset="0"/>
-              </a:rPr>
-              <a:t>"{{</a:t>
-            </a:r>
-            <a:r>
-              <a:rPr lang="en-US" sz="2400" dirty="0" err="1">
-                <a:solidFill>
-                  <a:srgbClr val="CE9178"/>
-                </a:solidFill>
-                <a:latin typeface="Consolas" panose="020B0609020204030204" pitchFamily="49" charset="0"/>
-              </a:rPr>
-              <a:t>vehicle.wikiLink</a:t>
-            </a:r>
-            <a:r>
-              <a:rPr lang="en-US" sz="2400" dirty="0">
-                <a:solidFill>
-                  <a:srgbClr val="CE9178"/>
-                </a:solidFill>
-                <a:latin typeface="Consolas" panose="020B0609020204030204" pitchFamily="49" charset="0"/>
-              </a:rPr>
-              <a:t>}}"</a:t>
-            </a:r>
-            <a:r>
-              <a:rPr lang="en-US" sz="2400" dirty="0">
-                <a:solidFill>
-                  <a:srgbClr val="9CDCFE"/>
-                </a:solidFill>
-                <a:latin typeface="Consolas" panose="020B0609020204030204" pitchFamily="49" charset="0"/>
-              </a:rPr>
-              <a:t>Wiki</a:t>
-            </a:r>
-            <a:r>
-              <a:rPr lang="en-US" sz="2400" dirty="0">
-                <a:solidFill>
-                  <a:srgbClr val="808080"/>
-                </a:solidFill>
-                <a:latin typeface="Consolas" panose="020B0609020204030204" pitchFamily="49" charset="0"/>
-              </a:rPr>
-              <a:t>&gt;&lt;/</a:t>
-            </a:r>
-            <a:r>
-              <a:rPr lang="en-US" sz="2400" dirty="0">
-                <a:solidFill>
-                  <a:srgbClr val="569CD6"/>
-                </a:solidFill>
-                <a:latin typeface="Consolas" panose="020B0609020204030204" pitchFamily="49" charset="0"/>
-              </a:rPr>
-              <a:t>a</a:t>
-            </a:r>
-            <a:r>
-              <a:rPr lang="en-US" sz="2400" dirty="0">
-                <a:solidFill>
-                  <a:srgbClr val="808080"/>
-                </a:solidFill>
-                <a:latin typeface="Consolas" panose="020B0609020204030204" pitchFamily="49" charset="0"/>
-              </a:rPr>
-              <a:t>&gt;</a:t>
-            </a:r>
-            <a:r>
-              <a:rPr lang="en-US" sz="2400" dirty="0">
-                <a:solidFill>
-                  <a:srgbClr val="D4D4D4"/>
-                </a:solidFill>
-                <a:latin typeface="Consolas" panose="020B0609020204030204" pitchFamily="49" charset="0"/>
-              </a:rPr>
-              <a:t/>
-            </a:r>
-            <a:br>
-              <a:rPr lang="en-US" sz="2400" dirty="0">
-                <a:solidFill>
-                  <a:srgbClr val="D4D4D4"/>
-                </a:solidFill>
-                <a:latin typeface="Consolas" panose="020B0609020204030204" pitchFamily="49" charset="0"/>
-              </a:rPr>
-            </a:br>
-            <a:r>
-              <a:rPr lang="en-US" sz="2400" dirty="0">
-                <a:solidFill>
-                  <a:srgbClr val="808080"/>
-                </a:solidFill>
-                <a:latin typeface="Consolas" panose="020B0609020204030204" pitchFamily="49" charset="0"/>
-              </a:rPr>
-              <a:t>&lt;/</a:t>
-            </a:r>
-            <a:r>
-              <a:rPr lang="en-US" sz="2400" dirty="0">
-                <a:solidFill>
-                  <a:srgbClr val="569CD6"/>
-                </a:solidFill>
-                <a:latin typeface="Consolas" panose="020B0609020204030204" pitchFamily="49" charset="0"/>
-              </a:rPr>
-              <a:t>div</a:t>
-            </a:r>
-            <a:r>
-              <a:rPr lang="en-US" sz="2400" dirty="0" smtClean="0">
                 <a:solidFill>
                   <a:srgbClr val="808080"/>
                 </a:solidFill>
@@ -23688,24 +23416,8 @@
           <a:lstStyle/>
           <a:p>
             <a:r>
-              <a:rPr lang="en-US" dirty="0" smtClean="0"/>
-              <a:t>Interpolation - one </a:t>
-            </a:r>
-            <a:r>
               <a:rPr lang="en-US" dirty="0"/>
-              <a:t>w</a:t>
-            </a:r>
-            <a:r>
-              <a:rPr lang="en-US" dirty="0" smtClean="0"/>
-              <a:t>ay </a:t>
-            </a:r>
-            <a:r>
-              <a:rPr lang="en-US" dirty="0"/>
-              <a:t>i</a:t>
-            </a:r>
-            <a:r>
-              <a:rPr lang="en-US" dirty="0" smtClean="0"/>
-              <a:t>n</a:t>
+              <a:t>Interpolation - one way in</a:t>
             </a:r>
             <a:endParaRPr lang="bg-BG" dirty="0"/>
           </a:p>
@@ -23721,13 +23433,6 @@
   <p:clrMapOvr>
     <a:masterClrMapping/>
   </p:clrMapOvr>
-  <p:timing>
-    <p:tnLst>
-      <p:par>
-        <p:cTn id="1" dur="indefinite" restart="never" nodeType="tmRoot"/>
-      </p:par>
-    </p:tnLst>
-  </p:timing>
 </p:sld>
 </file>
 
@@ -23846,15 +23551,14 @@
               </a:rPr>
               <a:t> /&gt;</a:t>
             </a:r>
-            <a:r>
+            <a:br>
               <a:rPr lang="en-US" sz="2400" dirty="0">
                 <a:solidFill>
                   <a:srgbClr val="D4D4D4"/>
                 </a:solidFill>
                 <a:latin typeface="Consolas" panose="020B0609020204030204" pitchFamily="49" charset="0"/>
               </a:rPr>
-              <a:t/>
-            </a:r>
+            </a:br>
             <a:br>
               <a:rPr lang="en-US" sz="2400" dirty="0">
                 <a:solidFill>
@@ -23866,11 +23570,101 @@
             <a:r>
               <a:rPr lang="en-US" sz="2400" dirty="0">
                 <a:solidFill>
+                  <a:srgbClr val="808080"/>
+                </a:solidFill>
+                <a:latin typeface="Consolas" panose="020B0609020204030204" pitchFamily="49" charset="0"/>
+              </a:rPr>
+              <a:t>&lt;</a:t>
+            </a:r>
+            <a:r>
+              <a:rPr lang="en-US" sz="2400" dirty="0">
+                <a:solidFill>
+                  <a:srgbClr val="569CD6"/>
+                </a:solidFill>
+                <a:latin typeface="Consolas" panose="020B0609020204030204" pitchFamily="49" charset="0"/>
+              </a:rPr>
+              <a:t>vehicle-detail</a:t>
+            </a:r>
+            <a:r>
+              <a:rPr lang="en-US" sz="2400" dirty="0">
+                <a:solidFill>
                   <a:srgbClr val="D4D4D4"/>
                 </a:solidFill>
                 <a:latin typeface="Consolas" panose="020B0609020204030204" pitchFamily="49" charset="0"/>
               </a:rPr>
-              <a:t/>
+              <a:t> [</a:t>
+            </a:r>
+            <a:r>
+              <a:rPr lang="en-US" sz="2400" dirty="0">
+                <a:solidFill>
+                  <a:srgbClr val="9CDCFE"/>
+                </a:solidFill>
+                <a:latin typeface="Consolas" panose="020B0609020204030204" pitchFamily="49" charset="0"/>
+              </a:rPr>
+              <a:t>vehicle</a:t>
+            </a:r>
+            <a:r>
+              <a:rPr lang="en-US" sz="2400" dirty="0">
+                <a:solidFill>
+                  <a:srgbClr val="D4D4D4"/>
+                </a:solidFill>
+                <a:latin typeface="Consolas" panose="020B0609020204030204" pitchFamily="49" charset="0"/>
+              </a:rPr>
+              <a:t>]=</a:t>
+            </a:r>
+            <a:r>
+              <a:rPr lang="en-US" sz="2400" dirty="0">
+                <a:solidFill>
+                  <a:srgbClr val="CE9178"/>
+                </a:solidFill>
+                <a:latin typeface="Consolas" panose="020B0609020204030204" pitchFamily="49" charset="0"/>
+              </a:rPr>
+              <a:t>"</a:t>
+            </a:r>
+            <a:r>
+              <a:rPr lang="en-US" sz="2400" dirty="0" err="1">
+                <a:solidFill>
+                  <a:srgbClr val="CE9178"/>
+                </a:solidFill>
+                <a:latin typeface="Consolas" panose="020B0609020204030204" pitchFamily="49" charset="0"/>
+              </a:rPr>
+              <a:t>currentVehicle</a:t>
+            </a:r>
+            <a:r>
+              <a:rPr lang="en-US" sz="2400" dirty="0">
+                <a:solidFill>
+                  <a:srgbClr val="CE9178"/>
+                </a:solidFill>
+                <a:latin typeface="Consolas" panose="020B0609020204030204" pitchFamily="49" charset="0"/>
+              </a:rPr>
+              <a:t>"</a:t>
+            </a:r>
+            <a:r>
+              <a:rPr lang="en-US" sz="2400" dirty="0">
+                <a:solidFill>
+                  <a:srgbClr val="808080"/>
+                </a:solidFill>
+                <a:latin typeface="Consolas" panose="020B0609020204030204" pitchFamily="49" charset="0"/>
+              </a:rPr>
+              <a:t>&gt;&lt;/</a:t>
+            </a:r>
+            <a:r>
+              <a:rPr lang="en-US" sz="2400" dirty="0">
+                <a:solidFill>
+                  <a:srgbClr val="569CD6"/>
+                </a:solidFill>
+                <a:latin typeface="Consolas" panose="020B0609020204030204" pitchFamily="49" charset="0"/>
+              </a:rPr>
+              <a:t>vehicle-detail</a:t>
+            </a:r>
+            <a:r>
+              <a:rPr lang="en-US" sz="2400" dirty="0">
+                <a:solidFill>
+                  <a:srgbClr val="808080"/>
+                </a:solidFill>
+                <a:latin typeface="Consolas" panose="020B0609020204030204" pitchFamily="49" charset="0"/>
+              </a:rPr>
+              <a:t>&gt;</a:t>
             </a:r>
             <a:br>
               <a:rPr lang="en-US" sz="2400" dirty="0">
@@ -23880,6 +23674,14 @@
                 <a:latin typeface="Consolas" panose="020B0609020204030204" pitchFamily="49" charset="0"/>
               </a:rPr>
             </a:br>
+            <a:br>
+              <a:rPr lang="en-US" sz="2400" dirty="0">
+                <a:solidFill>
+                  <a:srgbClr val="D4D4D4"/>
+                </a:solidFill>
+                <a:latin typeface="Consolas" panose="020B0609020204030204" pitchFamily="49" charset="0"/>
+              </a:rPr>
+            </a:br>
             <a:r>
               <a:rPr lang="en-US" sz="2400" dirty="0">
                 <a:solidFill>
@@ -23896,7 +23698,7 @@
                 </a:solidFill>
                 <a:latin typeface="Consolas" panose="020B0609020204030204" pitchFamily="49" charset="0"/>
               </a:rPr>
-              <a:t>vehicle-detail</a:t>
+              <a:t>div</a:t>
             </a:r>
             <a:r>
               <a:rPr lang="en-US" sz="2400" dirty="0">
@@ -23908,13 +23710,13 @@
               <a:t> [</a:t>
             </a:r>
             <a:r>
-              <a:rPr lang="en-US" sz="2400" dirty="0">
+              <a:rPr lang="en-US" sz="2400" dirty="0" err="1">
                 <a:solidFill>
                   <a:srgbClr val="9CDCFE"/>
                 </a:solidFill>
                 <a:latin typeface="Consolas" panose="020B0609020204030204" pitchFamily="49" charset="0"/>
               </a:rPr>
-              <a:t>vehicle</a:t>
+              <a:t>ngClass</a:t>
             </a:r>
             <a:r>
               <a:rPr lang="en-US" sz="2400" dirty="0">
@@ -23932,7 +23734,7 @@
                 </a:solidFill>
                 <a:latin typeface="Consolas" panose="020B0609020204030204" pitchFamily="49" charset="0"/>
               </a:rPr>
-              <a:t>"</a:t>
+              <a:t>"{selected: </a:t>
             </a:r>
             <a:r>
               <a:rPr lang="en-US" sz="2400" dirty="0" err="1">
@@ -23941,7 +23743,7 @@
                 </a:solidFill>
                 <a:latin typeface="Consolas" panose="020B0609020204030204" pitchFamily="49" charset="0"/>
               </a:rPr>
-              <a:t>currentVehicle</a:t>
+              <a:t>isSelected</a:t>
             </a:r>
             <a:r>
               <a:rPr lang="en-US" sz="2400" dirty="0">
@@ -23950,7 +23752,7 @@
                 </a:solidFill>
                 <a:latin typeface="Consolas" panose="020B0609020204030204" pitchFamily="49" charset="0"/>
               </a:rPr>
-              <a:t>"</a:t>
+              <a:t>}"</a:t>
             </a:r>
             <a:r>
               <a:rPr lang="en-US" sz="2400" dirty="0">
@@ -23959,7 +23761,25 @@
                 </a:solidFill>
                 <a:latin typeface="Consolas" panose="020B0609020204030204" pitchFamily="49" charset="0"/>
               </a:rPr>
-              <a:t>&gt;&lt;/</a:t>
+              <a:t>&gt;</a:t>
+            </a:r>
+            <a:r>
+              <a:rPr lang="en-US" sz="2400" dirty="0">
+                <a:solidFill>
+                  <a:srgbClr val="D4D4D4"/>
+                </a:solidFill>
+                <a:latin typeface="Consolas" panose="020B0609020204030204" pitchFamily="49" charset="0"/>
+              </a:rPr>
+              <a:t>X-Wing</a:t>
+            </a:r>
+            <a:r>
+              <a:rPr lang="en-US" sz="2400" dirty="0">
+                <a:solidFill>
+                  <a:srgbClr val="808080"/>
+                </a:solidFill>
+                <a:latin typeface="Consolas" panose="020B0609020204030204" pitchFamily="49" charset="0"/>
+              </a:rPr>
+              <a:t>&lt;/</a:t>
             </a:r>
             <a:r>
               <a:rPr lang="en-US" sz="2400" dirty="0">
@@ -23968,161 +23788,10 @@
                 </a:solidFill>
                 <a:latin typeface="Consolas" panose="020B0609020204030204" pitchFamily="49" charset="0"/>
               </a:rPr>
-              <a:t>vehicle-detail</a:t>
-            </a:r>
-            <a:r>
-              <a:rPr lang="en-US" sz="2400" dirty="0">
-                <a:solidFill>
-                  <a:srgbClr val="808080"/>
-                </a:solidFill>
-                <a:latin typeface="Consolas" panose="020B0609020204030204" pitchFamily="49" charset="0"/>
-              </a:rPr>
-              <a:t>&gt;</a:t>
-            </a:r>
-            <a:r>
-              <a:rPr lang="en-US" sz="2400" dirty="0">
-                <a:solidFill>
-                  <a:srgbClr val="D4D4D4"/>
-                </a:solidFill>
-                <a:latin typeface="Consolas" panose="020B0609020204030204" pitchFamily="49" charset="0"/>
-              </a:rPr>
-              <a:t/>
-            </a:r>
-            <a:br>
-              <a:rPr lang="en-US" sz="2400" dirty="0">
-                <a:solidFill>
-                  <a:srgbClr val="D4D4D4"/>
-                </a:solidFill>
-                <a:latin typeface="Consolas" panose="020B0609020204030204" pitchFamily="49" charset="0"/>
-              </a:rPr>
-            </a:br>
-            <a:r>
-              <a:rPr lang="en-US" sz="2400" dirty="0">
-                <a:solidFill>
-                  <a:srgbClr val="D4D4D4"/>
-                </a:solidFill>
-                <a:latin typeface="Consolas" panose="020B0609020204030204" pitchFamily="49" charset="0"/>
-              </a:rPr>
-              <a:t/>
-            </a:r>
-            <a:br>
-              <a:rPr lang="en-US" sz="2400" dirty="0">
-                <a:solidFill>
-                  <a:srgbClr val="D4D4D4"/>
-                </a:solidFill>
-                <a:latin typeface="Consolas" panose="020B0609020204030204" pitchFamily="49" charset="0"/>
-              </a:rPr>
-            </a:br>
-            <a:r>
-              <a:rPr lang="en-US" sz="2400" dirty="0">
-                <a:solidFill>
-                  <a:srgbClr val="808080"/>
-                </a:solidFill>
-                <a:latin typeface="Consolas" panose="020B0609020204030204" pitchFamily="49" charset="0"/>
-              </a:rPr>
-              <a:t>&lt;</a:t>
-            </a:r>
-            <a:r>
-              <a:rPr lang="en-US" sz="2400" dirty="0">
-                <a:solidFill>
-                  <a:srgbClr val="569CD6"/>
-                </a:solidFill>
-                <a:latin typeface="Consolas" panose="020B0609020204030204" pitchFamily="49" charset="0"/>
-              </a:rPr>
               <a:t>div</a:t>
             </a:r>
             <a:r>
               <a:rPr lang="en-US" sz="2400" dirty="0">
-                <a:solidFill>
-                  <a:srgbClr val="D4D4D4"/>
-                </a:solidFill>
-                <a:latin typeface="Consolas" panose="020B0609020204030204" pitchFamily="49" charset="0"/>
-              </a:rPr>
-              <a:t> [</a:t>
-            </a:r>
-            <a:r>
-              <a:rPr lang="en-US" sz="2400" dirty="0" err="1">
-                <a:solidFill>
-                  <a:srgbClr val="9CDCFE"/>
-                </a:solidFill>
-                <a:latin typeface="Consolas" panose="020B0609020204030204" pitchFamily="49" charset="0"/>
-              </a:rPr>
-              <a:t>ngClass</a:t>
-            </a:r>
-            <a:r>
-              <a:rPr lang="en-US" sz="2400" dirty="0">
-                <a:solidFill>
-                  <a:srgbClr val="D4D4D4"/>
-                </a:solidFill>
-                <a:latin typeface="Consolas" panose="020B0609020204030204" pitchFamily="49" charset="0"/>
-              </a:rPr>
-              <a:t>]=</a:t>
-            </a:r>
-            <a:r>
-              <a:rPr lang="en-US" sz="2400" dirty="0">
-                <a:solidFill>
-                  <a:srgbClr val="CE9178"/>
-                </a:solidFill>
-                <a:latin typeface="Consolas" panose="020B0609020204030204" pitchFamily="49" charset="0"/>
-              </a:rPr>
-              <a:t>"{selected: </a:t>
-            </a:r>
-            <a:r>
-              <a:rPr lang="en-US" sz="2400" dirty="0" err="1">
-                <a:solidFill>
-                  <a:srgbClr val="CE9178"/>
-                </a:solidFill>
-                <a:latin typeface="Consolas" panose="020B0609020204030204" pitchFamily="49" charset="0"/>
-              </a:rPr>
-              <a:t>isSelected</a:t>
-            </a:r>
-            <a:r>
-              <a:rPr lang="en-US" sz="2400" dirty="0" smtClean="0">
-                <a:solidFill>
-                  <a:srgbClr val="CE9178"/>
-                </a:solidFill>
-                <a:latin typeface="Consolas" panose="020B0609020204030204" pitchFamily="49" charset="0"/>
-              </a:rPr>
-              <a:t>}"</a:t>
-            </a:r>
-            <a:r>
-              <a:rPr lang="en-US" sz="2400" dirty="0" smtClean="0">
-                <a:solidFill>
-                  <a:srgbClr val="808080"/>
-                </a:solidFill>
-                <a:latin typeface="Consolas" panose="020B0609020204030204" pitchFamily="49" charset="0"/>
-              </a:rPr>
-              <a:t>&gt;</a:t>
-            </a:r>
-            <a:r>
-              <a:rPr lang="en-US" sz="2400" dirty="0">
-                <a:solidFill>
-                  <a:srgbClr val="D4D4D4"/>
-                </a:solidFill>
-                <a:latin typeface="Consolas" panose="020B0609020204030204" pitchFamily="49" charset="0"/>
-              </a:rPr>
-              <a:t>X-Wing</a:t>
-            </a:r>
-            <a:r>
-              <a:rPr lang="en-US" sz="2400" dirty="0">
-                <a:solidFill>
-                  <a:srgbClr val="808080"/>
-                </a:solidFill>
-                <a:latin typeface="Consolas" panose="020B0609020204030204" pitchFamily="49" charset="0"/>
-              </a:rPr>
-              <a:t>&lt;/</a:t>
-            </a:r>
-            <a:r>
-              <a:rPr lang="en-US" sz="2400" dirty="0">
-                <a:solidFill>
-                  <a:srgbClr val="569CD6"/>
-                </a:solidFill>
-                <a:latin typeface="Consolas" panose="020B0609020204030204" pitchFamily="49" charset="0"/>
-              </a:rPr>
-              <a:t>div</a:t>
-            </a:r>
-            <a:r>
-              <a:rPr lang="en-US" sz="2400" dirty="0" smtClean="0">
                 <a:solidFill>
                   <a:srgbClr val="808080"/>
                 </a:solidFill>
@@ -24163,24 +23832,8 @@
           <a:lstStyle/>
           <a:p>
             <a:r>
-              <a:rPr lang="en-US" dirty="0" smtClean="0"/>
-              <a:t>Property Binding - one </a:t>
-            </a:r>
-            <a:r>
               <a:rPr lang="en-US" dirty="0"/>
-              <a:t>w</a:t>
-            </a:r>
-            <a:r>
-              <a:rPr lang="en-US" dirty="0" smtClean="0"/>
-              <a:t>ay </a:t>
-            </a:r>
-            <a:r>
-              <a:rPr lang="en-US" dirty="0"/>
-              <a:t>i</a:t>
-            </a:r>
-            <a:r>
-              <a:rPr lang="en-US" dirty="0" smtClean="0"/>
-              <a:t>n</a:t>
+              <a:t>Property Binding - one way in</a:t>
             </a:r>
             <a:endParaRPr lang="bg-BG" dirty="0"/>
           </a:p>
@@ -24196,13 +23849,6 @@
   <p:clrMapOvr>
     <a:masterClrMapping/>
   </p:clrMapOvr>
-  <p:timing>
-    <p:tnLst>
-      <p:par>
-        <p:cTn id="1" dur="indefinite" restart="never" nodeType="tmRoot"/>
-      </p:par>
-    </p:tnLst>
-  </p:timing>
 </p:sld>
 </file>
 
@@ -24244,45 +23890,29 @@
           <a:lstStyle/>
           <a:p>
             <a:r>
-              <a:rPr lang="en-US" u="sng" dirty="0" smtClean="0">
+              <a:rPr lang="en-US" u="sng" dirty="0">
                 <a:solidFill>
                   <a:srgbClr val="0070C0"/>
                 </a:solidFill>
               </a:rPr>
               <a:t>Event Binding</a:t>
             </a:r>
-            <a:r>
-              <a:rPr lang="en-US" dirty="0" smtClean="0">
+            <a:br>
+              <a:rPr lang="en-US" dirty="0">
                 <a:solidFill>
                   <a:schemeClr val="tx1"/>
                 </a:solidFill>
               </a:rPr>
-              <a:t/>
-            </a:r>
+            </a:br>
             <a:br>
-              <a:rPr lang="en-US" dirty="0" smtClean="0">
+              <a:rPr lang="en-US" dirty="0">
                 <a:solidFill>
                   <a:schemeClr val="tx1"/>
                 </a:solidFill>
               </a:rPr>
             </a:br>
             <a:r>
-              <a:rPr lang="en-US" dirty="0" smtClean="0">
-                <a:solidFill>
-                  <a:schemeClr val="tx1"/>
-                </a:solidFill>
-              </a:rPr>
-              <a:t/>
-            </a:r>
-            <a:br>
-              <a:rPr lang="en-US" dirty="0" smtClean="0">
-                <a:solidFill>
-                  <a:schemeClr val="tx1"/>
-                </a:solidFill>
-              </a:rPr>
-            </a:br>
-            <a:r>
-              <a:rPr lang="en-US" sz="3600" dirty="0" smtClean="0">
+              <a:rPr lang="en-US" sz="3600" dirty="0">
                 <a:solidFill>
                   <a:schemeClr val="tx1"/>
                 </a:solidFill>
@@ -24443,32 +24073,14 @@
               </a:rPr>
               <a:t>&gt;</a:t>
             </a:r>
-            <a:r>
+            <a:br>
               <a:rPr lang="en-US" sz="2400" dirty="0">
                 <a:solidFill>
                   <a:srgbClr val="D4D4D4"/>
                 </a:solidFill>
                 <a:latin typeface="Consolas" panose="020B0609020204030204" pitchFamily="49" charset="0"/>
               </a:rPr>
-              <a:t/>
-            </a:r>
-            <a:br>
-              <a:rPr lang="en-US" sz="2400" dirty="0">
-                <a:solidFill>
-                  <a:srgbClr val="D4D4D4"/>
-                </a:solidFill>
-                <a:latin typeface="Consolas" panose="020B0609020204030204" pitchFamily="49" charset="0"/>
-              </a:rPr>
             </a:br>
-            <a:r>
-              <a:rPr lang="en-US" sz="2400" dirty="0">
-                <a:solidFill>
-                  <a:srgbClr val="D4D4D4"/>
-                </a:solidFill>
-                <a:latin typeface="Consolas" panose="020B0609020204030204" pitchFamily="49" charset="0"/>
-              </a:rPr>
-              <a:t/>
-            </a:r>
             <a:br>
               <a:rPr lang="en-US" sz="2400" dirty="0">
                 <a:solidFill>
@@ -24609,7 +24221,7 @@
           <a:lstStyle/>
           <a:p>
             <a:r>
-              <a:rPr lang="en-US" dirty="0" smtClean="0"/>
+              <a:rPr lang="en-US" dirty="0"/>
               <a:t>Event Binding – one way to the component</a:t>
             </a:r>
             <a:endParaRPr lang="bg-BG" dirty="0"/>
@@ -24626,13 +24238,6 @@
   <p:clrMapOvr>
     <a:masterClrMapping/>
   </p:clrMapOvr>
-  <p:timing>
-    <p:tnLst>
-      <p:par>
-        <p:cTn id="1" dur="indefinite" restart="never" nodeType="tmRoot"/>
-      </p:par>
-    </p:tnLst>
-  </p:timing>
 </p:sld>
 </file>
 
@@ -24674,45 +24279,29 @@
           <a:lstStyle/>
           <a:p>
             <a:r>
-              <a:rPr lang="en-US" u="sng" dirty="0" smtClean="0">
+              <a:rPr lang="en-US" u="sng" dirty="0">
                 <a:solidFill>
                   <a:srgbClr val="0070C0"/>
                 </a:solidFill>
               </a:rPr>
               <a:t>Two Way Binding</a:t>
             </a:r>
-            <a:r>
-              <a:rPr lang="en-US" dirty="0" smtClean="0">
+            <a:br>
+              <a:rPr lang="en-US" dirty="0">
                 <a:solidFill>
                   <a:schemeClr val="tx1"/>
                 </a:solidFill>
               </a:rPr>
-              <a:t/>
-            </a:r>
+            </a:br>
             <a:br>
-              <a:rPr lang="en-US" dirty="0" smtClean="0">
+              <a:rPr lang="en-US" dirty="0">
                 <a:solidFill>
                   <a:schemeClr val="tx1"/>
                 </a:solidFill>
               </a:rPr>
             </a:br>
             <a:r>
-              <a:rPr lang="en-US" dirty="0" smtClean="0">
-                <a:solidFill>
-                  <a:schemeClr val="tx1"/>
-                </a:solidFill>
-              </a:rPr>
-              <a:t/>
-            </a:r>
-            <a:br>
-              <a:rPr lang="en-US" dirty="0" smtClean="0">
-                <a:solidFill>
-                  <a:schemeClr val="tx1"/>
-                </a:solidFill>
-              </a:rPr>
-            </a:br>
-            <a:r>
-              <a:rPr lang="en-US" sz="3600" dirty="0" smtClean="0">
+              <a:rPr lang="en-US" sz="3600" dirty="0">
                 <a:solidFill>
                   <a:schemeClr val="tx1"/>
                 </a:solidFill>
@@ -24870,7 +24459,7 @@
           <a:lstStyle/>
           <a:p>
             <a:r>
-              <a:rPr lang="en-US" dirty="0" smtClean="0"/>
+              <a:rPr lang="en-US" dirty="0"/>
               <a:t>To Way Binding – value in, value out</a:t>
             </a:r>
             <a:endParaRPr lang="bg-BG" dirty="0"/>
@@ -24887,13 +24476,6 @@
   <p:clrMapOvr>
     <a:masterClrMapping/>
   </p:clrMapOvr>
-  <p:timing>
-    <p:tnLst>
-      <p:par>
-        <p:cTn id="1" dur="indefinite" restart="never" nodeType="tmRoot"/>
-      </p:par>
-    </p:tnLst>
-  </p:timing>
 </p:sld>
 </file>
 
@@ -24966,13 +24548,6 @@
   <p:clrMapOvr>
     <a:masterClrMapping/>
   </p:clrMapOvr>
-  <p:timing>
-    <p:tnLst>
-      <p:par>
-        <p:cTn id="1" dur="indefinite" restart="never" nodeType="tmRoot"/>
-      </p:par>
-    </p:tnLst>
-  </p:timing>
 </p:sld>
 </file>
 
@@ -25126,7 +24701,7 @@
           <a:lstStyle/>
           <a:p>
             <a:r>
-              <a:rPr lang="en-US" b="1" u="sng" dirty="0" smtClean="0">
+              <a:rPr lang="en-US" b="1" u="sng" dirty="0">
                 <a:solidFill>
                   <a:schemeClr val="bg1"/>
                 </a:solidFill>
@@ -25164,7 +24739,7 @@
           <a:lstStyle/>
           <a:p>
             <a:r>
-              <a:rPr lang="en-US" sz="3200" dirty="0" smtClean="0">
+              <a:rPr lang="en-US" sz="3200" dirty="0">
                 <a:solidFill>
                   <a:schemeClr val="bg1"/>
                 </a:solidFill>
@@ -25307,15 +24882,6 @@
               </a:rPr>
               <a:t>&gt;</a:t>
             </a:r>
-            <a:r>
-              <a:rPr lang="en-US" sz="2400" dirty="0">
-                <a:solidFill>
-                  <a:srgbClr val="D4D4D4"/>
-                </a:solidFill>
-                <a:latin typeface="Consolas" panose="020B0609020204030204" pitchFamily="49" charset="0"/>
-              </a:rPr>
-              <a:t/>
-            </a:r>
             <a:br>
               <a:rPr lang="en-US" sz="2400" dirty="0">
                 <a:solidFill>
@@ -25401,15 +24967,15 @@
           <a:lstStyle/>
           <a:p>
             <a:r>
-              <a:rPr lang="en-US" dirty="0" smtClean="0"/>
+              <a:rPr lang="en-US" dirty="0"/>
               <a:t>*</a:t>
             </a:r>
             <a:r>
-              <a:rPr lang="en-US" dirty="0" err="1" smtClean="0"/>
+              <a:rPr lang="en-US" dirty="0" err="1"/>
               <a:t>ngIf</a:t>
             </a:r>
             <a:r>
-              <a:rPr lang="en-US" dirty="0" smtClean="0"/>
+              <a:rPr lang="en-US" dirty="0"/>
               <a:t> – conditional template</a:t>
             </a:r>
             <a:endParaRPr lang="bg-BG" dirty="0"/>
@@ -25439,24 +25005,24 @@
           <a:lstStyle/>
           <a:p>
             <a:r>
-              <a:rPr lang="en-US" dirty="0" smtClean="0"/>
+              <a:rPr lang="en-US" dirty="0"/>
               <a:t>Conditionally removes elements from the DOM</a:t>
             </a:r>
             <a:br>
-              <a:rPr lang="en-US" dirty="0" smtClean="0"/>
+              <a:rPr lang="en-US" dirty="0"/>
             </a:br>
             <a:r>
-              <a:rPr lang="en-US" dirty="0" smtClean="0"/>
+              <a:rPr lang="en-US" dirty="0"/>
               <a:t>Structural directive</a:t>
             </a:r>
           </a:p>
           <a:p>
             <a:r>
-              <a:rPr lang="en-US" dirty="0" smtClean="0"/>
+              <a:rPr lang="en-US" dirty="0"/>
               <a:t>Use </a:t>
             </a:r>
             <a:r>
-              <a:rPr lang="en-US" dirty="0" smtClean="0">
+              <a:rPr lang="en-US" dirty="0">
                 <a:solidFill>
                   <a:srgbClr val="0070C0"/>
                 </a:solidFill>
@@ -25464,7 +25030,7 @@
               <a:t>[</a:t>
             </a:r>
             <a:r>
-              <a:rPr lang="en-US" dirty="0" err="1" smtClean="0">
+              <a:rPr lang="en-US" dirty="0" err="1">
                 <a:solidFill>
                   <a:srgbClr val="0070C0"/>
                 </a:solidFill>
@@ -25472,7 +25038,7 @@
               <a:t>style.visibility</a:t>
             </a:r>
             <a:r>
-              <a:rPr lang="en-US" dirty="0" smtClean="0">
+              <a:rPr lang="en-US" dirty="0">
                 <a:solidFill>
                   <a:srgbClr val="0070C0"/>
                 </a:solidFill>
@@ -25480,7 +25046,7 @@
               <a:t>]=“</a:t>
             </a:r>
             <a:r>
-              <a:rPr lang="en-US" dirty="0" err="1" smtClean="0">
+              <a:rPr lang="en-US" dirty="0" err="1">
                 <a:solidFill>
                   <a:srgbClr val="0070C0"/>
                 </a:solidFill>
@@ -25488,7 +25054,7 @@
               <a:t>isVisible</a:t>
             </a:r>
             <a:r>
-              <a:rPr lang="en-US" dirty="0" smtClean="0">
+              <a:rPr lang="en-US" dirty="0">
                 <a:solidFill>
                   <a:srgbClr val="0070C0"/>
                 </a:solidFill>
@@ -25496,7 +25062,7 @@
               <a:t>()”</a:t>
             </a:r>
             <a:r>
-              <a:rPr lang="en-US" dirty="0" smtClean="0"/>
+              <a:rPr lang="en-US" dirty="0"/>
               <a:t> to hide</a:t>
             </a:r>
             <a:endParaRPr lang="bg-BG" dirty="0"/>
@@ -25513,13 +25079,6 @@
   <p:clrMapOvr>
     <a:masterClrMapping/>
   </p:clrMapOvr>
-  <p:timing>
-    <p:tnLst>
-      <p:par>
-        <p:cTn id="1" dur="indefinite" restart="never" nodeType="tmRoot"/>
-      </p:par>
-    </p:tnLst>
-  </p:timing>
 </p:sld>
 </file>
 
@@ -25584,14 +25143,85 @@
               </a:rPr>
               <a:t>&gt;</a:t>
             </a:r>
-            <a:r>
+            <a:br>
               <a:rPr lang="en-US" sz="2400" dirty="0">
                 <a:solidFill>
                   <a:srgbClr val="D4D4D4"/>
                 </a:solidFill>
                 <a:latin typeface="Consolas" panose="020B0609020204030204" pitchFamily="49" charset="0"/>
               </a:rPr>
-              <a:t/>
+            </a:br>
+            <a:r>
+              <a:rPr lang="en-US" sz="2400" dirty="0">
+                <a:solidFill>
+                  <a:srgbClr val="D4D4D4"/>
+                </a:solidFill>
+                <a:latin typeface="Consolas" panose="020B0609020204030204" pitchFamily="49" charset="0"/>
+              </a:rPr>
+              <a:t>    </a:t>
+            </a:r>
+            <a:r>
+              <a:rPr lang="en-US" sz="2400" dirty="0">
+                <a:solidFill>
+                  <a:srgbClr val="808080"/>
+                </a:solidFill>
+                <a:latin typeface="Consolas" panose="020B0609020204030204" pitchFamily="49" charset="0"/>
+              </a:rPr>
+              <a:t>&lt;</a:t>
+            </a:r>
+            <a:r>
+              <a:rPr lang="en-US" sz="2400" dirty="0">
+                <a:solidFill>
+                  <a:srgbClr val="569CD6"/>
+                </a:solidFill>
+                <a:latin typeface="Consolas" panose="020B0609020204030204" pitchFamily="49" charset="0"/>
+              </a:rPr>
+              <a:t>li</a:t>
+            </a:r>
+            <a:r>
+              <a:rPr lang="en-US" sz="2400" dirty="0">
+                <a:solidFill>
+                  <a:srgbClr val="D4D4D4"/>
+                </a:solidFill>
+                <a:latin typeface="Consolas" panose="020B0609020204030204" pitchFamily="49" charset="0"/>
+              </a:rPr>
+              <a:t> *</a:t>
+            </a:r>
+            <a:r>
+              <a:rPr lang="en-US" sz="2400" dirty="0" err="1">
+                <a:solidFill>
+                  <a:srgbClr val="9CDCFE"/>
+                </a:solidFill>
+                <a:latin typeface="Consolas" panose="020B0609020204030204" pitchFamily="49" charset="0"/>
+              </a:rPr>
+              <a:t>ngFor</a:t>
+            </a:r>
+            <a:r>
+              <a:rPr lang="en-US" sz="2400" dirty="0">
+                <a:solidFill>
+                  <a:srgbClr val="D4D4D4"/>
+                </a:solidFill>
+                <a:latin typeface="Consolas" panose="020B0609020204030204" pitchFamily="49" charset="0"/>
+              </a:rPr>
+              <a:t>=</a:t>
+            </a:r>
+            <a:r>
+              <a:rPr lang="en-US" sz="2400" dirty="0">
+                <a:solidFill>
+                  <a:srgbClr val="CE9178"/>
+                </a:solidFill>
+                <a:latin typeface="Consolas" panose="020B0609020204030204" pitchFamily="49" charset="0"/>
+              </a:rPr>
+              <a:t>"let character of characters"</a:t>
+            </a:r>
+            <a:r>
+              <a:rPr lang="en-US" sz="2400" dirty="0">
+                <a:solidFill>
+                  <a:srgbClr val="808080"/>
+                </a:solidFill>
+                <a:latin typeface="Consolas" panose="020B0609020204030204" pitchFamily="49" charset="0"/>
+              </a:rPr>
+              <a:t>&gt;</a:t>
             </a:r>
             <a:br>
               <a:rPr lang="en-US" sz="2400" dirty="0">
@@ -25608,6 +25238,23 @@
                 </a:solidFill>
                 <a:latin typeface="Consolas" panose="020B0609020204030204" pitchFamily="49" charset="0"/>
               </a:rPr>
+              <a:t>        {{ character.name }}</a:t>
+            </a:r>
+            <a:br>
+              <a:rPr lang="en-US" sz="2400" dirty="0">
+                <a:solidFill>
+                  <a:srgbClr val="D4D4D4"/>
+                </a:solidFill>
+                <a:latin typeface="Consolas" panose="020B0609020204030204" pitchFamily="49" charset="0"/>
+              </a:rPr>
+            </a:br>
+            <a:r>
+              <a:rPr lang="en-US" sz="2400" dirty="0">
+                <a:solidFill>
+                  <a:srgbClr val="D4D4D4"/>
+                </a:solidFill>
+                <a:latin typeface="Consolas" panose="020B0609020204030204" pitchFamily="49" charset="0"/>
+              </a:rPr>
               <a:t>    </a:t>
             </a:r>
             <a:r>
@@ -25617,7 +25264,7 @@
                 </a:solidFill>
                 <a:latin typeface="Consolas" panose="020B0609020204030204" pitchFamily="49" charset="0"/>
               </a:rPr>
-              <a:t>&lt;</a:t>
+              <a:t>&lt;/</a:t>
             </a:r>
             <a:r>
               <a:rPr lang="en-US" sz="2400" dirty="0">
@@ -25631,126 +25278,11 @@
             <a:r>
               <a:rPr lang="en-US" sz="2400" dirty="0">
                 <a:solidFill>
-                  <a:srgbClr val="D4D4D4"/>
-                </a:solidFill>
-                <a:latin typeface="Consolas" panose="020B0609020204030204" pitchFamily="49" charset="0"/>
-              </a:rPr>
-              <a:t> *</a:t>
-            </a:r>
-            <a:r>
-              <a:rPr lang="en-US" sz="2400" dirty="0" err="1">
-                <a:solidFill>
-                  <a:srgbClr val="9CDCFE"/>
-                </a:solidFill>
-                <a:latin typeface="Consolas" panose="020B0609020204030204" pitchFamily="49" charset="0"/>
-              </a:rPr>
-              <a:t>ngFor</a:t>
-            </a:r>
-            <a:r>
-              <a:rPr lang="en-US" sz="2400" dirty="0">
-                <a:solidFill>
-                  <a:srgbClr val="D4D4D4"/>
-                </a:solidFill>
-                <a:latin typeface="Consolas" panose="020B0609020204030204" pitchFamily="49" charset="0"/>
-              </a:rPr>
-              <a:t>=</a:t>
-            </a:r>
-            <a:r>
-              <a:rPr lang="en-US" sz="2400" dirty="0">
-                <a:solidFill>
-                  <a:srgbClr val="CE9178"/>
-                </a:solidFill>
-                <a:latin typeface="Consolas" panose="020B0609020204030204" pitchFamily="49" charset="0"/>
-              </a:rPr>
-              <a:t>"let character of characters"</a:t>
-            </a:r>
-            <a:r>
-              <a:rPr lang="en-US" sz="2400" dirty="0">
-                <a:solidFill>
                   <a:srgbClr val="808080"/>
                 </a:solidFill>
                 <a:latin typeface="Consolas" panose="020B0609020204030204" pitchFamily="49" charset="0"/>
               </a:rPr>
               <a:t>&gt;</a:t>
-            </a:r>
-            <a:r>
-              <a:rPr lang="en-US" sz="2400" dirty="0">
-                <a:solidFill>
-                  <a:srgbClr val="D4D4D4"/>
-                </a:solidFill>
-                <a:latin typeface="Consolas" panose="020B0609020204030204" pitchFamily="49" charset="0"/>
-              </a:rPr>
-              <a:t/>
-            </a:r>
-            <a:br>
-              <a:rPr lang="en-US" sz="2400" dirty="0">
-                <a:solidFill>
-                  <a:srgbClr val="D4D4D4"/>
-                </a:solidFill>
-                <a:latin typeface="Consolas" panose="020B0609020204030204" pitchFamily="49" charset="0"/>
-              </a:rPr>
-            </a:br>
-            <a:r>
-              <a:rPr lang="en-US" sz="2400" dirty="0">
-                <a:solidFill>
-                  <a:srgbClr val="D4D4D4"/>
-                </a:solidFill>
-                <a:latin typeface="Consolas" panose="020B0609020204030204" pitchFamily="49" charset="0"/>
-              </a:rPr>
-              <a:t>        {{ character.name }}</a:t>
-            </a:r>
-            <a:br>
-              <a:rPr lang="en-US" sz="2400" dirty="0">
-                <a:solidFill>
-                  <a:srgbClr val="D4D4D4"/>
-                </a:solidFill>
-                <a:latin typeface="Consolas" panose="020B0609020204030204" pitchFamily="49" charset="0"/>
-              </a:rPr>
-            </a:br>
-            <a:r>
-              <a:rPr lang="en-US" sz="2400" dirty="0">
-                <a:solidFill>
-                  <a:srgbClr val="D4D4D4"/>
-                </a:solidFill>
-                <a:latin typeface="Consolas" panose="020B0609020204030204" pitchFamily="49" charset="0"/>
-              </a:rPr>
-              <a:t>    </a:t>
-            </a:r>
-            <a:r>
-              <a:rPr lang="en-US" sz="2400" dirty="0">
-                <a:solidFill>
-                  <a:srgbClr val="808080"/>
-                </a:solidFill>
-                <a:latin typeface="Consolas" panose="020B0609020204030204" pitchFamily="49" charset="0"/>
-              </a:rPr>
-              <a:t>&lt;/</a:t>
-            </a:r>
-            <a:r>
-              <a:rPr lang="en-US" sz="2400" dirty="0">
-                <a:solidFill>
-                  <a:srgbClr val="569CD6"/>
-                </a:solidFill>
-                <a:latin typeface="Consolas" panose="020B0609020204030204" pitchFamily="49" charset="0"/>
-              </a:rPr>
-              <a:t>li</a:t>
-            </a:r>
-            <a:r>
-              <a:rPr lang="en-US" sz="2400" dirty="0">
-                <a:solidFill>
-                  <a:srgbClr val="808080"/>
-                </a:solidFill>
-                <a:latin typeface="Consolas" panose="020B0609020204030204" pitchFamily="49" charset="0"/>
-              </a:rPr>
-              <a:t>&gt;</a:t>
-            </a:r>
-            <a:r>
-              <a:rPr lang="en-US" sz="2400" dirty="0">
-                <a:solidFill>
-                  <a:srgbClr val="D4D4D4"/>
-                </a:solidFill>
-                <a:latin typeface="Consolas" panose="020B0609020204030204" pitchFamily="49" charset="0"/>
-              </a:rPr>
-              <a:t/>
             </a:r>
             <a:br>
               <a:rPr lang="en-US" sz="2400" dirty="0">
@@ -25820,15 +25352,15 @@
           <a:lstStyle/>
           <a:p>
             <a:r>
-              <a:rPr lang="en-US" dirty="0" smtClean="0"/>
+              <a:rPr lang="en-US" dirty="0"/>
               <a:t>*</a:t>
             </a:r>
             <a:r>
-              <a:rPr lang="en-US" dirty="0" err="1" smtClean="0"/>
+              <a:rPr lang="en-US" dirty="0" err="1"/>
               <a:t>ngFor</a:t>
             </a:r>
             <a:r>
-              <a:rPr lang="en-US" dirty="0" smtClean="0"/>
+              <a:rPr lang="en-US" dirty="0"/>
               <a:t> – repeating a template</a:t>
             </a:r>
             <a:endParaRPr lang="bg-BG" dirty="0"/>
@@ -25858,13 +25390,13 @@
           <a:lstStyle/>
           <a:p>
             <a:r>
-              <a:rPr lang="en-US" dirty="0" smtClean="0"/>
+              <a:rPr lang="en-US" dirty="0"/>
               <a:t>Structural directive</a:t>
             </a:r>
           </a:p>
           <a:p>
             <a:r>
-              <a:rPr lang="en-US" dirty="0" smtClean="0"/>
+              <a:rPr lang="en-US" dirty="0"/>
               <a:t>Show an element n number of times</a:t>
             </a:r>
           </a:p>
@@ -25880,13 +25412,6 @@
   <p:clrMapOvr>
     <a:masterClrMapping/>
   </p:clrMapOvr>
-  <p:timing>
-    <p:tnLst>
-      <p:par>
-        <p:cTn id="1" dur="indefinite" restart="never" nodeType="tmRoot"/>
-      </p:par>
-    </p:tnLst>
-  </p:timing>
 </p:sld>
 </file>
 
@@ -26994,7 +26519,7 @@
           <a:p>
             <a:pPr algn="ctr"/>
             <a:r>
-              <a:rPr lang="en-US" dirty="0" smtClean="0">
+              <a:rPr lang="en-US" dirty="0">
                 <a:solidFill>
                   <a:schemeClr val="bg1"/>
                 </a:solidFill>
@@ -27002,7 +26527,7 @@
               <a:t>Angular Module is a class decorated by @</a:t>
             </a:r>
             <a:r>
-              <a:rPr lang="en-US" dirty="0" err="1" smtClean="0">
+              <a:rPr lang="en-US" dirty="0" err="1">
                 <a:solidFill>
                   <a:schemeClr val="bg1"/>
                 </a:solidFill>
@@ -27596,7 +27121,7 @@
               <a:t>BrowserModule</a:t>
             </a:r>
             <a:r>
-              <a:rPr lang="en-US" sz="2400" dirty="0" smtClean="0">
+              <a:rPr lang="en-US" sz="2400" dirty="0">
                 <a:solidFill>
                   <a:srgbClr val="D4D4D4"/>
                 </a:solidFill>
@@ -27605,7 +27130,7 @@
               <a:t>, </a:t>
             </a:r>
             <a:r>
-              <a:rPr lang="en-US" sz="2400" dirty="0" err="1" smtClean="0">
+              <a:rPr lang="en-US" sz="2400" dirty="0" err="1">
                 <a:solidFill>
                   <a:srgbClr val="9CDCFE"/>
                 </a:solidFill>
@@ -27613,14 +27138,22 @@
               </a:rPr>
               <a:t>FormsModule</a:t>
             </a:r>
-            <a:r>
+            <a:br>
               <a:rPr lang="en-US" sz="2400" dirty="0">
                 <a:solidFill>
                   <a:srgbClr val="D4D4D4"/>
                 </a:solidFill>
                 <a:latin typeface="Consolas" panose="020B0609020204030204" pitchFamily="49" charset="0"/>
               </a:rPr>
-              <a:t/>
+            </a:br>
+            <a:r>
+              <a:rPr lang="en-US" sz="2400" dirty="0">
+                <a:solidFill>
+                  <a:srgbClr val="D4D4D4"/>
+                </a:solidFill>
+                <a:latin typeface="Consolas" panose="020B0609020204030204" pitchFamily="49" charset="0"/>
+              </a:rPr>
+              <a:t>    ],</a:t>
             </a:r>
             <a:br>
               <a:rPr lang="en-US" sz="2400" dirty="0">
@@ -27637,6 +27170,67 @@
                 </a:solidFill>
                 <a:latin typeface="Consolas" panose="020B0609020204030204" pitchFamily="49" charset="0"/>
               </a:rPr>
+              <a:t>    </a:t>
+            </a:r>
+            <a:r>
+              <a:rPr lang="en-US" sz="2400" dirty="0">
+                <a:solidFill>
+                  <a:srgbClr val="9CDCFE"/>
+                </a:solidFill>
+                <a:latin typeface="Consolas" panose="020B0609020204030204" pitchFamily="49" charset="0"/>
+              </a:rPr>
+              <a:t>declarations:</a:t>
+            </a:r>
+            <a:r>
+              <a:rPr lang="en-US" sz="2400" dirty="0">
+                <a:solidFill>
+                  <a:srgbClr val="D4D4D4"/>
+                </a:solidFill>
+                <a:latin typeface="Consolas" panose="020B0609020204030204" pitchFamily="49" charset="0"/>
+              </a:rPr>
+              <a:t> [</a:t>
+            </a:r>
+            <a:br>
+              <a:rPr lang="en-US" sz="2400" dirty="0">
+                <a:solidFill>
+                  <a:srgbClr val="D4D4D4"/>
+                </a:solidFill>
+                <a:latin typeface="Consolas" panose="020B0609020204030204" pitchFamily="49" charset="0"/>
+              </a:rPr>
+            </a:br>
+            <a:r>
+              <a:rPr lang="en-US" sz="2400" dirty="0">
+                <a:solidFill>
+                  <a:srgbClr val="D4D4D4"/>
+                </a:solidFill>
+                <a:latin typeface="Consolas" panose="020B0609020204030204" pitchFamily="49" charset="0"/>
+              </a:rPr>
+              <a:t>        </a:t>
+            </a:r>
+            <a:r>
+              <a:rPr lang="en-US" sz="2400" dirty="0" err="1">
+                <a:solidFill>
+                  <a:srgbClr val="9CDCFE"/>
+                </a:solidFill>
+                <a:latin typeface="Consolas" panose="020B0609020204030204" pitchFamily="49" charset="0"/>
+              </a:rPr>
+              <a:t>VehiclesComponent</a:t>
+            </a:r>
+            <a:br>
+              <a:rPr lang="en-US" sz="2400" dirty="0">
+                <a:solidFill>
+                  <a:srgbClr val="D4D4D4"/>
+                </a:solidFill>
+                <a:latin typeface="Consolas" panose="020B0609020204030204" pitchFamily="49" charset="0"/>
+              </a:rPr>
+            </a:br>
+            <a:r>
+              <a:rPr lang="en-US" sz="2400" dirty="0">
+                <a:solidFill>
+                  <a:srgbClr val="D4D4D4"/>
+                </a:solidFill>
+                <a:latin typeface="Consolas" panose="020B0609020204030204" pitchFamily="49" charset="0"/>
+              </a:rPr>
               <a:t>    ],</a:t>
             </a:r>
             <a:br>
@@ -27663,7 +27257,7 @@
                 </a:solidFill>
                 <a:latin typeface="Consolas" panose="020B0609020204030204" pitchFamily="49" charset="0"/>
               </a:rPr>
-              <a:t>declarations:</a:t>
+              <a:t>providers:</a:t>
             </a:r>
             <a:r>
               <a:rPr lang="en-US" sz="2400" dirty="0">
@@ -27698,103 +27292,7 @@
                 </a:solidFill>
                 <a:latin typeface="Consolas" panose="020B0609020204030204" pitchFamily="49" charset="0"/>
               </a:rPr>
-              <a:t>VehiclesComponent</a:t>
-            </a:r>
-            <a:r>
-              <a:rPr lang="en-US" sz="2400" dirty="0">
-                <a:solidFill>
-                  <a:srgbClr val="D4D4D4"/>
-                </a:solidFill>
-                <a:latin typeface="Consolas" panose="020B0609020204030204" pitchFamily="49" charset="0"/>
-              </a:rPr>
-              <a:t/>
-            </a:r>
-            <a:br>
-              <a:rPr lang="en-US" sz="2400" dirty="0">
-                <a:solidFill>
-                  <a:srgbClr val="D4D4D4"/>
-                </a:solidFill>
-                <a:latin typeface="Consolas" panose="020B0609020204030204" pitchFamily="49" charset="0"/>
-              </a:rPr>
-            </a:br>
-            <a:r>
-              <a:rPr lang="en-US" sz="2400" dirty="0">
-                <a:solidFill>
-                  <a:srgbClr val="D4D4D4"/>
-                </a:solidFill>
-                <a:latin typeface="Consolas" panose="020B0609020204030204" pitchFamily="49" charset="0"/>
-              </a:rPr>
-              <a:t>    ],</a:t>
-            </a:r>
-            <a:br>
-              <a:rPr lang="en-US" sz="2400" dirty="0">
-                <a:solidFill>
-                  <a:srgbClr val="D4D4D4"/>
-                </a:solidFill>
-                <a:latin typeface="Consolas" panose="020B0609020204030204" pitchFamily="49" charset="0"/>
-              </a:rPr>
-            </a:br>
-            <a:r>
-              <a:rPr lang="en-US" sz="2400" dirty="0">
-                <a:solidFill>
-                  <a:srgbClr val="D4D4D4"/>
-                </a:solidFill>
-                <a:latin typeface="Consolas" panose="020B0609020204030204" pitchFamily="49" charset="0"/>
-              </a:rPr>
-              <a:t>    </a:t>
-            </a:r>
-            <a:r>
-              <a:rPr lang="en-US" sz="2400" dirty="0">
-                <a:solidFill>
-                  <a:srgbClr val="9CDCFE"/>
-                </a:solidFill>
-                <a:latin typeface="Consolas" panose="020B0609020204030204" pitchFamily="49" charset="0"/>
-              </a:rPr>
-              <a:t>providers:</a:t>
-            </a:r>
-            <a:r>
-              <a:rPr lang="en-US" sz="2400" dirty="0">
-                <a:solidFill>
-                  <a:srgbClr val="D4D4D4"/>
-                </a:solidFill>
-                <a:latin typeface="Consolas" panose="020B0609020204030204" pitchFamily="49" charset="0"/>
-              </a:rPr>
-              <a:t> [</a:t>
-            </a:r>
-            <a:br>
-              <a:rPr lang="en-US" sz="2400" dirty="0">
-                <a:solidFill>
-                  <a:srgbClr val="D4D4D4"/>
-                </a:solidFill>
-                <a:latin typeface="Consolas" panose="020B0609020204030204" pitchFamily="49" charset="0"/>
-              </a:rPr>
-            </a:br>
-            <a:r>
-              <a:rPr lang="en-US" sz="2400" dirty="0">
-                <a:solidFill>
-                  <a:srgbClr val="D4D4D4"/>
-                </a:solidFill>
-                <a:latin typeface="Consolas" panose="020B0609020204030204" pitchFamily="49" charset="0"/>
-              </a:rPr>
-              <a:t>        </a:t>
-            </a:r>
-            <a:r>
-              <a:rPr lang="en-US" sz="2400" dirty="0" err="1">
-                <a:solidFill>
-                  <a:srgbClr val="9CDCFE"/>
-                </a:solidFill>
-                <a:latin typeface="Consolas" panose="020B0609020204030204" pitchFamily="49" charset="0"/>
-              </a:rPr>
               <a:t>VehicleService</a:t>
-            </a:r>
-            <a:r>
-              <a:rPr lang="en-US" sz="2400" dirty="0">
-                <a:solidFill>
-                  <a:srgbClr val="D4D4D4"/>
-                </a:solidFill>
-                <a:latin typeface="Consolas" panose="020B0609020204030204" pitchFamily="49" charset="0"/>
-              </a:rPr>
-              <a:t/>
             </a:r>
             <a:br>
               <a:rPr lang="en-US" sz="2400" dirty="0">
@@ -27978,7 +27476,7 @@
           <a:lstStyle/>
           <a:p>
             <a:r>
-              <a:rPr lang="en-US" dirty="0" smtClean="0"/>
+              <a:rPr lang="en-US" dirty="0"/>
               <a:t>Root Angular Module</a:t>
             </a:r>
             <a:endParaRPr lang="bg-BG" dirty="0"/>
@@ -27995,13 +27493,6 @@
   <p:clrMapOvr>
     <a:masterClrMapping/>
   </p:clrMapOvr>
-  <p:timing>
-    <p:tnLst>
-      <p:par>
-        <p:cTn id="1" dur="indefinite" restart="never" nodeType="tmRoot"/>
-      </p:par>
-    </p:tnLst>
-  </p:timing>
 </p:sld>
 </file>
 
@@ -28051,58 +27542,34 @@
           <a:lstStyle/>
           <a:p>
             <a:r>
-              <a:rPr lang="en-US" u="sng" dirty="0" smtClean="0">
+              <a:rPr lang="en-US" u="sng" dirty="0">
                 <a:solidFill>
                   <a:srgbClr val="0070C0"/>
                 </a:solidFill>
               </a:rPr>
               <a:t>Services</a:t>
             </a:r>
-            <a:r>
-              <a:rPr lang="en-US" dirty="0" smtClean="0">
+            <a:br>
+              <a:rPr lang="en-US" dirty="0">
                 <a:solidFill>
                   <a:schemeClr val="tx1"/>
                 </a:solidFill>
               </a:rPr>
-              <a:t/>
-            </a:r>
+            </a:br>
             <a:br>
-              <a:rPr lang="en-US" dirty="0" smtClean="0">
+              <a:rPr lang="en-US" dirty="0">
                 <a:solidFill>
                   <a:schemeClr val="tx1"/>
                 </a:solidFill>
               </a:rPr>
             </a:br>
             <a:r>
-              <a:rPr lang="en-US" dirty="0" smtClean="0">
+              <a:rPr lang="en-US" sz="3600" dirty="0">
                 <a:solidFill>
                   <a:schemeClr val="tx1"/>
                 </a:solidFill>
               </a:rPr>
-              <a:t/>
-            </a:r>
-            <a:br>
-              <a:rPr lang="en-US" dirty="0" smtClean="0">
-                <a:solidFill>
-                  <a:schemeClr val="tx1"/>
-                </a:solidFill>
-              </a:rPr>
-            </a:br>
-            <a:r>
-              <a:rPr lang="en-US" sz="3600" dirty="0" smtClean="0">
-                <a:solidFill>
-                  <a:schemeClr val="tx1"/>
-                </a:solidFill>
-              </a:rPr>
-              <a:t>Service provides everything our application needs. </a:t>
-            </a:r>
-            <a:r>
-              <a:rPr lang="en-US" sz="3600" dirty="0" smtClean="0">
-                <a:solidFill>
-                  <a:schemeClr val="tx1"/>
-                </a:solidFill>
-              </a:rPr>
-              <a:t>It often shares data or functions between other Angular features.</a:t>
+              <a:t>Service provides everything our application needs. It often shares data or functions between other Angular features.</a:t>
             </a:r>
             <a:endParaRPr lang="bg-BG" sz="3600" dirty="0">
               <a:solidFill>
@@ -28726,7 +28193,7 @@
           <a:lstStyle/>
           <a:p>
             <a:r>
-              <a:rPr lang="en-US" sz="4800" b="1" dirty="0" smtClean="0">
+              <a:rPr lang="en-US" sz="4800" b="1" dirty="0">
                 <a:solidFill>
                   <a:srgbClr val="0070C0"/>
                 </a:solidFill>
@@ -28751,13 +28218,6 @@
   <p:clrMapOvr>
     <a:masterClrMapping/>
   </p:clrMapOvr>
-  <p:timing>
-    <p:tnLst>
-      <p:par>
-        <p:cTn id="1" dur="indefinite" restart="never" nodeType="tmRoot"/>
-      </p:par>
-    </p:tnLst>
-  </p:timing>
 </p:sld>
 </file>
 
@@ -29331,13 +28791,6 @@
   <p:clrMapOvr>
     <a:masterClrMapping/>
   </p:clrMapOvr>
-  <p:timing>
-    <p:tnLst>
-      <p:par>
-        <p:cTn id="1" dur="indefinite" restart="never" nodeType="tmRoot"/>
-      </p:par>
-    </p:tnLst>
-  </p:timing>
 </p:sld>
 </file>
 
@@ -29796,7 +29249,7 @@
           <a:lstStyle/>
           <a:p>
             <a:r>
-              <a:rPr lang="en-US" dirty="0" smtClean="0"/>
+              <a:rPr lang="en-US" dirty="0"/>
               <a:t>Service</a:t>
             </a:r>
             <a:endParaRPr lang="bg-BG" dirty="0"/>
@@ -29813,13 +29266,6 @@
   <p:clrMapOvr>
     <a:masterClrMapping/>
   </p:clrMapOvr>
-  <p:timing>
-    <p:tnLst>
-      <p:par>
-        <p:cTn id="1" dur="indefinite" restart="never" nodeType="tmRoot"/>
-      </p:par>
-    </p:tnLst>
-  </p:timing>
 </p:sld>
 </file>
 
@@ -31536,15 +30982,6 @@
                 <a:latin typeface="Consolas" panose="020B0609020204030204" pitchFamily="49" charset="0"/>
               </a:rPr>
             </a:br>
-            <a:r>
-              <a:rPr lang="en-US" sz="2400" dirty="0">
-                <a:solidFill>
-                  <a:srgbClr val="D4D4D4"/>
-                </a:solidFill>
-                <a:latin typeface="Consolas" panose="020B0609020204030204" pitchFamily="49" charset="0"/>
-              </a:rPr>
-              <a:t/>
-            </a:r>
             <a:br>
               <a:rPr lang="en-US" sz="2400" dirty="0">
                 <a:solidFill>
@@ -31684,7 +31121,7 @@
           <a:lstStyle/>
           <a:p>
             <a:r>
-              <a:rPr lang="en-US" dirty="0" smtClean="0"/>
+              <a:rPr lang="en-US" dirty="0"/>
               <a:t>Injecting a Service into a Component</a:t>
             </a:r>
             <a:endParaRPr lang="bg-BG" dirty="0"/>
@@ -31701,13 +31138,6 @@
   <p:clrMapOvr>
     <a:masterClrMapping/>
   </p:clrMapOvr>
-  <p:timing>
-    <p:tnLst>
-      <p:par>
-        <p:cTn id="1" dur="indefinite" restart="never" nodeType="tmRoot"/>
-      </p:par>
-    </p:tnLst>
-  </p:timing>
 </p:sld>
 </file>
 
@@ -31931,14 +31361,40 @@
                 <a:latin typeface="Consolas" panose="020B0609020204030204" pitchFamily="49" charset="0"/>
               </a:rPr>
             </a:br>
-            <a:r>
+            <a:br>
               <a:rPr lang="en-US" sz="2400" dirty="0">
                 <a:solidFill>
                   <a:srgbClr val="D4D4D4"/>
                 </a:solidFill>
                 <a:latin typeface="Consolas" panose="020B0609020204030204" pitchFamily="49" charset="0"/>
               </a:rPr>
-              <a:t/>
+            </a:br>
+            <a:r>
+              <a:rPr lang="en-US" sz="2400" dirty="0">
+                <a:solidFill>
+                  <a:srgbClr val="D4D4D4"/>
+                </a:solidFill>
+                <a:latin typeface="Consolas" panose="020B0609020204030204" pitchFamily="49" charset="0"/>
+              </a:rPr>
+              <a:t>    </a:t>
+            </a:r>
+            <a:r>
+              <a:rPr lang="en-US" sz="2400" dirty="0" err="1">
+                <a:solidFill>
+                  <a:srgbClr val="DCDCAA"/>
+                </a:solidFill>
+                <a:latin typeface="Consolas" panose="020B0609020204030204" pitchFamily="49" charset="0"/>
+              </a:rPr>
+              <a:t>getVehicles</a:t>
+            </a:r>
+            <a:r>
+              <a:rPr lang="en-US" sz="2400" dirty="0">
+                <a:solidFill>
+                  <a:srgbClr val="D4D4D4"/>
+                </a:solidFill>
+                <a:latin typeface="Consolas" panose="020B0609020204030204" pitchFamily="49" charset="0"/>
+              </a:rPr>
+              <a:t>(){</a:t>
             </a:r>
             <a:br>
               <a:rPr lang="en-US" sz="2400" dirty="0">
@@ -31955,16 +31411,70 @@
                 </a:solidFill>
                 <a:latin typeface="Consolas" panose="020B0609020204030204" pitchFamily="49" charset="0"/>
               </a:rPr>
-              <a:t>    </a:t>
+              <a:t>        </a:t>
+            </a:r>
+            <a:r>
+              <a:rPr lang="en-US" sz="2400" dirty="0">
+                <a:solidFill>
+                  <a:srgbClr val="C586C0"/>
+                </a:solidFill>
+                <a:latin typeface="Consolas" panose="020B0609020204030204" pitchFamily="49" charset="0"/>
+              </a:rPr>
+              <a:t>return</a:t>
+            </a:r>
+            <a:r>
+              <a:rPr lang="en-US" sz="2400" dirty="0">
+                <a:solidFill>
+                  <a:srgbClr val="D4D4D4"/>
+                </a:solidFill>
+                <a:latin typeface="Consolas" panose="020B0609020204030204" pitchFamily="49" charset="0"/>
+              </a:rPr>
+              <a:t> </a:t>
             </a:r>
             <a:r>
               <a:rPr lang="en-US" sz="2400" dirty="0" err="1">
                 <a:solidFill>
+                  <a:srgbClr val="569CD6"/>
+                </a:solidFill>
+                <a:latin typeface="Consolas" panose="020B0609020204030204" pitchFamily="49" charset="0"/>
+              </a:rPr>
+              <a:t>this</a:t>
+            </a:r>
+            <a:r>
+              <a:rPr lang="en-US" sz="2400" dirty="0" err="1">
+                <a:solidFill>
+                  <a:srgbClr val="D4D4D4"/>
+                </a:solidFill>
+                <a:latin typeface="Consolas" panose="020B0609020204030204" pitchFamily="49" charset="0"/>
+              </a:rPr>
+              <a:t>.</a:t>
+            </a:r>
+            <a:r>
+              <a:rPr lang="en-US" sz="2400" dirty="0" err="1">
+                <a:solidFill>
+                  <a:srgbClr val="9CDCFE"/>
+                </a:solidFill>
+                <a:latin typeface="Consolas" panose="020B0609020204030204" pitchFamily="49" charset="0"/>
+              </a:rPr>
+              <a:t>http</a:t>
+            </a:r>
+            <a:r>
+              <a:rPr lang="en-US" sz="2400" dirty="0" err="1">
+                <a:solidFill>
+                  <a:srgbClr val="D4D4D4"/>
+                </a:solidFill>
+                <a:latin typeface="Consolas" panose="020B0609020204030204" pitchFamily="49" charset="0"/>
+              </a:rPr>
+              <a:t>.</a:t>
+            </a:r>
+            <a:r>
+              <a:rPr lang="en-US" sz="2400" dirty="0" err="1">
+                <a:solidFill>
                   <a:srgbClr val="DCDCAA"/>
                 </a:solidFill>
                 <a:latin typeface="Consolas" panose="020B0609020204030204" pitchFamily="49" charset="0"/>
               </a:rPr>
-              <a:t>getVehicles</a:t>
+              <a:t>get</a:t>
             </a:r>
             <a:r>
               <a:rPr lang="en-US" sz="2400" dirty="0">
@@ -31973,7 +31483,25 @@
                 </a:solidFill>
                 <a:latin typeface="Consolas" panose="020B0609020204030204" pitchFamily="49" charset="0"/>
               </a:rPr>
-              <a:t>(){</a:t>
+              <a:t>(</a:t>
+            </a:r>
+            <a:r>
+              <a:rPr lang="en-US" sz="2400" dirty="0" err="1">
+                <a:solidFill>
+                  <a:srgbClr val="9CDCFE"/>
+                </a:solidFill>
+                <a:latin typeface="Consolas" panose="020B0609020204030204" pitchFamily="49" charset="0"/>
+              </a:rPr>
+              <a:t>vehiclerUrl</a:t>
+            </a:r>
+            <a:r>
+              <a:rPr lang="en-US" sz="2400" dirty="0">
+                <a:solidFill>
+                  <a:srgbClr val="D4D4D4"/>
+                </a:solidFill>
+                <a:latin typeface="Consolas" panose="020B0609020204030204" pitchFamily="49" charset="0"/>
+              </a:rPr>
+              <a:t>)</a:t>
             </a:r>
             <a:br>
               <a:rPr lang="en-US" sz="2400" dirty="0">
@@ -31990,16 +31518,16 @@
                 </a:solidFill>
                 <a:latin typeface="Consolas" panose="020B0609020204030204" pitchFamily="49" charset="0"/>
               </a:rPr>
-              <a:t>        </a:t>
-            </a:r>
-            <a:r>
-              <a:rPr lang="en-US" sz="2400" dirty="0">
-                <a:solidFill>
-                  <a:srgbClr val="C586C0"/>
-                </a:solidFill>
-                <a:latin typeface="Consolas" panose="020B0609020204030204" pitchFamily="49" charset="0"/>
-              </a:rPr>
-              <a:t>return</a:t>
+              <a:t>        .</a:t>
+            </a:r>
+            <a:r>
+              <a:rPr lang="en-US" sz="2400" dirty="0">
+                <a:solidFill>
+                  <a:srgbClr val="DCDCAA"/>
+                </a:solidFill>
+                <a:latin typeface="Consolas" panose="020B0609020204030204" pitchFamily="49" charset="0"/>
+              </a:rPr>
+              <a:t>map</a:t>
             </a:r>
             <a:r>
               <a:rPr lang="en-US" sz="2400" dirty="0">
@@ -32008,16 +31536,70 @@
                 </a:solidFill>
                 <a:latin typeface="Consolas" panose="020B0609020204030204" pitchFamily="49" charset="0"/>
               </a:rPr>
+              <a:t>((</a:t>
+            </a:r>
+            <a:r>
+              <a:rPr lang="en-US" sz="2400" dirty="0">
+                <a:solidFill>
+                  <a:srgbClr val="9CDCFE"/>
+                </a:solidFill>
+                <a:latin typeface="Consolas" panose="020B0609020204030204" pitchFamily="49" charset="0"/>
+              </a:rPr>
+              <a:t>res</a:t>
+            </a:r>
+            <a:r>
+              <a:rPr lang="en-US" sz="2400" dirty="0">
+                <a:solidFill>
+                  <a:srgbClr val="D4D4D4"/>
+                </a:solidFill>
+                <a:latin typeface="Consolas" panose="020B0609020204030204" pitchFamily="49" charset="0"/>
+              </a:rPr>
+              <a:t>: </a:t>
+            </a:r>
+            <a:r>
+              <a:rPr lang="en-US" sz="2400" dirty="0">
+                <a:solidFill>
+                  <a:srgbClr val="4EC9B0"/>
+                </a:solidFill>
+                <a:latin typeface="Consolas" panose="020B0609020204030204" pitchFamily="49" charset="0"/>
+              </a:rPr>
+              <a:t>Response</a:t>
+            </a:r>
+            <a:r>
+              <a:rPr lang="en-US" sz="2400" dirty="0">
+                <a:solidFill>
+                  <a:srgbClr val="D4D4D4"/>
+                </a:solidFill>
+                <a:latin typeface="Consolas" panose="020B0609020204030204" pitchFamily="49" charset="0"/>
+              </a:rPr>
+              <a:t>) </a:t>
+            </a:r>
+            <a:r>
+              <a:rPr lang="en-US" sz="2400" dirty="0">
+                <a:solidFill>
+                  <a:srgbClr val="569CD6"/>
+                </a:solidFill>
+                <a:latin typeface="Consolas" panose="020B0609020204030204" pitchFamily="49" charset="0"/>
+              </a:rPr>
+              <a:t>=&gt;</a:t>
+            </a:r>
+            <a:r>
+              <a:rPr lang="en-US" sz="2400" dirty="0">
+                <a:solidFill>
+                  <a:srgbClr val="D4D4D4"/>
+                </a:solidFill>
+                <a:latin typeface="Consolas" panose="020B0609020204030204" pitchFamily="49" charset="0"/>
+              </a:rPr>
               <a:t> </a:t>
             </a:r>
             <a:r>
               <a:rPr lang="en-US" sz="2400" dirty="0" err="1">
                 <a:solidFill>
-                  <a:srgbClr val="569CD6"/>
-                </a:solidFill>
-                <a:latin typeface="Consolas" panose="020B0609020204030204" pitchFamily="49" charset="0"/>
-              </a:rPr>
-              <a:t>this</a:t>
+                  <a:srgbClr val="9CDCFE"/>
+                </a:solidFill>
+                <a:latin typeface="Consolas" panose="020B0609020204030204" pitchFamily="49" charset="0"/>
+              </a:rPr>
+              <a:t>res</a:t>
             </a:r>
             <a:r>
               <a:rPr lang="en-US" sz="2400" dirty="0" err="1">
@@ -32031,48 +31613,47 @@
             <a:r>
               <a:rPr lang="en-US" sz="2400" dirty="0" err="1">
                 <a:solidFill>
+                  <a:srgbClr val="DCDCAA"/>
+                </a:solidFill>
+                <a:latin typeface="Consolas" panose="020B0609020204030204" pitchFamily="49" charset="0"/>
+              </a:rPr>
+              <a:t>json</a:t>
+            </a:r>
+            <a:r>
+              <a:rPr lang="en-US" sz="2400" dirty="0">
+                <a:solidFill>
+                  <a:srgbClr val="D4D4D4"/>
+                </a:solidFill>
+                <a:latin typeface="Consolas" panose="020B0609020204030204" pitchFamily="49" charset="0"/>
+              </a:rPr>
+              <a:t>().</a:t>
+            </a:r>
+            <a:r>
+              <a:rPr lang="en-US" sz="2400" dirty="0">
+                <a:solidFill>
                   <a:srgbClr val="9CDCFE"/>
                 </a:solidFill>
                 <a:latin typeface="Consolas" panose="020B0609020204030204" pitchFamily="49" charset="0"/>
               </a:rPr>
-              <a:t>http</a:t>
-            </a:r>
-            <a:r>
-              <a:rPr lang="en-US" sz="2400" dirty="0" err="1">
+              <a:t>data</a:t>
+            </a:r>
+            <a:r>
+              <a:rPr lang="en-US" sz="2400" dirty="0">
                 <a:solidFill>
                   <a:srgbClr val="D4D4D4"/>
                 </a:solidFill>
                 <a:latin typeface="Consolas" panose="020B0609020204030204" pitchFamily="49" charset="0"/>
               </a:rPr>
-              <a:t>.</a:t>
-            </a:r>
-            <a:r>
-              <a:rPr lang="en-US" sz="2400" dirty="0" err="1">
-                <a:solidFill>
-                  <a:srgbClr val="DCDCAA"/>
-                </a:solidFill>
-                <a:latin typeface="Consolas" panose="020B0609020204030204" pitchFamily="49" charset="0"/>
-              </a:rPr>
-              <a:t>get</a:t>
-            </a:r>
-            <a:r>
+              <a:t>);</a:t>
+            </a:r>
+            <a:br>
               <a:rPr lang="en-US" sz="2400" dirty="0">
                 <a:solidFill>
                   <a:srgbClr val="D4D4D4"/>
                 </a:solidFill>
                 <a:latin typeface="Consolas" panose="020B0609020204030204" pitchFamily="49" charset="0"/>
               </a:rPr>
-              <a:t>(</a:t>
-            </a:r>
-            <a:r>
-              <a:rPr lang="en-US" sz="2400" dirty="0" err="1">
-                <a:solidFill>
-                  <a:srgbClr val="9CDCFE"/>
-                </a:solidFill>
-                <a:latin typeface="Consolas" panose="020B0609020204030204" pitchFamily="49" charset="0"/>
-              </a:rPr>
-              <a:t>vehiclerUrl</a:t>
-            </a:r>
+            </a:br>
             <a:r>
               <a:rPr lang="en-US" sz="2400" dirty="0">
                 <a:solidFill>
@@ -32080,7 +31661,7 @@
                 </a:solidFill>
                 <a:latin typeface="Consolas" panose="020B0609020204030204" pitchFamily="49" charset="0"/>
               </a:rPr>
-              <a:t>)</a:t>
+              <a:t>    }</a:t>
             </a:r>
             <a:br>
               <a:rPr lang="en-US" sz="2400" dirty="0">
@@ -32092,166 +31673,6 @@
             </a:br>
             <a:r>
               <a:rPr lang="en-US" sz="2400" dirty="0">
-                <a:solidFill>
-                  <a:srgbClr val="D4D4D4"/>
-                </a:solidFill>
-                <a:latin typeface="Consolas" panose="020B0609020204030204" pitchFamily="49" charset="0"/>
-              </a:rPr>
-              <a:t>        .</a:t>
-            </a:r>
-            <a:r>
-              <a:rPr lang="en-US" sz="2400" dirty="0">
-                <a:solidFill>
-                  <a:srgbClr val="DCDCAA"/>
-                </a:solidFill>
-                <a:latin typeface="Consolas" panose="020B0609020204030204" pitchFamily="49" charset="0"/>
-              </a:rPr>
-              <a:t>map</a:t>
-            </a:r>
-            <a:r>
-              <a:rPr lang="en-US" sz="2400" dirty="0">
-                <a:solidFill>
-                  <a:srgbClr val="D4D4D4"/>
-                </a:solidFill>
-                <a:latin typeface="Consolas" panose="020B0609020204030204" pitchFamily="49" charset="0"/>
-              </a:rPr>
-              <a:t>((</a:t>
-            </a:r>
-            <a:r>
-              <a:rPr lang="en-US" sz="2400" dirty="0">
-                <a:solidFill>
-                  <a:srgbClr val="9CDCFE"/>
-                </a:solidFill>
-                <a:latin typeface="Consolas" panose="020B0609020204030204" pitchFamily="49" charset="0"/>
-              </a:rPr>
-              <a:t>res</a:t>
-            </a:r>
-            <a:r>
-              <a:rPr lang="en-US" sz="2400" dirty="0">
-                <a:solidFill>
-                  <a:srgbClr val="D4D4D4"/>
-                </a:solidFill>
-                <a:latin typeface="Consolas" panose="020B0609020204030204" pitchFamily="49" charset="0"/>
-              </a:rPr>
-              <a:t>: </a:t>
-            </a:r>
-            <a:r>
-              <a:rPr lang="en-US" sz="2400" dirty="0">
-                <a:solidFill>
-                  <a:srgbClr val="4EC9B0"/>
-                </a:solidFill>
-                <a:latin typeface="Consolas" panose="020B0609020204030204" pitchFamily="49" charset="0"/>
-              </a:rPr>
-              <a:t>Response</a:t>
-            </a:r>
-            <a:r>
-              <a:rPr lang="en-US" sz="2400" dirty="0">
-                <a:solidFill>
-                  <a:srgbClr val="D4D4D4"/>
-                </a:solidFill>
-                <a:latin typeface="Consolas" panose="020B0609020204030204" pitchFamily="49" charset="0"/>
-              </a:rPr>
-              <a:t>) </a:t>
-            </a:r>
-            <a:r>
-              <a:rPr lang="en-US" sz="2400" dirty="0">
-                <a:solidFill>
-                  <a:srgbClr val="569CD6"/>
-                </a:solidFill>
-                <a:latin typeface="Consolas" panose="020B0609020204030204" pitchFamily="49" charset="0"/>
-              </a:rPr>
-              <a:t>=&gt;</a:t>
-            </a:r>
-            <a:r>
-              <a:rPr lang="en-US" sz="2400" dirty="0">
-                <a:solidFill>
-                  <a:srgbClr val="D4D4D4"/>
-                </a:solidFill>
-                <a:latin typeface="Consolas" panose="020B0609020204030204" pitchFamily="49" charset="0"/>
-              </a:rPr>
-              <a:t> </a:t>
-            </a:r>
-            <a:r>
-              <a:rPr lang="en-US" sz="2400" dirty="0" err="1">
-                <a:solidFill>
-                  <a:srgbClr val="9CDCFE"/>
-                </a:solidFill>
-                <a:latin typeface="Consolas" panose="020B0609020204030204" pitchFamily="49" charset="0"/>
-              </a:rPr>
-              <a:t>res</a:t>
-            </a:r>
-            <a:r>
-              <a:rPr lang="en-US" sz="2400" dirty="0" err="1">
-                <a:solidFill>
-                  <a:srgbClr val="D4D4D4"/>
-                </a:solidFill>
-                <a:latin typeface="Consolas" panose="020B0609020204030204" pitchFamily="49" charset="0"/>
-              </a:rPr>
-              <a:t>.</a:t>
-            </a:r>
-            <a:r>
-              <a:rPr lang="en-US" sz="2400" dirty="0" err="1">
-                <a:solidFill>
-                  <a:srgbClr val="DCDCAA"/>
-                </a:solidFill>
-                <a:latin typeface="Consolas" panose="020B0609020204030204" pitchFamily="49" charset="0"/>
-              </a:rPr>
-              <a:t>json</a:t>
-            </a:r>
-            <a:r>
-              <a:rPr lang="en-US" sz="2400" dirty="0">
-                <a:solidFill>
-                  <a:srgbClr val="D4D4D4"/>
-                </a:solidFill>
-                <a:latin typeface="Consolas" panose="020B0609020204030204" pitchFamily="49" charset="0"/>
-              </a:rPr>
-              <a:t>().</a:t>
-            </a:r>
-            <a:r>
-              <a:rPr lang="en-US" sz="2400" dirty="0">
-                <a:solidFill>
-                  <a:srgbClr val="9CDCFE"/>
-                </a:solidFill>
-                <a:latin typeface="Consolas" panose="020B0609020204030204" pitchFamily="49" charset="0"/>
-              </a:rPr>
-              <a:t>data</a:t>
-            </a:r>
-            <a:r>
-              <a:rPr lang="en-US" sz="2400" dirty="0">
-                <a:solidFill>
-                  <a:srgbClr val="D4D4D4"/>
-                </a:solidFill>
-                <a:latin typeface="Consolas" panose="020B0609020204030204" pitchFamily="49" charset="0"/>
-              </a:rPr>
-              <a:t>);</a:t>
-            </a:r>
-            <a:br>
-              <a:rPr lang="en-US" sz="2400" dirty="0">
-                <a:solidFill>
-                  <a:srgbClr val="D4D4D4"/>
-                </a:solidFill>
-                <a:latin typeface="Consolas" panose="020B0609020204030204" pitchFamily="49" charset="0"/>
-              </a:rPr>
-            </a:br>
-            <a:r>
-              <a:rPr lang="en-US" sz="2400" dirty="0">
-                <a:solidFill>
-                  <a:srgbClr val="D4D4D4"/>
-                </a:solidFill>
-                <a:latin typeface="Consolas" panose="020B0609020204030204" pitchFamily="49" charset="0"/>
-              </a:rPr>
-              <a:t>    }</a:t>
-            </a:r>
-            <a:br>
-              <a:rPr lang="en-US" sz="2400" dirty="0">
-                <a:solidFill>
-                  <a:srgbClr val="D4D4D4"/>
-                </a:solidFill>
-                <a:latin typeface="Consolas" panose="020B0609020204030204" pitchFamily="49" charset="0"/>
-              </a:rPr>
-            </a:br>
-            <a:r>
-              <a:rPr lang="en-US" sz="2400" dirty="0" smtClean="0">
                 <a:solidFill>
                   <a:srgbClr val="D4D4D4"/>
                 </a:solidFill>
@@ -32292,7 +31713,7 @@
           <a:lstStyle/>
           <a:p>
             <a:r>
-              <a:rPr lang="en-US" dirty="0" smtClean="0"/>
+              <a:rPr lang="en-US" dirty="0"/>
               <a:t>Injecting a Service into a Service</a:t>
             </a:r>
             <a:endParaRPr lang="bg-BG" dirty="0"/>
@@ -32309,13 +31730,6 @@
   <p:clrMapOvr>
     <a:masterClrMapping/>
   </p:clrMapOvr>
-  <p:timing>
-    <p:tnLst>
-      <p:par>
-        <p:cTn id="1" dur="indefinite" restart="never" nodeType="tmRoot"/>
-      </p:par>
-    </p:tnLst>
-  </p:timing>
 </p:sld>
 </file>
 
@@ -34122,14 +33536,6 @@
               </a:rPr>
               <a:t>TypeScript</a:t>
             </a:r>
-            <a:r>
-              <a:rPr lang="en-US" dirty="0">
-                <a:solidFill>
-                  <a:schemeClr val="bg1"/>
-                </a:solidFill>
-              </a:rPr>
-              <a:t/>
-            </a:r>
             <a:br>
               <a:rPr lang="en-US" dirty="0">
                 <a:solidFill>
@@ -34216,14 +33622,6 @@
                 </a:solidFill>
               </a:rPr>
               <a:t>ES6</a:t>
-            </a:r>
-            <a:r>
-              <a:rPr lang="en-US" dirty="0">
-                <a:solidFill>
-                  <a:schemeClr val="bg1"/>
-                </a:solidFill>
-              </a:rPr>
-              <a:t/>
             </a:r>
             <a:br>
               <a:rPr lang="en-US" dirty="0">
